--- a/Documents/Зелінський_Олександр.pptx
+++ b/Documents/Зелінський_Олександр.pptx
@@ -4,6 +4,9 @@
   <p:sldMasterIdLst>
     <p:sldMasterId id="2147483728" r:id="rId1"/>
   </p:sldMasterIdLst>
+  <p:notesMasterIdLst>
+    <p:notesMasterId r:id="rId17"/>
+  </p:notesMasterIdLst>
   <p:sldIdLst>
     <p:sldId id="256" r:id="rId2"/>
     <p:sldId id="257" r:id="rId3"/>
@@ -11,14 +14,15 @@
     <p:sldId id="259" r:id="rId5"/>
     <p:sldId id="262" r:id="rId6"/>
     <p:sldId id="263" r:id="rId7"/>
-    <p:sldId id="261" r:id="rId8"/>
-    <p:sldId id="270" r:id="rId9"/>
-    <p:sldId id="267" r:id="rId10"/>
-    <p:sldId id="268" r:id="rId11"/>
-    <p:sldId id="269" r:id="rId12"/>
-    <p:sldId id="264" r:id="rId13"/>
-    <p:sldId id="265" r:id="rId14"/>
-    <p:sldId id="258" r:id="rId15"/>
+    <p:sldId id="270" r:id="rId8"/>
+    <p:sldId id="261" r:id="rId9"/>
+    <p:sldId id="271" r:id="rId10"/>
+    <p:sldId id="267" r:id="rId11"/>
+    <p:sldId id="272" r:id="rId12"/>
+    <p:sldId id="273" r:id="rId13"/>
+    <p:sldId id="264" r:id="rId14"/>
+    <p:sldId id="265" r:id="rId15"/>
+    <p:sldId id="258" r:id="rId16"/>
   </p:sldIdLst>
   <p:sldSz cx="12192000" cy="6858000"/>
   <p:notesSz cx="6858000" cy="9144000"/>
@@ -123,6 +127,642 @@
     </p:ext>
   </p:extLst>
 </p:presentation>
+</file>
+
+<file path=ppt/authors.xml><?xml version="1.0" encoding="utf-8"?>
+<p188:authorLst xmlns:a="http://schemas.openxmlformats.org/drawingml/2006/main" xmlns:r="http://schemas.openxmlformats.org/officeDocument/2006/relationships" xmlns:p188="http://schemas.microsoft.com/office/powerpoint/2018/8/main">
+  <p188:author id="{27890802-68FE-2E5C-794B-AF62378273B9}" name="Олександр Зелінський" initials="ОЗ" userId="S::Oleksandr.Zelinskyi@lnu.edu.ua::367ea158-6692-4b65-a7a4-c83d17914954" providerId="AD"/>
+</p188:authorLst>
+</file>
+
+<file path=ppt/notesMasters/notesMaster1.xml><?xml version="1.0" encoding="utf-8"?>
+<p:notesMaster xmlns:a="http://schemas.openxmlformats.org/drawingml/2006/main" xmlns:r="http://schemas.openxmlformats.org/officeDocument/2006/relationships" xmlns:p="http://schemas.openxmlformats.org/presentationml/2006/main">
+  <p:cSld>
+    <p:bg>
+      <p:bgRef idx="1001">
+        <a:schemeClr val="bg1"/>
+      </p:bgRef>
+    </p:bg>
+    <p:spTree>
+      <p:nvGrpSpPr>
+        <p:cNvPr id="1" name=""/>
+        <p:cNvGrpSpPr/>
+        <p:nvPr/>
+      </p:nvGrpSpPr>
+      <p:grpSpPr>
+        <a:xfrm>
+          <a:off x="0" y="0"/>
+          <a:ext cx="0" cy="0"/>
+          <a:chOff x="0" y="0"/>
+          <a:chExt cx="0" cy="0"/>
+        </a:xfrm>
+      </p:grpSpPr>
+      <p:sp>
+        <p:nvSpPr>
+          <p:cNvPr id="2" name="Місце для верхнього колонтитула 1"/>
+          <p:cNvSpPr>
+            <a:spLocks noGrp="1"/>
+          </p:cNvSpPr>
+          <p:nvPr>
+            <p:ph type="hdr" sz="quarter"/>
+          </p:nvPr>
+        </p:nvSpPr>
+        <p:spPr>
+          <a:xfrm>
+            <a:off x="0" y="0"/>
+            <a:ext cx="2971800" cy="458788"/>
+          </a:xfrm>
+          <a:prstGeom prst="rect">
+            <a:avLst/>
+          </a:prstGeom>
+        </p:spPr>
+        <p:txBody>
+          <a:bodyPr vert="horz" lIns="91440" tIns="45720" rIns="91440" bIns="45720" rtlCol="0"/>
+          <a:lstStyle>
+            <a:lvl1pPr algn="l">
+              <a:defRPr sz="1200"/>
+            </a:lvl1pPr>
+          </a:lstStyle>
+          <a:p>
+            <a:endParaRPr lang="en-US"/>
+          </a:p>
+        </p:txBody>
+      </p:sp>
+      <p:sp>
+        <p:nvSpPr>
+          <p:cNvPr id="3" name="Місце для дати 2"/>
+          <p:cNvSpPr>
+            <a:spLocks noGrp="1"/>
+          </p:cNvSpPr>
+          <p:nvPr>
+            <p:ph type="dt" idx="1"/>
+          </p:nvPr>
+        </p:nvSpPr>
+        <p:spPr>
+          <a:xfrm>
+            <a:off x="3884613" y="0"/>
+            <a:ext cx="2971800" cy="458788"/>
+          </a:xfrm>
+          <a:prstGeom prst="rect">
+            <a:avLst/>
+          </a:prstGeom>
+        </p:spPr>
+        <p:txBody>
+          <a:bodyPr vert="horz" lIns="91440" tIns="45720" rIns="91440" bIns="45720" rtlCol="0"/>
+          <a:lstStyle>
+            <a:lvl1pPr algn="r">
+              <a:defRPr sz="1200"/>
+            </a:lvl1pPr>
+          </a:lstStyle>
+          <a:p>
+            <a:fld id="{586FF3FF-D377-4670-B4E0-8859B8BB81C2}" type="datetimeFigureOut">
+              <a:rPr lang="en-US" smtClean="0"/>
+              <a:t>4/10/2022</a:t>
+            </a:fld>
+            <a:endParaRPr lang="en-US"/>
+          </a:p>
+        </p:txBody>
+      </p:sp>
+      <p:sp>
+        <p:nvSpPr>
+          <p:cNvPr id="4" name="Місце для зображення 3"/>
+          <p:cNvSpPr>
+            <a:spLocks noGrp="1" noRot="1" noChangeAspect="1"/>
+          </p:cNvSpPr>
+          <p:nvPr>
+            <p:ph type="sldImg" idx="2"/>
+          </p:nvPr>
+        </p:nvSpPr>
+        <p:spPr>
+          <a:xfrm>
+            <a:off x="685800" y="1143000"/>
+            <a:ext cx="5486400" cy="3086100"/>
+          </a:xfrm>
+          <a:prstGeom prst="rect">
+            <a:avLst/>
+          </a:prstGeom>
+          <a:noFill/>
+          <a:ln w="12700">
+            <a:solidFill>
+              <a:prstClr val="black"/>
+            </a:solidFill>
+          </a:ln>
+        </p:spPr>
+        <p:txBody>
+          <a:bodyPr vert="horz" lIns="91440" tIns="45720" rIns="91440" bIns="45720" rtlCol="0" anchor="ctr"/>
+          <a:lstStyle/>
+          <a:p>
+            <a:endParaRPr lang="en-US"/>
+          </a:p>
+        </p:txBody>
+      </p:sp>
+      <p:sp>
+        <p:nvSpPr>
+          <p:cNvPr id="5" name="Місце для нотаток 4"/>
+          <p:cNvSpPr>
+            <a:spLocks noGrp="1"/>
+          </p:cNvSpPr>
+          <p:nvPr>
+            <p:ph type="body" sz="quarter" idx="3"/>
+          </p:nvPr>
+        </p:nvSpPr>
+        <p:spPr>
+          <a:xfrm>
+            <a:off x="685800" y="4400550"/>
+            <a:ext cx="5486400" cy="3600450"/>
+          </a:xfrm>
+          <a:prstGeom prst="rect">
+            <a:avLst/>
+          </a:prstGeom>
+        </p:spPr>
+        <p:txBody>
+          <a:bodyPr vert="horz" lIns="91440" tIns="45720" rIns="91440" bIns="45720" rtlCol="0"/>
+          <a:lstStyle/>
+          <a:p>
+            <a:pPr lvl="0"/>
+            <a:r>
+              <a:rPr lang="uk-UA"/>
+              <a:t>Клацніть, щоб відредагувати стилі зразків тексту</a:t>
+            </a:r>
+          </a:p>
+          <a:p>
+            <a:pPr lvl="1"/>
+            <a:r>
+              <a:rPr lang="uk-UA"/>
+              <a:t>Другий рівень</a:t>
+            </a:r>
+          </a:p>
+          <a:p>
+            <a:pPr lvl="2"/>
+            <a:r>
+              <a:rPr lang="uk-UA"/>
+              <a:t>Третій рівень</a:t>
+            </a:r>
+          </a:p>
+          <a:p>
+            <a:pPr lvl="3"/>
+            <a:r>
+              <a:rPr lang="uk-UA"/>
+              <a:t>Четвертий рівень</a:t>
+            </a:r>
+          </a:p>
+          <a:p>
+            <a:pPr lvl="4"/>
+            <a:r>
+              <a:rPr lang="uk-UA"/>
+              <a:t>П’ятий рівень</a:t>
+            </a:r>
+            <a:endParaRPr lang="en-US"/>
+          </a:p>
+        </p:txBody>
+      </p:sp>
+      <p:sp>
+        <p:nvSpPr>
+          <p:cNvPr id="6" name="Місце для нижнього колонтитула 5"/>
+          <p:cNvSpPr>
+            <a:spLocks noGrp="1"/>
+          </p:cNvSpPr>
+          <p:nvPr>
+            <p:ph type="ftr" sz="quarter" idx="4"/>
+          </p:nvPr>
+        </p:nvSpPr>
+        <p:spPr>
+          <a:xfrm>
+            <a:off x="0" y="8685213"/>
+            <a:ext cx="2971800" cy="458787"/>
+          </a:xfrm>
+          <a:prstGeom prst="rect">
+            <a:avLst/>
+          </a:prstGeom>
+        </p:spPr>
+        <p:txBody>
+          <a:bodyPr vert="horz" lIns="91440" tIns="45720" rIns="91440" bIns="45720" rtlCol="0" anchor="b"/>
+          <a:lstStyle>
+            <a:lvl1pPr algn="l">
+              <a:defRPr sz="1200"/>
+            </a:lvl1pPr>
+          </a:lstStyle>
+          <a:p>
+            <a:endParaRPr lang="en-US"/>
+          </a:p>
+        </p:txBody>
+      </p:sp>
+      <p:sp>
+        <p:nvSpPr>
+          <p:cNvPr id="7" name="Місце для номера слайда 6"/>
+          <p:cNvSpPr>
+            <a:spLocks noGrp="1"/>
+          </p:cNvSpPr>
+          <p:nvPr>
+            <p:ph type="sldNum" sz="quarter" idx="5"/>
+          </p:nvPr>
+        </p:nvSpPr>
+        <p:spPr>
+          <a:xfrm>
+            <a:off x="3884613" y="8685213"/>
+            <a:ext cx="2971800" cy="458787"/>
+          </a:xfrm>
+          <a:prstGeom prst="rect">
+            <a:avLst/>
+          </a:prstGeom>
+        </p:spPr>
+        <p:txBody>
+          <a:bodyPr vert="horz" lIns="91440" tIns="45720" rIns="91440" bIns="45720" rtlCol="0" anchor="b"/>
+          <a:lstStyle>
+            <a:lvl1pPr algn="r">
+              <a:defRPr sz="1200"/>
+            </a:lvl1pPr>
+          </a:lstStyle>
+          <a:p>
+            <a:fld id="{FFFB1F85-1FC8-4A32-B703-46BE2030F80F}" type="slidenum">
+              <a:rPr lang="en-US" smtClean="0"/>
+              <a:t>‹№›</a:t>
+            </a:fld>
+            <a:endParaRPr lang="en-US"/>
+          </a:p>
+        </p:txBody>
+      </p:sp>
+    </p:spTree>
+    <p:extLst>
+      <p:ext uri="{BB962C8B-B14F-4D97-AF65-F5344CB8AC3E}">
+        <p14:creationId xmlns:p14="http://schemas.microsoft.com/office/powerpoint/2010/main" val="2600413751"/>
+      </p:ext>
+    </p:extLst>
+  </p:cSld>
+  <p:clrMap bg1="lt1" tx1="dk1" bg2="lt2" tx2="dk2" accent1="accent1" accent2="accent2" accent3="accent3" accent4="accent4" accent5="accent5" accent6="accent6" hlink="hlink" folHlink="folHlink"/>
+  <p:notesStyle>
+    <a:lvl1pPr marL="0" algn="l" defTabSz="914400" rtl="0" eaLnBrk="1" latinLnBrk="0" hangingPunct="1">
+      <a:defRPr sz="1200" kern="1200">
+        <a:solidFill>
+          <a:schemeClr val="tx1"/>
+        </a:solidFill>
+        <a:latin typeface="+mn-lt"/>
+        <a:ea typeface="+mn-ea"/>
+        <a:cs typeface="+mn-cs"/>
+      </a:defRPr>
+    </a:lvl1pPr>
+    <a:lvl2pPr marL="457200" algn="l" defTabSz="914400" rtl="0" eaLnBrk="1" latinLnBrk="0" hangingPunct="1">
+      <a:defRPr sz="1200" kern="1200">
+        <a:solidFill>
+          <a:schemeClr val="tx1"/>
+        </a:solidFill>
+        <a:latin typeface="+mn-lt"/>
+        <a:ea typeface="+mn-ea"/>
+        <a:cs typeface="+mn-cs"/>
+      </a:defRPr>
+    </a:lvl2pPr>
+    <a:lvl3pPr marL="914400" algn="l" defTabSz="914400" rtl="0" eaLnBrk="1" latinLnBrk="0" hangingPunct="1">
+      <a:defRPr sz="1200" kern="1200">
+        <a:solidFill>
+          <a:schemeClr val="tx1"/>
+        </a:solidFill>
+        <a:latin typeface="+mn-lt"/>
+        <a:ea typeface="+mn-ea"/>
+        <a:cs typeface="+mn-cs"/>
+      </a:defRPr>
+    </a:lvl3pPr>
+    <a:lvl4pPr marL="1371600" algn="l" defTabSz="914400" rtl="0" eaLnBrk="1" latinLnBrk="0" hangingPunct="1">
+      <a:defRPr sz="1200" kern="1200">
+        <a:solidFill>
+          <a:schemeClr val="tx1"/>
+        </a:solidFill>
+        <a:latin typeface="+mn-lt"/>
+        <a:ea typeface="+mn-ea"/>
+        <a:cs typeface="+mn-cs"/>
+      </a:defRPr>
+    </a:lvl4pPr>
+    <a:lvl5pPr marL="1828800" algn="l" defTabSz="914400" rtl="0" eaLnBrk="1" latinLnBrk="0" hangingPunct="1">
+      <a:defRPr sz="1200" kern="1200">
+        <a:solidFill>
+          <a:schemeClr val="tx1"/>
+        </a:solidFill>
+        <a:latin typeface="+mn-lt"/>
+        <a:ea typeface="+mn-ea"/>
+        <a:cs typeface="+mn-cs"/>
+      </a:defRPr>
+    </a:lvl5pPr>
+    <a:lvl6pPr marL="2286000" algn="l" defTabSz="914400" rtl="0" eaLnBrk="1" latinLnBrk="0" hangingPunct="1">
+      <a:defRPr sz="1200" kern="1200">
+        <a:solidFill>
+          <a:schemeClr val="tx1"/>
+        </a:solidFill>
+        <a:latin typeface="+mn-lt"/>
+        <a:ea typeface="+mn-ea"/>
+        <a:cs typeface="+mn-cs"/>
+      </a:defRPr>
+    </a:lvl6pPr>
+    <a:lvl7pPr marL="2743200" algn="l" defTabSz="914400" rtl="0" eaLnBrk="1" latinLnBrk="0" hangingPunct="1">
+      <a:defRPr sz="1200" kern="1200">
+        <a:solidFill>
+          <a:schemeClr val="tx1"/>
+        </a:solidFill>
+        <a:latin typeface="+mn-lt"/>
+        <a:ea typeface="+mn-ea"/>
+        <a:cs typeface="+mn-cs"/>
+      </a:defRPr>
+    </a:lvl7pPr>
+    <a:lvl8pPr marL="3200400" algn="l" defTabSz="914400" rtl="0" eaLnBrk="1" latinLnBrk="0" hangingPunct="1">
+      <a:defRPr sz="1200" kern="1200">
+        <a:solidFill>
+          <a:schemeClr val="tx1"/>
+        </a:solidFill>
+        <a:latin typeface="+mn-lt"/>
+        <a:ea typeface="+mn-ea"/>
+        <a:cs typeface="+mn-cs"/>
+      </a:defRPr>
+    </a:lvl8pPr>
+    <a:lvl9pPr marL="3657600" algn="l" defTabSz="914400" rtl="0" eaLnBrk="1" latinLnBrk="0" hangingPunct="1">
+      <a:defRPr sz="1200" kern="1200">
+        <a:solidFill>
+          <a:schemeClr val="tx1"/>
+        </a:solidFill>
+        <a:latin typeface="+mn-lt"/>
+        <a:ea typeface="+mn-ea"/>
+        <a:cs typeface="+mn-cs"/>
+      </a:defRPr>
+    </a:lvl9pPr>
+  </p:notesStyle>
+</p:notesMaster>
+</file>
+
+<file path=ppt/notesSlides/notesSlide1.xml><?xml version="1.0" encoding="utf-8"?>
+<p:notes xmlns:a="http://schemas.openxmlformats.org/drawingml/2006/main" xmlns:r="http://schemas.openxmlformats.org/officeDocument/2006/relationships" xmlns:p="http://schemas.openxmlformats.org/presentationml/2006/main">
+  <p:cSld>
+    <p:spTree>
+      <p:nvGrpSpPr>
+        <p:cNvPr id="1" name=""/>
+        <p:cNvGrpSpPr/>
+        <p:nvPr/>
+      </p:nvGrpSpPr>
+      <p:grpSpPr>
+        <a:xfrm>
+          <a:off x="0" y="0"/>
+          <a:ext cx="0" cy="0"/>
+          <a:chOff x="0" y="0"/>
+          <a:chExt cx="0" cy="0"/>
+        </a:xfrm>
+      </p:grpSpPr>
+      <p:sp>
+        <p:nvSpPr>
+          <p:cNvPr id="2" name="Місце для зображення 1"/>
+          <p:cNvSpPr>
+            <a:spLocks noGrp="1" noRot="1" noChangeAspect="1"/>
+          </p:cNvSpPr>
+          <p:nvPr>
+            <p:ph type="sldImg"/>
+          </p:nvPr>
+        </p:nvSpPr>
+        <p:spPr/>
+      </p:sp>
+      <p:sp>
+        <p:nvSpPr>
+          <p:cNvPr id="3" name="Місце для нотаток 2"/>
+          <p:cNvSpPr>
+            <a:spLocks noGrp="1"/>
+          </p:cNvSpPr>
+          <p:nvPr>
+            <p:ph type="body" idx="1"/>
+          </p:nvPr>
+        </p:nvSpPr>
+        <p:spPr/>
+        <p:txBody>
+          <a:bodyPr/>
+          <a:lstStyle/>
+          <a:p>
+            <a:endParaRPr lang="en-US" dirty="0"/>
+          </a:p>
+        </p:txBody>
+      </p:sp>
+      <p:sp>
+        <p:nvSpPr>
+          <p:cNvPr id="4" name="Місце для номера слайда 3"/>
+          <p:cNvSpPr>
+            <a:spLocks noGrp="1"/>
+          </p:cNvSpPr>
+          <p:nvPr>
+            <p:ph type="sldNum" sz="quarter" idx="5"/>
+          </p:nvPr>
+        </p:nvSpPr>
+        <p:spPr/>
+        <p:txBody>
+          <a:bodyPr/>
+          <a:lstStyle/>
+          <a:p>
+            <a:fld id="{FFFB1F85-1FC8-4A32-B703-46BE2030F80F}" type="slidenum">
+              <a:rPr lang="en-US" smtClean="0"/>
+              <a:t>9</a:t>
+            </a:fld>
+            <a:endParaRPr lang="en-US"/>
+          </a:p>
+        </p:txBody>
+      </p:sp>
+    </p:spTree>
+    <p:extLst>
+      <p:ext uri="{BB962C8B-B14F-4D97-AF65-F5344CB8AC3E}">
+        <p14:creationId xmlns:p14="http://schemas.microsoft.com/office/powerpoint/2010/main" val="673690173"/>
+      </p:ext>
+    </p:extLst>
+  </p:cSld>
+  <p:clrMapOvr>
+    <a:masterClrMapping/>
+  </p:clrMapOvr>
+</p:notes>
+</file>
+
+<file path=ppt/notesSlides/notesSlide2.xml><?xml version="1.0" encoding="utf-8"?>
+<p:notes xmlns:a="http://schemas.openxmlformats.org/drawingml/2006/main" xmlns:r="http://schemas.openxmlformats.org/officeDocument/2006/relationships" xmlns:p="http://schemas.openxmlformats.org/presentationml/2006/main">
+  <p:cSld>
+    <p:spTree>
+      <p:nvGrpSpPr>
+        <p:cNvPr id="1" name=""/>
+        <p:cNvGrpSpPr/>
+        <p:nvPr/>
+      </p:nvGrpSpPr>
+      <p:grpSpPr>
+        <a:xfrm>
+          <a:off x="0" y="0"/>
+          <a:ext cx="0" cy="0"/>
+          <a:chOff x="0" y="0"/>
+          <a:chExt cx="0" cy="0"/>
+        </a:xfrm>
+      </p:grpSpPr>
+      <p:sp>
+        <p:nvSpPr>
+          <p:cNvPr id="2" name="Місце для зображення 1"/>
+          <p:cNvSpPr>
+            <a:spLocks noGrp="1" noRot="1" noChangeAspect="1"/>
+          </p:cNvSpPr>
+          <p:nvPr>
+            <p:ph type="sldImg"/>
+          </p:nvPr>
+        </p:nvSpPr>
+        <p:spPr/>
+      </p:sp>
+      <p:sp>
+        <p:nvSpPr>
+          <p:cNvPr id="3" name="Місце для нотаток 2"/>
+          <p:cNvSpPr>
+            <a:spLocks noGrp="1"/>
+          </p:cNvSpPr>
+          <p:nvPr>
+            <p:ph type="body" idx="1"/>
+          </p:nvPr>
+        </p:nvSpPr>
+        <p:spPr/>
+        <p:txBody>
+          <a:bodyPr/>
+          <a:lstStyle/>
+          <a:p>
+            <a:pPr marL="0" marR="0" lvl="0" indent="0" algn="l" defTabSz="914400" rtl="0" eaLnBrk="1" fontAlgn="auto" latinLnBrk="0" hangingPunct="1">
+              <a:lnSpc>
+                <a:spcPct val="100000"/>
+              </a:lnSpc>
+              <a:spcBef>
+                <a:spcPts val="0"/>
+              </a:spcBef>
+              <a:spcAft>
+                <a:spcPts val="0"/>
+              </a:spcAft>
+              <a:buClrTx/>
+              <a:buSzTx/>
+              <a:buFontTx/>
+              <a:buNone/>
+              <a:tabLst/>
+              <a:defRPr/>
+            </a:pPr>
+            <a:r>
+              <a:rPr lang="uk-UA" dirty="0"/>
+              <a:t>Алгоритм k-середніх не застосовується до даних з якісними змінними, оскільки якісні змінні є дискретними і не мають природного походження. Отже, обчислення евклідової відстані для такого простору, не має сенсу.</a:t>
+            </a:r>
+            <a:endParaRPr lang="en-US" dirty="0"/>
+          </a:p>
+          <a:p>
+            <a:endParaRPr lang="en-US" dirty="0"/>
+          </a:p>
+        </p:txBody>
+      </p:sp>
+      <p:sp>
+        <p:nvSpPr>
+          <p:cNvPr id="4" name="Місце для номера слайда 3"/>
+          <p:cNvSpPr>
+            <a:spLocks noGrp="1"/>
+          </p:cNvSpPr>
+          <p:nvPr>
+            <p:ph type="sldNum" sz="quarter" idx="5"/>
+          </p:nvPr>
+        </p:nvSpPr>
+        <p:spPr/>
+        <p:txBody>
+          <a:bodyPr/>
+          <a:lstStyle/>
+          <a:p>
+            <a:fld id="{FFFB1F85-1FC8-4A32-B703-46BE2030F80F}" type="slidenum">
+              <a:rPr lang="en-US" smtClean="0"/>
+              <a:t>10</a:t>
+            </a:fld>
+            <a:endParaRPr lang="en-US"/>
+          </a:p>
+        </p:txBody>
+      </p:sp>
+    </p:spTree>
+    <p:extLst>
+      <p:ext uri="{BB962C8B-B14F-4D97-AF65-F5344CB8AC3E}">
+        <p14:creationId xmlns:p14="http://schemas.microsoft.com/office/powerpoint/2010/main" val="1369973263"/>
+      </p:ext>
+    </p:extLst>
+  </p:cSld>
+  <p:clrMapOvr>
+    <a:masterClrMapping/>
+  </p:clrMapOvr>
+</p:notes>
+</file>
+
+<file path=ppt/notesSlides/notesSlide3.xml><?xml version="1.0" encoding="utf-8"?>
+<p:notes xmlns:a="http://schemas.openxmlformats.org/drawingml/2006/main" xmlns:r="http://schemas.openxmlformats.org/officeDocument/2006/relationships" xmlns:p="http://schemas.openxmlformats.org/presentationml/2006/main">
+  <p:cSld>
+    <p:spTree>
+      <p:nvGrpSpPr>
+        <p:cNvPr id="1" name=""/>
+        <p:cNvGrpSpPr/>
+        <p:nvPr/>
+      </p:nvGrpSpPr>
+      <p:grpSpPr>
+        <a:xfrm>
+          <a:off x="0" y="0"/>
+          <a:ext cx="0" cy="0"/>
+          <a:chOff x="0" y="0"/>
+          <a:chExt cx="0" cy="0"/>
+        </a:xfrm>
+      </p:grpSpPr>
+      <p:sp>
+        <p:nvSpPr>
+          <p:cNvPr id="2" name="Місце для зображення 1"/>
+          <p:cNvSpPr>
+            <a:spLocks noGrp="1" noRot="1" noChangeAspect="1"/>
+          </p:cNvSpPr>
+          <p:nvPr>
+            <p:ph type="sldImg"/>
+          </p:nvPr>
+        </p:nvSpPr>
+        <p:spPr/>
+      </p:sp>
+      <p:sp>
+        <p:nvSpPr>
+          <p:cNvPr id="3" name="Місце для нотаток 2"/>
+          <p:cNvSpPr>
+            <a:spLocks noGrp="1"/>
+          </p:cNvSpPr>
+          <p:nvPr>
+            <p:ph type="body" idx="1"/>
+          </p:nvPr>
+        </p:nvSpPr>
+        <p:spPr/>
+        <p:txBody>
+          <a:bodyPr/>
+          <a:lstStyle/>
+          <a:p>
+            <a:r>
+              <a:rPr lang="uk-UA" dirty="0"/>
+              <a:t>Для визначення оптимальної кількості кластерів використовується ліктьовий метод</a:t>
+            </a:r>
+            <a:endParaRPr lang="en-US" dirty="0"/>
+          </a:p>
+        </p:txBody>
+      </p:sp>
+      <p:sp>
+        <p:nvSpPr>
+          <p:cNvPr id="4" name="Місце для номера слайда 3"/>
+          <p:cNvSpPr>
+            <a:spLocks noGrp="1"/>
+          </p:cNvSpPr>
+          <p:nvPr>
+            <p:ph type="sldNum" sz="quarter" idx="5"/>
+          </p:nvPr>
+        </p:nvSpPr>
+        <p:spPr/>
+        <p:txBody>
+          <a:bodyPr/>
+          <a:lstStyle/>
+          <a:p>
+            <a:fld id="{FFFB1F85-1FC8-4A32-B703-46BE2030F80F}" type="slidenum">
+              <a:rPr lang="en-US" smtClean="0"/>
+              <a:t>11</a:t>
+            </a:fld>
+            <a:endParaRPr lang="en-US"/>
+          </a:p>
+        </p:txBody>
+      </p:sp>
+    </p:spTree>
+    <p:extLst>
+      <p:ext uri="{BB962C8B-B14F-4D97-AF65-F5344CB8AC3E}">
+        <p14:creationId xmlns:p14="http://schemas.microsoft.com/office/powerpoint/2010/main" val="4053831995"/>
+      </p:ext>
+    </p:extLst>
+  </p:cSld>
+  <p:clrMapOvr>
+    <a:masterClrMapping/>
+  </p:clrMapOvr>
+</p:notes>
 </file>
 
 <file path=ppt/slideLayouts/slideLayout1.xml><?xml version="1.0" encoding="utf-8"?>
@@ -870,7 +1510,7 @@
           <a:p>
             <a:fld id="{716955FD-5218-4B18-8B2D-05970B9A6621}" type="datetimeFigureOut">
               <a:rPr lang="en-US" smtClean="0"/>
-              <a:t>12/6/2021</a:t>
+              <a:t>4/10/2022</a:t>
             </a:fld>
             <a:endParaRPr lang="en-US"/>
           </a:p>
@@ -1121,7 +1761,7 @@
           <a:p>
             <a:fld id="{716955FD-5218-4B18-8B2D-05970B9A6621}" type="datetimeFigureOut">
               <a:rPr lang="en-US" smtClean="0"/>
-              <a:t>12/6/2021</a:t>
+              <a:t>4/10/2022</a:t>
             </a:fld>
             <a:endParaRPr lang="en-US"/>
           </a:p>
@@ -1435,7 +2075,7 @@
           <a:p>
             <a:fld id="{716955FD-5218-4B18-8B2D-05970B9A6621}" type="datetimeFigureOut">
               <a:rPr lang="en-US" smtClean="0"/>
-              <a:t>12/6/2021</a:t>
+              <a:t>4/10/2022</a:t>
             </a:fld>
             <a:endParaRPr lang="en-US"/>
           </a:p>
@@ -1768,7 +2408,7 @@
           <a:p>
             <a:fld id="{716955FD-5218-4B18-8B2D-05970B9A6621}" type="datetimeFigureOut">
               <a:rPr lang="en-US" smtClean="0"/>
-              <a:t>12/6/2021</a:t>
+              <a:t>4/10/2022</a:t>
             </a:fld>
             <a:endParaRPr lang="en-US"/>
           </a:p>
@@ -2082,7 +2722,7 @@
           <a:p>
             <a:fld id="{716955FD-5218-4B18-8B2D-05970B9A6621}" type="datetimeFigureOut">
               <a:rPr lang="en-US" smtClean="0"/>
-              <a:t>12/6/2021</a:t>
+              <a:t>4/10/2022</a:t>
             </a:fld>
             <a:endParaRPr lang="en-US"/>
           </a:p>
@@ -2475,7 +3115,7 @@
           <a:p>
             <a:fld id="{716955FD-5218-4B18-8B2D-05970B9A6621}" type="datetimeFigureOut">
               <a:rPr lang="en-US" smtClean="0"/>
-              <a:t>12/6/2021</a:t>
+              <a:t>4/10/2022</a:t>
             </a:fld>
             <a:endParaRPr lang="en-US"/>
           </a:p>
@@ -2645,7 +3285,7 @@
           <a:p>
             <a:fld id="{716955FD-5218-4B18-8B2D-05970B9A6621}" type="datetimeFigureOut">
               <a:rPr lang="en-US" smtClean="0"/>
-              <a:t>12/6/2021</a:t>
+              <a:t>4/10/2022</a:t>
             </a:fld>
             <a:endParaRPr lang="en-US"/>
           </a:p>
@@ -2825,7 +3465,7 @@
           <a:p>
             <a:fld id="{716955FD-5218-4B18-8B2D-05970B9A6621}" type="datetimeFigureOut">
               <a:rPr lang="en-US" smtClean="0"/>
-              <a:t>12/6/2021</a:t>
+              <a:t>4/10/2022</a:t>
             </a:fld>
             <a:endParaRPr lang="en-US"/>
           </a:p>
@@ -2995,7 +3635,7 @@
           <a:p>
             <a:fld id="{716955FD-5218-4B18-8B2D-05970B9A6621}" type="datetimeFigureOut">
               <a:rPr lang="en-US" smtClean="0"/>
-              <a:t>12/6/2021</a:t>
+              <a:t>4/10/2022</a:t>
             </a:fld>
             <a:endParaRPr lang="en-US"/>
           </a:p>
@@ -3242,7 +3882,7 @@
           <a:p>
             <a:fld id="{716955FD-5218-4B18-8B2D-05970B9A6621}" type="datetimeFigureOut">
               <a:rPr lang="en-US" smtClean="0"/>
-              <a:t>12/6/2021</a:t>
+              <a:t>4/10/2022</a:t>
             </a:fld>
             <a:endParaRPr lang="en-US"/>
           </a:p>
@@ -3474,7 +4114,7 @@
           <a:p>
             <a:fld id="{716955FD-5218-4B18-8B2D-05970B9A6621}" type="datetimeFigureOut">
               <a:rPr lang="en-US" smtClean="0"/>
-              <a:t>12/6/2021</a:t>
+              <a:t>4/10/2022</a:t>
             </a:fld>
             <a:endParaRPr lang="en-US"/>
           </a:p>
@@ -3848,7 +4488,7 @@
           <a:p>
             <a:fld id="{716955FD-5218-4B18-8B2D-05970B9A6621}" type="datetimeFigureOut">
               <a:rPr lang="en-US" smtClean="0"/>
-              <a:t>12/6/2021</a:t>
+              <a:t>4/10/2022</a:t>
             </a:fld>
             <a:endParaRPr lang="en-US"/>
           </a:p>
@@ -3971,7 +4611,7 @@
           <a:p>
             <a:fld id="{716955FD-5218-4B18-8B2D-05970B9A6621}" type="datetimeFigureOut">
               <a:rPr lang="en-US" smtClean="0"/>
-              <a:t>12/6/2021</a:t>
+              <a:t>4/10/2022</a:t>
             </a:fld>
             <a:endParaRPr lang="en-US"/>
           </a:p>
@@ -4066,7 +4706,7 @@
           <a:p>
             <a:fld id="{716955FD-5218-4B18-8B2D-05970B9A6621}" type="datetimeFigureOut">
               <a:rPr lang="en-US" smtClean="0"/>
-              <a:t>12/6/2021</a:t>
+              <a:t>4/10/2022</a:t>
             </a:fld>
             <a:endParaRPr lang="en-US"/>
           </a:p>
@@ -4321,7 +4961,7 @@
           <a:p>
             <a:fld id="{716955FD-5218-4B18-8B2D-05970B9A6621}" type="datetimeFigureOut">
               <a:rPr lang="en-US" smtClean="0"/>
-              <a:t>12/6/2021</a:t>
+              <a:t>4/10/2022</a:t>
             </a:fld>
             <a:endParaRPr lang="en-US"/>
           </a:p>
@@ -4626,7 +5266,7 @@
           <a:p>
             <a:fld id="{716955FD-5218-4B18-8B2D-05970B9A6621}" type="datetimeFigureOut">
               <a:rPr lang="en-US" smtClean="0"/>
-              <a:t>12/6/2021</a:t>
+              <a:t>4/10/2022</a:t>
             </a:fld>
             <a:endParaRPr lang="en-US"/>
           </a:p>
@@ -5328,7 +5968,7 @@
           <a:p>
             <a:fld id="{716955FD-5218-4B18-8B2D-05970B9A6621}" type="datetimeFigureOut">
               <a:rPr lang="en-US" smtClean="0"/>
-              <a:t>12/6/2021</a:t>
+              <a:t>4/10/2022</a:t>
             </a:fld>
             <a:endParaRPr lang="en-US"/>
           </a:p>
@@ -6066,10 +6706,127 @@
       </p:grpSpPr>
       <p:sp>
         <p:nvSpPr>
+          <p:cNvPr id="12" name="TextBox 11">
+            <a:extLst>
+              <a:ext uri="{FF2B5EF4-FFF2-40B4-BE49-F238E27FC236}">
+                <a16:creationId xmlns:a16="http://schemas.microsoft.com/office/drawing/2014/main" id="{F496239C-7A52-49BA-B41A-0F37433563C0}"/>
+              </a:ext>
+            </a:extLst>
+          </p:cNvPr>
+          <p:cNvSpPr txBox="1"/>
+          <p:nvPr/>
+        </p:nvSpPr>
+        <p:spPr>
+          <a:xfrm>
+            <a:off x="631131" y="2457277"/>
+            <a:ext cx="8491493" cy="2534476"/>
+          </a:xfrm>
+          <a:prstGeom prst="rect">
+            <a:avLst/>
+          </a:prstGeom>
+          <a:noFill/>
+        </p:spPr>
+        <p:txBody>
+          <a:bodyPr wrap="square">
+            <a:spAutoFit/>
+          </a:bodyPr>
+          <a:lstStyle/>
+          <a:p>
+            <a:pPr marL="342900" indent="-342900" algn="just">
+              <a:lnSpc>
+                <a:spcPct val="150000"/>
+              </a:lnSpc>
+              <a:buFont typeface="+mj-lt"/>
+              <a:buAutoNum type="arabicPeriod"/>
+            </a:pPr>
+            <a:r>
+              <a:rPr lang="uk-UA" dirty="0"/>
+              <a:t>Відстань між двома точками даних </a:t>
+            </a:r>
+            <a:r>
+              <a:rPr lang="en-US" dirty="0"/>
+              <a:t>X </a:t>
+            </a:r>
+            <a:r>
+              <a:rPr lang="uk-UA" dirty="0"/>
+              <a:t>та </a:t>
+            </a:r>
+            <a:r>
+              <a:rPr lang="en-US" dirty="0"/>
+              <a:t>Y</a:t>
+            </a:r>
+            <a:r>
+              <a:rPr lang="uk-UA" dirty="0"/>
+              <a:t> описується як сума</a:t>
+            </a:r>
+            <a:r>
+              <a:rPr lang="en-US" dirty="0"/>
+              <a:t> </a:t>
+            </a:r>
+            <a:r>
+              <a:rPr lang="uk-UA" dirty="0"/>
+              <a:t>не схожих елементів</a:t>
+            </a:r>
+            <a:r>
+              <a:rPr lang="en-US" dirty="0"/>
+              <a:t>:</a:t>
+            </a:r>
+            <a:r>
+              <a:rPr lang="uk-UA" dirty="0"/>
+              <a:t>  </a:t>
+            </a:r>
+          </a:p>
+          <a:p>
+            <a:pPr marL="342900" indent="-342900" algn="just">
+              <a:lnSpc>
+                <a:spcPct val="150000"/>
+              </a:lnSpc>
+              <a:buFont typeface="+mj-lt"/>
+              <a:buAutoNum type="arabicPeriod"/>
+            </a:pPr>
+            <a:endParaRPr lang="uk-UA" dirty="0"/>
+          </a:p>
+          <a:p>
+            <a:pPr marL="342900" indent="-342900" algn="just">
+              <a:lnSpc>
+                <a:spcPct val="150000"/>
+              </a:lnSpc>
+              <a:buFont typeface="+mj-lt"/>
+              <a:buAutoNum type="arabicPeriod"/>
+            </a:pPr>
+            <a:endParaRPr lang="uk-UA" dirty="0"/>
+          </a:p>
+          <a:p>
+            <a:pPr marL="342900" indent="-342900" algn="just">
+              <a:lnSpc>
+                <a:spcPct val="150000"/>
+              </a:lnSpc>
+              <a:buFont typeface="+mj-lt"/>
+              <a:buAutoNum type="arabicPeriod"/>
+            </a:pPr>
+            <a:endParaRPr lang="uk-UA" dirty="0"/>
+          </a:p>
+          <a:p>
+            <a:pPr marL="342900" indent="-342900" algn="just">
+              <a:lnSpc>
+                <a:spcPct val="150000"/>
+              </a:lnSpc>
+              <a:buFont typeface="+mj-lt"/>
+              <a:buAutoNum type="arabicPeriod"/>
+            </a:pPr>
+            <a:r>
+              <a:rPr lang="uk-UA" dirty="0"/>
+              <a:t>Середнє змінюється на моду</a:t>
+            </a:r>
+          </a:p>
+        </p:txBody>
+      </p:sp>
+      <p:sp>
+        <p:nvSpPr>
           <p:cNvPr id="4" name="Заголовок 1">
             <a:extLst>
               <a:ext uri="{FF2B5EF4-FFF2-40B4-BE49-F238E27FC236}">
-                <a16:creationId xmlns:a16="http://schemas.microsoft.com/office/drawing/2014/main" id="{E921E96E-5F6E-4A6E-A0C7-F31C33B147FD}"/>
+                <a16:creationId xmlns:a16="http://schemas.microsoft.com/office/drawing/2014/main" id="{F8243150-867F-42C4-B527-2FA91B461363}"/>
               </a:ext>
             </a:extLst>
           </p:cNvPr>
@@ -6170,45 +6927,836 @@
                   <a:srgbClr val="0070C0"/>
                 </a:solidFill>
               </a:rPr>
-              <a:t>Результат кластеризації</a:t>
+              <a:t>Метод кластеризації </a:t>
+            </a:r>
+            <a:r>
+              <a:rPr lang="en-US" dirty="0">
+                <a:solidFill>
+                  <a:srgbClr val="0070C0"/>
+                </a:solidFill>
+              </a:rPr>
+              <a:t>k-mods</a:t>
+            </a:r>
+            <a:r>
+              <a:rPr lang="uk-UA" dirty="0">
+                <a:solidFill>
+                  <a:srgbClr val="0070C0"/>
+                </a:solidFill>
+              </a:rPr>
+              <a:t> </a:t>
             </a:r>
           </a:p>
         </p:txBody>
       </p:sp>
-      <p:pic>
-        <p:nvPicPr>
-          <p:cNvPr id="7" name="Рисунок 6">
+      <p:sp>
+        <p:nvSpPr>
+          <p:cNvPr id="6" name="TextBox 5">
             <a:extLst>
               <a:ext uri="{FF2B5EF4-FFF2-40B4-BE49-F238E27FC236}">
-                <a16:creationId xmlns:a16="http://schemas.microsoft.com/office/drawing/2014/main" id="{DDE54055-5808-4268-8740-EADE8120D3F8}"/>
+                <a16:creationId xmlns:a16="http://schemas.microsoft.com/office/drawing/2014/main" id="{D8491B23-FE99-4CA6-9814-A95E9575423B}"/>
               </a:ext>
             </a:extLst>
           </p:cNvPr>
-          <p:cNvPicPr>
-            <a:picLocks noChangeAspect="1"/>
-          </p:cNvPicPr>
+          <p:cNvSpPr txBox="1"/>
           <p:nvPr/>
-        </p:nvPicPr>
-        <p:blipFill>
-          <a:blip r:embed="rId2"/>
-          <a:stretch>
-            <a:fillRect/>
-          </a:stretch>
-        </p:blipFill>
+        </p:nvSpPr>
         <p:spPr>
           <a:xfrm>
-            <a:off x="433374" y="1254124"/>
-            <a:ext cx="11325252" cy="4349751"/>
+            <a:off x="168676" y="1149348"/>
+            <a:ext cx="8491493" cy="1287981"/>
           </a:xfrm>
           <a:prstGeom prst="rect">
             <a:avLst/>
           </a:prstGeom>
+          <a:noFill/>
         </p:spPr>
-      </p:pic>
+        <p:txBody>
+          <a:bodyPr wrap="square">
+            <a:spAutoFit/>
+          </a:bodyPr>
+          <a:lstStyle/>
+          <a:p>
+            <a:pPr algn="just">
+              <a:lnSpc>
+                <a:spcPct val="150000"/>
+              </a:lnSpc>
+            </a:pPr>
+            <a:r>
+              <a:rPr lang="uk-UA" dirty="0"/>
+              <a:t>	</a:t>
+            </a:r>
+            <a:r>
+              <a:rPr lang="en-US" dirty="0"/>
+              <a:t>k-modes</a:t>
+            </a:r>
+            <a:r>
+              <a:rPr lang="uk-UA" dirty="0"/>
+              <a:t> – це алгоритм, який базується на алгоритмі </a:t>
+            </a:r>
+            <a:r>
+              <a:rPr lang="en-US" dirty="0"/>
+              <a:t>k-</a:t>
+            </a:r>
+            <a:r>
+              <a:rPr lang="uk-UA" dirty="0"/>
+              <a:t>середніх і використовується для кластеризації даних на основі якісних, а не кількісних змінних. Основні відмінності між  </a:t>
+            </a:r>
+            <a:r>
+              <a:rPr lang="uk-UA" dirty="0" err="1"/>
+              <a:t>алгортимами</a:t>
+            </a:r>
+            <a:r>
+              <a:rPr lang="uk-UA" dirty="0"/>
+              <a:t> такі:</a:t>
+            </a:r>
+          </a:p>
+        </p:txBody>
+      </p:sp>
+      <mc:AlternateContent xmlns:mc="http://schemas.openxmlformats.org/markup-compatibility/2006" xmlns:a14="http://schemas.microsoft.com/office/drawing/2010/main">
+        <mc:Choice Requires="a14">
+          <p:sp>
+            <p:nvSpPr>
+              <p:cNvPr id="7" name="TextBox 6">
+                <a:extLst>
+                  <a:ext uri="{FF2B5EF4-FFF2-40B4-BE49-F238E27FC236}">
+                    <a16:creationId xmlns:a16="http://schemas.microsoft.com/office/drawing/2014/main" id="{D9D52D94-3697-4FE9-8F26-655B41075E9D}"/>
+                  </a:ext>
+                </a:extLst>
+              </p:cNvPr>
+              <p:cNvSpPr txBox="1"/>
+              <p:nvPr/>
+            </p:nvSpPr>
+            <p:spPr>
+              <a:xfrm>
+                <a:off x="901262" y="3461050"/>
+                <a:ext cx="3029606" cy="848566"/>
+              </a:xfrm>
+              <a:prstGeom prst="rect">
+                <a:avLst/>
+              </a:prstGeom>
+              <a:noFill/>
+            </p:spPr>
+            <p:txBody>
+              <a:bodyPr wrap="square">
+                <a:spAutoFit/>
+              </a:bodyPr>
+              <a:lstStyle/>
+              <a:p>
+                <a:pPr/>
+                <a14:m>
+                  <m:oMathPara xmlns:m="http://schemas.openxmlformats.org/officeDocument/2006/math">
+                    <m:oMathParaPr>
+                      <m:jc m:val="centerGroup"/>
+                    </m:oMathParaPr>
+                    <m:oMath xmlns:m="http://schemas.openxmlformats.org/officeDocument/2006/math">
+                      <m:sSub>
+                        <m:sSubPr>
+                          <m:ctrlPr>
+                            <a:rPr lang="en-US" i="1" smtClean="0">
+                              <a:solidFill>
+                                <a:schemeClr val="tx1"/>
+                              </a:solidFill>
+                              <a:latin typeface="Cambria Math" panose="02040503050406030204" pitchFamily="18" charset="0"/>
+                            </a:rPr>
+                          </m:ctrlPr>
+                        </m:sSubPr>
+                        <m:e>
+                          <m:r>
+                            <a:rPr lang="en-US" i="1">
+                              <a:solidFill>
+                                <a:schemeClr val="tx1"/>
+                              </a:solidFill>
+                              <a:latin typeface="Cambria Math" panose="02040503050406030204" pitchFamily="18" charset="0"/>
+                            </a:rPr>
+                            <m:t>𝑑</m:t>
+                          </m:r>
+                        </m:e>
+                        <m:sub>
+                          <m:r>
+                            <a:rPr lang="en-US" i="0">
+                              <a:solidFill>
+                                <a:schemeClr val="tx1"/>
+                              </a:solidFill>
+                              <a:latin typeface="Cambria Math" panose="02040503050406030204" pitchFamily="18" charset="0"/>
+                            </a:rPr>
+                            <m:t>1</m:t>
+                          </m:r>
+                        </m:sub>
+                      </m:sSub>
+                      <m:d>
+                        <m:dPr>
+                          <m:ctrlPr>
+                            <a:rPr lang="en-US" i="1">
+                              <a:solidFill>
+                                <a:schemeClr val="tx1"/>
+                              </a:solidFill>
+                              <a:latin typeface="Cambria Math" panose="02040503050406030204" pitchFamily="18" charset="0"/>
+                            </a:rPr>
+                          </m:ctrlPr>
+                        </m:dPr>
+                        <m:e>
+                          <m:r>
+                            <a:rPr lang="en-US" i="1">
+                              <a:solidFill>
+                                <a:schemeClr val="tx1"/>
+                              </a:solidFill>
+                              <a:latin typeface="Cambria Math" panose="02040503050406030204" pitchFamily="18" charset="0"/>
+                            </a:rPr>
+                            <m:t>𝑋</m:t>
+                          </m:r>
+                          <m:r>
+                            <a:rPr lang="en-US" i="0">
+                              <a:solidFill>
+                                <a:schemeClr val="tx1"/>
+                              </a:solidFill>
+                              <a:latin typeface="Cambria Math" panose="02040503050406030204" pitchFamily="18" charset="0"/>
+                            </a:rPr>
+                            <m:t>,</m:t>
+                          </m:r>
+                          <m:r>
+                            <a:rPr lang="en-US" i="1">
+                              <a:solidFill>
+                                <a:schemeClr val="tx1"/>
+                              </a:solidFill>
+                              <a:latin typeface="Cambria Math" panose="02040503050406030204" pitchFamily="18" charset="0"/>
+                            </a:rPr>
+                            <m:t>𝑌</m:t>
+                          </m:r>
+                        </m:e>
+                      </m:d>
+                      <m:r>
+                        <a:rPr lang="en-US" i="0">
+                          <a:solidFill>
+                            <a:schemeClr val="tx1"/>
+                          </a:solidFill>
+                          <a:latin typeface="Cambria Math" panose="02040503050406030204" pitchFamily="18" charset="0"/>
+                        </a:rPr>
+                        <m:t>=</m:t>
+                      </m:r>
+                      <m:nary>
+                        <m:naryPr>
+                          <m:chr m:val="∑"/>
+                          <m:limLoc m:val="undOvr"/>
+                          <m:ctrlPr>
+                            <a:rPr lang="en-US" i="1">
+                              <a:solidFill>
+                                <a:schemeClr val="tx1"/>
+                              </a:solidFill>
+                              <a:latin typeface="Cambria Math" panose="02040503050406030204" pitchFamily="18" charset="0"/>
+                            </a:rPr>
+                          </m:ctrlPr>
+                        </m:naryPr>
+                        <m:sub>
+                          <m:r>
+                            <a:rPr lang="en-US" i="1">
+                              <a:solidFill>
+                                <a:schemeClr val="tx1"/>
+                              </a:solidFill>
+                              <a:latin typeface="Cambria Math" panose="02040503050406030204" pitchFamily="18" charset="0"/>
+                            </a:rPr>
+                            <m:t>𝑖</m:t>
+                          </m:r>
+                          <m:r>
+                            <a:rPr lang="en-US" i="0">
+                              <a:solidFill>
+                                <a:schemeClr val="tx1"/>
+                              </a:solidFill>
+                              <a:latin typeface="Cambria Math" panose="02040503050406030204" pitchFamily="18" charset="0"/>
+                            </a:rPr>
+                            <m:t>=1</m:t>
+                          </m:r>
+                        </m:sub>
+                        <m:sup>
+                          <m:r>
+                            <a:rPr lang="en-US" i="1">
+                              <a:solidFill>
+                                <a:schemeClr val="tx1"/>
+                              </a:solidFill>
+                              <a:latin typeface="Cambria Math" panose="02040503050406030204" pitchFamily="18" charset="0"/>
+                            </a:rPr>
+                            <m:t>𝑛</m:t>
+                          </m:r>
+                        </m:sup>
+                        <m:e>
+                          <m:r>
+                            <a:rPr lang="en-US" i="1">
+                              <a:solidFill>
+                                <a:schemeClr val="tx1"/>
+                              </a:solidFill>
+                              <a:latin typeface="Cambria Math" panose="02040503050406030204" pitchFamily="18" charset="0"/>
+                            </a:rPr>
+                            <m:t>𝛿</m:t>
+                          </m:r>
+                          <m:d>
+                            <m:dPr>
+                              <m:ctrlPr>
+                                <a:rPr lang="en-US" i="1">
+                                  <a:solidFill>
+                                    <a:schemeClr val="tx1"/>
+                                  </a:solidFill>
+                                  <a:latin typeface="Cambria Math" panose="02040503050406030204" pitchFamily="18" charset="0"/>
+                                </a:rPr>
+                              </m:ctrlPr>
+                            </m:dPr>
+                            <m:e>
+                              <m:sSub>
+                                <m:sSubPr>
+                                  <m:ctrlPr>
+                                    <a:rPr lang="en-US" i="1">
+                                      <a:solidFill>
+                                        <a:schemeClr val="tx1"/>
+                                      </a:solidFill>
+                                      <a:latin typeface="Cambria Math" panose="02040503050406030204" pitchFamily="18" charset="0"/>
+                                    </a:rPr>
+                                  </m:ctrlPr>
+                                </m:sSubPr>
+                                <m:e>
+                                  <m:r>
+                                    <a:rPr lang="en-US" i="1">
+                                      <a:solidFill>
+                                        <a:schemeClr val="tx1"/>
+                                      </a:solidFill>
+                                      <a:latin typeface="Cambria Math" panose="02040503050406030204" pitchFamily="18" charset="0"/>
+                                    </a:rPr>
+                                    <m:t>𝑥</m:t>
+                                  </m:r>
+                                </m:e>
+                                <m:sub>
+                                  <m:r>
+                                    <a:rPr lang="en-US" i="1">
+                                      <a:solidFill>
+                                        <a:schemeClr val="tx1"/>
+                                      </a:solidFill>
+                                      <a:latin typeface="Cambria Math" panose="02040503050406030204" pitchFamily="18" charset="0"/>
+                                    </a:rPr>
+                                    <m:t>𝑖</m:t>
+                                  </m:r>
+                                </m:sub>
+                              </m:sSub>
+                              <m:r>
+                                <a:rPr lang="en-US" i="0">
+                                  <a:solidFill>
+                                    <a:schemeClr val="tx1"/>
+                                  </a:solidFill>
+                                  <a:latin typeface="Cambria Math" panose="02040503050406030204" pitchFamily="18" charset="0"/>
+                                </a:rPr>
+                                <m:t>,</m:t>
+                              </m:r>
+                              <m:sSub>
+                                <m:sSubPr>
+                                  <m:ctrlPr>
+                                    <a:rPr lang="en-US" i="1">
+                                      <a:solidFill>
+                                        <a:schemeClr val="tx1"/>
+                                      </a:solidFill>
+                                      <a:latin typeface="Cambria Math" panose="02040503050406030204" pitchFamily="18" charset="0"/>
+                                    </a:rPr>
+                                  </m:ctrlPr>
+                                </m:sSubPr>
+                                <m:e>
+                                  <m:r>
+                                    <a:rPr lang="en-US" i="1">
+                                      <a:solidFill>
+                                        <a:schemeClr val="tx1"/>
+                                      </a:solidFill>
+                                      <a:latin typeface="Cambria Math" panose="02040503050406030204" pitchFamily="18" charset="0"/>
+                                    </a:rPr>
+                                    <m:t>𝑦</m:t>
+                                  </m:r>
+                                </m:e>
+                                <m:sub>
+                                  <m:r>
+                                    <a:rPr lang="en-US" i="1">
+                                      <a:solidFill>
+                                        <a:schemeClr val="tx1"/>
+                                      </a:solidFill>
+                                      <a:latin typeface="Cambria Math" panose="02040503050406030204" pitchFamily="18" charset="0"/>
+                                    </a:rPr>
+                                    <m:t>𝑖</m:t>
+                                  </m:r>
+                                </m:sub>
+                              </m:sSub>
+                            </m:e>
+                          </m:d>
+                        </m:e>
+                      </m:nary>
+                    </m:oMath>
+                  </m:oMathPara>
+                </a14:m>
+                <a:endParaRPr lang="en-US" dirty="0">
+                  <a:solidFill>
+                    <a:schemeClr val="tx1"/>
+                  </a:solidFill>
+                </a:endParaRPr>
+              </a:p>
+            </p:txBody>
+          </p:sp>
+        </mc:Choice>
+        <mc:Fallback xmlns="">
+          <p:sp>
+            <p:nvSpPr>
+              <p:cNvPr id="7" name="TextBox 6">
+                <a:extLst>
+                  <a:ext uri="{FF2B5EF4-FFF2-40B4-BE49-F238E27FC236}">
+                    <a16:creationId xmlns:a16="http://schemas.microsoft.com/office/drawing/2014/main" id="{D9D52D94-3697-4FE9-8F26-655B41075E9D}"/>
+                  </a:ext>
+                </a:extLst>
+              </p:cNvPr>
+              <p:cNvSpPr txBox="1">
+                <a:spLocks noRot="1" noChangeAspect="1" noMove="1" noResize="1" noEditPoints="1" noAdjustHandles="1" noChangeArrowheads="1" noChangeShapeType="1" noTextEdit="1"/>
+              </p:cNvSpPr>
+              <p:nvPr/>
+            </p:nvSpPr>
+            <p:spPr>
+              <a:xfrm>
+                <a:off x="901262" y="3461050"/>
+                <a:ext cx="3029606" cy="848566"/>
+              </a:xfrm>
+              <a:prstGeom prst="rect">
+                <a:avLst/>
+              </a:prstGeom>
+              <a:blipFill>
+                <a:blip r:embed="rId3"/>
+                <a:stretch>
+                  <a:fillRect/>
+                </a:stretch>
+              </a:blipFill>
+            </p:spPr>
+            <p:txBody>
+              <a:bodyPr/>
+              <a:lstStyle/>
+              <a:p>
+                <a:r>
+                  <a:rPr lang="en-US">
+                    <a:noFill/>
+                  </a:rPr>
+                  <a:t> </a:t>
+                </a:r>
+              </a:p>
+            </p:txBody>
+          </p:sp>
+        </mc:Fallback>
+      </mc:AlternateContent>
+      <mc:AlternateContent xmlns:mc="http://schemas.openxmlformats.org/markup-compatibility/2006" xmlns:a14="http://schemas.microsoft.com/office/drawing/2010/main">
+        <mc:Choice Requires="a14">
+          <p:sp>
+            <p:nvSpPr>
+              <p:cNvPr id="11" name="TextBox 10">
+                <a:extLst>
+                  <a:ext uri="{FF2B5EF4-FFF2-40B4-BE49-F238E27FC236}">
+                    <a16:creationId xmlns:a16="http://schemas.microsoft.com/office/drawing/2014/main" id="{B0A3C087-1252-404D-98DA-C5E85612EBE2}"/>
+                  </a:ext>
+                </a:extLst>
+              </p:cNvPr>
+              <p:cNvSpPr txBox="1"/>
+              <p:nvPr/>
+            </p:nvSpPr>
+            <p:spPr>
+              <a:xfrm>
+                <a:off x="3930868" y="3530236"/>
+                <a:ext cx="3029606" cy="710194"/>
+              </a:xfrm>
+              <a:prstGeom prst="rect">
+                <a:avLst/>
+              </a:prstGeom>
+              <a:noFill/>
+            </p:spPr>
+            <p:txBody>
+              <a:bodyPr wrap="square">
+                <a:spAutoFit/>
+              </a:bodyPr>
+              <a:lstStyle/>
+              <a:p>
+                <a:pPr/>
+                <a14:m>
+                  <m:oMathPara xmlns:m="http://schemas.openxmlformats.org/officeDocument/2006/math">
+                    <m:oMathParaPr>
+                      <m:jc m:val="centerGroup"/>
+                    </m:oMathParaPr>
+                    <m:oMath xmlns:m="http://schemas.openxmlformats.org/officeDocument/2006/math">
+                      <m:r>
+                        <a:rPr lang="en-US" i="1" smtClean="0">
+                          <a:solidFill>
+                            <a:schemeClr val="tx1"/>
+                          </a:solidFill>
+                          <a:latin typeface="Cambria Math" panose="02040503050406030204" pitchFamily="18" charset="0"/>
+                        </a:rPr>
+                        <m:t>𝛿</m:t>
+                      </m:r>
+                      <m:d>
+                        <m:dPr>
+                          <m:ctrlPr>
+                            <a:rPr lang="en-US" i="1">
+                              <a:solidFill>
+                                <a:schemeClr val="tx1"/>
+                              </a:solidFill>
+                              <a:latin typeface="Cambria Math" panose="02040503050406030204" pitchFamily="18" charset="0"/>
+                            </a:rPr>
+                          </m:ctrlPr>
+                        </m:dPr>
+                        <m:e>
+                          <m:sSub>
+                            <m:sSubPr>
+                              <m:ctrlPr>
+                                <a:rPr lang="en-US" i="1">
+                                  <a:solidFill>
+                                    <a:schemeClr val="tx1"/>
+                                  </a:solidFill>
+                                  <a:latin typeface="Cambria Math" panose="02040503050406030204" pitchFamily="18" charset="0"/>
+                                </a:rPr>
+                              </m:ctrlPr>
+                            </m:sSubPr>
+                            <m:e>
+                              <m:r>
+                                <a:rPr lang="en-US" i="1">
+                                  <a:solidFill>
+                                    <a:schemeClr val="tx1"/>
+                                  </a:solidFill>
+                                  <a:latin typeface="Cambria Math" panose="02040503050406030204" pitchFamily="18" charset="0"/>
+                                </a:rPr>
+                                <m:t>𝑥</m:t>
+                              </m:r>
+                            </m:e>
+                            <m:sub>
+                              <m:r>
+                                <a:rPr lang="en-US" i="1">
+                                  <a:solidFill>
+                                    <a:schemeClr val="tx1"/>
+                                  </a:solidFill>
+                                  <a:latin typeface="Cambria Math" panose="02040503050406030204" pitchFamily="18" charset="0"/>
+                                </a:rPr>
+                                <m:t>𝑖</m:t>
+                              </m:r>
+                            </m:sub>
+                          </m:sSub>
+                          <m:r>
+                            <a:rPr lang="en-US" i="0">
+                              <a:solidFill>
+                                <a:schemeClr val="tx1"/>
+                              </a:solidFill>
+                              <a:latin typeface="Cambria Math" panose="02040503050406030204" pitchFamily="18" charset="0"/>
+                            </a:rPr>
+                            <m:t>,</m:t>
+                          </m:r>
+                          <m:sSub>
+                            <m:sSubPr>
+                              <m:ctrlPr>
+                                <a:rPr lang="en-US" i="1">
+                                  <a:solidFill>
+                                    <a:schemeClr val="tx1"/>
+                                  </a:solidFill>
+                                  <a:latin typeface="Cambria Math" panose="02040503050406030204" pitchFamily="18" charset="0"/>
+                                </a:rPr>
+                              </m:ctrlPr>
+                            </m:sSubPr>
+                            <m:e>
+                              <m:r>
+                                <a:rPr lang="en-US" i="1">
+                                  <a:solidFill>
+                                    <a:schemeClr val="tx1"/>
+                                  </a:solidFill>
+                                  <a:latin typeface="Cambria Math" panose="02040503050406030204" pitchFamily="18" charset="0"/>
+                                </a:rPr>
+                                <m:t>𝑦</m:t>
+                              </m:r>
+                            </m:e>
+                            <m:sub>
+                              <m:r>
+                                <a:rPr lang="en-US" i="1">
+                                  <a:solidFill>
+                                    <a:schemeClr val="tx1"/>
+                                  </a:solidFill>
+                                  <a:latin typeface="Cambria Math" panose="02040503050406030204" pitchFamily="18" charset="0"/>
+                                </a:rPr>
+                                <m:t>𝑖</m:t>
+                              </m:r>
+                            </m:sub>
+                          </m:sSub>
+                        </m:e>
+                      </m:d>
+                      <m:r>
+                        <a:rPr lang="en-US" i="0">
+                          <a:solidFill>
+                            <a:schemeClr val="tx1"/>
+                          </a:solidFill>
+                          <a:latin typeface="Cambria Math" panose="02040503050406030204" pitchFamily="18" charset="0"/>
+                        </a:rPr>
+                        <m:t>=</m:t>
+                      </m:r>
+                      <m:d>
+                        <m:dPr>
+                          <m:begChr m:val="{"/>
+                          <m:endChr m:val=""/>
+                          <m:ctrlPr>
+                            <a:rPr lang="en-US" i="1">
+                              <a:solidFill>
+                                <a:schemeClr val="tx1"/>
+                              </a:solidFill>
+                              <a:latin typeface="Cambria Math" panose="02040503050406030204" pitchFamily="18" charset="0"/>
+                            </a:rPr>
+                          </m:ctrlPr>
+                        </m:dPr>
+                        <m:e>
+                          <m:eqArr>
+                            <m:eqArrPr>
+                              <m:ctrlPr>
+                                <a:rPr lang="en-US" i="1">
+                                  <a:solidFill>
+                                    <a:schemeClr val="tx1"/>
+                                  </a:solidFill>
+                                  <a:latin typeface="Cambria Math" panose="02040503050406030204" pitchFamily="18" charset="0"/>
+                                </a:rPr>
+                              </m:ctrlPr>
+                            </m:eqArrPr>
+                            <m:e>
+                              <m:r>
+                                <a:rPr lang="en-US" i="0">
+                                  <a:solidFill>
+                                    <a:schemeClr val="tx1"/>
+                                  </a:solidFill>
+                                  <a:latin typeface="Cambria Math" panose="02040503050406030204" pitchFamily="18" charset="0"/>
+                                </a:rPr>
+                                <m:t>&amp;0,  </m:t>
+                              </m:r>
+                              <m:sSub>
+                                <m:sSubPr>
+                                  <m:ctrlPr>
+                                    <a:rPr lang="en-US" i="1">
+                                      <a:solidFill>
+                                        <a:schemeClr val="tx1"/>
+                                      </a:solidFill>
+                                      <a:latin typeface="Cambria Math" panose="02040503050406030204" pitchFamily="18" charset="0"/>
+                                    </a:rPr>
+                                  </m:ctrlPr>
+                                </m:sSubPr>
+                                <m:e>
+                                  <m:r>
+                                    <a:rPr lang="en-US" i="1">
+                                      <a:solidFill>
+                                        <a:schemeClr val="tx1"/>
+                                      </a:solidFill>
+                                      <a:latin typeface="Cambria Math" panose="02040503050406030204" pitchFamily="18" charset="0"/>
+                                    </a:rPr>
+                                    <m:t>𝑥</m:t>
+                                  </m:r>
+                                </m:e>
+                                <m:sub>
+                                  <m:r>
+                                    <a:rPr lang="en-US" i="1">
+                                      <a:solidFill>
+                                        <a:schemeClr val="tx1"/>
+                                      </a:solidFill>
+                                      <a:latin typeface="Cambria Math" panose="02040503050406030204" pitchFamily="18" charset="0"/>
+                                    </a:rPr>
+                                    <m:t>𝑖</m:t>
+                                  </m:r>
+                                </m:sub>
+                              </m:sSub>
+                              <m:r>
+                                <a:rPr lang="en-US" i="0">
+                                  <a:solidFill>
+                                    <a:schemeClr val="tx1"/>
+                                  </a:solidFill>
+                                  <a:latin typeface="Cambria Math" panose="02040503050406030204" pitchFamily="18" charset="0"/>
+                                </a:rPr>
+                                <m:t>=</m:t>
+                              </m:r>
+                              <m:sSub>
+                                <m:sSubPr>
+                                  <m:ctrlPr>
+                                    <a:rPr lang="en-US" i="1">
+                                      <a:solidFill>
+                                        <a:schemeClr val="tx1"/>
+                                      </a:solidFill>
+                                      <a:latin typeface="Cambria Math" panose="02040503050406030204" pitchFamily="18" charset="0"/>
+                                    </a:rPr>
+                                  </m:ctrlPr>
+                                </m:sSubPr>
+                                <m:e>
+                                  <m:r>
+                                    <a:rPr lang="en-US" i="1">
+                                      <a:solidFill>
+                                        <a:schemeClr val="tx1"/>
+                                      </a:solidFill>
+                                      <a:latin typeface="Cambria Math" panose="02040503050406030204" pitchFamily="18" charset="0"/>
+                                    </a:rPr>
+                                    <m:t>𝑦</m:t>
+                                  </m:r>
+                                </m:e>
+                                <m:sub>
+                                  <m:r>
+                                    <a:rPr lang="en-US" i="1">
+                                      <a:solidFill>
+                                        <a:schemeClr val="tx1"/>
+                                      </a:solidFill>
+                                      <a:latin typeface="Cambria Math" panose="02040503050406030204" pitchFamily="18" charset="0"/>
+                                    </a:rPr>
+                                    <m:t>𝑖</m:t>
+                                  </m:r>
+                                </m:sub>
+                              </m:sSub>
+                              <m:r>
+                                <a:rPr lang="en-US" i="0">
+                                  <a:solidFill>
+                                    <a:schemeClr val="tx1"/>
+                                  </a:solidFill>
+                                  <a:latin typeface="Cambria Math" panose="02040503050406030204" pitchFamily="18" charset="0"/>
+                                </a:rPr>
+                                <m:t> </m:t>
+                              </m:r>
+                            </m:e>
+                            <m:e>
+                              <m:r>
+                                <a:rPr lang="en-US" i="0">
+                                  <a:solidFill>
+                                    <a:schemeClr val="tx1"/>
+                                  </a:solidFill>
+                                  <a:latin typeface="Cambria Math" panose="02040503050406030204" pitchFamily="18" charset="0"/>
+                                </a:rPr>
+                                <m:t>&amp;1,  </m:t>
+                              </m:r>
+                              <m:sSub>
+                                <m:sSubPr>
+                                  <m:ctrlPr>
+                                    <a:rPr lang="en-US" i="1">
+                                      <a:solidFill>
+                                        <a:schemeClr val="tx1"/>
+                                      </a:solidFill>
+                                      <a:latin typeface="Cambria Math" panose="02040503050406030204" pitchFamily="18" charset="0"/>
+                                    </a:rPr>
+                                  </m:ctrlPr>
+                                </m:sSubPr>
+                                <m:e>
+                                  <m:r>
+                                    <a:rPr lang="en-US" i="1">
+                                      <a:solidFill>
+                                        <a:schemeClr val="tx1"/>
+                                      </a:solidFill>
+                                      <a:latin typeface="Cambria Math" panose="02040503050406030204" pitchFamily="18" charset="0"/>
+                                    </a:rPr>
+                                    <m:t>𝑥</m:t>
+                                  </m:r>
+                                </m:e>
+                                <m:sub>
+                                  <m:r>
+                                    <a:rPr lang="en-US" i="1">
+                                      <a:solidFill>
+                                        <a:schemeClr val="tx1"/>
+                                      </a:solidFill>
+                                      <a:latin typeface="Cambria Math" panose="02040503050406030204" pitchFamily="18" charset="0"/>
+                                    </a:rPr>
+                                    <m:t>𝑖</m:t>
+                                  </m:r>
+                                </m:sub>
+                              </m:sSub>
+                              <m:r>
+                                <a:rPr lang="en-US" i="0">
+                                  <a:solidFill>
+                                    <a:schemeClr val="tx1"/>
+                                  </a:solidFill>
+                                  <a:latin typeface="Cambria Math" panose="02040503050406030204" pitchFamily="18" charset="0"/>
+                                </a:rPr>
+                                <m:t>≠</m:t>
+                              </m:r>
+                              <m:sSub>
+                                <m:sSubPr>
+                                  <m:ctrlPr>
+                                    <a:rPr lang="en-US" i="1">
+                                      <a:solidFill>
+                                        <a:schemeClr val="tx1"/>
+                                      </a:solidFill>
+                                      <a:latin typeface="Cambria Math" panose="02040503050406030204" pitchFamily="18" charset="0"/>
+                                    </a:rPr>
+                                  </m:ctrlPr>
+                                </m:sSubPr>
+                                <m:e>
+                                  <m:r>
+                                    <a:rPr lang="en-US" i="1">
+                                      <a:solidFill>
+                                        <a:schemeClr val="tx1"/>
+                                      </a:solidFill>
+                                      <a:latin typeface="Cambria Math" panose="02040503050406030204" pitchFamily="18" charset="0"/>
+                                    </a:rPr>
+                                    <m:t>𝑦</m:t>
+                                  </m:r>
+                                </m:e>
+                                <m:sub>
+                                  <m:r>
+                                    <a:rPr lang="en-US" i="1">
+                                      <a:solidFill>
+                                        <a:schemeClr val="tx1"/>
+                                      </a:solidFill>
+                                      <a:latin typeface="Cambria Math" panose="02040503050406030204" pitchFamily="18" charset="0"/>
+                                    </a:rPr>
+                                    <m:t>𝑖</m:t>
+                                  </m:r>
+                                </m:sub>
+                              </m:sSub>
+                            </m:e>
+                          </m:eqArr>
+                        </m:e>
+                      </m:d>
+                    </m:oMath>
+                  </m:oMathPara>
+                </a14:m>
+                <a:endParaRPr lang="en-US" dirty="0">
+                  <a:solidFill>
+                    <a:schemeClr val="tx1"/>
+                  </a:solidFill>
+                </a:endParaRPr>
+              </a:p>
+            </p:txBody>
+          </p:sp>
+        </mc:Choice>
+        <mc:Fallback xmlns="">
+          <p:sp>
+            <p:nvSpPr>
+              <p:cNvPr id="11" name="TextBox 10">
+                <a:extLst>
+                  <a:ext uri="{FF2B5EF4-FFF2-40B4-BE49-F238E27FC236}">
+                    <a16:creationId xmlns:a16="http://schemas.microsoft.com/office/drawing/2014/main" id="{B0A3C087-1252-404D-98DA-C5E85612EBE2}"/>
+                  </a:ext>
+                </a:extLst>
+              </p:cNvPr>
+              <p:cNvSpPr txBox="1">
+                <a:spLocks noRot="1" noChangeAspect="1" noMove="1" noResize="1" noEditPoints="1" noAdjustHandles="1" noChangeArrowheads="1" noChangeShapeType="1" noTextEdit="1"/>
+              </p:cNvSpPr>
+              <p:nvPr/>
+            </p:nvSpPr>
+            <p:spPr>
+              <a:xfrm>
+                <a:off x="3930868" y="3530236"/>
+                <a:ext cx="3029606" cy="710194"/>
+              </a:xfrm>
+              <a:prstGeom prst="rect">
+                <a:avLst/>
+              </a:prstGeom>
+              <a:blipFill>
+                <a:blip r:embed="rId4"/>
+                <a:stretch>
+                  <a:fillRect/>
+                </a:stretch>
+              </a:blipFill>
+            </p:spPr>
+            <p:txBody>
+              <a:bodyPr/>
+              <a:lstStyle/>
+              <a:p>
+                <a:r>
+                  <a:rPr lang="en-US">
+                    <a:noFill/>
+                  </a:rPr>
+                  <a:t> </a:t>
+                </a:r>
+              </a:p>
+            </p:txBody>
+          </p:sp>
+        </mc:Fallback>
+      </mc:AlternateContent>
     </p:spTree>
     <p:extLst>
       <p:ext uri="{BB962C8B-B14F-4D97-AF65-F5344CB8AC3E}">
-        <p14:creationId xmlns:p14="http://schemas.microsoft.com/office/powerpoint/2010/main" val="283742015"/>
+        <p14:creationId xmlns:p14="http://schemas.microsoft.com/office/powerpoint/2010/main" val="2444979819"/>
       </p:ext>
     </p:extLst>
   </p:cSld>
@@ -6240,7 +7788,7 @@
           <p:cNvPr id="4" name="Заголовок 1">
             <a:extLst>
               <a:ext uri="{FF2B5EF4-FFF2-40B4-BE49-F238E27FC236}">
-                <a16:creationId xmlns:a16="http://schemas.microsoft.com/office/drawing/2014/main" id="{B80BE08D-4E9D-43CA-AA94-AF8423D19B28}"/>
+                <a16:creationId xmlns:a16="http://schemas.microsoft.com/office/drawing/2014/main" id="{845522E4-337D-4FD4-908E-A80EDB196F02}"/>
               </a:ext>
             </a:extLst>
           </p:cNvPr>
@@ -6336,1944 +7884,79 @@
           </a:lstStyle>
           <a:p>
             <a:r>
+              <a:rPr lang="en-US" dirty="0">
+                <a:solidFill>
+                  <a:srgbClr val="0070C0"/>
+                </a:solidFill>
+              </a:rPr>
+              <a:t>Elbow method (</a:t>
+            </a:r>
+            <a:r>
               <a:rPr lang="uk-UA" dirty="0">
                 <a:solidFill>
                   <a:srgbClr val="0070C0"/>
                 </a:solidFill>
               </a:rPr>
-              <a:t>Результат кластеризації</a:t>
+              <a:t>ліктьовий метод</a:t>
             </a:r>
+            <a:r>
+              <a:rPr lang="en-US" dirty="0">
+                <a:solidFill>
+                  <a:srgbClr val="0070C0"/>
+                </a:solidFill>
+              </a:rPr>
+              <a:t>)</a:t>
+            </a:r>
+            <a:endParaRPr lang="uk-UA" dirty="0">
+              <a:solidFill>
+                <a:srgbClr val="0070C0"/>
+              </a:solidFill>
+            </a:endParaRPr>
           </a:p>
         </p:txBody>
       </p:sp>
-      <p:graphicFrame>
-        <p:nvGraphicFramePr>
-          <p:cNvPr id="5" name="Таблиця 4">
+      <p:pic>
+        <p:nvPicPr>
+          <p:cNvPr id="6" name="Рисунок 5">
             <a:extLst>
               <a:ext uri="{FF2B5EF4-FFF2-40B4-BE49-F238E27FC236}">
-                <a16:creationId xmlns:a16="http://schemas.microsoft.com/office/drawing/2014/main" id="{46E00C7F-EB7A-4D64-84EE-0314AAEDF02F}"/>
+                <a16:creationId xmlns:a16="http://schemas.microsoft.com/office/drawing/2014/main" id="{87ADFD65-1520-41B8-8F98-A7249AD07EAD}"/>
               </a:ext>
             </a:extLst>
           </p:cNvPr>
-          <p:cNvGraphicFramePr>
-            <a:graphicFrameLocks noGrp="1"/>
-          </p:cNvGraphicFramePr>
-          <p:nvPr>
-            <p:extLst>
-              <p:ext uri="{D42A27DB-BD31-4B8C-83A1-F6EECF244321}">
-                <p14:modId xmlns:p14="http://schemas.microsoft.com/office/powerpoint/2010/main" val="3570993720"/>
-              </p:ext>
-            </p:extLst>
-          </p:nvPr>
-        </p:nvGraphicFramePr>
-        <p:xfrm>
-          <a:off x="348773" y="1264444"/>
-          <a:ext cx="7552353" cy="3282333"/>
-        </p:xfrm>
-        <a:graphic>
-          <a:graphicData uri="http://schemas.openxmlformats.org/drawingml/2006/table">
-            <a:tbl>
-              <a:tblPr firstRow="1" firstCol="1" bandRow="1">
-                <a:tableStyleId>{5C22544A-7EE6-4342-B048-85BDC9FD1C3A}</a:tableStyleId>
-              </a:tblPr>
-              <a:tblGrid>
-                <a:gridCol w="1193723">
-                  <a:extLst>
-                    <a:ext uri="{9D8B030D-6E8A-4147-A177-3AD203B41FA5}">
-                      <a16:colId xmlns:a16="http://schemas.microsoft.com/office/drawing/2014/main" val="328476391"/>
-                    </a:ext>
-                  </a:extLst>
-                </a:gridCol>
-                <a:gridCol w="6358630">
-                  <a:extLst>
-                    <a:ext uri="{9D8B030D-6E8A-4147-A177-3AD203B41FA5}">
-                      <a16:colId xmlns:a16="http://schemas.microsoft.com/office/drawing/2014/main" val="3926832066"/>
-                    </a:ext>
-                  </a:extLst>
-                </a:gridCol>
-              </a:tblGrid>
-              <a:tr h="544837">
-                <a:tc>
-                  <a:txBody>
-                    <a:bodyPr/>
-                    <a:lstStyle/>
-                    <a:p>
-                      <a:pPr marL="0" marR="0" indent="0" algn="just">
-                        <a:spcBef>
-                          <a:spcPts val="0"/>
-                        </a:spcBef>
-                        <a:spcAft>
-                          <a:spcPts val="0"/>
-                        </a:spcAft>
-                      </a:pPr>
-                      <a:r>
-                        <a:rPr lang="uk-UA" sz="1800">
-                          <a:solidFill>
-                            <a:schemeClr val="tx1"/>
-                          </a:solidFill>
-                          <a:effectLst/>
-                        </a:rPr>
-                        <a:t>Кластери</a:t>
-                      </a:r>
-                      <a:endParaRPr lang="en-US" sz="1800">
-                        <a:solidFill>
-                          <a:schemeClr val="tx1"/>
-                        </a:solidFill>
-                        <a:effectLst/>
-                        <a:latin typeface="Times New Roman" panose="02020603050405020304" pitchFamily="18" charset="0"/>
-                        <a:ea typeface="Calibri" panose="020F0502020204030204" pitchFamily="34" charset="0"/>
-                        <a:cs typeface="Times New Roman" panose="02020603050405020304" pitchFamily="18" charset="0"/>
-                      </a:endParaRPr>
-                    </a:p>
-                  </a:txBody>
-                  <a:tcPr marL="68580" marR="68580" marT="0" marB="0">
-                    <a:lnL w="12700" cap="flat" cmpd="sng" algn="ctr">
-                      <a:solidFill>
-                        <a:schemeClr val="tx1"/>
-                      </a:solidFill>
-                      <a:prstDash val="solid"/>
-                      <a:round/>
-                      <a:headEnd type="none" w="med" len="med"/>
-                      <a:tailEnd type="none" w="med" len="med"/>
-                    </a:lnL>
-                    <a:lnR w="12700" cap="flat" cmpd="sng" algn="ctr">
-                      <a:solidFill>
-                        <a:schemeClr val="tx1"/>
-                      </a:solidFill>
-                      <a:prstDash val="solid"/>
-                      <a:round/>
-                      <a:headEnd type="none" w="med" len="med"/>
-                      <a:tailEnd type="none" w="med" len="med"/>
-                    </a:lnR>
-                    <a:lnT w="12700" cap="flat" cmpd="sng" algn="ctr">
-                      <a:solidFill>
-                        <a:schemeClr val="tx1"/>
-                      </a:solidFill>
-                      <a:prstDash val="solid"/>
-                      <a:round/>
-                      <a:headEnd type="none" w="med" len="med"/>
-                      <a:tailEnd type="none" w="med" len="med"/>
-                    </a:lnT>
-                    <a:lnB w="12700" cap="flat" cmpd="sng" algn="ctr">
-                      <a:solidFill>
-                        <a:schemeClr val="tx1"/>
-                      </a:solidFill>
-                      <a:prstDash val="solid"/>
-                      <a:round/>
-                      <a:headEnd type="none" w="med" len="med"/>
-                      <a:tailEnd type="none" w="med" len="med"/>
-                    </a:lnB>
-                    <a:noFill/>
-                  </a:tcPr>
-                </a:tc>
-                <a:tc>
-                  <a:txBody>
-                    <a:bodyPr/>
-                    <a:lstStyle/>
-                    <a:p>
-                      <a:pPr marL="0" marR="0" indent="0" algn="just">
-                        <a:spcBef>
-                          <a:spcPts val="0"/>
-                        </a:spcBef>
-                        <a:spcAft>
-                          <a:spcPts val="0"/>
-                        </a:spcAft>
-                      </a:pPr>
-                      <a:r>
-                        <a:rPr lang="uk-UA" sz="1800" dirty="0">
-                          <a:solidFill>
-                            <a:schemeClr val="tx1"/>
-                          </a:solidFill>
-                          <a:effectLst/>
-                        </a:rPr>
-                        <a:t>Елементи</a:t>
-                      </a:r>
-                      <a:endParaRPr lang="en-US" sz="1800" dirty="0">
-                        <a:solidFill>
-                          <a:schemeClr val="tx1"/>
-                        </a:solidFill>
-                        <a:effectLst/>
-                        <a:latin typeface="Times New Roman" panose="02020603050405020304" pitchFamily="18" charset="0"/>
-                        <a:ea typeface="Calibri" panose="020F0502020204030204" pitchFamily="34" charset="0"/>
-                        <a:cs typeface="Times New Roman" panose="02020603050405020304" pitchFamily="18" charset="0"/>
-                      </a:endParaRPr>
-                    </a:p>
-                  </a:txBody>
-                  <a:tcPr marL="68580" marR="68580" marT="0" marB="0">
-                    <a:lnL w="12700" cap="flat" cmpd="sng" algn="ctr">
-                      <a:solidFill>
-                        <a:schemeClr val="tx1"/>
-                      </a:solidFill>
-                      <a:prstDash val="solid"/>
-                      <a:round/>
-                      <a:headEnd type="none" w="med" len="med"/>
-                      <a:tailEnd type="none" w="med" len="med"/>
-                    </a:lnL>
-                    <a:lnR w="12700" cap="flat" cmpd="sng" algn="ctr">
-                      <a:solidFill>
-                        <a:schemeClr val="tx1"/>
-                      </a:solidFill>
-                      <a:prstDash val="solid"/>
-                      <a:round/>
-                      <a:headEnd type="none" w="med" len="med"/>
-                      <a:tailEnd type="none" w="med" len="med"/>
-                    </a:lnR>
-                    <a:lnT w="12700" cap="flat" cmpd="sng" algn="ctr">
-                      <a:solidFill>
-                        <a:schemeClr val="tx1"/>
-                      </a:solidFill>
-                      <a:prstDash val="solid"/>
-                      <a:round/>
-                      <a:headEnd type="none" w="med" len="med"/>
-                      <a:tailEnd type="none" w="med" len="med"/>
-                    </a:lnT>
-                    <a:lnB w="12700" cap="flat" cmpd="sng" algn="ctr">
-                      <a:solidFill>
-                        <a:schemeClr val="tx1"/>
-                      </a:solidFill>
-                      <a:prstDash val="solid"/>
-                      <a:round/>
-                      <a:headEnd type="none" w="med" len="med"/>
-                      <a:tailEnd type="none" w="med" len="med"/>
-                    </a:lnB>
-                    <a:noFill/>
-                  </a:tcPr>
-                </a:tc>
-                <a:extLst>
-                  <a:ext uri="{0D108BD9-81ED-4DB2-BD59-A6C34878D82A}">
-                    <a16:rowId xmlns:a16="http://schemas.microsoft.com/office/drawing/2014/main" val="419970195"/>
-                  </a:ext>
-                </a:extLst>
-              </a:tr>
-              <a:tr h="272419">
-                <a:tc>
-                  <a:txBody>
-                    <a:bodyPr/>
-                    <a:lstStyle/>
-                    <a:p>
-                      <a:pPr marL="0" marR="0" indent="0" algn="l">
-                        <a:spcBef>
-                          <a:spcPts val="0"/>
-                        </a:spcBef>
-                        <a:spcAft>
-                          <a:spcPts val="0"/>
-                        </a:spcAft>
-                      </a:pPr>
-                      <a:r>
-                        <a:rPr lang="en-US" sz="1800">
-                          <a:solidFill>
-                            <a:schemeClr val="tx1"/>
-                          </a:solidFill>
-                          <a:effectLst/>
-                        </a:rPr>
-                        <a:t>0</a:t>
-                      </a:r>
-                      <a:endParaRPr lang="en-US" sz="1800">
-                        <a:solidFill>
-                          <a:schemeClr val="tx1"/>
-                        </a:solidFill>
-                        <a:effectLst/>
-                        <a:latin typeface="Times New Roman" panose="02020603050405020304" pitchFamily="18" charset="0"/>
-                        <a:ea typeface="Calibri" panose="020F0502020204030204" pitchFamily="34" charset="0"/>
-                        <a:cs typeface="Times New Roman" panose="02020603050405020304" pitchFamily="18" charset="0"/>
-                      </a:endParaRPr>
-                    </a:p>
-                  </a:txBody>
-                  <a:tcPr marL="68580" marR="68580" marT="0" marB="0" anchor="ctr">
-                    <a:lnL w="12700" cap="flat" cmpd="sng" algn="ctr">
-                      <a:solidFill>
-                        <a:schemeClr val="tx1"/>
-                      </a:solidFill>
-                      <a:prstDash val="solid"/>
-                      <a:round/>
-                      <a:headEnd type="none" w="med" len="med"/>
-                      <a:tailEnd type="none" w="med" len="med"/>
-                    </a:lnL>
-                    <a:lnR w="12700" cap="flat" cmpd="sng" algn="ctr">
-                      <a:solidFill>
-                        <a:schemeClr val="tx1"/>
-                      </a:solidFill>
-                      <a:prstDash val="solid"/>
-                      <a:round/>
-                      <a:headEnd type="none" w="med" len="med"/>
-                      <a:tailEnd type="none" w="med" len="med"/>
-                    </a:lnR>
-                    <a:lnT w="12700" cap="flat" cmpd="sng" algn="ctr">
-                      <a:solidFill>
-                        <a:schemeClr val="tx1"/>
-                      </a:solidFill>
-                      <a:prstDash val="solid"/>
-                      <a:round/>
-                      <a:headEnd type="none" w="med" len="med"/>
-                      <a:tailEnd type="none" w="med" len="med"/>
-                    </a:lnT>
-                    <a:lnB w="12700" cap="flat" cmpd="sng" algn="ctr">
-                      <a:solidFill>
-                        <a:schemeClr val="tx1"/>
-                      </a:solidFill>
-                      <a:prstDash val="solid"/>
-                      <a:round/>
-                      <a:headEnd type="none" w="med" len="med"/>
-                      <a:tailEnd type="none" w="med" len="med"/>
-                    </a:lnB>
-                    <a:noFill/>
-                  </a:tcPr>
-                </a:tc>
-                <a:tc>
-                  <a:txBody>
-                    <a:bodyPr/>
-                    <a:lstStyle/>
-                    <a:p>
-                      <a:pPr marL="0" marR="0" indent="0" algn="just">
-                        <a:spcBef>
-                          <a:spcPts val="0"/>
-                        </a:spcBef>
-                        <a:spcAft>
-                          <a:spcPts val="0"/>
-                        </a:spcAft>
-                      </a:pPr>
-                      <a:r>
-                        <a:rPr lang="uk-UA" sz="1800">
-                          <a:solidFill>
-                            <a:schemeClr val="tx1"/>
-                          </a:solidFill>
-                          <a:effectLst/>
-                        </a:rPr>
-                        <a:t>X201</a:t>
-                      </a:r>
-                      <a:r>
-                        <a:rPr lang="en-US" sz="1800">
-                          <a:solidFill>
-                            <a:schemeClr val="tx1"/>
-                          </a:solidFill>
-                          <a:effectLst/>
-                        </a:rPr>
-                        <a:t>, </a:t>
-                      </a:r>
-                      <a:r>
-                        <a:rPr lang="uk-UA" sz="1800">
-                          <a:solidFill>
-                            <a:schemeClr val="tx1"/>
-                          </a:solidFill>
-                          <a:effectLst/>
-                        </a:rPr>
-                        <a:t>X200</a:t>
-                      </a:r>
-                      <a:r>
-                        <a:rPr lang="en-US" sz="1800">
-                          <a:solidFill>
-                            <a:schemeClr val="tx1"/>
-                          </a:solidFill>
-                          <a:effectLst/>
-                        </a:rPr>
-                        <a:t>, </a:t>
-                      </a:r>
-                      <a:r>
-                        <a:rPr lang="uk-UA" sz="1800">
-                          <a:solidFill>
-                            <a:schemeClr val="tx1"/>
-                          </a:solidFill>
-                          <a:effectLst/>
-                        </a:rPr>
-                        <a:t>NP3701</a:t>
-                      </a:r>
-                      <a:r>
-                        <a:rPr lang="en-US" sz="1800">
-                          <a:solidFill>
-                            <a:schemeClr val="tx1"/>
-                          </a:solidFill>
-                          <a:effectLst/>
-                        </a:rPr>
-                        <a:t>, </a:t>
-                      </a:r>
-                      <a:r>
-                        <a:rPr lang="uk-UA" sz="1800">
-                          <a:solidFill>
-                            <a:schemeClr val="tx1"/>
-                          </a:solidFill>
-                          <a:effectLst/>
-                        </a:rPr>
-                        <a:t>NP1526</a:t>
-                      </a:r>
-                      <a:endParaRPr lang="en-US" sz="1800">
-                        <a:solidFill>
-                          <a:schemeClr val="tx1"/>
-                        </a:solidFill>
-                        <a:effectLst/>
-                        <a:latin typeface="Times New Roman" panose="02020603050405020304" pitchFamily="18" charset="0"/>
-                        <a:ea typeface="Calibri" panose="020F0502020204030204" pitchFamily="34" charset="0"/>
-                        <a:cs typeface="Times New Roman" panose="02020603050405020304" pitchFamily="18" charset="0"/>
-                      </a:endParaRPr>
-                    </a:p>
-                  </a:txBody>
-                  <a:tcPr marL="68580" marR="68580" marT="0" marB="0">
-                    <a:lnL w="12700" cap="flat" cmpd="sng" algn="ctr">
-                      <a:solidFill>
-                        <a:schemeClr val="tx1"/>
-                      </a:solidFill>
-                      <a:prstDash val="solid"/>
-                      <a:round/>
-                      <a:headEnd type="none" w="med" len="med"/>
-                      <a:tailEnd type="none" w="med" len="med"/>
-                    </a:lnL>
-                    <a:lnR w="12700" cap="flat" cmpd="sng" algn="ctr">
-                      <a:solidFill>
-                        <a:schemeClr val="tx1"/>
-                      </a:solidFill>
-                      <a:prstDash val="solid"/>
-                      <a:round/>
-                      <a:headEnd type="none" w="med" len="med"/>
-                      <a:tailEnd type="none" w="med" len="med"/>
-                    </a:lnR>
-                    <a:lnT w="12700" cap="flat" cmpd="sng" algn="ctr">
-                      <a:solidFill>
-                        <a:schemeClr val="tx1"/>
-                      </a:solidFill>
-                      <a:prstDash val="solid"/>
-                      <a:round/>
-                      <a:headEnd type="none" w="med" len="med"/>
-                      <a:tailEnd type="none" w="med" len="med"/>
-                    </a:lnT>
-                    <a:lnB w="12700" cap="flat" cmpd="sng" algn="ctr">
-                      <a:solidFill>
-                        <a:schemeClr val="tx1"/>
-                      </a:solidFill>
-                      <a:prstDash val="solid"/>
-                      <a:round/>
-                      <a:headEnd type="none" w="med" len="med"/>
-                      <a:tailEnd type="none" w="med" len="med"/>
-                    </a:lnB>
-                    <a:noFill/>
-                  </a:tcPr>
-                </a:tc>
-                <a:extLst>
-                  <a:ext uri="{0D108BD9-81ED-4DB2-BD59-A6C34878D82A}">
-                    <a16:rowId xmlns:a16="http://schemas.microsoft.com/office/drawing/2014/main" val="3393157727"/>
-                  </a:ext>
-                </a:extLst>
-              </a:tr>
-              <a:tr h="272419">
-                <a:tc>
-                  <a:txBody>
-                    <a:bodyPr/>
-                    <a:lstStyle/>
-                    <a:p>
-                      <a:pPr marL="0" marR="0" indent="0" algn="l">
-                        <a:spcBef>
-                          <a:spcPts val="0"/>
-                        </a:spcBef>
-                        <a:spcAft>
-                          <a:spcPts val="0"/>
-                        </a:spcAft>
-                      </a:pPr>
-                      <a:r>
-                        <a:rPr lang="en-US" sz="1800">
-                          <a:solidFill>
-                            <a:schemeClr val="tx1"/>
-                          </a:solidFill>
-                          <a:effectLst/>
-                        </a:rPr>
-                        <a:t>1</a:t>
-                      </a:r>
-                      <a:endParaRPr lang="en-US" sz="1800">
-                        <a:solidFill>
-                          <a:schemeClr val="tx1"/>
-                        </a:solidFill>
-                        <a:effectLst/>
-                        <a:latin typeface="Times New Roman" panose="02020603050405020304" pitchFamily="18" charset="0"/>
-                        <a:ea typeface="Calibri" panose="020F0502020204030204" pitchFamily="34" charset="0"/>
-                        <a:cs typeface="Times New Roman" panose="02020603050405020304" pitchFamily="18" charset="0"/>
-                      </a:endParaRPr>
-                    </a:p>
-                  </a:txBody>
-                  <a:tcPr marL="68580" marR="68580" marT="0" marB="0" anchor="ctr">
-                    <a:lnL w="12700" cap="flat" cmpd="sng" algn="ctr">
-                      <a:solidFill>
-                        <a:schemeClr val="tx1"/>
-                      </a:solidFill>
-                      <a:prstDash val="solid"/>
-                      <a:round/>
-                      <a:headEnd type="none" w="med" len="med"/>
-                      <a:tailEnd type="none" w="med" len="med"/>
-                    </a:lnL>
-                    <a:lnR w="12700" cap="flat" cmpd="sng" algn="ctr">
-                      <a:solidFill>
-                        <a:schemeClr val="tx1"/>
-                      </a:solidFill>
-                      <a:prstDash val="solid"/>
-                      <a:round/>
-                      <a:headEnd type="none" w="med" len="med"/>
-                      <a:tailEnd type="none" w="med" len="med"/>
-                    </a:lnR>
-                    <a:lnT w="12700" cap="flat" cmpd="sng" algn="ctr">
-                      <a:solidFill>
-                        <a:schemeClr val="tx1"/>
-                      </a:solidFill>
-                      <a:prstDash val="solid"/>
-                      <a:round/>
-                      <a:headEnd type="none" w="med" len="med"/>
-                      <a:tailEnd type="none" w="med" len="med"/>
-                    </a:lnT>
-                    <a:lnB w="12700" cap="flat" cmpd="sng" algn="ctr">
-                      <a:solidFill>
-                        <a:schemeClr val="tx1"/>
-                      </a:solidFill>
-                      <a:prstDash val="solid"/>
-                      <a:round/>
-                      <a:headEnd type="none" w="med" len="med"/>
-                      <a:tailEnd type="none" w="med" len="med"/>
-                    </a:lnB>
-                    <a:noFill/>
-                  </a:tcPr>
-                </a:tc>
-                <a:tc>
-                  <a:txBody>
-                    <a:bodyPr/>
-                    <a:lstStyle/>
-                    <a:p>
-                      <a:pPr marL="0" marR="0" indent="0" algn="just">
-                        <a:spcBef>
-                          <a:spcPts val="0"/>
-                        </a:spcBef>
-                        <a:spcAft>
-                          <a:spcPts val="0"/>
-                        </a:spcAft>
-                      </a:pPr>
-                      <a:r>
-                        <a:rPr lang="uk-UA" sz="1800">
-                          <a:solidFill>
-                            <a:schemeClr val="tx1"/>
-                          </a:solidFill>
-                          <a:effectLst/>
-                        </a:rPr>
-                        <a:t>NP1501</a:t>
-                      </a:r>
-                      <a:r>
-                        <a:rPr lang="en-US" sz="1800">
-                          <a:solidFill>
-                            <a:schemeClr val="tx1"/>
-                          </a:solidFill>
-                          <a:effectLst/>
-                        </a:rPr>
-                        <a:t>, </a:t>
-                      </a:r>
-                      <a:r>
-                        <a:rPr lang="uk-UA" sz="1800">
-                          <a:solidFill>
-                            <a:schemeClr val="tx1"/>
-                          </a:solidFill>
-                          <a:effectLst/>
-                        </a:rPr>
-                        <a:t>X215</a:t>
-                      </a:r>
-                      <a:r>
-                        <a:rPr lang="en-US" sz="1800">
-                          <a:solidFill>
-                            <a:schemeClr val="tx1"/>
-                          </a:solidFill>
-                          <a:effectLst/>
-                        </a:rPr>
-                        <a:t>, </a:t>
-                      </a:r>
-                      <a:r>
-                        <a:rPr lang="uk-UA" sz="1800">
-                          <a:solidFill>
-                            <a:schemeClr val="tx1"/>
-                          </a:solidFill>
-                          <a:effectLst/>
-                        </a:rPr>
-                        <a:t>X211</a:t>
-                      </a:r>
-                      <a:r>
-                        <a:rPr lang="en-US" sz="1800">
-                          <a:solidFill>
-                            <a:schemeClr val="tx1"/>
-                          </a:solidFill>
-                          <a:effectLst/>
-                        </a:rPr>
-                        <a:t>, </a:t>
-                      </a:r>
-                      <a:r>
-                        <a:rPr lang="uk-UA" sz="1800">
-                          <a:solidFill>
-                            <a:schemeClr val="tx1"/>
-                          </a:solidFill>
-                          <a:effectLst/>
-                        </a:rPr>
-                        <a:t>NP1512</a:t>
-                      </a:r>
-                      <a:r>
-                        <a:rPr lang="en-US" sz="1800">
-                          <a:solidFill>
-                            <a:schemeClr val="tx1"/>
-                          </a:solidFill>
-                          <a:effectLst/>
-                        </a:rPr>
-                        <a:t>, </a:t>
-                      </a:r>
-                      <a:r>
-                        <a:rPr lang="uk-UA" sz="1800">
-                          <a:solidFill>
-                            <a:schemeClr val="tx1"/>
-                          </a:solidFill>
-                          <a:effectLst/>
-                        </a:rPr>
-                        <a:t>NP1514</a:t>
-                      </a:r>
-                      <a:r>
-                        <a:rPr lang="en-US" sz="1800">
-                          <a:solidFill>
-                            <a:schemeClr val="tx1"/>
-                          </a:solidFill>
-                          <a:effectLst/>
-                        </a:rPr>
-                        <a:t>, </a:t>
-                      </a:r>
-                      <a:r>
-                        <a:rPr lang="uk-UA" sz="1800">
-                          <a:solidFill>
-                            <a:schemeClr val="tx1"/>
-                          </a:solidFill>
-                          <a:effectLst/>
-                        </a:rPr>
-                        <a:t>NP1521</a:t>
-                      </a:r>
-                      <a:endParaRPr lang="en-US" sz="1800">
-                        <a:solidFill>
-                          <a:schemeClr val="tx1"/>
-                        </a:solidFill>
-                        <a:effectLst/>
-                        <a:latin typeface="Times New Roman" panose="02020603050405020304" pitchFamily="18" charset="0"/>
-                        <a:ea typeface="Calibri" panose="020F0502020204030204" pitchFamily="34" charset="0"/>
-                        <a:cs typeface="Times New Roman" panose="02020603050405020304" pitchFamily="18" charset="0"/>
-                      </a:endParaRPr>
-                    </a:p>
-                  </a:txBody>
-                  <a:tcPr marL="68580" marR="68580" marT="0" marB="0">
-                    <a:lnL w="12700" cap="flat" cmpd="sng" algn="ctr">
-                      <a:solidFill>
-                        <a:schemeClr val="tx1"/>
-                      </a:solidFill>
-                      <a:prstDash val="solid"/>
-                      <a:round/>
-                      <a:headEnd type="none" w="med" len="med"/>
-                      <a:tailEnd type="none" w="med" len="med"/>
-                    </a:lnL>
-                    <a:lnR w="12700" cap="flat" cmpd="sng" algn="ctr">
-                      <a:solidFill>
-                        <a:schemeClr val="tx1"/>
-                      </a:solidFill>
-                      <a:prstDash val="solid"/>
-                      <a:round/>
-                      <a:headEnd type="none" w="med" len="med"/>
-                      <a:tailEnd type="none" w="med" len="med"/>
-                    </a:lnR>
-                    <a:lnT w="12700" cap="flat" cmpd="sng" algn="ctr">
-                      <a:solidFill>
-                        <a:schemeClr val="tx1"/>
-                      </a:solidFill>
-                      <a:prstDash val="solid"/>
-                      <a:round/>
-                      <a:headEnd type="none" w="med" len="med"/>
-                      <a:tailEnd type="none" w="med" len="med"/>
-                    </a:lnT>
-                    <a:lnB w="12700" cap="flat" cmpd="sng" algn="ctr">
-                      <a:solidFill>
-                        <a:schemeClr val="tx1"/>
-                      </a:solidFill>
-                      <a:prstDash val="solid"/>
-                      <a:round/>
-                      <a:headEnd type="none" w="med" len="med"/>
-                      <a:tailEnd type="none" w="med" len="med"/>
-                    </a:lnB>
-                    <a:noFill/>
-                  </a:tcPr>
-                </a:tc>
-                <a:extLst>
-                  <a:ext uri="{0D108BD9-81ED-4DB2-BD59-A6C34878D82A}">
-                    <a16:rowId xmlns:a16="http://schemas.microsoft.com/office/drawing/2014/main" val="499529593"/>
-                  </a:ext>
-                </a:extLst>
-              </a:tr>
-              <a:tr h="817256">
-                <a:tc>
-                  <a:txBody>
-                    <a:bodyPr/>
-                    <a:lstStyle/>
-                    <a:p>
-                      <a:pPr marL="0" marR="0" indent="0" algn="l">
-                        <a:spcBef>
-                          <a:spcPts val="0"/>
-                        </a:spcBef>
-                        <a:spcAft>
-                          <a:spcPts val="0"/>
-                        </a:spcAft>
-                      </a:pPr>
-                      <a:r>
-                        <a:rPr lang="en-US" sz="1800">
-                          <a:solidFill>
-                            <a:schemeClr val="tx1"/>
-                          </a:solidFill>
-                          <a:effectLst/>
-                        </a:rPr>
-                        <a:t>2</a:t>
-                      </a:r>
-                      <a:endParaRPr lang="en-US" sz="1800">
-                        <a:solidFill>
-                          <a:schemeClr val="tx1"/>
-                        </a:solidFill>
-                        <a:effectLst/>
-                        <a:latin typeface="Times New Roman" panose="02020603050405020304" pitchFamily="18" charset="0"/>
-                        <a:ea typeface="Calibri" panose="020F0502020204030204" pitchFamily="34" charset="0"/>
-                        <a:cs typeface="Times New Roman" panose="02020603050405020304" pitchFamily="18" charset="0"/>
-                      </a:endParaRPr>
-                    </a:p>
-                  </a:txBody>
-                  <a:tcPr marL="68580" marR="68580" marT="0" marB="0" anchor="ctr">
-                    <a:lnL w="12700" cap="flat" cmpd="sng" algn="ctr">
-                      <a:solidFill>
-                        <a:schemeClr val="tx1"/>
-                      </a:solidFill>
-                      <a:prstDash val="solid"/>
-                      <a:round/>
-                      <a:headEnd type="none" w="med" len="med"/>
-                      <a:tailEnd type="none" w="med" len="med"/>
-                    </a:lnL>
-                    <a:lnR w="12700" cap="flat" cmpd="sng" algn="ctr">
-                      <a:solidFill>
-                        <a:schemeClr val="tx1"/>
-                      </a:solidFill>
-                      <a:prstDash val="solid"/>
-                      <a:round/>
-                      <a:headEnd type="none" w="med" len="med"/>
-                      <a:tailEnd type="none" w="med" len="med"/>
-                    </a:lnR>
-                    <a:lnT w="12700" cap="flat" cmpd="sng" algn="ctr">
-                      <a:solidFill>
-                        <a:schemeClr val="tx1"/>
-                      </a:solidFill>
-                      <a:prstDash val="solid"/>
-                      <a:round/>
-                      <a:headEnd type="none" w="med" len="med"/>
-                      <a:tailEnd type="none" w="med" len="med"/>
-                    </a:lnT>
-                    <a:lnB w="12700" cap="flat" cmpd="sng" algn="ctr">
-                      <a:solidFill>
-                        <a:schemeClr val="tx1"/>
-                      </a:solidFill>
-                      <a:prstDash val="solid"/>
-                      <a:round/>
-                      <a:headEnd type="none" w="med" len="med"/>
-                      <a:tailEnd type="none" w="med" len="med"/>
-                    </a:lnB>
-                    <a:noFill/>
-                  </a:tcPr>
-                </a:tc>
-                <a:tc>
-                  <a:txBody>
-                    <a:bodyPr/>
-                    <a:lstStyle/>
-                    <a:p>
-                      <a:pPr marL="0" marR="0" indent="0" algn="just">
-                        <a:spcBef>
-                          <a:spcPts val="0"/>
-                        </a:spcBef>
-                        <a:spcAft>
-                          <a:spcPts val="0"/>
-                        </a:spcAft>
-                      </a:pPr>
-                      <a:r>
-                        <a:rPr lang="uk-UA" sz="1800" dirty="0">
-                          <a:solidFill>
-                            <a:schemeClr val="tx1"/>
-                          </a:solidFill>
-                          <a:effectLst/>
-                        </a:rPr>
-                        <a:t>X221</a:t>
-                      </a:r>
-                      <a:r>
-                        <a:rPr lang="en-US" sz="1800" dirty="0">
-                          <a:solidFill>
-                            <a:schemeClr val="tx1"/>
-                          </a:solidFill>
-                          <a:effectLst/>
-                        </a:rPr>
-                        <a:t>, </a:t>
-                      </a:r>
-                      <a:r>
-                        <a:rPr lang="uk-UA" sz="1800" dirty="0">
-                          <a:solidFill>
-                            <a:schemeClr val="tx1"/>
-                          </a:solidFill>
-                          <a:effectLst/>
-                        </a:rPr>
-                        <a:t>X190</a:t>
-                      </a:r>
-                      <a:r>
-                        <a:rPr lang="en-US" sz="1800" dirty="0">
-                          <a:solidFill>
-                            <a:schemeClr val="tx1"/>
-                          </a:solidFill>
-                          <a:effectLst/>
-                        </a:rPr>
-                        <a:t>, </a:t>
-                      </a:r>
-                      <a:r>
-                        <a:rPr lang="uk-UA" sz="1800" dirty="0">
-                          <a:solidFill>
-                            <a:schemeClr val="tx1"/>
-                          </a:solidFill>
-                          <a:effectLst/>
-                        </a:rPr>
-                        <a:t>X271</a:t>
-                      </a:r>
-                      <a:r>
-                        <a:rPr lang="en-US" sz="1800" dirty="0">
-                          <a:solidFill>
-                            <a:schemeClr val="tx1"/>
-                          </a:solidFill>
-                          <a:effectLst/>
-                        </a:rPr>
-                        <a:t>, </a:t>
-                      </a:r>
-                      <a:r>
-                        <a:rPr lang="uk-UA" sz="1800" dirty="0">
-                          <a:solidFill>
-                            <a:schemeClr val="tx1"/>
-                          </a:solidFill>
-                          <a:effectLst/>
-                        </a:rPr>
-                        <a:t>NP1528</a:t>
-                      </a:r>
-                      <a:r>
-                        <a:rPr lang="en-US" sz="1800" dirty="0">
-                          <a:solidFill>
-                            <a:schemeClr val="tx1"/>
-                          </a:solidFill>
-                          <a:effectLst/>
-                        </a:rPr>
-                        <a:t>, </a:t>
-                      </a:r>
-                      <a:r>
-                        <a:rPr lang="uk-UA" sz="1800" dirty="0">
-                          <a:solidFill>
-                            <a:schemeClr val="tx1"/>
-                          </a:solidFill>
-                          <a:effectLst/>
-                        </a:rPr>
-                        <a:t>NP1525</a:t>
-                      </a:r>
-                      <a:r>
-                        <a:rPr lang="en-US" sz="1800" dirty="0">
-                          <a:solidFill>
-                            <a:schemeClr val="tx1"/>
-                          </a:solidFill>
-                          <a:effectLst/>
-                        </a:rPr>
-                        <a:t>, </a:t>
-                      </a:r>
-                      <a:r>
-                        <a:rPr lang="uk-UA" sz="1800" dirty="0">
-                          <a:solidFill>
-                            <a:schemeClr val="tx1"/>
-                          </a:solidFill>
-                          <a:effectLst/>
-                        </a:rPr>
-                        <a:t>NP3708</a:t>
-                      </a:r>
-                      <a:r>
-                        <a:rPr lang="en-US" sz="1800" dirty="0">
-                          <a:solidFill>
-                            <a:schemeClr val="tx1"/>
-                          </a:solidFill>
-                          <a:effectLst/>
-                        </a:rPr>
-                        <a:t>, </a:t>
-                      </a:r>
-                      <a:r>
-                        <a:rPr lang="uk-UA" sz="1800" dirty="0">
-                          <a:solidFill>
-                            <a:schemeClr val="tx1"/>
-                          </a:solidFill>
-                          <a:effectLst/>
-                        </a:rPr>
-                        <a:t>NP1522</a:t>
-                      </a:r>
-                      <a:r>
-                        <a:rPr lang="en-US" sz="1800" dirty="0">
-                          <a:solidFill>
-                            <a:schemeClr val="tx1"/>
-                          </a:solidFill>
-                          <a:effectLst/>
-                        </a:rPr>
-                        <a:t>, </a:t>
-                      </a:r>
-                      <a:r>
-                        <a:rPr lang="uk-UA" sz="1800" dirty="0">
-                          <a:solidFill>
-                            <a:schemeClr val="tx1"/>
-                          </a:solidFill>
-                          <a:effectLst/>
-                        </a:rPr>
-                        <a:t>NP1502</a:t>
-                      </a:r>
-                      <a:r>
-                        <a:rPr lang="en-US" sz="1800" dirty="0">
-                          <a:solidFill>
-                            <a:schemeClr val="tx1"/>
-                          </a:solidFill>
-                          <a:effectLst/>
-                        </a:rPr>
-                        <a:t>, </a:t>
-                      </a:r>
-                      <a:r>
-                        <a:rPr lang="uk-UA" sz="1800" dirty="0">
-                          <a:solidFill>
-                            <a:schemeClr val="tx1"/>
-                          </a:solidFill>
-                          <a:effectLst/>
-                        </a:rPr>
-                        <a:t>NP1520</a:t>
-                      </a:r>
-                      <a:r>
-                        <a:rPr lang="en-US" sz="1800" dirty="0">
-                          <a:solidFill>
-                            <a:schemeClr val="tx1"/>
-                          </a:solidFill>
-                          <a:effectLst/>
-                        </a:rPr>
-                        <a:t>, </a:t>
-                      </a:r>
-                      <a:r>
-                        <a:rPr lang="uk-UA" sz="1800" dirty="0">
-                          <a:solidFill>
-                            <a:schemeClr val="tx1"/>
-                          </a:solidFill>
-                          <a:effectLst/>
-                        </a:rPr>
-                        <a:t>NP1503</a:t>
-                      </a:r>
-                      <a:r>
-                        <a:rPr lang="en-US" sz="1800" dirty="0">
-                          <a:solidFill>
-                            <a:schemeClr val="tx1"/>
-                          </a:solidFill>
-                          <a:effectLst/>
-                        </a:rPr>
-                        <a:t>, </a:t>
-                      </a:r>
-                      <a:r>
-                        <a:rPr lang="uk-UA" sz="1800" dirty="0">
-                          <a:solidFill>
-                            <a:schemeClr val="tx1"/>
-                          </a:solidFill>
-                          <a:effectLst/>
-                        </a:rPr>
-                        <a:t>NP1508</a:t>
-                      </a:r>
-                      <a:r>
-                        <a:rPr lang="en-US" sz="1800" dirty="0">
-                          <a:solidFill>
-                            <a:schemeClr val="tx1"/>
-                          </a:solidFill>
-                          <a:effectLst/>
-                        </a:rPr>
-                        <a:t>, </a:t>
-                      </a:r>
-                      <a:r>
-                        <a:rPr lang="uk-UA" sz="1800" dirty="0">
-                          <a:solidFill>
-                            <a:schemeClr val="tx1"/>
-                          </a:solidFill>
-                          <a:effectLst/>
-                        </a:rPr>
-                        <a:t>NP1510</a:t>
-                      </a:r>
-                      <a:endParaRPr lang="en-US" sz="1800" dirty="0">
-                        <a:solidFill>
-                          <a:schemeClr val="tx1"/>
-                        </a:solidFill>
-                        <a:effectLst/>
-                        <a:latin typeface="Times New Roman" panose="02020603050405020304" pitchFamily="18" charset="0"/>
-                        <a:ea typeface="Calibri" panose="020F0502020204030204" pitchFamily="34" charset="0"/>
-                        <a:cs typeface="Times New Roman" panose="02020603050405020304" pitchFamily="18" charset="0"/>
-                      </a:endParaRPr>
-                    </a:p>
-                  </a:txBody>
-                  <a:tcPr marL="68580" marR="68580" marT="0" marB="0">
-                    <a:lnL w="12700" cap="flat" cmpd="sng" algn="ctr">
-                      <a:solidFill>
-                        <a:schemeClr val="tx1"/>
-                      </a:solidFill>
-                      <a:prstDash val="solid"/>
-                      <a:round/>
-                      <a:headEnd type="none" w="med" len="med"/>
-                      <a:tailEnd type="none" w="med" len="med"/>
-                    </a:lnL>
-                    <a:lnR w="12700" cap="flat" cmpd="sng" algn="ctr">
-                      <a:solidFill>
-                        <a:schemeClr val="tx1"/>
-                      </a:solidFill>
-                      <a:prstDash val="solid"/>
-                      <a:round/>
-                      <a:headEnd type="none" w="med" len="med"/>
-                      <a:tailEnd type="none" w="med" len="med"/>
-                    </a:lnR>
-                    <a:lnT w="12700" cap="flat" cmpd="sng" algn="ctr">
-                      <a:solidFill>
-                        <a:schemeClr val="tx1"/>
-                      </a:solidFill>
-                      <a:prstDash val="solid"/>
-                      <a:round/>
-                      <a:headEnd type="none" w="med" len="med"/>
-                      <a:tailEnd type="none" w="med" len="med"/>
-                    </a:lnT>
-                    <a:lnB w="12700" cap="flat" cmpd="sng" algn="ctr">
-                      <a:solidFill>
-                        <a:schemeClr val="tx1"/>
-                      </a:solidFill>
-                      <a:prstDash val="solid"/>
-                      <a:round/>
-                      <a:headEnd type="none" w="med" len="med"/>
-                      <a:tailEnd type="none" w="med" len="med"/>
-                    </a:lnB>
-                    <a:noFill/>
-                  </a:tcPr>
-                </a:tc>
-                <a:extLst>
-                  <a:ext uri="{0D108BD9-81ED-4DB2-BD59-A6C34878D82A}">
-                    <a16:rowId xmlns:a16="http://schemas.microsoft.com/office/drawing/2014/main" val="1840886376"/>
-                  </a:ext>
-                </a:extLst>
-              </a:tr>
-              <a:tr h="272419">
-                <a:tc>
-                  <a:txBody>
-                    <a:bodyPr/>
-                    <a:lstStyle/>
-                    <a:p>
-                      <a:pPr marL="0" marR="0" indent="0" algn="l">
-                        <a:spcBef>
-                          <a:spcPts val="0"/>
-                        </a:spcBef>
-                        <a:spcAft>
-                          <a:spcPts val="0"/>
-                        </a:spcAft>
-                      </a:pPr>
-                      <a:r>
-                        <a:rPr lang="en-US" sz="1800">
-                          <a:solidFill>
-                            <a:schemeClr val="tx1"/>
-                          </a:solidFill>
-                          <a:effectLst/>
-                        </a:rPr>
-                        <a:t>3</a:t>
-                      </a:r>
-                      <a:endParaRPr lang="en-US" sz="1800">
-                        <a:solidFill>
-                          <a:schemeClr val="tx1"/>
-                        </a:solidFill>
-                        <a:effectLst/>
-                        <a:latin typeface="Times New Roman" panose="02020603050405020304" pitchFamily="18" charset="0"/>
-                        <a:ea typeface="Calibri" panose="020F0502020204030204" pitchFamily="34" charset="0"/>
-                        <a:cs typeface="Times New Roman" panose="02020603050405020304" pitchFamily="18" charset="0"/>
-                      </a:endParaRPr>
-                    </a:p>
-                  </a:txBody>
-                  <a:tcPr marL="68580" marR="68580" marT="0" marB="0" anchor="ctr">
-                    <a:lnL w="12700" cap="flat" cmpd="sng" algn="ctr">
-                      <a:solidFill>
-                        <a:schemeClr val="tx1"/>
-                      </a:solidFill>
-                      <a:prstDash val="solid"/>
-                      <a:round/>
-                      <a:headEnd type="none" w="med" len="med"/>
-                      <a:tailEnd type="none" w="med" len="med"/>
-                    </a:lnL>
-                    <a:lnR w="12700" cap="flat" cmpd="sng" algn="ctr">
-                      <a:solidFill>
-                        <a:schemeClr val="tx1"/>
-                      </a:solidFill>
-                      <a:prstDash val="solid"/>
-                      <a:round/>
-                      <a:headEnd type="none" w="med" len="med"/>
-                      <a:tailEnd type="none" w="med" len="med"/>
-                    </a:lnR>
-                    <a:lnT w="12700" cap="flat" cmpd="sng" algn="ctr">
-                      <a:solidFill>
-                        <a:schemeClr val="tx1"/>
-                      </a:solidFill>
-                      <a:prstDash val="solid"/>
-                      <a:round/>
-                      <a:headEnd type="none" w="med" len="med"/>
-                      <a:tailEnd type="none" w="med" len="med"/>
-                    </a:lnT>
-                    <a:lnB w="12700" cap="flat" cmpd="sng" algn="ctr">
-                      <a:solidFill>
-                        <a:schemeClr val="tx1"/>
-                      </a:solidFill>
-                      <a:prstDash val="solid"/>
-                      <a:round/>
-                      <a:headEnd type="none" w="med" len="med"/>
-                      <a:tailEnd type="none" w="med" len="med"/>
-                    </a:lnB>
-                    <a:noFill/>
-                  </a:tcPr>
-                </a:tc>
-                <a:tc>
-                  <a:txBody>
-                    <a:bodyPr/>
-                    <a:lstStyle/>
-                    <a:p>
-                      <a:pPr marL="0" marR="0" indent="0" algn="just">
-                        <a:spcBef>
-                          <a:spcPts val="0"/>
-                        </a:spcBef>
-                        <a:spcAft>
-                          <a:spcPts val="0"/>
-                        </a:spcAft>
-                      </a:pPr>
-                      <a:r>
-                        <a:rPr lang="uk-UA" sz="1800" dirty="0">
-                          <a:solidFill>
-                            <a:schemeClr val="tx1"/>
-                          </a:solidFill>
-                          <a:effectLst/>
-                        </a:rPr>
-                        <a:t>X202</a:t>
-                      </a:r>
-                      <a:endParaRPr lang="en-US" sz="1800" dirty="0">
-                        <a:solidFill>
-                          <a:schemeClr val="tx1"/>
-                        </a:solidFill>
-                        <a:effectLst/>
-                        <a:latin typeface="Times New Roman" panose="02020603050405020304" pitchFamily="18" charset="0"/>
-                        <a:ea typeface="Calibri" panose="020F0502020204030204" pitchFamily="34" charset="0"/>
-                        <a:cs typeface="Times New Roman" panose="02020603050405020304" pitchFamily="18" charset="0"/>
-                      </a:endParaRPr>
-                    </a:p>
-                  </a:txBody>
-                  <a:tcPr marL="68580" marR="68580" marT="0" marB="0">
-                    <a:lnL w="12700" cap="flat" cmpd="sng" algn="ctr">
-                      <a:solidFill>
-                        <a:schemeClr val="tx1"/>
-                      </a:solidFill>
-                      <a:prstDash val="solid"/>
-                      <a:round/>
-                      <a:headEnd type="none" w="med" len="med"/>
-                      <a:tailEnd type="none" w="med" len="med"/>
-                    </a:lnL>
-                    <a:lnR w="12700" cap="flat" cmpd="sng" algn="ctr">
-                      <a:solidFill>
-                        <a:schemeClr val="tx1"/>
-                      </a:solidFill>
-                      <a:prstDash val="solid"/>
-                      <a:round/>
-                      <a:headEnd type="none" w="med" len="med"/>
-                      <a:tailEnd type="none" w="med" len="med"/>
-                    </a:lnR>
-                    <a:lnT w="12700" cap="flat" cmpd="sng" algn="ctr">
-                      <a:solidFill>
-                        <a:schemeClr val="tx1"/>
-                      </a:solidFill>
-                      <a:prstDash val="solid"/>
-                      <a:round/>
-                      <a:headEnd type="none" w="med" len="med"/>
-                      <a:tailEnd type="none" w="med" len="med"/>
-                    </a:lnT>
-                    <a:lnB w="12700" cap="flat" cmpd="sng" algn="ctr">
-                      <a:solidFill>
-                        <a:schemeClr val="tx1"/>
-                      </a:solidFill>
-                      <a:prstDash val="solid"/>
-                      <a:round/>
-                      <a:headEnd type="none" w="med" len="med"/>
-                      <a:tailEnd type="none" w="med" len="med"/>
-                    </a:lnB>
-                    <a:noFill/>
-                  </a:tcPr>
-                </a:tc>
-                <a:extLst>
-                  <a:ext uri="{0D108BD9-81ED-4DB2-BD59-A6C34878D82A}">
-                    <a16:rowId xmlns:a16="http://schemas.microsoft.com/office/drawing/2014/main" val="3064441775"/>
-                  </a:ext>
-                </a:extLst>
-              </a:tr>
-              <a:tr h="544837">
-                <a:tc>
-                  <a:txBody>
-                    <a:bodyPr/>
-                    <a:lstStyle/>
-                    <a:p>
-                      <a:pPr marL="0" marR="0" indent="0" algn="l">
-                        <a:spcBef>
-                          <a:spcPts val="0"/>
-                        </a:spcBef>
-                        <a:spcAft>
-                          <a:spcPts val="0"/>
-                        </a:spcAft>
-                      </a:pPr>
-                      <a:r>
-                        <a:rPr lang="en-US" sz="1800">
-                          <a:solidFill>
-                            <a:schemeClr val="tx1"/>
-                          </a:solidFill>
-                          <a:effectLst/>
-                        </a:rPr>
-                        <a:t>4</a:t>
-                      </a:r>
-                      <a:endParaRPr lang="en-US" sz="1800">
-                        <a:solidFill>
-                          <a:schemeClr val="tx1"/>
-                        </a:solidFill>
-                        <a:effectLst/>
-                        <a:latin typeface="Times New Roman" panose="02020603050405020304" pitchFamily="18" charset="0"/>
-                        <a:ea typeface="Calibri" panose="020F0502020204030204" pitchFamily="34" charset="0"/>
-                        <a:cs typeface="Times New Roman" panose="02020603050405020304" pitchFamily="18" charset="0"/>
-                      </a:endParaRPr>
-                    </a:p>
-                  </a:txBody>
-                  <a:tcPr marL="68580" marR="68580" marT="0" marB="0" anchor="ctr">
-                    <a:lnL w="12700" cap="flat" cmpd="sng" algn="ctr">
-                      <a:solidFill>
-                        <a:schemeClr val="tx1"/>
-                      </a:solidFill>
-                      <a:prstDash val="solid"/>
-                      <a:round/>
-                      <a:headEnd type="none" w="med" len="med"/>
-                      <a:tailEnd type="none" w="med" len="med"/>
-                    </a:lnL>
-                    <a:lnR w="12700" cap="flat" cmpd="sng" algn="ctr">
-                      <a:solidFill>
-                        <a:schemeClr val="tx1"/>
-                      </a:solidFill>
-                      <a:prstDash val="solid"/>
-                      <a:round/>
-                      <a:headEnd type="none" w="med" len="med"/>
-                      <a:tailEnd type="none" w="med" len="med"/>
-                    </a:lnR>
-                    <a:lnT w="12700" cap="flat" cmpd="sng" algn="ctr">
-                      <a:solidFill>
-                        <a:schemeClr val="tx1"/>
-                      </a:solidFill>
-                      <a:prstDash val="solid"/>
-                      <a:round/>
-                      <a:headEnd type="none" w="med" len="med"/>
-                      <a:tailEnd type="none" w="med" len="med"/>
-                    </a:lnT>
-                    <a:lnB w="12700" cap="flat" cmpd="sng" algn="ctr">
-                      <a:solidFill>
-                        <a:schemeClr val="tx1"/>
-                      </a:solidFill>
-                      <a:prstDash val="solid"/>
-                      <a:round/>
-                      <a:headEnd type="none" w="med" len="med"/>
-                      <a:tailEnd type="none" w="med" len="med"/>
-                    </a:lnB>
-                    <a:noFill/>
-                  </a:tcPr>
-                </a:tc>
-                <a:tc>
-                  <a:txBody>
-                    <a:bodyPr/>
-                    <a:lstStyle/>
-                    <a:p>
-                      <a:pPr marL="0" marR="0" indent="0" algn="just">
-                        <a:spcBef>
-                          <a:spcPts val="0"/>
-                        </a:spcBef>
-                        <a:spcAft>
-                          <a:spcPts val="0"/>
-                        </a:spcAft>
-                      </a:pPr>
-                      <a:r>
-                        <a:rPr lang="uk-UA" sz="1800" dirty="0">
-                          <a:solidFill>
-                            <a:schemeClr val="tx1"/>
-                          </a:solidFill>
-                          <a:effectLst/>
-                        </a:rPr>
-                        <a:t>X32</a:t>
-                      </a:r>
-                      <a:r>
-                        <a:rPr lang="en-US" sz="1800" dirty="0">
-                          <a:solidFill>
-                            <a:schemeClr val="tx1"/>
-                          </a:solidFill>
-                          <a:effectLst/>
-                        </a:rPr>
-                        <a:t>, </a:t>
-                      </a:r>
-                      <a:r>
-                        <a:rPr lang="uk-UA" sz="1800" dirty="0">
-                          <a:solidFill>
-                            <a:schemeClr val="tx1"/>
-                          </a:solidFill>
-                          <a:effectLst/>
-                        </a:rPr>
-                        <a:t>X233</a:t>
-                      </a:r>
-                      <a:r>
-                        <a:rPr lang="en-US" sz="1800" dirty="0">
-                          <a:solidFill>
-                            <a:schemeClr val="tx1"/>
-                          </a:solidFill>
-                          <a:effectLst/>
-                        </a:rPr>
-                        <a:t>, </a:t>
-                      </a:r>
-                      <a:r>
-                        <a:rPr lang="uk-UA" sz="1800" dirty="0">
-                          <a:solidFill>
-                            <a:schemeClr val="tx1"/>
-                          </a:solidFill>
-                          <a:effectLst/>
-                        </a:rPr>
-                        <a:t>X224</a:t>
-                      </a:r>
-                      <a:r>
-                        <a:rPr lang="en-US" sz="1800" dirty="0">
-                          <a:solidFill>
-                            <a:schemeClr val="tx1"/>
-                          </a:solidFill>
-                          <a:effectLst/>
-                        </a:rPr>
-                        <a:t>, </a:t>
-                      </a:r>
-                      <a:r>
-                        <a:rPr lang="uk-UA" sz="1800" dirty="0">
-                          <a:solidFill>
-                            <a:schemeClr val="tx1"/>
-                          </a:solidFill>
-                          <a:effectLst/>
-                        </a:rPr>
-                        <a:t>X223</a:t>
-                      </a:r>
-                      <a:r>
-                        <a:rPr lang="en-US" sz="1800" dirty="0">
-                          <a:solidFill>
-                            <a:schemeClr val="tx1"/>
-                          </a:solidFill>
-                          <a:effectLst/>
-                        </a:rPr>
-                        <a:t>, </a:t>
-                      </a:r>
-                      <a:r>
-                        <a:rPr lang="uk-UA" sz="1800" dirty="0">
-                          <a:solidFill>
-                            <a:schemeClr val="tx1"/>
-                          </a:solidFill>
-                          <a:effectLst/>
-                        </a:rPr>
-                        <a:t>X217</a:t>
-                      </a:r>
-                      <a:r>
-                        <a:rPr lang="en-US" sz="1800" dirty="0">
-                          <a:solidFill>
-                            <a:schemeClr val="tx1"/>
-                          </a:solidFill>
-                          <a:effectLst/>
-                        </a:rPr>
-                        <a:t>, </a:t>
-                      </a:r>
-                      <a:r>
-                        <a:rPr lang="uk-UA" sz="1800" dirty="0">
-                          <a:solidFill>
-                            <a:schemeClr val="tx1"/>
-                          </a:solidFill>
-                          <a:effectLst/>
-                        </a:rPr>
-                        <a:t>NP3715</a:t>
-                      </a:r>
-                      <a:r>
-                        <a:rPr lang="en-US" sz="1800" dirty="0">
-                          <a:solidFill>
-                            <a:schemeClr val="tx1"/>
-                          </a:solidFill>
-                          <a:effectLst/>
-                        </a:rPr>
-                        <a:t>, </a:t>
-                      </a:r>
-                      <a:r>
-                        <a:rPr lang="uk-UA" sz="1800" dirty="0">
-                          <a:solidFill>
-                            <a:schemeClr val="tx1"/>
-                          </a:solidFill>
-                          <a:effectLst/>
-                        </a:rPr>
-                        <a:t>X212</a:t>
-                      </a:r>
-                      <a:r>
-                        <a:rPr lang="en-US" sz="1800" dirty="0">
-                          <a:solidFill>
-                            <a:schemeClr val="tx1"/>
-                          </a:solidFill>
-                          <a:effectLst/>
-                        </a:rPr>
-                        <a:t>, </a:t>
-                      </a:r>
-                      <a:r>
-                        <a:rPr lang="uk-UA" sz="1800" dirty="0">
-                          <a:solidFill>
-                            <a:schemeClr val="tx1"/>
-                          </a:solidFill>
-                          <a:effectLst/>
-                        </a:rPr>
-                        <a:t>X213</a:t>
-                      </a:r>
-                      <a:r>
-                        <a:rPr lang="en-US" sz="1800" dirty="0">
-                          <a:solidFill>
-                            <a:schemeClr val="tx1"/>
-                          </a:solidFill>
-                          <a:effectLst/>
-                        </a:rPr>
-                        <a:t>, </a:t>
-                      </a:r>
-                      <a:r>
-                        <a:rPr lang="uk-UA" sz="1800" dirty="0">
-                          <a:solidFill>
-                            <a:schemeClr val="tx1"/>
-                          </a:solidFill>
-                          <a:effectLst/>
-                        </a:rPr>
-                        <a:t>NP1524</a:t>
-                      </a:r>
-                      <a:r>
-                        <a:rPr lang="en-US" sz="1800" dirty="0">
-                          <a:solidFill>
-                            <a:schemeClr val="tx1"/>
-                          </a:solidFill>
-                          <a:effectLst/>
-                        </a:rPr>
-                        <a:t>, </a:t>
-                      </a:r>
-                      <a:r>
-                        <a:rPr lang="uk-UA" sz="1800" dirty="0">
-                          <a:solidFill>
-                            <a:schemeClr val="tx1"/>
-                          </a:solidFill>
-                          <a:effectLst/>
-                        </a:rPr>
-                        <a:t>X155</a:t>
-                      </a:r>
-                      <a:r>
-                        <a:rPr lang="en-US" sz="1800" dirty="0">
-                          <a:solidFill>
-                            <a:schemeClr val="tx1"/>
-                          </a:solidFill>
-                          <a:effectLst/>
-                        </a:rPr>
-                        <a:t>, </a:t>
-                      </a:r>
-                      <a:r>
-                        <a:rPr lang="uk-UA" sz="1800" dirty="0">
-                          <a:solidFill>
-                            <a:schemeClr val="tx1"/>
-                          </a:solidFill>
-                          <a:effectLst/>
-                        </a:rPr>
-                        <a:t>X41</a:t>
-                      </a:r>
-                      <a:endParaRPr lang="en-US" sz="1800" dirty="0">
-                        <a:solidFill>
-                          <a:schemeClr val="tx1"/>
-                        </a:solidFill>
-                        <a:effectLst/>
-                        <a:latin typeface="Times New Roman" panose="02020603050405020304" pitchFamily="18" charset="0"/>
-                        <a:ea typeface="Calibri" panose="020F0502020204030204" pitchFamily="34" charset="0"/>
-                        <a:cs typeface="Times New Roman" panose="02020603050405020304" pitchFamily="18" charset="0"/>
-                      </a:endParaRPr>
-                    </a:p>
-                  </a:txBody>
-                  <a:tcPr marL="68580" marR="68580" marT="0" marB="0">
-                    <a:lnL w="12700" cap="flat" cmpd="sng" algn="ctr">
-                      <a:solidFill>
-                        <a:schemeClr val="tx1"/>
-                      </a:solidFill>
-                      <a:prstDash val="solid"/>
-                      <a:round/>
-                      <a:headEnd type="none" w="med" len="med"/>
-                      <a:tailEnd type="none" w="med" len="med"/>
-                    </a:lnL>
-                    <a:lnR w="12700" cap="flat" cmpd="sng" algn="ctr">
-                      <a:solidFill>
-                        <a:schemeClr val="tx1"/>
-                      </a:solidFill>
-                      <a:prstDash val="solid"/>
-                      <a:round/>
-                      <a:headEnd type="none" w="med" len="med"/>
-                      <a:tailEnd type="none" w="med" len="med"/>
-                    </a:lnR>
-                    <a:lnT w="12700" cap="flat" cmpd="sng" algn="ctr">
-                      <a:solidFill>
-                        <a:schemeClr val="tx1"/>
-                      </a:solidFill>
-                      <a:prstDash val="solid"/>
-                      <a:round/>
-                      <a:headEnd type="none" w="med" len="med"/>
-                      <a:tailEnd type="none" w="med" len="med"/>
-                    </a:lnT>
-                    <a:lnB w="12700" cap="flat" cmpd="sng" algn="ctr">
-                      <a:solidFill>
-                        <a:schemeClr val="tx1"/>
-                      </a:solidFill>
-                      <a:prstDash val="solid"/>
-                      <a:round/>
-                      <a:headEnd type="none" w="med" len="med"/>
-                      <a:tailEnd type="none" w="med" len="med"/>
-                    </a:lnB>
-                    <a:noFill/>
-                  </a:tcPr>
-                </a:tc>
-                <a:extLst>
-                  <a:ext uri="{0D108BD9-81ED-4DB2-BD59-A6C34878D82A}">
-                    <a16:rowId xmlns:a16="http://schemas.microsoft.com/office/drawing/2014/main" val="339511624"/>
-                  </a:ext>
-                </a:extLst>
-              </a:tr>
-              <a:tr h="272419">
-                <a:tc>
-                  <a:txBody>
-                    <a:bodyPr/>
-                    <a:lstStyle/>
-                    <a:p>
-                      <a:pPr marL="0" marR="0" indent="0" algn="l">
-                        <a:spcBef>
-                          <a:spcPts val="0"/>
-                        </a:spcBef>
-                        <a:spcAft>
-                          <a:spcPts val="0"/>
-                        </a:spcAft>
-                      </a:pPr>
-                      <a:r>
-                        <a:rPr lang="en-US" sz="1800">
-                          <a:solidFill>
-                            <a:schemeClr val="tx1"/>
-                          </a:solidFill>
-                          <a:effectLst/>
-                        </a:rPr>
-                        <a:t>5</a:t>
-                      </a:r>
-                      <a:endParaRPr lang="en-US" sz="1800">
-                        <a:solidFill>
-                          <a:schemeClr val="tx1"/>
-                        </a:solidFill>
-                        <a:effectLst/>
-                        <a:latin typeface="Times New Roman" panose="02020603050405020304" pitchFamily="18" charset="0"/>
-                        <a:ea typeface="Calibri" panose="020F0502020204030204" pitchFamily="34" charset="0"/>
-                        <a:cs typeface="Times New Roman" panose="02020603050405020304" pitchFamily="18" charset="0"/>
-                      </a:endParaRPr>
-                    </a:p>
-                  </a:txBody>
-                  <a:tcPr marL="68580" marR="68580" marT="0" marB="0" anchor="ctr">
-                    <a:lnL w="12700" cap="flat" cmpd="sng" algn="ctr">
-                      <a:solidFill>
-                        <a:schemeClr val="tx1"/>
-                      </a:solidFill>
-                      <a:prstDash val="solid"/>
-                      <a:round/>
-                      <a:headEnd type="none" w="med" len="med"/>
-                      <a:tailEnd type="none" w="med" len="med"/>
-                    </a:lnL>
-                    <a:lnR w="12700" cap="flat" cmpd="sng" algn="ctr">
-                      <a:solidFill>
-                        <a:schemeClr val="tx1"/>
-                      </a:solidFill>
-                      <a:prstDash val="solid"/>
-                      <a:round/>
-                      <a:headEnd type="none" w="med" len="med"/>
-                      <a:tailEnd type="none" w="med" len="med"/>
-                    </a:lnR>
-                    <a:lnT w="12700" cap="flat" cmpd="sng" algn="ctr">
-                      <a:solidFill>
-                        <a:schemeClr val="tx1"/>
-                      </a:solidFill>
-                      <a:prstDash val="solid"/>
-                      <a:round/>
-                      <a:headEnd type="none" w="med" len="med"/>
-                      <a:tailEnd type="none" w="med" len="med"/>
-                    </a:lnT>
-                    <a:lnB w="12700" cap="flat" cmpd="sng" algn="ctr">
-                      <a:solidFill>
-                        <a:schemeClr val="tx1"/>
-                      </a:solidFill>
-                      <a:prstDash val="solid"/>
-                      <a:round/>
-                      <a:headEnd type="none" w="med" len="med"/>
-                      <a:tailEnd type="none" w="med" len="med"/>
-                    </a:lnB>
-                    <a:noFill/>
-                  </a:tcPr>
-                </a:tc>
-                <a:tc>
-                  <a:txBody>
-                    <a:bodyPr/>
-                    <a:lstStyle/>
-                    <a:p>
-                      <a:pPr marL="0" marR="0" indent="0" algn="just">
-                        <a:spcBef>
-                          <a:spcPts val="0"/>
-                        </a:spcBef>
-                        <a:spcAft>
-                          <a:spcPts val="0"/>
-                        </a:spcAft>
-                      </a:pPr>
-                      <a:r>
-                        <a:rPr lang="uk-UA" sz="1800">
-                          <a:solidFill>
-                            <a:schemeClr val="tx1"/>
-                          </a:solidFill>
-                          <a:effectLst/>
-                        </a:rPr>
-                        <a:t>NP3706</a:t>
-                      </a:r>
-                      <a:r>
-                        <a:rPr lang="en-US" sz="1800">
-                          <a:solidFill>
-                            <a:schemeClr val="tx1"/>
-                          </a:solidFill>
-                          <a:effectLst/>
-                        </a:rPr>
-                        <a:t>, </a:t>
-                      </a:r>
-                      <a:r>
-                        <a:rPr lang="uk-UA" sz="1800">
-                          <a:solidFill>
-                            <a:schemeClr val="tx1"/>
-                          </a:solidFill>
-                          <a:effectLst/>
-                        </a:rPr>
-                        <a:t>NP1518</a:t>
-                      </a:r>
-                      <a:r>
-                        <a:rPr lang="en-US" sz="1800">
-                          <a:solidFill>
-                            <a:schemeClr val="tx1"/>
-                          </a:solidFill>
-                          <a:effectLst/>
-                        </a:rPr>
-                        <a:t>, </a:t>
-                      </a:r>
-                      <a:r>
-                        <a:rPr lang="uk-UA" sz="1800">
-                          <a:solidFill>
-                            <a:schemeClr val="tx1"/>
-                          </a:solidFill>
-                          <a:effectLst/>
-                        </a:rPr>
-                        <a:t>X218</a:t>
-                      </a:r>
-                      <a:r>
-                        <a:rPr lang="en-US" sz="1800">
-                          <a:solidFill>
-                            <a:schemeClr val="tx1"/>
-                          </a:solidFill>
-                          <a:effectLst/>
-                        </a:rPr>
-                        <a:t>, </a:t>
-                      </a:r>
-                      <a:r>
-                        <a:rPr lang="uk-UA" sz="1800">
-                          <a:solidFill>
-                            <a:schemeClr val="tx1"/>
-                          </a:solidFill>
-                          <a:effectLst/>
-                        </a:rPr>
-                        <a:t>X220</a:t>
-                      </a:r>
-                      <a:r>
-                        <a:rPr lang="en-US" sz="1800">
-                          <a:solidFill>
-                            <a:schemeClr val="tx1"/>
-                          </a:solidFill>
-                          <a:effectLst/>
-                        </a:rPr>
-                        <a:t>, </a:t>
-                      </a:r>
-                      <a:r>
-                        <a:rPr lang="uk-UA" sz="1800">
-                          <a:solidFill>
-                            <a:schemeClr val="tx1"/>
-                          </a:solidFill>
-                          <a:effectLst/>
-                        </a:rPr>
-                        <a:t>NP1527</a:t>
-                      </a:r>
-                      <a:r>
-                        <a:rPr lang="en-US" sz="1800">
-                          <a:solidFill>
-                            <a:schemeClr val="tx1"/>
-                          </a:solidFill>
-                          <a:effectLst/>
-                        </a:rPr>
-                        <a:t>, </a:t>
-                      </a:r>
-                      <a:r>
-                        <a:rPr lang="uk-UA" sz="1800">
-                          <a:solidFill>
-                            <a:schemeClr val="tx1"/>
-                          </a:solidFill>
-                          <a:effectLst/>
-                        </a:rPr>
-                        <a:t>X275</a:t>
-                      </a:r>
-                      <a:endParaRPr lang="en-US" sz="1800">
-                        <a:solidFill>
-                          <a:schemeClr val="tx1"/>
-                        </a:solidFill>
-                        <a:effectLst/>
-                        <a:latin typeface="Times New Roman" panose="02020603050405020304" pitchFamily="18" charset="0"/>
-                        <a:ea typeface="Calibri" panose="020F0502020204030204" pitchFamily="34" charset="0"/>
-                        <a:cs typeface="Times New Roman" panose="02020603050405020304" pitchFamily="18" charset="0"/>
-                      </a:endParaRPr>
-                    </a:p>
-                  </a:txBody>
-                  <a:tcPr marL="68580" marR="68580" marT="0" marB="0">
-                    <a:lnL w="12700" cap="flat" cmpd="sng" algn="ctr">
-                      <a:solidFill>
-                        <a:schemeClr val="tx1"/>
-                      </a:solidFill>
-                      <a:prstDash val="solid"/>
-                      <a:round/>
-                      <a:headEnd type="none" w="med" len="med"/>
-                      <a:tailEnd type="none" w="med" len="med"/>
-                    </a:lnL>
-                    <a:lnR w="12700" cap="flat" cmpd="sng" algn="ctr">
-                      <a:solidFill>
-                        <a:schemeClr val="tx1"/>
-                      </a:solidFill>
-                      <a:prstDash val="solid"/>
-                      <a:round/>
-                      <a:headEnd type="none" w="med" len="med"/>
-                      <a:tailEnd type="none" w="med" len="med"/>
-                    </a:lnR>
-                    <a:lnT w="12700" cap="flat" cmpd="sng" algn="ctr">
-                      <a:solidFill>
-                        <a:schemeClr val="tx1"/>
-                      </a:solidFill>
-                      <a:prstDash val="solid"/>
-                      <a:round/>
-                      <a:headEnd type="none" w="med" len="med"/>
-                      <a:tailEnd type="none" w="med" len="med"/>
-                    </a:lnT>
-                    <a:lnB w="12700" cap="flat" cmpd="sng" algn="ctr">
-                      <a:solidFill>
-                        <a:schemeClr val="tx1"/>
-                      </a:solidFill>
-                      <a:prstDash val="solid"/>
-                      <a:round/>
-                      <a:headEnd type="none" w="med" len="med"/>
-                      <a:tailEnd type="none" w="med" len="med"/>
-                    </a:lnB>
-                    <a:noFill/>
-                  </a:tcPr>
-                </a:tc>
-                <a:extLst>
-                  <a:ext uri="{0D108BD9-81ED-4DB2-BD59-A6C34878D82A}">
-                    <a16:rowId xmlns:a16="http://schemas.microsoft.com/office/drawing/2014/main" val="2486576427"/>
-                  </a:ext>
-                </a:extLst>
-              </a:tr>
-              <a:tr h="272419">
-                <a:tc>
-                  <a:txBody>
-                    <a:bodyPr/>
-                    <a:lstStyle/>
-                    <a:p>
-                      <a:pPr marL="0" marR="0" indent="0" algn="l">
-                        <a:spcBef>
-                          <a:spcPts val="0"/>
-                        </a:spcBef>
-                        <a:spcAft>
-                          <a:spcPts val="0"/>
-                        </a:spcAft>
-                      </a:pPr>
-                      <a:r>
-                        <a:rPr lang="en-US" sz="1800">
-                          <a:solidFill>
-                            <a:schemeClr val="tx1"/>
-                          </a:solidFill>
-                          <a:effectLst/>
-                        </a:rPr>
-                        <a:t>6</a:t>
-                      </a:r>
-                      <a:endParaRPr lang="en-US" sz="1800">
-                        <a:solidFill>
-                          <a:schemeClr val="tx1"/>
-                        </a:solidFill>
-                        <a:effectLst/>
-                        <a:latin typeface="Times New Roman" panose="02020603050405020304" pitchFamily="18" charset="0"/>
-                        <a:ea typeface="Calibri" panose="020F0502020204030204" pitchFamily="34" charset="0"/>
-                        <a:cs typeface="Times New Roman" panose="02020603050405020304" pitchFamily="18" charset="0"/>
-                      </a:endParaRPr>
-                    </a:p>
-                  </a:txBody>
-                  <a:tcPr marL="68580" marR="68580" marT="0" marB="0" anchor="ctr">
-                    <a:lnL w="12700" cap="flat" cmpd="sng" algn="ctr">
-                      <a:solidFill>
-                        <a:schemeClr val="tx1"/>
-                      </a:solidFill>
-                      <a:prstDash val="solid"/>
-                      <a:round/>
-                      <a:headEnd type="none" w="med" len="med"/>
-                      <a:tailEnd type="none" w="med" len="med"/>
-                    </a:lnL>
-                    <a:lnR w="12700" cap="flat" cmpd="sng" algn="ctr">
-                      <a:solidFill>
-                        <a:schemeClr val="tx1"/>
-                      </a:solidFill>
-                      <a:prstDash val="solid"/>
-                      <a:round/>
-                      <a:headEnd type="none" w="med" len="med"/>
-                      <a:tailEnd type="none" w="med" len="med"/>
-                    </a:lnR>
-                    <a:lnT w="12700" cap="flat" cmpd="sng" algn="ctr">
-                      <a:solidFill>
-                        <a:schemeClr val="tx1"/>
-                      </a:solidFill>
-                      <a:prstDash val="solid"/>
-                      <a:round/>
-                      <a:headEnd type="none" w="med" len="med"/>
-                      <a:tailEnd type="none" w="med" len="med"/>
-                    </a:lnT>
-                    <a:lnB w="12700" cap="flat" cmpd="sng" algn="ctr">
-                      <a:solidFill>
-                        <a:schemeClr val="tx1"/>
-                      </a:solidFill>
-                      <a:prstDash val="solid"/>
-                      <a:round/>
-                      <a:headEnd type="none" w="med" len="med"/>
-                      <a:tailEnd type="none" w="med" len="med"/>
-                    </a:lnB>
-                    <a:noFill/>
-                  </a:tcPr>
-                </a:tc>
-                <a:tc>
-                  <a:txBody>
-                    <a:bodyPr/>
-                    <a:lstStyle/>
-                    <a:p>
-                      <a:pPr marL="0" marR="0" indent="0" algn="just">
-                        <a:spcBef>
-                          <a:spcPts val="0"/>
-                        </a:spcBef>
-                        <a:spcAft>
-                          <a:spcPts val="0"/>
-                        </a:spcAft>
-                      </a:pPr>
-                      <a:r>
-                        <a:rPr lang="uk-UA" sz="1800" dirty="0">
-                          <a:solidFill>
-                            <a:schemeClr val="tx1"/>
-                          </a:solidFill>
-                          <a:effectLst/>
-                        </a:rPr>
-                        <a:t>NP1517</a:t>
-                      </a:r>
-                      <a:r>
-                        <a:rPr lang="en-US" sz="1800" dirty="0">
-                          <a:solidFill>
-                            <a:schemeClr val="tx1"/>
-                          </a:solidFill>
-                          <a:effectLst/>
-                        </a:rPr>
-                        <a:t>, </a:t>
-                      </a:r>
-                      <a:r>
-                        <a:rPr lang="uk-UA" sz="1800" dirty="0">
-                          <a:solidFill>
-                            <a:schemeClr val="tx1"/>
-                          </a:solidFill>
-                          <a:effectLst/>
-                        </a:rPr>
-                        <a:t>NP1516</a:t>
-                      </a:r>
-                      <a:r>
-                        <a:rPr lang="en-US" sz="1800" dirty="0">
-                          <a:solidFill>
-                            <a:schemeClr val="tx1"/>
-                          </a:solidFill>
-                          <a:effectLst/>
-                        </a:rPr>
-                        <a:t>, </a:t>
-                      </a:r>
-                      <a:r>
-                        <a:rPr lang="uk-UA" sz="1800" dirty="0">
-                          <a:solidFill>
-                            <a:schemeClr val="tx1"/>
-                          </a:solidFill>
-                          <a:effectLst/>
-                        </a:rPr>
-                        <a:t>NP1507</a:t>
-                      </a:r>
-                      <a:endParaRPr lang="en-US" sz="1800" dirty="0">
-                        <a:solidFill>
-                          <a:schemeClr val="tx1"/>
-                        </a:solidFill>
-                        <a:effectLst/>
-                        <a:latin typeface="Times New Roman" panose="02020603050405020304" pitchFamily="18" charset="0"/>
-                        <a:ea typeface="Calibri" panose="020F0502020204030204" pitchFamily="34" charset="0"/>
-                        <a:cs typeface="Times New Roman" panose="02020603050405020304" pitchFamily="18" charset="0"/>
-                      </a:endParaRPr>
-                    </a:p>
-                  </a:txBody>
-                  <a:tcPr marL="68580" marR="68580" marT="0" marB="0">
-                    <a:lnL w="12700" cap="flat" cmpd="sng" algn="ctr">
-                      <a:solidFill>
-                        <a:schemeClr val="tx1"/>
-                      </a:solidFill>
-                      <a:prstDash val="solid"/>
-                      <a:round/>
-                      <a:headEnd type="none" w="med" len="med"/>
-                      <a:tailEnd type="none" w="med" len="med"/>
-                    </a:lnL>
-                    <a:lnR w="12700" cap="flat" cmpd="sng" algn="ctr">
-                      <a:solidFill>
-                        <a:schemeClr val="tx1"/>
-                      </a:solidFill>
-                      <a:prstDash val="solid"/>
-                      <a:round/>
-                      <a:headEnd type="none" w="med" len="med"/>
-                      <a:tailEnd type="none" w="med" len="med"/>
-                    </a:lnR>
-                    <a:lnT w="12700" cap="flat" cmpd="sng" algn="ctr">
-                      <a:solidFill>
-                        <a:schemeClr val="tx1"/>
-                      </a:solidFill>
-                      <a:prstDash val="solid"/>
-                      <a:round/>
-                      <a:headEnd type="none" w="med" len="med"/>
-                      <a:tailEnd type="none" w="med" len="med"/>
-                    </a:lnT>
-                    <a:lnB w="12700" cap="flat" cmpd="sng" algn="ctr">
-                      <a:solidFill>
-                        <a:schemeClr val="tx1"/>
-                      </a:solidFill>
-                      <a:prstDash val="solid"/>
-                      <a:round/>
-                      <a:headEnd type="none" w="med" len="med"/>
-                      <a:tailEnd type="none" w="med" len="med"/>
-                    </a:lnB>
-                    <a:noFill/>
-                  </a:tcPr>
-                </a:tc>
-                <a:extLst>
-                  <a:ext uri="{0D108BD9-81ED-4DB2-BD59-A6C34878D82A}">
-                    <a16:rowId xmlns:a16="http://schemas.microsoft.com/office/drawing/2014/main" val="2192127946"/>
-                  </a:ext>
-                </a:extLst>
-              </a:tr>
-            </a:tbl>
-          </a:graphicData>
-        </a:graphic>
-      </p:graphicFrame>
+          <p:cNvPicPr>
+            <a:picLocks noChangeAspect="1"/>
+          </p:cNvPicPr>
+          <p:nvPr/>
+        </p:nvPicPr>
+        <p:blipFill rotWithShape="1">
+          <a:blip r:embed="rId3"/>
+          <a:srcRect l="2247" t="3765"/>
+          <a:stretch/>
+        </p:blipFill>
+        <p:spPr>
+          <a:xfrm>
+            <a:off x="2112580" y="3085454"/>
+            <a:ext cx="5206566" cy="3439570"/>
+          </a:xfrm>
+          <a:prstGeom prst="rect">
+            <a:avLst/>
+          </a:prstGeom>
+          <a:ln>
+            <a:solidFill>
+              <a:schemeClr val="bg2">
+                <a:lumMod val="75000"/>
+              </a:schemeClr>
+            </a:solidFill>
+          </a:ln>
+        </p:spPr>
+      </p:pic>
       <p:sp>
         <p:nvSpPr>
-          <p:cNvPr id="6" name="TextBox 5">
+          <p:cNvPr id="8" name="TextBox 7">
             <a:extLst>
               <a:ext uri="{FF2B5EF4-FFF2-40B4-BE49-F238E27FC236}">
-                <a16:creationId xmlns:a16="http://schemas.microsoft.com/office/drawing/2014/main" id="{29484459-6733-40B6-8A63-DB6C9C00B032}"/>
+                <a16:creationId xmlns:a16="http://schemas.microsoft.com/office/drawing/2014/main" id="{C0862E54-73C0-479E-9029-5974A34FC4D4}"/>
               </a:ext>
             </a:extLst>
           </p:cNvPr>
@@ -8282,8 +7965,8 @@
         </p:nvSpPr>
         <p:spPr>
           <a:xfrm>
-            <a:off x="348774" y="4835307"/>
-            <a:ext cx="7552352" cy="1015663"/>
+            <a:off x="316164" y="985421"/>
+            <a:ext cx="8806816" cy="2118978"/>
           </a:xfrm>
           <a:prstGeom prst="rect">
             <a:avLst/>
@@ -8291,23 +7974,52 @@
           <a:noFill/>
         </p:spPr>
         <p:txBody>
-          <a:bodyPr wrap="square" rtlCol="0">
+          <a:bodyPr wrap="square">
             <a:spAutoFit/>
           </a:bodyPr>
           <a:lstStyle/>
           <a:p>
+            <a:pPr algn="just">
+              <a:lnSpc>
+                <a:spcPct val="150000"/>
+              </a:lnSpc>
+            </a:pPr>
             <a:r>
-              <a:rPr lang="uk-UA" sz="2000" dirty="0"/>
-              <a:t>Кількість елементів що знаходяться в однакових кластерах рівна 34 з 43 початкових елементів, а це означає,  точність становить 79%</a:t>
+              <a:rPr lang="uk-UA" dirty="0"/>
+              <a:t>	Метод модифікований, для щоб використовувати різницю всередині кластера (</a:t>
             </a:r>
-            <a:endParaRPr lang="en-US" sz="2000" dirty="0"/>
+            <a:r>
+              <a:rPr lang="en-US" dirty="0"/>
+              <a:t>within-cluster difference</a:t>
+            </a:r>
+            <a:r>
+              <a:rPr lang="uk-UA" dirty="0"/>
+              <a:t>). З графіку </a:t>
+            </a:r>
+            <a:r>
+              <a:rPr lang="en-US" dirty="0"/>
+              <a:t>within-cluster difference</a:t>
+            </a:r>
+            <a:r>
+              <a:rPr lang="uk-UA" dirty="0"/>
+              <a:t> для різних значень </a:t>
+            </a:r>
+            <a:r>
+              <a:rPr lang="en-US" dirty="0"/>
+              <a:t>k</a:t>
+            </a:r>
+            <a:r>
+              <a:rPr lang="uk-UA" dirty="0"/>
+              <a:t> можна побачити, що результатом ліктьового методу буде значення k у тій точці точці, де значення істотно не зменшується зі збільшенням значення k.</a:t>
+            </a:r>
+            <a:endParaRPr lang="en-US" dirty="0"/>
           </a:p>
         </p:txBody>
       </p:sp>
     </p:spTree>
     <p:extLst>
       <p:ext uri="{BB962C8B-B14F-4D97-AF65-F5344CB8AC3E}">
-        <p14:creationId xmlns:p14="http://schemas.microsoft.com/office/powerpoint/2010/main" val="3767209283"/>
+        <p14:creationId xmlns:p14="http://schemas.microsoft.com/office/powerpoint/2010/main" val="1212797693"/>
       </p:ext>
     </p:extLst>
   </p:cSld>
@@ -8318,6 +8030,329 @@
 </file>
 
 <file path=ppt/slides/slide12.xml><?xml version="1.0" encoding="utf-8"?>
+<p:sld xmlns:a="http://schemas.openxmlformats.org/drawingml/2006/main" xmlns:r="http://schemas.openxmlformats.org/officeDocument/2006/relationships" xmlns:p="http://schemas.openxmlformats.org/presentationml/2006/main">
+  <p:cSld>
+    <p:spTree>
+      <p:nvGrpSpPr>
+        <p:cNvPr id="1" name=""/>
+        <p:cNvGrpSpPr/>
+        <p:nvPr/>
+      </p:nvGrpSpPr>
+      <p:grpSpPr>
+        <a:xfrm>
+          <a:off x="0" y="0"/>
+          <a:ext cx="0" cy="0"/>
+          <a:chOff x="0" y="0"/>
+          <a:chExt cx="0" cy="0"/>
+        </a:xfrm>
+      </p:grpSpPr>
+      <p:pic>
+        <p:nvPicPr>
+          <p:cNvPr id="7" name="Рисунок 6" descr="Зображення, що містить текст&#10;&#10;Автоматично згенерований опис">
+            <a:extLst>
+              <a:ext uri="{FF2B5EF4-FFF2-40B4-BE49-F238E27FC236}">
+                <a16:creationId xmlns:a16="http://schemas.microsoft.com/office/drawing/2014/main" id="{B817AD9D-EEA8-44E1-8FC9-AF025EEDB215}"/>
+              </a:ext>
+            </a:extLst>
+          </p:cNvPr>
+          <p:cNvPicPr>
+            <a:picLocks noChangeAspect="1"/>
+          </p:cNvPicPr>
+          <p:nvPr/>
+        </p:nvPicPr>
+        <p:blipFill rotWithShape="1">
+          <a:blip r:embed="rId2">
+            <a:extLst>
+              <a:ext uri="{28A0092B-C50C-407E-A947-70E740481C1C}">
+                <a14:useLocalDpi xmlns:a14="http://schemas.microsoft.com/office/drawing/2010/main" val="0"/>
+              </a:ext>
+            </a:extLst>
+          </a:blip>
+          <a:srcRect l="18112" r="20796" b="5981"/>
+          <a:stretch/>
+        </p:blipFill>
+        <p:spPr>
+          <a:xfrm>
+            <a:off x="4269854" y="-1"/>
+            <a:ext cx="7922146" cy="6858001"/>
+          </a:xfrm>
+          <a:custGeom>
+            <a:avLst/>
+            <a:gdLst/>
+            <a:ahLst/>
+            <a:cxnLst/>
+            <a:rect l="l" t="t" r="r" b="b"/>
+            <a:pathLst>
+              <a:path w="7922146" h="6858001">
+                <a:moveTo>
+                  <a:pt x="379987" y="0"/>
+                </a:moveTo>
+                <a:lnTo>
+                  <a:pt x="5304971" y="0"/>
+                </a:lnTo>
+                <a:lnTo>
+                  <a:pt x="7065281" y="0"/>
+                </a:lnTo>
+                <a:lnTo>
+                  <a:pt x="7397540" y="0"/>
+                </a:lnTo>
+                <a:lnTo>
+                  <a:pt x="7397540" y="1"/>
+                </a:lnTo>
+                <a:lnTo>
+                  <a:pt x="7922146" y="1"/>
+                </a:lnTo>
+                <a:lnTo>
+                  <a:pt x="7922146" y="6858001"/>
+                </a:lnTo>
+                <a:lnTo>
+                  <a:pt x="7065281" y="6858001"/>
+                </a:lnTo>
+                <a:lnTo>
+                  <a:pt x="7065281" y="6858000"/>
+                </a:lnTo>
+                <a:lnTo>
+                  <a:pt x="5932989" y="6858000"/>
+                </a:lnTo>
+                <a:lnTo>
+                  <a:pt x="5932989" y="6858001"/>
+                </a:lnTo>
+                <a:lnTo>
+                  <a:pt x="27809" y="6858001"/>
+                </a:lnTo>
+                <a:lnTo>
+                  <a:pt x="1803228" y="4521201"/>
+                </a:lnTo>
+                <a:close/>
+                <a:moveTo>
+                  <a:pt x="0" y="0"/>
+                </a:moveTo>
+                <a:lnTo>
+                  <a:pt x="379987" y="0"/>
+                </a:lnTo>
+                <a:lnTo>
+                  <a:pt x="0" y="407"/>
+                </a:lnTo>
+                <a:close/>
+              </a:path>
+            </a:pathLst>
+          </a:custGeom>
+        </p:spPr>
+      </p:pic>
+      <p:sp>
+        <p:nvSpPr>
+          <p:cNvPr id="5" name="Заголовок 1">
+            <a:extLst>
+              <a:ext uri="{FF2B5EF4-FFF2-40B4-BE49-F238E27FC236}">
+                <a16:creationId xmlns:a16="http://schemas.microsoft.com/office/drawing/2014/main" id="{A9C47124-F7A7-48DF-BE6B-02A3CF3294B7}"/>
+              </a:ext>
+            </a:extLst>
+          </p:cNvPr>
+          <p:cNvSpPr txBox="1">
+            <a:spLocks/>
+          </p:cNvSpPr>
+          <p:nvPr/>
+        </p:nvSpPr>
+        <p:spPr>
+          <a:xfrm>
+            <a:off x="694193" y="2896710"/>
+            <a:ext cx="4256179" cy="1064577"/>
+          </a:xfrm>
+          <a:prstGeom prst="rect">
+            <a:avLst/>
+          </a:prstGeom>
+        </p:spPr>
+        <p:txBody>
+          <a:bodyPr vert="horz" lIns="91440" tIns="45720" rIns="91440" bIns="45720" rtlCol="0" anchor="t">
+            <a:noAutofit/>
+          </a:bodyPr>
+          <a:lstStyle>
+            <a:lvl1pPr algn="l" defTabSz="457200" rtl="0" eaLnBrk="1" latinLnBrk="0" hangingPunct="1">
+              <a:spcBef>
+                <a:spcPct val="0"/>
+              </a:spcBef>
+              <a:buNone/>
+              <a:defRPr sz="3600" kern="1200">
+                <a:solidFill>
+                  <a:schemeClr val="accent1"/>
+                </a:solidFill>
+                <a:latin typeface="+mj-lt"/>
+                <a:ea typeface="+mj-ea"/>
+                <a:cs typeface="+mj-cs"/>
+              </a:defRPr>
+            </a:lvl1pPr>
+            <a:lvl2pPr eaLnBrk="1" hangingPunct="1">
+              <a:defRPr>
+                <a:solidFill>
+                  <a:schemeClr val="tx2"/>
+                </a:solidFill>
+              </a:defRPr>
+            </a:lvl2pPr>
+            <a:lvl3pPr eaLnBrk="1" hangingPunct="1">
+              <a:defRPr>
+                <a:solidFill>
+                  <a:schemeClr val="tx2"/>
+                </a:solidFill>
+              </a:defRPr>
+            </a:lvl3pPr>
+            <a:lvl4pPr eaLnBrk="1" hangingPunct="1">
+              <a:defRPr>
+                <a:solidFill>
+                  <a:schemeClr val="tx2"/>
+                </a:solidFill>
+              </a:defRPr>
+            </a:lvl4pPr>
+            <a:lvl5pPr eaLnBrk="1" hangingPunct="1">
+              <a:defRPr>
+                <a:solidFill>
+                  <a:schemeClr val="tx2"/>
+                </a:solidFill>
+              </a:defRPr>
+            </a:lvl5pPr>
+            <a:lvl6pPr eaLnBrk="1" hangingPunct="1">
+              <a:defRPr>
+                <a:solidFill>
+                  <a:schemeClr val="tx2"/>
+                </a:solidFill>
+              </a:defRPr>
+            </a:lvl6pPr>
+            <a:lvl7pPr eaLnBrk="1" hangingPunct="1">
+              <a:defRPr>
+                <a:solidFill>
+                  <a:schemeClr val="tx2"/>
+                </a:solidFill>
+              </a:defRPr>
+            </a:lvl7pPr>
+            <a:lvl8pPr eaLnBrk="1" hangingPunct="1">
+              <a:defRPr>
+                <a:solidFill>
+                  <a:schemeClr val="tx2"/>
+                </a:solidFill>
+              </a:defRPr>
+            </a:lvl8pPr>
+            <a:lvl9pPr eaLnBrk="1" hangingPunct="1">
+              <a:defRPr>
+                <a:solidFill>
+                  <a:schemeClr val="tx2"/>
+                </a:solidFill>
+              </a:defRPr>
+            </a:lvl9pPr>
+          </a:lstStyle>
+          <a:p>
+            <a:r>
+              <a:rPr lang="uk-UA" sz="6000" dirty="0">
+                <a:solidFill>
+                  <a:srgbClr val="0070C0"/>
+                </a:solidFill>
+              </a:rPr>
+              <a:t>Результати</a:t>
+            </a:r>
+          </a:p>
+        </p:txBody>
+      </p:sp>
+    </p:spTree>
+    <p:extLst>
+      <p:ext uri="{BB962C8B-B14F-4D97-AF65-F5344CB8AC3E}">
+        <p14:creationId xmlns:p14="http://schemas.microsoft.com/office/powerpoint/2010/main" val="1897240866"/>
+      </p:ext>
+    </p:extLst>
+  </p:cSld>
+  <p:clrMapOvr>
+    <a:masterClrMapping/>
+  </p:clrMapOvr>
+  <p:timing>
+    <p:tnLst>
+      <p:par>
+        <p:cTn id="1" dur="indefinite" restart="never" nodeType="tmRoot">
+          <p:childTnLst>
+            <p:seq concurrent="1" nextAc="seek">
+              <p:cTn id="2" dur="indefinite" nodeType="mainSeq">
+                <p:childTnLst>
+                  <p:par>
+                    <p:cTn id="3" fill="hold">
+                      <p:stCondLst>
+                        <p:cond delay="indefinite"/>
+                        <p:cond evt="onBegin" delay="0">
+                          <p:tn val="2"/>
+                        </p:cond>
+                      </p:stCondLst>
+                      <p:childTnLst>
+                        <p:par>
+                          <p:cTn id="4" fill="hold">
+                            <p:stCondLst>
+                              <p:cond delay="0"/>
+                            </p:stCondLst>
+                            <p:childTnLst>
+                              <p:par>
+                                <p:cTn id="5" presetID="10" presetClass="entr" presetSubtype="0" fill="hold" nodeType="withEffect">
+                                  <p:stCondLst>
+                                    <p:cond delay="0"/>
+                                  </p:stCondLst>
+                                  <p:iterate>
+                                    <p:tmPct val="10000"/>
+                                  </p:iterate>
+                                  <p:childTnLst>
+                                    <p:set>
+                                      <p:cBhvr>
+                                        <p:cTn id="6" dur="1" fill="hold">
+                                          <p:stCondLst>
+                                            <p:cond delay="0"/>
+                                          </p:stCondLst>
+                                        </p:cTn>
+                                        <p:tgtEl>
+                                          <p:spTgt spid="7"/>
+                                        </p:tgtEl>
+                                        <p:attrNameLst>
+                                          <p:attrName>style.visibility</p:attrName>
+                                        </p:attrNameLst>
+                                      </p:cBhvr>
+                                      <p:to>
+                                        <p:strVal val="visible"/>
+                                      </p:to>
+                                    </p:set>
+                                    <p:animEffect transition="in" filter="fade">
+                                      <p:cBhvr>
+                                        <p:cTn id="7" dur="700"/>
+                                        <p:tgtEl>
+                                          <p:spTgt spid="7"/>
+                                        </p:tgtEl>
+                                      </p:cBhvr>
+                                    </p:animEffect>
+                                  </p:childTnLst>
+                                </p:cTn>
+                              </p:par>
+                            </p:childTnLst>
+                          </p:cTn>
+                        </p:par>
+                      </p:childTnLst>
+                    </p:cTn>
+                  </p:par>
+                </p:childTnLst>
+              </p:cTn>
+              <p:prevCondLst>
+                <p:cond evt="onPrev" delay="0">
+                  <p:tgtEl>
+                    <p:sldTgt/>
+                  </p:tgtEl>
+                </p:cond>
+              </p:prevCondLst>
+              <p:nextCondLst>
+                <p:cond evt="onNext" delay="0">
+                  <p:tgtEl>
+                    <p:sldTgt/>
+                  </p:tgtEl>
+                </p:cond>
+              </p:nextCondLst>
+            </p:seq>
+          </p:childTnLst>
+        </p:cTn>
+      </p:par>
+    </p:tnLst>
+  </p:timing>
+</p:sld>
+</file>
+
+<file path=ppt/slides/slide13.xml><?xml version="1.0" encoding="utf-8"?>
 <p:sld xmlns:a="http://schemas.openxmlformats.org/drawingml/2006/main" xmlns:r="http://schemas.openxmlformats.org/officeDocument/2006/relationships" xmlns:p="http://schemas.openxmlformats.org/presentationml/2006/main">
   <p:cSld>
     <p:spTree>
@@ -8459,7 +8494,7 @@
           </p:cNvPicPr>
           <p:nvPr/>
         </p:nvPicPr>
-        <p:blipFill>
+        <p:blipFill rotWithShape="1">
           <a:blip r:embed="rId2">
             <a:extLst>
               <a:ext uri="{28A0092B-C50C-407E-A947-70E740481C1C}">
@@ -8467,15 +8502,13 @@
               </a:ext>
             </a:extLst>
           </a:blip>
-          <a:srcRect/>
-          <a:stretch>
-            <a:fillRect/>
-          </a:stretch>
+          <a:srcRect l="12472" r="13186"/>
+          <a:stretch/>
         </p:blipFill>
         <p:spPr bwMode="auto">
           <a:xfrm>
-            <a:off x="3992955" y="3164875"/>
-            <a:ext cx="2805721" cy="1986072"/>
+            <a:off x="6792538" y="2034681"/>
+            <a:ext cx="2085845" cy="1986072"/>
           </a:xfrm>
           <a:prstGeom prst="rect">
             <a:avLst/>
@@ -8506,8 +8539,8 @@
         </p:nvSpPr>
         <p:spPr>
           <a:xfrm>
-            <a:off x="410234" y="1660059"/>
-            <a:ext cx="2838450" cy="2794483"/>
+            <a:off x="475169" y="1435896"/>
+            <a:ext cx="2838450" cy="5010474"/>
           </a:xfrm>
           <a:prstGeom prst="rect">
             <a:avLst/>
@@ -8603,6 +8636,67 @@
               <a:rPr lang="en-US" sz="2400" dirty="0"/>
               <a:t>Ant Design</a:t>
             </a:r>
+          </a:p>
+          <a:p>
+            <a:pPr marL="285750" indent="-285750">
+              <a:lnSpc>
+                <a:spcPct val="150000"/>
+              </a:lnSpc>
+              <a:buClr>
+                <a:srgbClr val="0070C0"/>
+              </a:buClr>
+              <a:buFont typeface="Wingdings" panose="05000000000000000000" pitchFamily="2" charset="2"/>
+              <a:buChar char="Ø"/>
+            </a:pPr>
+            <a:r>
+              <a:rPr lang="en-US" sz="2400" dirty="0"/>
+              <a:t>Python</a:t>
+            </a:r>
+          </a:p>
+          <a:p>
+            <a:pPr marL="742950" lvl="1" indent="-285750">
+              <a:lnSpc>
+                <a:spcPct val="150000"/>
+              </a:lnSpc>
+              <a:buClr>
+                <a:srgbClr val="0070C0"/>
+              </a:buClr>
+              <a:buFont typeface="Wingdings" panose="05000000000000000000" pitchFamily="2" charset="2"/>
+              <a:buChar char="Ø"/>
+            </a:pPr>
+            <a:r>
+              <a:rPr lang="en-US" sz="2400" dirty="0"/>
+              <a:t>Flask</a:t>
+            </a:r>
+          </a:p>
+          <a:p>
+            <a:pPr marL="742950" lvl="1" indent="-285750">
+              <a:lnSpc>
+                <a:spcPct val="150000"/>
+              </a:lnSpc>
+              <a:buClr>
+                <a:srgbClr val="0070C0"/>
+              </a:buClr>
+              <a:buFont typeface="Wingdings" panose="05000000000000000000" pitchFamily="2" charset="2"/>
+              <a:buChar char="Ø"/>
+            </a:pPr>
+            <a:r>
+              <a:rPr lang="en-US" sz="2400" dirty="0"/>
+              <a:t>Pandas</a:t>
+            </a:r>
+          </a:p>
+          <a:p>
+            <a:pPr marL="742950" lvl="1" indent="-285750">
+              <a:lnSpc>
+                <a:spcPct val="150000"/>
+              </a:lnSpc>
+              <a:buClr>
+                <a:srgbClr val="0070C0"/>
+              </a:buClr>
+              <a:buFont typeface="Wingdings" panose="05000000000000000000" pitchFamily="2" charset="2"/>
+              <a:buChar char="Ø"/>
+            </a:pPr>
+            <a:endParaRPr lang="en-US" sz="2400" dirty="0"/>
           </a:p>
         </p:txBody>
       </p:sp>
@@ -8637,7 +8731,7 @@
         </p:blipFill>
         <p:spPr>
           <a:xfrm>
-            <a:off x="6492525" y="4461754"/>
+            <a:off x="7632185" y="3911010"/>
             <a:ext cx="1734981" cy="1734981"/>
           </a:xfrm>
           <a:prstGeom prst="rect">
@@ -8673,8 +8767,8 @@
         </p:blipFill>
         <p:spPr>
           <a:xfrm>
-            <a:off x="3919784" y="937277"/>
-            <a:ext cx="2049300" cy="2049300"/>
+            <a:off x="3713326" y="398446"/>
+            <a:ext cx="1433838" cy="1433838"/>
           </a:xfrm>
           <a:prstGeom prst="rect">
             <a:avLst/>
@@ -8695,7 +8789,7 @@
           </p:cNvPicPr>
           <p:nvPr/>
         </p:nvPicPr>
-        <p:blipFill>
+        <p:blipFill rotWithShape="1">
           <a:blip r:embed="rId6">
             <a:extLst>
               <a:ext uri="{28A0092B-C50C-407E-A947-70E740481C1C}">
@@ -8703,14 +8797,13 @@
               </a:ext>
             </a:extLst>
           </a:blip>
-          <a:stretch>
-            <a:fillRect/>
-          </a:stretch>
+          <a:srcRect l="12296" t="13417" r="7297" b="16656"/>
+          <a:stretch/>
         </p:blipFill>
         <p:spPr>
           <a:xfrm>
-            <a:off x="6492525" y="611900"/>
-            <a:ext cx="3017065" cy="3017065"/>
+            <a:off x="6096000" y="205873"/>
+            <a:ext cx="1973942" cy="1716682"/>
           </a:xfrm>
           <a:prstGeom prst="rect">
             <a:avLst/>
@@ -8745,8 +8838,80 @@
         </p:blipFill>
         <p:spPr>
           <a:xfrm>
-            <a:off x="2802753" y="4860131"/>
-            <a:ext cx="1636133" cy="1636133"/>
+            <a:off x="4662162" y="2477172"/>
+            <a:ext cx="1433838" cy="1433838"/>
+          </a:xfrm>
+          <a:prstGeom prst="rect">
+            <a:avLst/>
+          </a:prstGeom>
+        </p:spPr>
+      </p:pic>
+      <p:pic>
+        <p:nvPicPr>
+          <p:cNvPr id="3" name="Рисунок 2">
+            <a:extLst>
+              <a:ext uri="{FF2B5EF4-FFF2-40B4-BE49-F238E27FC236}">
+                <a16:creationId xmlns:a16="http://schemas.microsoft.com/office/drawing/2014/main" id="{B5A53C8D-6CDC-4AEA-A5AC-0970816C757D}"/>
+              </a:ext>
+            </a:extLst>
+          </p:cNvPr>
+          <p:cNvPicPr>
+            <a:picLocks noChangeAspect="1"/>
+          </p:cNvPicPr>
+          <p:nvPr/>
+        </p:nvPicPr>
+        <p:blipFill>
+          <a:blip r:embed="rId8">
+            <a:extLst>
+              <a:ext uri="{28A0092B-C50C-407E-A947-70E740481C1C}">
+                <a14:useLocalDpi xmlns:a14="http://schemas.microsoft.com/office/drawing/2010/main" val="0"/>
+              </a:ext>
+            </a:extLst>
+          </a:blip>
+          <a:stretch>
+            <a:fillRect/>
+          </a:stretch>
+        </p:blipFill>
+        <p:spPr>
+          <a:xfrm>
+            <a:off x="5845247" y="4593862"/>
+            <a:ext cx="1433838" cy="1838254"/>
+          </a:xfrm>
+          <a:prstGeom prst="rect">
+            <a:avLst/>
+          </a:prstGeom>
+        </p:spPr>
+      </p:pic>
+      <p:pic>
+        <p:nvPicPr>
+          <p:cNvPr id="6" name="Рисунок 5">
+            <a:extLst>
+              <a:ext uri="{FF2B5EF4-FFF2-40B4-BE49-F238E27FC236}">
+                <a16:creationId xmlns:a16="http://schemas.microsoft.com/office/drawing/2014/main" id="{0D553388-99EA-49AA-8A45-1832D9F8B745}"/>
+              </a:ext>
+            </a:extLst>
+          </p:cNvPr>
+          <p:cNvPicPr>
+            <a:picLocks noChangeAspect="1"/>
+          </p:cNvPicPr>
+          <p:nvPr/>
+        </p:nvPicPr>
+        <p:blipFill>
+          <a:blip r:embed="rId9">
+            <a:extLst>
+              <a:ext uri="{28A0092B-C50C-407E-A947-70E740481C1C}">
+                <a14:useLocalDpi xmlns:a14="http://schemas.microsoft.com/office/drawing/2010/main" val="0"/>
+              </a:ext>
+            </a:extLst>
+          </a:blip>
+          <a:stretch>
+            <a:fillRect/>
+          </a:stretch>
+        </p:blipFill>
+        <p:spPr>
+          <a:xfrm>
+            <a:off x="3666719" y="4832023"/>
+            <a:ext cx="1433838" cy="1433838"/>
           </a:xfrm>
           <a:prstGeom prst="rect">
             <a:avLst/>
@@ -8766,7 +8931,7 @@
 </p:sld>
 </file>
 
-<file path=ppt/slides/slide13.xml><?xml version="1.0" encoding="utf-8"?>
+<file path=ppt/slides/slide14.xml><?xml version="1.0" encoding="utf-8"?>
 <p:sld xmlns:a="http://schemas.openxmlformats.org/drawingml/2006/main" xmlns:r="http://schemas.openxmlformats.org/officeDocument/2006/relationships" xmlns:p="http://schemas.openxmlformats.org/presentationml/2006/main">
   <p:cSld>
     <p:spTree>
@@ -8909,7 +9074,7 @@
         <p:spPr>
           <a:xfrm>
             <a:off x="603679" y="1331650"/>
-            <a:ext cx="7812351" cy="3767634"/>
+            <a:ext cx="9002139" cy="3767634"/>
           </a:xfrm>
           <a:prstGeom prst="rect">
             <a:avLst/>
@@ -9043,7 +9208,7 @@
 </p:sld>
 </file>
 
-<file path=ppt/slides/slide14.xml><?xml version="1.0" encoding="utf-8"?>
+<file path=ppt/slides/slide15.xml><?xml version="1.0" encoding="utf-8"?>
 <p:sld xmlns:a="http://schemas.openxmlformats.org/drawingml/2006/main" xmlns:r="http://schemas.openxmlformats.org/officeDocument/2006/relationships" xmlns:p="http://schemas.openxmlformats.org/presentationml/2006/main">
   <p:cSld>
     <p:spTree>
@@ -9076,8 +9241,8 @@
         </p:nvSpPr>
         <p:spPr>
           <a:xfrm>
-            <a:off x="1329513" y="2916765"/>
-            <a:ext cx="8320514" cy="1024469"/>
+            <a:off x="1308493" y="2785313"/>
+            <a:ext cx="8320514" cy="1287373"/>
           </a:xfrm>
           <a:prstGeom prst="rect">
             <a:avLst/>
@@ -9085,7 +9250,7 @@
         </p:spPr>
         <p:txBody>
           <a:bodyPr vert="horz" lIns="91440" tIns="45720" rIns="91440" bIns="45720" rtlCol="0" anchor="t">
-            <a:normAutofit/>
+            <a:noAutofit/>
           </a:bodyPr>
           <a:lstStyle>
             <a:lvl1pPr algn="l" defTabSz="457200" rtl="0" eaLnBrk="1" latinLnBrk="0" hangingPunct="1">
@@ -9162,7 +9327,7 @@
           <a:p>
             <a:pPr algn="ctr"/>
             <a:r>
-              <a:rPr lang="uk-UA" sz="6000" dirty="0">
+              <a:rPr lang="uk-UA" sz="7200" dirty="0">
                 <a:solidFill>
                   <a:srgbClr val="0070C0"/>
                 </a:solidFill>
@@ -9637,7 +9802,7 @@
         </p:nvSpPr>
         <p:spPr>
           <a:xfrm>
-            <a:off x="168676" y="238379"/>
+            <a:off x="251800" y="238379"/>
             <a:ext cx="9081856" cy="747042"/>
           </a:xfrm>
           <a:prstGeom prst="rect">
@@ -9748,7 +9913,7 @@
         </p:nvCxnSpPr>
         <p:spPr>
           <a:xfrm>
-            <a:off x="416839" y="5343648"/>
+            <a:off x="607408" y="5762498"/>
             <a:ext cx="9081856" cy="0"/>
           </a:xfrm>
           <a:prstGeom prst="line">
@@ -9773,104 +9938,6 @@
       </p:cxnSp>
       <p:sp>
         <p:nvSpPr>
-          <p:cNvPr id="24" name="Рівнобедрений трикутник 23">
-            <a:extLst>
-              <a:ext uri="{FF2B5EF4-FFF2-40B4-BE49-F238E27FC236}">
-                <a16:creationId xmlns:a16="http://schemas.microsoft.com/office/drawing/2014/main" id="{F5F0F492-6A75-4B8A-BEB0-EAA514E0308A}"/>
-              </a:ext>
-            </a:extLst>
-          </p:cNvPr>
-          <p:cNvSpPr/>
-          <p:nvPr/>
-        </p:nvSpPr>
-        <p:spPr>
-          <a:xfrm>
-            <a:off x="5638389" y="5377594"/>
-            <a:ext cx="850776" cy="605885"/>
-          </a:xfrm>
-          <a:prstGeom prst="triangle">
-            <a:avLst/>
-          </a:prstGeom>
-        </p:spPr>
-        <p:style>
-          <a:lnRef idx="2">
-            <a:schemeClr val="accent1">
-              <a:shade val="50000"/>
-            </a:schemeClr>
-          </a:lnRef>
-          <a:fillRef idx="1">
-            <a:schemeClr val="accent1"/>
-          </a:fillRef>
-          <a:effectRef idx="0">
-            <a:schemeClr val="accent1"/>
-          </a:effectRef>
-          <a:fontRef idx="minor">
-            <a:schemeClr val="lt1"/>
-          </a:fontRef>
-        </p:style>
-        <p:txBody>
-          <a:bodyPr rtlCol="0" anchor="ctr"/>
-          <a:lstStyle/>
-          <a:p>
-            <a:pPr algn="ctr"/>
-            <a:r>
-              <a:rPr lang="en-US" dirty="0"/>
-              <a:t>A*</a:t>
-            </a:r>
-          </a:p>
-        </p:txBody>
-      </p:sp>
-      <p:sp>
-        <p:nvSpPr>
-          <p:cNvPr id="25" name="Рівнобедрений трикутник 24">
-            <a:extLst>
-              <a:ext uri="{FF2B5EF4-FFF2-40B4-BE49-F238E27FC236}">
-                <a16:creationId xmlns:a16="http://schemas.microsoft.com/office/drawing/2014/main" id="{D9EE0531-C284-4101-AF52-91A71A3E5D24}"/>
-              </a:ext>
-            </a:extLst>
-          </p:cNvPr>
-          <p:cNvSpPr/>
-          <p:nvPr/>
-        </p:nvSpPr>
-        <p:spPr>
-          <a:xfrm>
-            <a:off x="934704" y="5377593"/>
-            <a:ext cx="850776" cy="605885"/>
-          </a:xfrm>
-          <a:prstGeom prst="triangle">
-            <a:avLst/>
-          </a:prstGeom>
-        </p:spPr>
-        <p:style>
-          <a:lnRef idx="2">
-            <a:schemeClr val="accent1">
-              <a:shade val="50000"/>
-            </a:schemeClr>
-          </a:lnRef>
-          <a:fillRef idx="1">
-            <a:schemeClr val="accent1"/>
-          </a:fillRef>
-          <a:effectRef idx="0">
-            <a:schemeClr val="accent1"/>
-          </a:effectRef>
-          <a:fontRef idx="minor">
-            <a:schemeClr val="lt1"/>
-          </a:fontRef>
-        </p:style>
-        <p:txBody>
-          <a:bodyPr rtlCol="0" anchor="ctr"/>
-          <a:lstStyle/>
-          <a:p>
-            <a:pPr algn="ctr"/>
-            <a:r>
-              <a:rPr lang="en-US" dirty="0"/>
-              <a:t>A</a:t>
-            </a:r>
-          </a:p>
-        </p:txBody>
-      </p:sp>
-      <p:sp>
-        <p:nvSpPr>
           <p:cNvPr id="26" name="Прямокутник 25">
             <a:extLst>
               <a:ext uri="{FF2B5EF4-FFF2-40B4-BE49-F238E27FC236}">
@@ -9883,8 +9950,8 @@
         </p:nvSpPr>
         <p:spPr>
           <a:xfrm>
-            <a:off x="416839" y="5029141"/>
-            <a:ext cx="2991775" cy="275205"/>
+            <a:off x="607408" y="5523346"/>
+            <a:ext cx="2991775" cy="199850"/>
           </a:xfrm>
           <a:prstGeom prst="rect">
             <a:avLst/>
@@ -9925,7 +9992,7 @@
           <a:p>
             <a:pPr algn="ctr"/>
             <a:r>
-              <a:rPr lang="en-US" dirty="0">
+              <a:rPr lang="en-US" sz="1400" dirty="0">
                 <a:solidFill>
                   <a:sysClr val="windowText" lastClr="000000"/>
                 </a:solidFill>
@@ -9949,8 +10016,8 @@
         </p:nvSpPr>
         <p:spPr>
           <a:xfrm>
-            <a:off x="3408614" y="5029141"/>
-            <a:ext cx="2334827" cy="275205"/>
+            <a:off x="3599183" y="5523346"/>
+            <a:ext cx="2334827" cy="199850"/>
           </a:xfrm>
           <a:prstGeom prst="rect">
             <a:avLst/>
@@ -9991,7 +10058,7 @@
           <a:p>
             <a:pPr algn="ctr"/>
             <a:r>
-              <a:rPr lang="en-US" dirty="0">
+              <a:rPr lang="en-US" sz="1400" dirty="0">
                 <a:solidFill>
                   <a:sysClr val="windowText" lastClr="000000"/>
                 </a:solidFill>
@@ -10015,8 +10082,8 @@
         </p:nvSpPr>
         <p:spPr>
           <a:xfrm>
-            <a:off x="5743441" y="5029141"/>
-            <a:ext cx="3755254" cy="275205"/>
+            <a:off x="5934010" y="5523346"/>
+            <a:ext cx="3755254" cy="199850"/>
           </a:xfrm>
           <a:prstGeom prst="rect">
             <a:avLst/>
@@ -10057,13 +10124,105 @@
           <a:p>
             <a:pPr algn="ctr"/>
             <a:r>
-              <a:rPr lang="en-US" dirty="0">
+              <a:rPr lang="en-US" sz="1400" dirty="0">
                 <a:solidFill>
                   <a:sysClr val="windowText" lastClr="000000"/>
                 </a:solidFill>
               </a:rPr>
               <a:t>II</a:t>
             </a:r>
+          </a:p>
+        </p:txBody>
+      </p:sp>
+      <p:sp>
+        <p:nvSpPr>
+          <p:cNvPr id="20" name="Стрілка: угору 19">
+            <a:extLst>
+              <a:ext uri="{FF2B5EF4-FFF2-40B4-BE49-F238E27FC236}">
+                <a16:creationId xmlns:a16="http://schemas.microsoft.com/office/drawing/2014/main" id="{3469B087-D31F-461A-8882-367182240E5D}"/>
+              </a:ext>
+            </a:extLst>
+          </p:cNvPr>
+          <p:cNvSpPr/>
+          <p:nvPr/>
+        </p:nvSpPr>
+        <p:spPr>
+          <a:xfrm>
+            <a:off x="1437619" y="5801801"/>
+            <a:ext cx="344999" cy="534344"/>
+          </a:xfrm>
+          <a:prstGeom prst="upArrow">
+            <a:avLst/>
+          </a:prstGeom>
+        </p:spPr>
+        <p:style>
+          <a:lnRef idx="2">
+            <a:schemeClr val="accent1">
+              <a:shade val="50000"/>
+            </a:schemeClr>
+          </a:lnRef>
+          <a:fillRef idx="1">
+            <a:schemeClr val="accent1"/>
+          </a:fillRef>
+          <a:effectRef idx="0">
+            <a:schemeClr val="accent1"/>
+          </a:effectRef>
+          <a:fontRef idx="minor">
+            <a:schemeClr val="lt1"/>
+          </a:fontRef>
+        </p:style>
+        <p:txBody>
+          <a:bodyPr rtlCol="0" anchor="ctr"/>
+          <a:lstStyle/>
+          <a:p>
+            <a:pPr algn="ctr"/>
+            <a:endParaRPr lang="en-US" dirty="0"/>
+          </a:p>
+        </p:txBody>
+      </p:sp>
+      <p:sp>
+        <p:nvSpPr>
+          <p:cNvPr id="21" name="Стрілка: угору 20">
+            <a:extLst>
+              <a:ext uri="{FF2B5EF4-FFF2-40B4-BE49-F238E27FC236}">
+                <a16:creationId xmlns:a16="http://schemas.microsoft.com/office/drawing/2014/main" id="{A52A6727-E1A0-45F7-A961-F190B813950F}"/>
+              </a:ext>
+            </a:extLst>
+          </p:cNvPr>
+          <p:cNvSpPr/>
+          <p:nvPr/>
+        </p:nvSpPr>
+        <p:spPr>
+          <a:xfrm>
+            <a:off x="6716200" y="5801801"/>
+            <a:ext cx="344999" cy="534344"/>
+          </a:xfrm>
+          <a:prstGeom prst="upArrow">
+            <a:avLst/>
+          </a:prstGeom>
+        </p:spPr>
+        <p:style>
+          <a:lnRef idx="2">
+            <a:schemeClr val="accent1">
+              <a:shade val="50000"/>
+            </a:schemeClr>
+          </a:lnRef>
+          <a:fillRef idx="1">
+            <a:schemeClr val="accent1"/>
+          </a:fillRef>
+          <a:effectRef idx="0">
+            <a:schemeClr val="accent1"/>
+          </a:effectRef>
+          <a:fontRef idx="minor">
+            <a:schemeClr val="lt1"/>
+          </a:fontRef>
+        </p:style>
+        <p:txBody>
+          <a:bodyPr rtlCol="0" anchor="ctr"/>
+          <a:lstStyle/>
+          <a:p>
+            <a:pPr algn="ctr"/>
+            <a:endParaRPr lang="en-US" dirty="0"/>
           </a:p>
         </p:txBody>
       </p:sp>
@@ -10113,7 +10272,7 @@
         </p:nvSpPr>
         <p:spPr>
           <a:xfrm>
-            <a:off x="168676" y="238379"/>
+            <a:off x="242564" y="238379"/>
             <a:ext cx="9081856" cy="747042"/>
           </a:xfrm>
           <a:prstGeom prst="rect">
@@ -10284,7 +10443,7 @@
         </p:nvSpPr>
         <p:spPr>
           <a:xfrm>
-            <a:off x="168676" y="238379"/>
+            <a:off x="233328" y="238379"/>
             <a:ext cx="9081856" cy="747042"/>
           </a:xfrm>
           <a:prstGeom prst="rect">
@@ -10395,7 +10554,7 @@
             </p:nvSpPr>
             <p:spPr>
               <a:xfrm>
-                <a:off x="355107" y="1305017"/>
+                <a:off x="424198" y="1295781"/>
                 <a:ext cx="8700116" cy="4592155"/>
               </a:xfrm>
               <a:prstGeom prst="rect">
@@ -10765,7 +10924,7 @@
             </p:nvSpPr>
             <p:spPr>
               <a:xfrm>
-                <a:off x="355107" y="1305017"/>
+                <a:off x="424198" y="1295781"/>
                 <a:ext cx="8700116" cy="4592155"/>
               </a:xfrm>
               <a:prstGeom prst="rect">
@@ -10774,7 +10933,7 @@
               <a:blipFill>
                 <a:blip r:embed="rId2"/>
                 <a:stretch>
-                  <a:fillRect l="-1051" r="-1121" b="-2258"/>
+                  <a:fillRect l="-1121" r="-1051" b="-2258"/>
                 </a:stretch>
               </a:blipFill>
             </p:spPr>
@@ -10839,7 +10998,7 @@
         </p:nvSpPr>
         <p:spPr>
           <a:xfrm>
-            <a:off x="168676" y="238379"/>
+            <a:off x="233328" y="238379"/>
             <a:ext cx="9081856" cy="747042"/>
           </a:xfrm>
           <a:prstGeom prst="rect">
@@ -11010,7 +11169,7 @@
         </p:nvSpPr>
         <p:spPr>
           <a:xfrm>
-            <a:off x="168676" y="238379"/>
+            <a:off x="233328" y="238379"/>
             <a:ext cx="9081856" cy="747042"/>
           </a:xfrm>
           <a:prstGeom prst="rect">
@@ -11119,7 +11278,7 @@
         </p:nvSpPr>
         <p:spPr>
           <a:xfrm>
-            <a:off x="426129" y="1351895"/>
+            <a:off x="757110" y="1305713"/>
             <a:ext cx="8034291" cy="2794483"/>
           </a:xfrm>
           <a:prstGeom prst="rect">
@@ -11138,6 +11297,10 @@
                 <a:spcPct val="150000"/>
               </a:lnSpc>
             </a:pPr>
+            <a:r>
+              <a:rPr lang="en-US" sz="2400" dirty="0"/>
+              <a:t>	</a:t>
+            </a:r>
             <a:r>
               <a:rPr lang="uk-UA" sz="2400" dirty="0"/>
               <a:t>Розбити матрицю перехресного зв’язування антитіл на групи за ознакою подібності раніше створеного показника зв’язування для полегшення виявлення оптимальних пар та приблизної локалізації місця зв’язування</a:t>
@@ -11160,177 +11323,6 @@
 </file>
 
 <file path=ppt/slides/slide7.xml><?xml version="1.0" encoding="utf-8"?>
-<p:sld xmlns:a="http://schemas.openxmlformats.org/drawingml/2006/main" xmlns:r="http://schemas.openxmlformats.org/officeDocument/2006/relationships" xmlns:p="http://schemas.openxmlformats.org/presentationml/2006/main">
-  <p:cSld>
-    <p:spTree>
-      <p:nvGrpSpPr>
-        <p:cNvPr id="1" name=""/>
-        <p:cNvGrpSpPr/>
-        <p:nvPr/>
-      </p:nvGrpSpPr>
-      <p:grpSpPr>
-        <a:xfrm>
-          <a:off x="0" y="0"/>
-          <a:ext cx="0" cy="0"/>
-          <a:chOff x="0" y="0"/>
-          <a:chExt cx="0" cy="0"/>
-        </a:xfrm>
-      </p:grpSpPr>
-      <p:sp>
-        <p:nvSpPr>
-          <p:cNvPr id="34" name="Заголовок 1">
-            <a:extLst>
-              <a:ext uri="{FF2B5EF4-FFF2-40B4-BE49-F238E27FC236}">
-                <a16:creationId xmlns:a16="http://schemas.microsoft.com/office/drawing/2014/main" id="{35E52872-785A-4543-B69F-B775E967559A}"/>
-              </a:ext>
-            </a:extLst>
-          </p:cNvPr>
-          <p:cNvSpPr txBox="1">
-            <a:spLocks/>
-          </p:cNvSpPr>
-          <p:nvPr/>
-        </p:nvSpPr>
-        <p:spPr>
-          <a:xfrm>
-            <a:off x="168676" y="238379"/>
-            <a:ext cx="9081856" cy="747042"/>
-          </a:xfrm>
-          <a:prstGeom prst="rect">
-            <a:avLst/>
-          </a:prstGeom>
-        </p:spPr>
-        <p:txBody>
-          <a:bodyPr vert="horz" lIns="91440" tIns="45720" rIns="91440" bIns="45720" rtlCol="0" anchor="t">
-            <a:normAutofit/>
-          </a:bodyPr>
-          <a:lstStyle>
-            <a:lvl1pPr algn="l" defTabSz="457200" rtl="0" eaLnBrk="1" latinLnBrk="0" hangingPunct="1">
-              <a:spcBef>
-                <a:spcPct val="0"/>
-              </a:spcBef>
-              <a:buNone/>
-              <a:defRPr sz="3600" kern="1200">
-                <a:solidFill>
-                  <a:schemeClr val="accent1"/>
-                </a:solidFill>
-                <a:latin typeface="+mj-lt"/>
-                <a:ea typeface="+mj-ea"/>
-                <a:cs typeface="+mj-cs"/>
-              </a:defRPr>
-            </a:lvl1pPr>
-            <a:lvl2pPr eaLnBrk="1" hangingPunct="1">
-              <a:defRPr>
-                <a:solidFill>
-                  <a:schemeClr val="tx2"/>
-                </a:solidFill>
-              </a:defRPr>
-            </a:lvl2pPr>
-            <a:lvl3pPr eaLnBrk="1" hangingPunct="1">
-              <a:defRPr>
-                <a:solidFill>
-                  <a:schemeClr val="tx2"/>
-                </a:solidFill>
-              </a:defRPr>
-            </a:lvl3pPr>
-            <a:lvl4pPr eaLnBrk="1" hangingPunct="1">
-              <a:defRPr>
-                <a:solidFill>
-                  <a:schemeClr val="tx2"/>
-                </a:solidFill>
-              </a:defRPr>
-            </a:lvl4pPr>
-            <a:lvl5pPr eaLnBrk="1" hangingPunct="1">
-              <a:defRPr>
-                <a:solidFill>
-                  <a:schemeClr val="tx2"/>
-                </a:solidFill>
-              </a:defRPr>
-            </a:lvl5pPr>
-            <a:lvl6pPr eaLnBrk="1" hangingPunct="1">
-              <a:defRPr>
-                <a:solidFill>
-                  <a:schemeClr val="tx2"/>
-                </a:solidFill>
-              </a:defRPr>
-            </a:lvl6pPr>
-            <a:lvl7pPr eaLnBrk="1" hangingPunct="1">
-              <a:defRPr>
-                <a:solidFill>
-                  <a:schemeClr val="tx2"/>
-                </a:solidFill>
-              </a:defRPr>
-            </a:lvl7pPr>
-            <a:lvl8pPr eaLnBrk="1" hangingPunct="1">
-              <a:defRPr>
-                <a:solidFill>
-                  <a:schemeClr val="tx2"/>
-                </a:solidFill>
-              </a:defRPr>
-            </a:lvl8pPr>
-            <a:lvl9pPr eaLnBrk="1" hangingPunct="1">
-              <a:defRPr>
-                <a:solidFill>
-                  <a:schemeClr val="tx2"/>
-                </a:solidFill>
-              </a:defRPr>
-            </a:lvl9pPr>
-          </a:lstStyle>
-          <a:p>
-            <a:r>
-              <a:rPr lang="uk-UA" dirty="0">
-                <a:solidFill>
-                  <a:srgbClr val="0070C0"/>
-                </a:solidFill>
-              </a:rPr>
-              <a:t>Очікуваний результат</a:t>
-            </a:r>
-          </a:p>
-        </p:txBody>
-      </p:sp>
-      <p:pic>
-        <p:nvPicPr>
-          <p:cNvPr id="3" name="Рисунок 2">
-            <a:extLst>
-              <a:ext uri="{FF2B5EF4-FFF2-40B4-BE49-F238E27FC236}">
-                <a16:creationId xmlns:a16="http://schemas.microsoft.com/office/drawing/2014/main" id="{5EC6CB14-DDFF-4161-B561-F9458D1980D0}"/>
-              </a:ext>
-            </a:extLst>
-          </p:cNvPr>
-          <p:cNvPicPr>
-            <a:picLocks noChangeAspect="1"/>
-          </p:cNvPicPr>
-          <p:nvPr/>
-        </p:nvPicPr>
-        <p:blipFill>
-          <a:blip r:embed="rId2"/>
-          <a:stretch>
-            <a:fillRect/>
-          </a:stretch>
-        </p:blipFill>
-        <p:spPr>
-          <a:xfrm>
-            <a:off x="390525" y="985421"/>
-            <a:ext cx="11410950" cy="5348387"/>
-          </a:xfrm>
-          <a:prstGeom prst="rect">
-            <a:avLst/>
-          </a:prstGeom>
-        </p:spPr>
-      </p:pic>
-    </p:spTree>
-    <p:extLst>
-      <p:ext uri="{BB962C8B-B14F-4D97-AF65-F5344CB8AC3E}">
-        <p14:creationId xmlns:p14="http://schemas.microsoft.com/office/powerpoint/2010/main" val="2731102270"/>
-      </p:ext>
-    </p:extLst>
-  </p:cSld>
-  <p:clrMapOvr>
-    <a:masterClrMapping/>
-  </p:clrMapOvr>
-</p:sld>
-</file>
-
-<file path=ppt/slides/slide8.xml><?xml version="1.0" encoding="utf-8"?>
 <p:sld xmlns:a="http://schemas.openxmlformats.org/drawingml/2006/main" xmlns:r="http://schemas.openxmlformats.org/officeDocument/2006/relationships" xmlns:p="http://schemas.openxmlformats.org/presentationml/2006/main">
   <p:cSld>
     <p:spTree>
@@ -15628,7 +15620,7 @@
         </p:nvSpPr>
         <p:spPr>
           <a:xfrm>
-            <a:off x="168676" y="238379"/>
+            <a:off x="233328" y="238379"/>
             <a:ext cx="9081856" cy="747042"/>
           </a:xfrm>
           <a:prstGeom prst="rect">
@@ -15727,6 +15719,177 @@
     <p:extLst>
       <p:ext uri="{BB962C8B-B14F-4D97-AF65-F5344CB8AC3E}">
         <p14:creationId xmlns:p14="http://schemas.microsoft.com/office/powerpoint/2010/main" val="1062605323"/>
+      </p:ext>
+    </p:extLst>
+  </p:cSld>
+  <p:clrMapOvr>
+    <a:masterClrMapping/>
+  </p:clrMapOvr>
+</p:sld>
+</file>
+
+<file path=ppt/slides/slide8.xml><?xml version="1.0" encoding="utf-8"?>
+<p:sld xmlns:a="http://schemas.openxmlformats.org/drawingml/2006/main" xmlns:r="http://schemas.openxmlformats.org/officeDocument/2006/relationships" xmlns:p="http://schemas.openxmlformats.org/presentationml/2006/main">
+  <p:cSld>
+    <p:spTree>
+      <p:nvGrpSpPr>
+        <p:cNvPr id="1" name=""/>
+        <p:cNvGrpSpPr/>
+        <p:nvPr/>
+      </p:nvGrpSpPr>
+      <p:grpSpPr>
+        <a:xfrm>
+          <a:off x="0" y="0"/>
+          <a:ext cx="0" cy="0"/>
+          <a:chOff x="0" y="0"/>
+          <a:chExt cx="0" cy="0"/>
+        </a:xfrm>
+      </p:grpSpPr>
+      <p:sp>
+        <p:nvSpPr>
+          <p:cNvPr id="34" name="Заголовок 1">
+            <a:extLst>
+              <a:ext uri="{FF2B5EF4-FFF2-40B4-BE49-F238E27FC236}">
+                <a16:creationId xmlns:a16="http://schemas.microsoft.com/office/drawing/2014/main" id="{35E52872-785A-4543-B69F-B775E967559A}"/>
+              </a:ext>
+            </a:extLst>
+          </p:cNvPr>
+          <p:cNvSpPr txBox="1">
+            <a:spLocks/>
+          </p:cNvSpPr>
+          <p:nvPr/>
+        </p:nvSpPr>
+        <p:spPr>
+          <a:xfrm>
+            <a:off x="233328" y="238379"/>
+            <a:ext cx="9081856" cy="747042"/>
+          </a:xfrm>
+          <a:prstGeom prst="rect">
+            <a:avLst/>
+          </a:prstGeom>
+        </p:spPr>
+        <p:txBody>
+          <a:bodyPr vert="horz" lIns="91440" tIns="45720" rIns="91440" bIns="45720" rtlCol="0" anchor="t">
+            <a:normAutofit/>
+          </a:bodyPr>
+          <a:lstStyle>
+            <a:lvl1pPr algn="l" defTabSz="457200" rtl="0" eaLnBrk="1" latinLnBrk="0" hangingPunct="1">
+              <a:spcBef>
+                <a:spcPct val="0"/>
+              </a:spcBef>
+              <a:buNone/>
+              <a:defRPr sz="3600" kern="1200">
+                <a:solidFill>
+                  <a:schemeClr val="accent1"/>
+                </a:solidFill>
+                <a:latin typeface="+mj-lt"/>
+                <a:ea typeface="+mj-ea"/>
+                <a:cs typeface="+mj-cs"/>
+              </a:defRPr>
+            </a:lvl1pPr>
+            <a:lvl2pPr eaLnBrk="1" hangingPunct="1">
+              <a:defRPr>
+                <a:solidFill>
+                  <a:schemeClr val="tx2"/>
+                </a:solidFill>
+              </a:defRPr>
+            </a:lvl2pPr>
+            <a:lvl3pPr eaLnBrk="1" hangingPunct="1">
+              <a:defRPr>
+                <a:solidFill>
+                  <a:schemeClr val="tx2"/>
+                </a:solidFill>
+              </a:defRPr>
+            </a:lvl3pPr>
+            <a:lvl4pPr eaLnBrk="1" hangingPunct="1">
+              <a:defRPr>
+                <a:solidFill>
+                  <a:schemeClr val="tx2"/>
+                </a:solidFill>
+              </a:defRPr>
+            </a:lvl4pPr>
+            <a:lvl5pPr eaLnBrk="1" hangingPunct="1">
+              <a:defRPr>
+                <a:solidFill>
+                  <a:schemeClr val="tx2"/>
+                </a:solidFill>
+              </a:defRPr>
+            </a:lvl5pPr>
+            <a:lvl6pPr eaLnBrk="1" hangingPunct="1">
+              <a:defRPr>
+                <a:solidFill>
+                  <a:schemeClr val="tx2"/>
+                </a:solidFill>
+              </a:defRPr>
+            </a:lvl6pPr>
+            <a:lvl7pPr eaLnBrk="1" hangingPunct="1">
+              <a:defRPr>
+                <a:solidFill>
+                  <a:schemeClr val="tx2"/>
+                </a:solidFill>
+              </a:defRPr>
+            </a:lvl7pPr>
+            <a:lvl8pPr eaLnBrk="1" hangingPunct="1">
+              <a:defRPr>
+                <a:solidFill>
+                  <a:schemeClr val="tx2"/>
+                </a:solidFill>
+              </a:defRPr>
+            </a:lvl8pPr>
+            <a:lvl9pPr eaLnBrk="1" hangingPunct="1">
+              <a:defRPr>
+                <a:solidFill>
+                  <a:schemeClr val="tx2"/>
+                </a:solidFill>
+              </a:defRPr>
+            </a:lvl9pPr>
+          </a:lstStyle>
+          <a:p>
+            <a:r>
+              <a:rPr lang="uk-UA" dirty="0">
+                <a:solidFill>
+                  <a:srgbClr val="0070C0"/>
+                </a:solidFill>
+              </a:rPr>
+              <a:t>Очікуваний результат</a:t>
+            </a:r>
+          </a:p>
+        </p:txBody>
+      </p:sp>
+      <p:pic>
+        <p:nvPicPr>
+          <p:cNvPr id="3" name="Рисунок 2">
+            <a:extLst>
+              <a:ext uri="{FF2B5EF4-FFF2-40B4-BE49-F238E27FC236}">
+                <a16:creationId xmlns:a16="http://schemas.microsoft.com/office/drawing/2014/main" id="{5EC6CB14-DDFF-4161-B561-F9458D1980D0}"/>
+              </a:ext>
+            </a:extLst>
+          </p:cNvPr>
+          <p:cNvPicPr>
+            <a:picLocks noChangeAspect="1"/>
+          </p:cNvPicPr>
+          <p:nvPr/>
+        </p:nvPicPr>
+        <p:blipFill>
+          <a:blip r:embed="rId2"/>
+          <a:stretch>
+            <a:fillRect/>
+          </a:stretch>
+        </p:blipFill>
+        <p:spPr>
+          <a:xfrm>
+            <a:off x="390525" y="985421"/>
+            <a:ext cx="11410950" cy="5348387"/>
+          </a:xfrm>
+          <a:prstGeom prst="rect">
+            <a:avLst/>
+          </a:prstGeom>
+        </p:spPr>
+      </p:pic>
+    </p:spTree>
+    <p:extLst>
+      <p:ext uri="{BB962C8B-B14F-4D97-AF65-F5344CB8AC3E}">
+        <p14:creationId xmlns:p14="http://schemas.microsoft.com/office/powerpoint/2010/main" val="2731102270"/>
       </p:ext>
     </p:extLst>
   </p:cSld>
@@ -15769,7 +15932,7 @@
         </p:nvSpPr>
         <p:spPr>
           <a:xfrm>
-            <a:off x="168676" y="238379"/>
+            <a:off x="233328" y="238379"/>
             <a:ext cx="9081856" cy="747042"/>
           </a:xfrm>
           <a:prstGeom prst="rect">
@@ -15859,7 +16022,7 @@
                   <a:srgbClr val="0070C0"/>
                 </a:solidFill>
               </a:rPr>
-              <a:t>Кластеризація методом</a:t>
+              <a:t>Метод кластеризації </a:t>
             </a:r>
             <a:r>
               <a:rPr lang="en-US" dirty="0">
@@ -15867,7 +16030,7 @@
                   <a:srgbClr val="0070C0"/>
                 </a:solidFill>
               </a:rPr>
-              <a:t> k-mods</a:t>
+              <a:t>k-means</a:t>
             </a:r>
             <a:r>
               <a:rPr lang="uk-UA" dirty="0">
@@ -15877,82 +16040,6 @@
               </a:rPr>
               <a:t> </a:t>
             </a:r>
-          </a:p>
-        </p:txBody>
-      </p:sp>
-      <p:sp>
-        <p:nvSpPr>
-          <p:cNvPr id="6" name="TextBox 5">
-            <a:extLst>
-              <a:ext uri="{FF2B5EF4-FFF2-40B4-BE49-F238E27FC236}">
-                <a16:creationId xmlns:a16="http://schemas.microsoft.com/office/drawing/2014/main" id="{D8491B23-FE99-4CA6-9814-A95E9575423B}"/>
-              </a:ext>
-            </a:extLst>
-          </p:cNvPr>
-          <p:cNvSpPr txBox="1"/>
-          <p:nvPr/>
-        </p:nvSpPr>
-        <p:spPr>
-          <a:xfrm>
-            <a:off x="759038" y="4539093"/>
-            <a:ext cx="8491493" cy="1703480"/>
-          </a:xfrm>
-          <a:prstGeom prst="rect">
-            <a:avLst/>
-          </a:prstGeom>
-          <a:noFill/>
-        </p:spPr>
-        <p:txBody>
-          <a:bodyPr wrap="square">
-            <a:spAutoFit/>
-          </a:bodyPr>
-          <a:lstStyle/>
-          <a:p>
-            <a:pPr algn="just">
-              <a:lnSpc>
-                <a:spcPct val="150000"/>
-              </a:lnSpc>
-            </a:pPr>
-            <a:r>
-              <a:rPr lang="uk-UA" dirty="0"/>
-              <a:t>	</a:t>
-            </a:r>
-            <a:r>
-              <a:rPr lang="en-US" dirty="0"/>
-              <a:t>k-modes</a:t>
-            </a:r>
-            <a:r>
-              <a:rPr lang="uk-UA" dirty="0"/>
-              <a:t> – це алгоритм, який базується на алгоритмі </a:t>
-            </a:r>
-            <a:r>
-              <a:rPr lang="en-US" dirty="0"/>
-              <a:t>k-</a:t>
-            </a:r>
-            <a:r>
-              <a:rPr lang="uk-UA" dirty="0"/>
-              <a:t>середніх і використовується для кластеризації даних на основі якісних змінних.</a:t>
-            </a:r>
-          </a:p>
-          <a:p>
-            <a:pPr algn="just">
-              <a:lnSpc>
-                <a:spcPct val="150000"/>
-              </a:lnSpc>
-            </a:pPr>
-            <a:r>
-              <a:rPr lang="uk-UA" dirty="0"/>
-              <a:t>	</a:t>
-            </a:r>
-            <a:r>
-              <a:rPr lang="en-US" dirty="0"/>
-              <a:t>k-modes </a:t>
-            </a:r>
-            <a:r>
-              <a:rPr lang="uk-UA" dirty="0"/>
-              <a:t>визначає кластери на основі відповідності категорій між точками даних.</a:t>
-            </a:r>
-            <a:endParaRPr lang="en-US" dirty="0"/>
           </a:p>
         </p:txBody>
       </p:sp>
@@ -15970,8 +16057,8 @@
         </p:nvSpPr>
         <p:spPr>
           <a:xfrm>
-            <a:off x="759040" y="894524"/>
-            <a:ext cx="8491492" cy="2534476"/>
+            <a:off x="633613" y="3397417"/>
+            <a:ext cx="8491492" cy="2805833"/>
           </a:xfrm>
           <a:prstGeom prst="rect">
             <a:avLst/>
@@ -15984,80 +16071,77 @@
           </a:bodyPr>
           <a:lstStyle/>
           <a:p>
-            <a:pPr>
-              <a:lnSpc>
-                <a:spcPct val="150000"/>
-              </a:lnSpc>
-            </a:pPr>
-            <a:r>
-              <a:rPr lang="uk-UA" dirty="0"/>
-              <a:t>	k-середніх – це популярний алгоритм кластеризації на основі </a:t>
-            </a:r>
-            <a:r>
-              <a:rPr lang="uk-UA" dirty="0" err="1"/>
-              <a:t>центроїдів</a:t>
-            </a:r>
-            <a:r>
-              <a:rPr lang="uk-UA" dirty="0"/>
-              <a:t>, який розділяє дані представлені у вигляді точок на k кластерів, кожен із яких має майже рівну кількість цих точок. Ідея цього алгоритму кластеризації полягає в тому, щоб знайти k </a:t>
-            </a:r>
-            <a:r>
-              <a:rPr lang="uk-UA" dirty="0" err="1"/>
-              <a:t>центроїдних</a:t>
-            </a:r>
-            <a:r>
-              <a:rPr lang="uk-UA" dirty="0"/>
-              <a:t> точок, де кожна точка з набору даних буде належати будь-якій з k-множин, що мають мінімальну евклідову відстань.</a:t>
-            </a:r>
-            <a:endParaRPr lang="en-US" dirty="0"/>
-          </a:p>
-        </p:txBody>
-      </p:sp>
-      <p:sp>
-        <p:nvSpPr>
-          <p:cNvPr id="10" name="TextBox 9">
-            <a:extLst>
-              <a:ext uri="{FF2B5EF4-FFF2-40B4-BE49-F238E27FC236}">
-                <a16:creationId xmlns:a16="http://schemas.microsoft.com/office/drawing/2014/main" id="{74BC541C-C498-4CE4-9632-8BCE4BDC9799}"/>
-              </a:ext>
-            </a:extLst>
-          </p:cNvPr>
-          <p:cNvSpPr txBox="1"/>
-          <p:nvPr/>
-        </p:nvSpPr>
-        <p:spPr>
-          <a:xfrm>
-            <a:off x="759039" y="3339888"/>
-            <a:ext cx="8491492" cy="1287981"/>
-          </a:xfrm>
-          <a:prstGeom prst="rect">
-            <a:avLst/>
-          </a:prstGeom>
-          <a:noFill/>
-        </p:spPr>
-        <p:txBody>
-          <a:bodyPr wrap="square">
-            <a:spAutoFit/>
-          </a:bodyPr>
-          <a:lstStyle/>
-          <a:p>
             <a:pPr algn="just">
               <a:lnSpc>
                 <a:spcPct val="150000"/>
               </a:lnSpc>
             </a:pPr>
             <a:r>
-              <a:rPr lang="uk-UA" dirty="0"/>
-              <a:t>	Алгоритм k-середніх не застосовується до даних з якісними змінними, оскільки якісні змінні є дискретними і не мають природного походження. Отже, обчислення евклідової відстані для такого простору, не має сенсу.</a:t>
+              <a:rPr lang="uk-UA" sz="2000" dirty="0"/>
+              <a:t>	</a:t>
             </a:r>
-            <a:endParaRPr lang="en-US" dirty="0"/>
+            <a:r>
+              <a:rPr lang="en-US" sz="2000" dirty="0"/>
+              <a:t>k-means (</a:t>
+            </a:r>
+            <a:r>
+              <a:rPr lang="uk-UA" sz="2000" dirty="0"/>
+              <a:t>k-середніх</a:t>
+            </a:r>
+            <a:r>
+              <a:rPr lang="en-US" sz="2000" dirty="0"/>
+              <a:t>)</a:t>
+            </a:r>
+            <a:r>
+              <a:rPr lang="uk-UA" sz="2000" dirty="0"/>
+              <a:t> – це популярний алгоритм кластеризації на основі </a:t>
+            </a:r>
+            <a:r>
+              <a:rPr lang="uk-UA" sz="2000" dirty="0" err="1"/>
+              <a:t>центроїдів</a:t>
+            </a:r>
+            <a:r>
+              <a:rPr lang="uk-UA" sz="2000" dirty="0"/>
+              <a:t>, який розділяє дані представлені у вигляді точок на k кластерів, кожен із яких має майже рівну кількість цих точок. Ідея цього алгоритму кластеризації полягає в тому, щоб знайти k центроїд, де кожна точка з набору даних буде належати будь-якій з k-множин, що мають мінімальну евклідову відстань.</a:t>
+            </a:r>
+            <a:endParaRPr lang="en-US" sz="2000" dirty="0"/>
           </a:p>
         </p:txBody>
       </p:sp>
+      <p:pic>
+        <p:nvPicPr>
+          <p:cNvPr id="3" name="Рисунок 2">
+            <a:extLst>
+              <a:ext uri="{FF2B5EF4-FFF2-40B4-BE49-F238E27FC236}">
+                <a16:creationId xmlns:a16="http://schemas.microsoft.com/office/drawing/2014/main" id="{BDE06C2A-039D-4BBA-91E7-B41E4E92A0BC}"/>
+              </a:ext>
+            </a:extLst>
+          </p:cNvPr>
+          <p:cNvPicPr>
+            <a:picLocks noChangeAspect="1"/>
+          </p:cNvPicPr>
+          <p:nvPr/>
+        </p:nvPicPr>
+        <p:blipFill>
+          <a:blip r:embed="rId3"/>
+          <a:stretch>
+            <a:fillRect/>
+          </a:stretch>
+        </p:blipFill>
+        <p:spPr>
+          <a:xfrm>
+            <a:off x="443535" y="1272830"/>
+            <a:ext cx="8681570" cy="1837178"/>
+          </a:xfrm>
+          <a:prstGeom prst="rect">
+            <a:avLst/>
+          </a:prstGeom>
+        </p:spPr>
+      </p:pic>
     </p:spTree>
     <p:extLst>
       <p:ext uri="{BB962C8B-B14F-4D97-AF65-F5344CB8AC3E}">
-        <p14:creationId xmlns:p14="http://schemas.microsoft.com/office/powerpoint/2010/main" val="2444979819"/>
+        <p14:creationId xmlns:p14="http://schemas.microsoft.com/office/powerpoint/2010/main" val="1861416559"/>
       </p:ext>
     </p:extLst>
   </p:cSld>
@@ -16322,4 +16406,299 @@
     </a:ext>
   </a:extLst>
 </a:theme>
+</file>
+
+<file path=ppt/theme/theme2.xml><?xml version="1.0" encoding="utf-8"?>
+<a:theme xmlns:a="http://schemas.openxmlformats.org/drawingml/2006/main" name="Тема Office">
+  <a:themeElements>
+    <a:clrScheme name="Офіс">
+      <a:dk1>
+        <a:sysClr val="windowText" lastClr="000000"/>
+      </a:dk1>
+      <a:lt1>
+        <a:sysClr val="window" lastClr="FFFFFF"/>
+      </a:lt1>
+      <a:dk2>
+        <a:srgbClr val="44546A"/>
+      </a:dk2>
+      <a:lt2>
+        <a:srgbClr val="E7E6E6"/>
+      </a:lt2>
+      <a:accent1>
+        <a:srgbClr val="4472C4"/>
+      </a:accent1>
+      <a:accent2>
+        <a:srgbClr val="ED7D31"/>
+      </a:accent2>
+      <a:accent3>
+        <a:srgbClr val="A5A5A5"/>
+      </a:accent3>
+      <a:accent4>
+        <a:srgbClr val="FFC000"/>
+      </a:accent4>
+      <a:accent5>
+        <a:srgbClr val="5B9BD5"/>
+      </a:accent5>
+      <a:accent6>
+        <a:srgbClr val="70AD47"/>
+      </a:accent6>
+      <a:hlink>
+        <a:srgbClr val="0563C1"/>
+      </a:hlink>
+      <a:folHlink>
+        <a:srgbClr val="954F72"/>
+      </a:folHlink>
+    </a:clrScheme>
+    <a:fontScheme name="Офіс">
+      <a:majorFont>
+        <a:latin typeface="Calibri Light" panose="020F0302020204030204"/>
+        <a:ea typeface=""/>
+        <a:cs typeface=""/>
+        <a:font script="Jpan" typeface="游ゴシック Light"/>
+        <a:font script="Hang" typeface="맑은 고딕"/>
+        <a:font script="Hans" typeface="等线 Light"/>
+        <a:font script="Hant" typeface="新細明體"/>
+        <a:font script="Arab" typeface="Times New Roman"/>
+        <a:font script="Hebr" typeface="Times New Roman"/>
+        <a:font script="Thai" typeface="Angsana New"/>
+        <a:font script="Ethi" typeface="Nyala"/>
+        <a:font script="Beng" typeface="Vrinda"/>
+        <a:font script="Gujr" typeface="Shruti"/>
+        <a:font script="Khmr" typeface="MoolBoran"/>
+        <a:font script="Knda" typeface="Tunga"/>
+        <a:font script="Guru" typeface="Raavi"/>
+        <a:font script="Cans" typeface="Euphemia"/>
+        <a:font script="Cher" typeface="Plantagenet Cherokee"/>
+        <a:font script="Yiii" typeface="Microsoft Yi Baiti"/>
+        <a:font script="Tibt" typeface="Microsoft Himalaya"/>
+        <a:font script="Thaa" typeface="MV Boli"/>
+        <a:font script="Deva" typeface="Mangal"/>
+        <a:font script="Telu" typeface="Gautami"/>
+        <a:font script="Taml" typeface="Latha"/>
+        <a:font script="Syrc" typeface="Estrangelo Edessa"/>
+        <a:font script="Orya" typeface="Kalinga"/>
+        <a:font script="Mlym" typeface="Kartika"/>
+        <a:font script="Laoo" typeface="DokChampa"/>
+        <a:font script="Sinh" typeface="Iskoola Pota"/>
+        <a:font script="Mong" typeface="Mongolian Baiti"/>
+        <a:font script="Viet" typeface="Times New Roman"/>
+        <a:font script="Uigh" typeface="Microsoft Uighur"/>
+        <a:font script="Geor" typeface="Sylfaen"/>
+        <a:font script="Armn" typeface="Arial"/>
+        <a:font script="Bugi" typeface="Leelawadee UI"/>
+        <a:font script="Bopo" typeface="Microsoft JhengHei"/>
+        <a:font script="Java" typeface="Javanese Text"/>
+        <a:font script="Lisu" typeface="Segoe UI"/>
+        <a:font script="Mymr" typeface="Myanmar Text"/>
+        <a:font script="Nkoo" typeface="Ebrima"/>
+        <a:font script="Olck" typeface="Nirmala UI"/>
+        <a:font script="Osma" typeface="Ebrima"/>
+        <a:font script="Phag" typeface="Phagspa"/>
+        <a:font script="Syrn" typeface="Estrangelo Edessa"/>
+        <a:font script="Syrj" typeface="Estrangelo Edessa"/>
+        <a:font script="Syre" typeface="Estrangelo Edessa"/>
+        <a:font script="Sora" typeface="Nirmala UI"/>
+        <a:font script="Tale" typeface="Microsoft Tai Le"/>
+        <a:font script="Talu" typeface="Microsoft New Tai Lue"/>
+        <a:font script="Tfng" typeface="Ebrima"/>
+      </a:majorFont>
+      <a:minorFont>
+        <a:latin typeface="Calibri" panose="020F0502020204030204"/>
+        <a:ea typeface=""/>
+        <a:cs typeface=""/>
+        <a:font script="Jpan" typeface="游ゴシック"/>
+        <a:font script="Hang" typeface="맑은 고딕"/>
+        <a:font script="Hans" typeface="等线"/>
+        <a:font script="Hant" typeface="新細明體"/>
+        <a:font script="Arab" typeface="Arial"/>
+        <a:font script="Hebr" typeface="Arial"/>
+        <a:font script="Thai" typeface="Cordia New"/>
+        <a:font script="Ethi" typeface="Nyala"/>
+        <a:font script="Beng" typeface="Vrinda"/>
+        <a:font script="Gujr" typeface="Shruti"/>
+        <a:font script="Khmr" typeface="DaunPenh"/>
+        <a:font script="Knda" typeface="Tunga"/>
+        <a:font script="Guru" typeface="Raavi"/>
+        <a:font script="Cans" typeface="Euphemia"/>
+        <a:font script="Cher" typeface="Plantagenet Cherokee"/>
+        <a:font script="Yiii" typeface="Microsoft Yi Baiti"/>
+        <a:font script="Tibt" typeface="Microsoft Himalaya"/>
+        <a:font script="Thaa" typeface="MV Boli"/>
+        <a:font script="Deva" typeface="Mangal"/>
+        <a:font script="Telu" typeface="Gautami"/>
+        <a:font script="Taml" typeface="Latha"/>
+        <a:font script="Syrc" typeface="Estrangelo Edessa"/>
+        <a:font script="Orya" typeface="Kalinga"/>
+        <a:font script="Mlym" typeface="Kartika"/>
+        <a:font script="Laoo" typeface="DokChampa"/>
+        <a:font script="Sinh" typeface="Iskoola Pota"/>
+        <a:font script="Mong" typeface="Mongolian Baiti"/>
+        <a:font script="Viet" typeface="Arial"/>
+        <a:font script="Uigh" typeface="Microsoft Uighur"/>
+        <a:font script="Geor" typeface="Sylfaen"/>
+        <a:font script="Armn" typeface="Arial"/>
+        <a:font script="Bugi" typeface="Leelawadee UI"/>
+        <a:font script="Bopo" typeface="Microsoft JhengHei"/>
+        <a:font script="Java" typeface="Javanese Text"/>
+        <a:font script="Lisu" typeface="Segoe UI"/>
+        <a:font script="Mymr" typeface="Myanmar Text"/>
+        <a:font script="Nkoo" typeface="Ebrima"/>
+        <a:font script="Olck" typeface="Nirmala UI"/>
+        <a:font script="Osma" typeface="Ebrima"/>
+        <a:font script="Phag" typeface="Phagspa"/>
+        <a:font script="Syrn" typeface="Estrangelo Edessa"/>
+        <a:font script="Syrj" typeface="Estrangelo Edessa"/>
+        <a:font script="Syre" typeface="Estrangelo Edessa"/>
+        <a:font script="Sora" typeface="Nirmala UI"/>
+        <a:font script="Tale" typeface="Microsoft Tai Le"/>
+        <a:font script="Talu" typeface="Microsoft New Tai Lue"/>
+        <a:font script="Tfng" typeface="Ebrima"/>
+      </a:minorFont>
+    </a:fontScheme>
+    <a:fmtScheme name="Офіс">
+      <a:fillStyleLst>
+        <a:solidFill>
+          <a:schemeClr val="phClr"/>
+        </a:solidFill>
+        <a:gradFill rotWithShape="1">
+          <a:gsLst>
+            <a:gs pos="0">
+              <a:schemeClr val="phClr">
+                <a:lumMod val="110000"/>
+                <a:satMod val="105000"/>
+                <a:tint val="67000"/>
+              </a:schemeClr>
+            </a:gs>
+            <a:gs pos="50000">
+              <a:schemeClr val="phClr">
+                <a:lumMod val="105000"/>
+                <a:satMod val="103000"/>
+                <a:tint val="73000"/>
+              </a:schemeClr>
+            </a:gs>
+            <a:gs pos="100000">
+              <a:schemeClr val="phClr">
+                <a:lumMod val="105000"/>
+                <a:satMod val="109000"/>
+                <a:tint val="81000"/>
+              </a:schemeClr>
+            </a:gs>
+          </a:gsLst>
+          <a:lin ang="5400000" scaled="0"/>
+        </a:gradFill>
+        <a:gradFill rotWithShape="1">
+          <a:gsLst>
+            <a:gs pos="0">
+              <a:schemeClr val="phClr">
+                <a:satMod val="103000"/>
+                <a:lumMod val="102000"/>
+                <a:tint val="94000"/>
+              </a:schemeClr>
+            </a:gs>
+            <a:gs pos="50000">
+              <a:schemeClr val="phClr">
+                <a:satMod val="110000"/>
+                <a:lumMod val="100000"/>
+                <a:shade val="100000"/>
+              </a:schemeClr>
+            </a:gs>
+            <a:gs pos="100000">
+              <a:schemeClr val="phClr">
+                <a:lumMod val="99000"/>
+                <a:satMod val="120000"/>
+                <a:shade val="78000"/>
+              </a:schemeClr>
+            </a:gs>
+          </a:gsLst>
+          <a:lin ang="5400000" scaled="0"/>
+        </a:gradFill>
+      </a:fillStyleLst>
+      <a:lnStyleLst>
+        <a:ln w="6350" cap="flat" cmpd="sng" algn="ctr">
+          <a:solidFill>
+            <a:schemeClr val="phClr"/>
+          </a:solidFill>
+          <a:prstDash val="solid"/>
+          <a:miter lim="800000"/>
+        </a:ln>
+        <a:ln w="12700" cap="flat" cmpd="sng" algn="ctr">
+          <a:solidFill>
+            <a:schemeClr val="phClr"/>
+          </a:solidFill>
+          <a:prstDash val="solid"/>
+          <a:miter lim="800000"/>
+        </a:ln>
+        <a:ln w="19050" cap="flat" cmpd="sng" algn="ctr">
+          <a:solidFill>
+            <a:schemeClr val="phClr"/>
+          </a:solidFill>
+          <a:prstDash val="solid"/>
+          <a:miter lim="800000"/>
+        </a:ln>
+      </a:lnStyleLst>
+      <a:effectStyleLst>
+        <a:effectStyle>
+          <a:effectLst/>
+        </a:effectStyle>
+        <a:effectStyle>
+          <a:effectLst/>
+        </a:effectStyle>
+        <a:effectStyle>
+          <a:effectLst>
+            <a:outerShdw blurRad="57150" dist="19050" dir="5400000" algn="ctr" rotWithShape="0">
+              <a:srgbClr val="000000">
+                <a:alpha val="63000"/>
+              </a:srgbClr>
+            </a:outerShdw>
+          </a:effectLst>
+        </a:effectStyle>
+      </a:effectStyleLst>
+      <a:bgFillStyleLst>
+        <a:solidFill>
+          <a:schemeClr val="phClr"/>
+        </a:solidFill>
+        <a:solidFill>
+          <a:schemeClr val="phClr">
+            <a:tint val="95000"/>
+            <a:satMod val="170000"/>
+          </a:schemeClr>
+        </a:solidFill>
+        <a:gradFill rotWithShape="1">
+          <a:gsLst>
+            <a:gs pos="0">
+              <a:schemeClr val="phClr">
+                <a:tint val="93000"/>
+                <a:satMod val="150000"/>
+                <a:shade val="98000"/>
+                <a:lumMod val="102000"/>
+              </a:schemeClr>
+            </a:gs>
+            <a:gs pos="50000">
+              <a:schemeClr val="phClr">
+                <a:tint val="98000"/>
+                <a:satMod val="130000"/>
+                <a:shade val="90000"/>
+                <a:lumMod val="103000"/>
+              </a:schemeClr>
+            </a:gs>
+            <a:gs pos="100000">
+              <a:schemeClr val="phClr">
+                <a:shade val="63000"/>
+                <a:satMod val="120000"/>
+              </a:schemeClr>
+            </a:gs>
+          </a:gsLst>
+          <a:lin ang="5400000" scaled="0"/>
+        </a:gradFill>
+      </a:bgFillStyleLst>
+    </a:fmtScheme>
+  </a:themeElements>
+  <a:objectDefaults/>
+  <a:extraClrSchemeLst/>
+  <a:extLst>
+    <a:ext uri="{05A4C25C-085E-4340-85A3-A5531E510DB2}">
+      <thm15:themeFamily xmlns:thm15="http://schemas.microsoft.com/office/thememl/2012/main" name="Office Theme" id="{62F939B6-93AF-4DB8-9C6B-D6C7DFDC589F}" vid="{4A3C46E8-61CC-4603-A589-7422A47A8E4A}"/>
+    </a:ext>
+  </a:extLst>
+</a:theme>
 </file>
--- a/Documents/Зелінський_Олександр.pptx
+++ b/Documents/Зелінський_Олександр.pptx
@@ -5,7 +5,7 @@
     <p:sldMasterId id="2147483728" r:id="rId1"/>
   </p:sldMasterIdLst>
   <p:notesMasterIdLst>
-    <p:notesMasterId r:id="rId17"/>
+    <p:notesMasterId r:id="rId19"/>
   </p:notesMasterIdLst>
   <p:sldIdLst>
     <p:sldId id="256" r:id="rId2"/>
@@ -19,10 +19,12 @@
     <p:sldId id="271" r:id="rId10"/>
     <p:sldId id="267" r:id="rId11"/>
     <p:sldId id="272" r:id="rId12"/>
-    <p:sldId id="273" r:id="rId13"/>
-    <p:sldId id="264" r:id="rId14"/>
-    <p:sldId id="265" r:id="rId15"/>
-    <p:sldId id="258" r:id="rId16"/>
+    <p:sldId id="264" r:id="rId13"/>
+    <p:sldId id="274" r:id="rId14"/>
+    <p:sldId id="273" r:id="rId15"/>
+    <p:sldId id="275" r:id="rId16"/>
+    <p:sldId id="265" r:id="rId17"/>
+    <p:sldId id="258" r:id="rId18"/>
   </p:sldIdLst>
   <p:sldSz cx="12192000" cy="6858000"/>
   <p:notesSz cx="6858000" cy="9144000"/>
@@ -217,7 +219,7 @@
           <a:p>
             <a:fld id="{586FF3FF-D377-4670-B4E0-8859B8BB81C2}" type="datetimeFigureOut">
               <a:rPr lang="en-US" smtClean="0"/>
-              <a:t>4/10/2022</a:t>
+              <a:t>4/11/2022</a:t>
             </a:fld>
             <a:endParaRPr lang="en-US"/>
           </a:p>
@@ -756,6 +758,90 @@
     <p:extLst>
       <p:ext uri="{BB962C8B-B14F-4D97-AF65-F5344CB8AC3E}">
         <p14:creationId xmlns:p14="http://schemas.microsoft.com/office/powerpoint/2010/main" val="4053831995"/>
+      </p:ext>
+    </p:extLst>
+  </p:cSld>
+  <p:clrMapOvr>
+    <a:masterClrMapping/>
+  </p:clrMapOvr>
+</p:notes>
+</file>
+
+<file path=ppt/notesSlides/notesSlide4.xml><?xml version="1.0" encoding="utf-8"?>
+<p:notes xmlns:a="http://schemas.openxmlformats.org/drawingml/2006/main" xmlns:r="http://schemas.openxmlformats.org/officeDocument/2006/relationships" xmlns:p="http://schemas.openxmlformats.org/presentationml/2006/main">
+  <p:cSld>
+    <p:spTree>
+      <p:nvGrpSpPr>
+        <p:cNvPr id="1" name=""/>
+        <p:cNvGrpSpPr/>
+        <p:nvPr/>
+      </p:nvGrpSpPr>
+      <p:grpSpPr>
+        <a:xfrm>
+          <a:off x="0" y="0"/>
+          <a:ext cx="0" cy="0"/>
+          <a:chOff x="0" y="0"/>
+          <a:chExt cx="0" cy="0"/>
+        </a:xfrm>
+      </p:grpSpPr>
+      <p:sp>
+        <p:nvSpPr>
+          <p:cNvPr id="2" name="Місце для зображення 1"/>
+          <p:cNvSpPr>
+            <a:spLocks noGrp="1" noRot="1" noChangeAspect="1"/>
+          </p:cNvSpPr>
+          <p:nvPr>
+            <p:ph type="sldImg"/>
+          </p:nvPr>
+        </p:nvSpPr>
+        <p:spPr/>
+      </p:sp>
+      <p:sp>
+        <p:nvSpPr>
+          <p:cNvPr id="3" name="Місце для нотаток 2"/>
+          <p:cNvSpPr>
+            <a:spLocks noGrp="1"/>
+          </p:cNvSpPr>
+          <p:nvPr>
+            <p:ph type="body" idx="1"/>
+          </p:nvPr>
+        </p:nvSpPr>
+        <p:spPr/>
+        <p:txBody>
+          <a:bodyPr/>
+          <a:lstStyle/>
+          <a:p>
+            <a:endParaRPr lang="en-US" dirty="0"/>
+          </a:p>
+        </p:txBody>
+      </p:sp>
+      <p:sp>
+        <p:nvSpPr>
+          <p:cNvPr id="4" name="Місце для номера слайда 3"/>
+          <p:cNvSpPr>
+            <a:spLocks noGrp="1"/>
+          </p:cNvSpPr>
+          <p:nvPr>
+            <p:ph type="sldNum" sz="quarter" idx="5"/>
+          </p:nvPr>
+        </p:nvSpPr>
+        <p:spPr/>
+        <p:txBody>
+          <a:bodyPr/>
+          <a:lstStyle/>
+          <a:p>
+            <a:fld id="{FFFB1F85-1FC8-4A32-B703-46BE2030F80F}" type="slidenum">
+              <a:rPr lang="en-US" smtClean="0"/>
+              <a:t>16</a:t>
+            </a:fld>
+            <a:endParaRPr lang="en-US"/>
+          </a:p>
+        </p:txBody>
+      </p:sp>
+    </p:spTree>
+    <p:extLst>
+      <p:ext uri="{BB962C8B-B14F-4D97-AF65-F5344CB8AC3E}">
+        <p14:creationId xmlns:p14="http://schemas.microsoft.com/office/powerpoint/2010/main" val="4253692368"/>
       </p:ext>
     </p:extLst>
   </p:cSld>
@@ -1510,7 +1596,7 @@
           <a:p>
             <a:fld id="{716955FD-5218-4B18-8B2D-05970B9A6621}" type="datetimeFigureOut">
               <a:rPr lang="en-US" smtClean="0"/>
-              <a:t>4/10/2022</a:t>
+              <a:t>4/11/2022</a:t>
             </a:fld>
             <a:endParaRPr lang="en-US"/>
           </a:p>
@@ -1761,7 +1847,7 @@
           <a:p>
             <a:fld id="{716955FD-5218-4B18-8B2D-05970B9A6621}" type="datetimeFigureOut">
               <a:rPr lang="en-US" smtClean="0"/>
-              <a:t>4/10/2022</a:t>
+              <a:t>4/11/2022</a:t>
             </a:fld>
             <a:endParaRPr lang="en-US"/>
           </a:p>
@@ -2075,7 +2161,7 @@
           <a:p>
             <a:fld id="{716955FD-5218-4B18-8B2D-05970B9A6621}" type="datetimeFigureOut">
               <a:rPr lang="en-US" smtClean="0"/>
-              <a:t>4/10/2022</a:t>
+              <a:t>4/11/2022</a:t>
             </a:fld>
             <a:endParaRPr lang="en-US"/>
           </a:p>
@@ -2408,7 +2494,7 @@
           <a:p>
             <a:fld id="{716955FD-5218-4B18-8B2D-05970B9A6621}" type="datetimeFigureOut">
               <a:rPr lang="en-US" smtClean="0"/>
-              <a:t>4/10/2022</a:t>
+              <a:t>4/11/2022</a:t>
             </a:fld>
             <a:endParaRPr lang="en-US"/>
           </a:p>
@@ -2722,7 +2808,7 @@
           <a:p>
             <a:fld id="{716955FD-5218-4B18-8B2D-05970B9A6621}" type="datetimeFigureOut">
               <a:rPr lang="en-US" smtClean="0"/>
-              <a:t>4/10/2022</a:t>
+              <a:t>4/11/2022</a:t>
             </a:fld>
             <a:endParaRPr lang="en-US"/>
           </a:p>
@@ -3115,7 +3201,7 @@
           <a:p>
             <a:fld id="{716955FD-5218-4B18-8B2D-05970B9A6621}" type="datetimeFigureOut">
               <a:rPr lang="en-US" smtClean="0"/>
-              <a:t>4/10/2022</a:t>
+              <a:t>4/11/2022</a:t>
             </a:fld>
             <a:endParaRPr lang="en-US"/>
           </a:p>
@@ -3285,7 +3371,7 @@
           <a:p>
             <a:fld id="{716955FD-5218-4B18-8B2D-05970B9A6621}" type="datetimeFigureOut">
               <a:rPr lang="en-US" smtClean="0"/>
-              <a:t>4/10/2022</a:t>
+              <a:t>4/11/2022</a:t>
             </a:fld>
             <a:endParaRPr lang="en-US"/>
           </a:p>
@@ -3465,7 +3551,7 @@
           <a:p>
             <a:fld id="{716955FD-5218-4B18-8B2D-05970B9A6621}" type="datetimeFigureOut">
               <a:rPr lang="en-US" smtClean="0"/>
-              <a:t>4/10/2022</a:t>
+              <a:t>4/11/2022</a:t>
             </a:fld>
             <a:endParaRPr lang="en-US"/>
           </a:p>
@@ -3635,7 +3721,7 @@
           <a:p>
             <a:fld id="{716955FD-5218-4B18-8B2D-05970B9A6621}" type="datetimeFigureOut">
               <a:rPr lang="en-US" smtClean="0"/>
-              <a:t>4/10/2022</a:t>
+              <a:t>4/11/2022</a:t>
             </a:fld>
             <a:endParaRPr lang="en-US"/>
           </a:p>
@@ -3882,7 +3968,7 @@
           <a:p>
             <a:fld id="{716955FD-5218-4B18-8B2D-05970B9A6621}" type="datetimeFigureOut">
               <a:rPr lang="en-US" smtClean="0"/>
-              <a:t>4/10/2022</a:t>
+              <a:t>4/11/2022</a:t>
             </a:fld>
             <a:endParaRPr lang="en-US"/>
           </a:p>
@@ -4114,7 +4200,7 @@
           <a:p>
             <a:fld id="{716955FD-5218-4B18-8B2D-05970B9A6621}" type="datetimeFigureOut">
               <a:rPr lang="en-US" smtClean="0"/>
-              <a:t>4/10/2022</a:t>
+              <a:t>4/11/2022</a:t>
             </a:fld>
             <a:endParaRPr lang="en-US"/>
           </a:p>
@@ -4488,7 +4574,7 @@
           <a:p>
             <a:fld id="{716955FD-5218-4B18-8B2D-05970B9A6621}" type="datetimeFigureOut">
               <a:rPr lang="en-US" smtClean="0"/>
-              <a:t>4/10/2022</a:t>
+              <a:t>4/11/2022</a:t>
             </a:fld>
             <a:endParaRPr lang="en-US"/>
           </a:p>
@@ -4611,7 +4697,7 @@
           <a:p>
             <a:fld id="{716955FD-5218-4B18-8B2D-05970B9A6621}" type="datetimeFigureOut">
               <a:rPr lang="en-US" smtClean="0"/>
-              <a:t>4/10/2022</a:t>
+              <a:t>4/11/2022</a:t>
             </a:fld>
             <a:endParaRPr lang="en-US"/>
           </a:p>
@@ -4706,7 +4792,7 @@
           <a:p>
             <a:fld id="{716955FD-5218-4B18-8B2D-05970B9A6621}" type="datetimeFigureOut">
               <a:rPr lang="en-US" smtClean="0"/>
-              <a:t>4/10/2022</a:t>
+              <a:t>4/11/2022</a:t>
             </a:fld>
             <a:endParaRPr lang="en-US"/>
           </a:p>
@@ -4961,7 +5047,7 @@
           <a:p>
             <a:fld id="{716955FD-5218-4B18-8B2D-05970B9A6621}" type="datetimeFigureOut">
               <a:rPr lang="en-US" smtClean="0"/>
-              <a:t>4/10/2022</a:t>
+              <a:t>4/11/2022</a:t>
             </a:fld>
             <a:endParaRPr lang="en-US"/>
           </a:p>
@@ -5266,7 +5352,7 @@
           <a:p>
             <a:fld id="{716955FD-5218-4B18-8B2D-05970B9A6621}" type="datetimeFigureOut">
               <a:rPr lang="en-US" smtClean="0"/>
-              <a:t>4/10/2022</a:t>
+              <a:t>4/11/2022</a:t>
             </a:fld>
             <a:endParaRPr lang="en-US"/>
           </a:p>
@@ -5968,7 +6054,7 @@
           <a:p>
             <a:fld id="{716955FD-5218-4B18-8B2D-05970B9A6621}" type="datetimeFigureOut">
               <a:rPr lang="en-US" smtClean="0"/>
-              <a:t>4/10/2022</a:t>
+              <a:t>4/11/2022</a:t>
             </a:fld>
             <a:endParaRPr lang="en-US"/>
           </a:p>
@@ -8046,329 +8132,6 @@
           <a:chExt cx="0" cy="0"/>
         </a:xfrm>
       </p:grpSpPr>
-      <p:pic>
-        <p:nvPicPr>
-          <p:cNvPr id="7" name="Рисунок 6" descr="Зображення, що містить текст&#10;&#10;Автоматично згенерований опис">
-            <a:extLst>
-              <a:ext uri="{FF2B5EF4-FFF2-40B4-BE49-F238E27FC236}">
-                <a16:creationId xmlns:a16="http://schemas.microsoft.com/office/drawing/2014/main" id="{B817AD9D-EEA8-44E1-8FC9-AF025EEDB215}"/>
-              </a:ext>
-            </a:extLst>
-          </p:cNvPr>
-          <p:cNvPicPr>
-            <a:picLocks noChangeAspect="1"/>
-          </p:cNvPicPr>
-          <p:nvPr/>
-        </p:nvPicPr>
-        <p:blipFill rotWithShape="1">
-          <a:blip r:embed="rId2">
-            <a:extLst>
-              <a:ext uri="{28A0092B-C50C-407E-A947-70E740481C1C}">
-                <a14:useLocalDpi xmlns:a14="http://schemas.microsoft.com/office/drawing/2010/main" val="0"/>
-              </a:ext>
-            </a:extLst>
-          </a:blip>
-          <a:srcRect l="18112" r="20796" b="5981"/>
-          <a:stretch/>
-        </p:blipFill>
-        <p:spPr>
-          <a:xfrm>
-            <a:off x="4269854" y="-1"/>
-            <a:ext cx="7922146" cy="6858001"/>
-          </a:xfrm>
-          <a:custGeom>
-            <a:avLst/>
-            <a:gdLst/>
-            <a:ahLst/>
-            <a:cxnLst/>
-            <a:rect l="l" t="t" r="r" b="b"/>
-            <a:pathLst>
-              <a:path w="7922146" h="6858001">
-                <a:moveTo>
-                  <a:pt x="379987" y="0"/>
-                </a:moveTo>
-                <a:lnTo>
-                  <a:pt x="5304971" y="0"/>
-                </a:lnTo>
-                <a:lnTo>
-                  <a:pt x="7065281" y="0"/>
-                </a:lnTo>
-                <a:lnTo>
-                  <a:pt x="7397540" y="0"/>
-                </a:lnTo>
-                <a:lnTo>
-                  <a:pt x="7397540" y="1"/>
-                </a:lnTo>
-                <a:lnTo>
-                  <a:pt x="7922146" y="1"/>
-                </a:lnTo>
-                <a:lnTo>
-                  <a:pt x="7922146" y="6858001"/>
-                </a:lnTo>
-                <a:lnTo>
-                  <a:pt x="7065281" y="6858001"/>
-                </a:lnTo>
-                <a:lnTo>
-                  <a:pt x="7065281" y="6858000"/>
-                </a:lnTo>
-                <a:lnTo>
-                  <a:pt x="5932989" y="6858000"/>
-                </a:lnTo>
-                <a:lnTo>
-                  <a:pt x="5932989" y="6858001"/>
-                </a:lnTo>
-                <a:lnTo>
-                  <a:pt x="27809" y="6858001"/>
-                </a:lnTo>
-                <a:lnTo>
-                  <a:pt x="1803228" y="4521201"/>
-                </a:lnTo>
-                <a:close/>
-                <a:moveTo>
-                  <a:pt x="0" y="0"/>
-                </a:moveTo>
-                <a:lnTo>
-                  <a:pt x="379987" y="0"/>
-                </a:lnTo>
-                <a:lnTo>
-                  <a:pt x="0" y="407"/>
-                </a:lnTo>
-                <a:close/>
-              </a:path>
-            </a:pathLst>
-          </a:custGeom>
-        </p:spPr>
-      </p:pic>
-      <p:sp>
-        <p:nvSpPr>
-          <p:cNvPr id="5" name="Заголовок 1">
-            <a:extLst>
-              <a:ext uri="{FF2B5EF4-FFF2-40B4-BE49-F238E27FC236}">
-                <a16:creationId xmlns:a16="http://schemas.microsoft.com/office/drawing/2014/main" id="{A9C47124-F7A7-48DF-BE6B-02A3CF3294B7}"/>
-              </a:ext>
-            </a:extLst>
-          </p:cNvPr>
-          <p:cNvSpPr txBox="1">
-            <a:spLocks/>
-          </p:cNvSpPr>
-          <p:nvPr/>
-        </p:nvSpPr>
-        <p:spPr>
-          <a:xfrm>
-            <a:off x="694193" y="2896710"/>
-            <a:ext cx="4256179" cy="1064577"/>
-          </a:xfrm>
-          <a:prstGeom prst="rect">
-            <a:avLst/>
-          </a:prstGeom>
-        </p:spPr>
-        <p:txBody>
-          <a:bodyPr vert="horz" lIns="91440" tIns="45720" rIns="91440" bIns="45720" rtlCol="0" anchor="t">
-            <a:noAutofit/>
-          </a:bodyPr>
-          <a:lstStyle>
-            <a:lvl1pPr algn="l" defTabSz="457200" rtl="0" eaLnBrk="1" latinLnBrk="0" hangingPunct="1">
-              <a:spcBef>
-                <a:spcPct val="0"/>
-              </a:spcBef>
-              <a:buNone/>
-              <a:defRPr sz="3600" kern="1200">
-                <a:solidFill>
-                  <a:schemeClr val="accent1"/>
-                </a:solidFill>
-                <a:latin typeface="+mj-lt"/>
-                <a:ea typeface="+mj-ea"/>
-                <a:cs typeface="+mj-cs"/>
-              </a:defRPr>
-            </a:lvl1pPr>
-            <a:lvl2pPr eaLnBrk="1" hangingPunct="1">
-              <a:defRPr>
-                <a:solidFill>
-                  <a:schemeClr val="tx2"/>
-                </a:solidFill>
-              </a:defRPr>
-            </a:lvl2pPr>
-            <a:lvl3pPr eaLnBrk="1" hangingPunct="1">
-              <a:defRPr>
-                <a:solidFill>
-                  <a:schemeClr val="tx2"/>
-                </a:solidFill>
-              </a:defRPr>
-            </a:lvl3pPr>
-            <a:lvl4pPr eaLnBrk="1" hangingPunct="1">
-              <a:defRPr>
-                <a:solidFill>
-                  <a:schemeClr val="tx2"/>
-                </a:solidFill>
-              </a:defRPr>
-            </a:lvl4pPr>
-            <a:lvl5pPr eaLnBrk="1" hangingPunct="1">
-              <a:defRPr>
-                <a:solidFill>
-                  <a:schemeClr val="tx2"/>
-                </a:solidFill>
-              </a:defRPr>
-            </a:lvl5pPr>
-            <a:lvl6pPr eaLnBrk="1" hangingPunct="1">
-              <a:defRPr>
-                <a:solidFill>
-                  <a:schemeClr val="tx2"/>
-                </a:solidFill>
-              </a:defRPr>
-            </a:lvl6pPr>
-            <a:lvl7pPr eaLnBrk="1" hangingPunct="1">
-              <a:defRPr>
-                <a:solidFill>
-                  <a:schemeClr val="tx2"/>
-                </a:solidFill>
-              </a:defRPr>
-            </a:lvl7pPr>
-            <a:lvl8pPr eaLnBrk="1" hangingPunct="1">
-              <a:defRPr>
-                <a:solidFill>
-                  <a:schemeClr val="tx2"/>
-                </a:solidFill>
-              </a:defRPr>
-            </a:lvl8pPr>
-            <a:lvl9pPr eaLnBrk="1" hangingPunct="1">
-              <a:defRPr>
-                <a:solidFill>
-                  <a:schemeClr val="tx2"/>
-                </a:solidFill>
-              </a:defRPr>
-            </a:lvl9pPr>
-          </a:lstStyle>
-          <a:p>
-            <a:r>
-              <a:rPr lang="uk-UA" sz="6000" dirty="0">
-                <a:solidFill>
-                  <a:srgbClr val="0070C0"/>
-                </a:solidFill>
-              </a:rPr>
-              <a:t>Результати</a:t>
-            </a:r>
-          </a:p>
-        </p:txBody>
-      </p:sp>
-    </p:spTree>
-    <p:extLst>
-      <p:ext uri="{BB962C8B-B14F-4D97-AF65-F5344CB8AC3E}">
-        <p14:creationId xmlns:p14="http://schemas.microsoft.com/office/powerpoint/2010/main" val="1897240866"/>
-      </p:ext>
-    </p:extLst>
-  </p:cSld>
-  <p:clrMapOvr>
-    <a:masterClrMapping/>
-  </p:clrMapOvr>
-  <p:timing>
-    <p:tnLst>
-      <p:par>
-        <p:cTn id="1" dur="indefinite" restart="never" nodeType="tmRoot">
-          <p:childTnLst>
-            <p:seq concurrent="1" nextAc="seek">
-              <p:cTn id="2" dur="indefinite" nodeType="mainSeq">
-                <p:childTnLst>
-                  <p:par>
-                    <p:cTn id="3" fill="hold">
-                      <p:stCondLst>
-                        <p:cond delay="indefinite"/>
-                        <p:cond evt="onBegin" delay="0">
-                          <p:tn val="2"/>
-                        </p:cond>
-                      </p:stCondLst>
-                      <p:childTnLst>
-                        <p:par>
-                          <p:cTn id="4" fill="hold">
-                            <p:stCondLst>
-                              <p:cond delay="0"/>
-                            </p:stCondLst>
-                            <p:childTnLst>
-                              <p:par>
-                                <p:cTn id="5" presetID="10" presetClass="entr" presetSubtype="0" fill="hold" nodeType="withEffect">
-                                  <p:stCondLst>
-                                    <p:cond delay="0"/>
-                                  </p:stCondLst>
-                                  <p:iterate>
-                                    <p:tmPct val="10000"/>
-                                  </p:iterate>
-                                  <p:childTnLst>
-                                    <p:set>
-                                      <p:cBhvr>
-                                        <p:cTn id="6" dur="1" fill="hold">
-                                          <p:stCondLst>
-                                            <p:cond delay="0"/>
-                                          </p:stCondLst>
-                                        </p:cTn>
-                                        <p:tgtEl>
-                                          <p:spTgt spid="7"/>
-                                        </p:tgtEl>
-                                        <p:attrNameLst>
-                                          <p:attrName>style.visibility</p:attrName>
-                                        </p:attrNameLst>
-                                      </p:cBhvr>
-                                      <p:to>
-                                        <p:strVal val="visible"/>
-                                      </p:to>
-                                    </p:set>
-                                    <p:animEffect transition="in" filter="fade">
-                                      <p:cBhvr>
-                                        <p:cTn id="7" dur="700"/>
-                                        <p:tgtEl>
-                                          <p:spTgt spid="7"/>
-                                        </p:tgtEl>
-                                      </p:cBhvr>
-                                    </p:animEffect>
-                                  </p:childTnLst>
-                                </p:cTn>
-                              </p:par>
-                            </p:childTnLst>
-                          </p:cTn>
-                        </p:par>
-                      </p:childTnLst>
-                    </p:cTn>
-                  </p:par>
-                </p:childTnLst>
-              </p:cTn>
-              <p:prevCondLst>
-                <p:cond evt="onPrev" delay="0">
-                  <p:tgtEl>
-                    <p:sldTgt/>
-                  </p:tgtEl>
-                </p:cond>
-              </p:prevCondLst>
-              <p:nextCondLst>
-                <p:cond evt="onNext" delay="0">
-                  <p:tgtEl>
-                    <p:sldTgt/>
-                  </p:tgtEl>
-                </p:cond>
-              </p:nextCondLst>
-            </p:seq>
-          </p:childTnLst>
-        </p:cTn>
-      </p:par>
-    </p:tnLst>
-  </p:timing>
-</p:sld>
-</file>
-
-<file path=ppt/slides/slide13.xml><?xml version="1.0" encoding="utf-8"?>
-<p:sld xmlns:a="http://schemas.openxmlformats.org/drawingml/2006/main" xmlns:r="http://schemas.openxmlformats.org/officeDocument/2006/relationships" xmlns:p="http://schemas.openxmlformats.org/presentationml/2006/main">
-  <p:cSld>
-    <p:spTree>
-      <p:nvGrpSpPr>
-        <p:cNvPr id="1" name=""/>
-        <p:cNvGrpSpPr/>
-        <p:nvPr/>
-      </p:nvGrpSpPr>
-      <p:grpSpPr>
-        <a:xfrm>
-          <a:off x="0" y="0"/>
-          <a:ext cx="0" cy="0"/>
-          <a:chOff x="0" y="0"/>
-          <a:chExt cx="0" cy="0"/>
-        </a:xfrm>
-      </p:grpSpPr>
       <p:sp>
         <p:nvSpPr>
           <p:cNvPr id="4" name="Заголовок 1">
@@ -8931,7 +8694,937 @@
 </p:sld>
 </file>
 
+<file path=ppt/slides/slide13.xml><?xml version="1.0" encoding="utf-8"?>
+<p:sld xmlns:a="http://schemas.openxmlformats.org/drawingml/2006/main" xmlns:r="http://schemas.openxmlformats.org/officeDocument/2006/relationships" xmlns:p="http://schemas.openxmlformats.org/presentationml/2006/main">
+  <p:cSld>
+    <p:spTree>
+      <p:nvGrpSpPr>
+        <p:cNvPr id="1" name=""/>
+        <p:cNvGrpSpPr/>
+        <p:nvPr/>
+      </p:nvGrpSpPr>
+      <p:grpSpPr>
+        <a:xfrm>
+          <a:off x="0" y="0"/>
+          <a:ext cx="0" cy="0"/>
+          <a:chOff x="0" y="0"/>
+          <a:chExt cx="0" cy="0"/>
+        </a:xfrm>
+      </p:grpSpPr>
+      <p:sp>
+        <p:nvSpPr>
+          <p:cNvPr id="4" name="Заголовок 1">
+            <a:extLst>
+              <a:ext uri="{FF2B5EF4-FFF2-40B4-BE49-F238E27FC236}">
+                <a16:creationId xmlns:a16="http://schemas.microsoft.com/office/drawing/2014/main" id="{AC5C0DCB-1F9C-4AF2-A2C3-00BC394B89AD}"/>
+              </a:ext>
+            </a:extLst>
+          </p:cNvPr>
+          <p:cNvSpPr txBox="1">
+            <a:spLocks/>
+          </p:cNvSpPr>
+          <p:nvPr/>
+        </p:nvSpPr>
+        <p:spPr>
+          <a:xfrm>
+            <a:off x="168676" y="238379"/>
+            <a:ext cx="9081856" cy="747042"/>
+          </a:xfrm>
+          <a:prstGeom prst="rect">
+            <a:avLst/>
+          </a:prstGeom>
+        </p:spPr>
+        <p:txBody>
+          <a:bodyPr vert="horz" lIns="91440" tIns="45720" rIns="91440" bIns="45720" rtlCol="0" anchor="t">
+            <a:normAutofit/>
+          </a:bodyPr>
+          <a:lstStyle>
+            <a:lvl1pPr algn="l" defTabSz="457200" rtl="0" eaLnBrk="1" latinLnBrk="0" hangingPunct="1">
+              <a:spcBef>
+                <a:spcPct val="0"/>
+              </a:spcBef>
+              <a:buNone/>
+              <a:defRPr sz="3600" kern="1200">
+                <a:solidFill>
+                  <a:schemeClr val="accent1"/>
+                </a:solidFill>
+                <a:latin typeface="+mj-lt"/>
+                <a:ea typeface="+mj-ea"/>
+                <a:cs typeface="+mj-cs"/>
+              </a:defRPr>
+            </a:lvl1pPr>
+            <a:lvl2pPr eaLnBrk="1" hangingPunct="1">
+              <a:defRPr>
+                <a:solidFill>
+                  <a:schemeClr val="tx2"/>
+                </a:solidFill>
+              </a:defRPr>
+            </a:lvl2pPr>
+            <a:lvl3pPr eaLnBrk="1" hangingPunct="1">
+              <a:defRPr>
+                <a:solidFill>
+                  <a:schemeClr val="tx2"/>
+                </a:solidFill>
+              </a:defRPr>
+            </a:lvl3pPr>
+            <a:lvl4pPr eaLnBrk="1" hangingPunct="1">
+              <a:defRPr>
+                <a:solidFill>
+                  <a:schemeClr val="tx2"/>
+                </a:solidFill>
+              </a:defRPr>
+            </a:lvl4pPr>
+            <a:lvl5pPr eaLnBrk="1" hangingPunct="1">
+              <a:defRPr>
+                <a:solidFill>
+                  <a:schemeClr val="tx2"/>
+                </a:solidFill>
+              </a:defRPr>
+            </a:lvl5pPr>
+            <a:lvl6pPr eaLnBrk="1" hangingPunct="1">
+              <a:defRPr>
+                <a:solidFill>
+                  <a:schemeClr val="tx2"/>
+                </a:solidFill>
+              </a:defRPr>
+            </a:lvl6pPr>
+            <a:lvl7pPr eaLnBrk="1" hangingPunct="1">
+              <a:defRPr>
+                <a:solidFill>
+                  <a:schemeClr val="tx2"/>
+                </a:solidFill>
+              </a:defRPr>
+            </a:lvl7pPr>
+            <a:lvl8pPr eaLnBrk="1" hangingPunct="1">
+              <a:defRPr>
+                <a:solidFill>
+                  <a:schemeClr val="tx2"/>
+                </a:solidFill>
+              </a:defRPr>
+            </a:lvl8pPr>
+            <a:lvl9pPr eaLnBrk="1" hangingPunct="1">
+              <a:defRPr>
+                <a:solidFill>
+                  <a:schemeClr val="tx2"/>
+                </a:solidFill>
+              </a:defRPr>
+            </a:lvl9pPr>
+          </a:lstStyle>
+          <a:p>
+            <a:r>
+              <a:rPr lang="uk-UA" dirty="0">
+                <a:solidFill>
+                  <a:srgbClr val="0070C0"/>
+                </a:solidFill>
+              </a:rPr>
+              <a:t>Архітектура</a:t>
+            </a:r>
+          </a:p>
+        </p:txBody>
+      </p:sp>
+      <p:sp>
+        <p:nvSpPr>
+          <p:cNvPr id="5" name="Прямокутник 4">
+            <a:extLst>
+              <a:ext uri="{FF2B5EF4-FFF2-40B4-BE49-F238E27FC236}">
+                <a16:creationId xmlns:a16="http://schemas.microsoft.com/office/drawing/2014/main" id="{42B14DDE-99D0-412F-A408-9CCBCB1BDECA}"/>
+              </a:ext>
+            </a:extLst>
+          </p:cNvPr>
+          <p:cNvSpPr/>
+          <p:nvPr/>
+        </p:nvSpPr>
+        <p:spPr>
+          <a:xfrm>
+            <a:off x="620111" y="2125717"/>
+            <a:ext cx="2900855" cy="1303283"/>
+          </a:xfrm>
+          <a:prstGeom prst="rect">
+            <a:avLst/>
+          </a:prstGeom>
+        </p:spPr>
+        <p:style>
+          <a:lnRef idx="2">
+            <a:schemeClr val="accent1">
+              <a:shade val="50000"/>
+            </a:schemeClr>
+          </a:lnRef>
+          <a:fillRef idx="1">
+            <a:schemeClr val="accent1"/>
+          </a:fillRef>
+          <a:effectRef idx="0">
+            <a:schemeClr val="accent1"/>
+          </a:effectRef>
+          <a:fontRef idx="minor">
+            <a:schemeClr val="lt1"/>
+          </a:fontRef>
+        </p:style>
+        <p:txBody>
+          <a:bodyPr rtlCol="0" anchor="ctr"/>
+          <a:lstStyle/>
+          <a:p>
+            <a:pPr algn="ctr"/>
+            <a:r>
+              <a:rPr lang="en-US" dirty="0"/>
+              <a:t>UI (React)</a:t>
+            </a:r>
+          </a:p>
+        </p:txBody>
+      </p:sp>
+      <p:sp>
+        <p:nvSpPr>
+          <p:cNvPr id="6" name="Прямокутник 5">
+            <a:extLst>
+              <a:ext uri="{FF2B5EF4-FFF2-40B4-BE49-F238E27FC236}">
+                <a16:creationId xmlns:a16="http://schemas.microsoft.com/office/drawing/2014/main" id="{4200C8E9-882C-416D-9B7D-9B931138CC8A}"/>
+              </a:ext>
+            </a:extLst>
+          </p:cNvPr>
+          <p:cNvSpPr/>
+          <p:nvPr/>
+        </p:nvSpPr>
+        <p:spPr>
+          <a:xfrm>
+            <a:off x="4645572" y="2125716"/>
+            <a:ext cx="2900855" cy="1303283"/>
+          </a:xfrm>
+          <a:prstGeom prst="rect">
+            <a:avLst/>
+          </a:prstGeom>
+        </p:spPr>
+        <p:style>
+          <a:lnRef idx="2">
+            <a:schemeClr val="accent1">
+              <a:shade val="50000"/>
+            </a:schemeClr>
+          </a:lnRef>
+          <a:fillRef idx="1">
+            <a:schemeClr val="accent1"/>
+          </a:fillRef>
+          <a:effectRef idx="0">
+            <a:schemeClr val="accent1"/>
+          </a:effectRef>
+          <a:fontRef idx="minor">
+            <a:schemeClr val="lt1"/>
+          </a:fontRef>
+        </p:style>
+        <p:txBody>
+          <a:bodyPr rtlCol="0" anchor="ctr"/>
+          <a:lstStyle/>
+          <a:p>
+            <a:pPr algn="ctr"/>
+            <a:r>
+              <a:rPr lang="en-US" dirty="0"/>
+              <a:t>UI API (</a:t>
+            </a:r>
+            <a:r>
+              <a:rPr lang="en-US" dirty="0" err="1"/>
+              <a:t>.Net</a:t>
+            </a:r>
+            <a:r>
+              <a:rPr lang="en-US" dirty="0"/>
+              <a:t>)</a:t>
+            </a:r>
+          </a:p>
+        </p:txBody>
+      </p:sp>
+      <p:sp>
+        <p:nvSpPr>
+          <p:cNvPr id="7" name="Прямокутник 6">
+            <a:extLst>
+              <a:ext uri="{FF2B5EF4-FFF2-40B4-BE49-F238E27FC236}">
+                <a16:creationId xmlns:a16="http://schemas.microsoft.com/office/drawing/2014/main" id="{A893364E-1B55-43F6-A88D-738AE96A6976}"/>
+              </a:ext>
+            </a:extLst>
+          </p:cNvPr>
+          <p:cNvSpPr/>
+          <p:nvPr/>
+        </p:nvSpPr>
+        <p:spPr>
+          <a:xfrm>
+            <a:off x="4645572" y="4306613"/>
+            <a:ext cx="2900855" cy="1303283"/>
+          </a:xfrm>
+          <a:prstGeom prst="rect">
+            <a:avLst/>
+          </a:prstGeom>
+        </p:spPr>
+        <p:style>
+          <a:lnRef idx="2">
+            <a:schemeClr val="accent1">
+              <a:shade val="50000"/>
+            </a:schemeClr>
+          </a:lnRef>
+          <a:fillRef idx="1">
+            <a:schemeClr val="accent1"/>
+          </a:fillRef>
+          <a:effectRef idx="0">
+            <a:schemeClr val="accent1"/>
+          </a:effectRef>
+          <a:fontRef idx="minor">
+            <a:schemeClr val="lt1"/>
+          </a:fontRef>
+        </p:style>
+        <p:txBody>
+          <a:bodyPr rtlCol="0" anchor="ctr"/>
+          <a:lstStyle/>
+          <a:p>
+            <a:pPr algn="ctr"/>
+            <a:r>
+              <a:rPr lang="en-US" dirty="0"/>
+              <a:t>Cluster (Python)</a:t>
+            </a:r>
+          </a:p>
+        </p:txBody>
+      </p:sp>
+      <p:cxnSp>
+        <p:nvCxnSpPr>
+          <p:cNvPr id="9" name="Пряма зі стрілкою 8">
+            <a:extLst>
+              <a:ext uri="{FF2B5EF4-FFF2-40B4-BE49-F238E27FC236}">
+                <a16:creationId xmlns:a16="http://schemas.microsoft.com/office/drawing/2014/main" id="{C8A63C05-FDAD-44BF-8D21-82795AC80C3F}"/>
+              </a:ext>
+            </a:extLst>
+          </p:cNvPr>
+          <p:cNvCxnSpPr>
+            <a:stCxn id="5" idx="3"/>
+            <a:endCxn id="6" idx="1"/>
+          </p:cNvCxnSpPr>
+          <p:nvPr/>
+        </p:nvCxnSpPr>
+        <p:spPr>
+          <a:xfrm flipV="1">
+            <a:off x="3520966" y="2777358"/>
+            <a:ext cx="1124606" cy="1"/>
+          </a:xfrm>
+          <a:prstGeom prst="straightConnector1">
+            <a:avLst/>
+          </a:prstGeom>
+          <a:ln w="28575">
+            <a:headEnd type="triangle"/>
+            <a:tailEnd type="triangle"/>
+          </a:ln>
+        </p:spPr>
+        <p:style>
+          <a:lnRef idx="1">
+            <a:schemeClr val="dk1"/>
+          </a:lnRef>
+          <a:fillRef idx="0">
+            <a:schemeClr val="dk1"/>
+          </a:fillRef>
+          <a:effectRef idx="0">
+            <a:schemeClr val="dk1"/>
+          </a:effectRef>
+          <a:fontRef idx="minor">
+            <a:schemeClr val="tx1"/>
+          </a:fontRef>
+        </p:style>
+      </p:cxnSp>
+      <p:cxnSp>
+        <p:nvCxnSpPr>
+          <p:cNvPr id="10" name="Пряма зі стрілкою 9">
+            <a:extLst>
+              <a:ext uri="{FF2B5EF4-FFF2-40B4-BE49-F238E27FC236}">
+                <a16:creationId xmlns:a16="http://schemas.microsoft.com/office/drawing/2014/main" id="{50356349-FD6C-42E2-A0CB-6EC172F0942C}"/>
+              </a:ext>
+            </a:extLst>
+          </p:cNvPr>
+          <p:cNvCxnSpPr>
+            <a:cxnSpLocks/>
+            <a:stCxn id="6" idx="2"/>
+            <a:endCxn id="7" idx="0"/>
+          </p:cNvCxnSpPr>
+          <p:nvPr/>
+        </p:nvCxnSpPr>
+        <p:spPr>
+          <a:xfrm>
+            <a:off x="6096000" y="3428999"/>
+            <a:ext cx="0" cy="877614"/>
+          </a:xfrm>
+          <a:prstGeom prst="straightConnector1">
+            <a:avLst/>
+          </a:prstGeom>
+          <a:ln w="28575">
+            <a:headEnd type="triangle"/>
+            <a:tailEnd type="triangle"/>
+          </a:ln>
+        </p:spPr>
+        <p:style>
+          <a:lnRef idx="1">
+            <a:schemeClr val="dk1"/>
+          </a:lnRef>
+          <a:fillRef idx="0">
+            <a:schemeClr val="dk1"/>
+          </a:fillRef>
+          <a:effectRef idx="0">
+            <a:schemeClr val="dk1"/>
+          </a:effectRef>
+          <a:fontRef idx="minor">
+            <a:schemeClr val="tx1"/>
+          </a:fontRef>
+        </p:style>
+      </p:cxnSp>
+    </p:spTree>
+    <p:extLst>
+      <p:ext uri="{BB962C8B-B14F-4D97-AF65-F5344CB8AC3E}">
+        <p14:creationId xmlns:p14="http://schemas.microsoft.com/office/powerpoint/2010/main" val="2134687072"/>
+      </p:ext>
+    </p:extLst>
+  </p:cSld>
+  <p:clrMapOvr>
+    <a:masterClrMapping/>
+  </p:clrMapOvr>
+</p:sld>
+</file>
+
 <file path=ppt/slides/slide14.xml><?xml version="1.0" encoding="utf-8"?>
+<p:sld xmlns:a="http://schemas.openxmlformats.org/drawingml/2006/main" xmlns:r="http://schemas.openxmlformats.org/officeDocument/2006/relationships" xmlns:p="http://schemas.openxmlformats.org/presentationml/2006/main">
+  <p:cSld>
+    <p:spTree>
+      <p:nvGrpSpPr>
+        <p:cNvPr id="1" name=""/>
+        <p:cNvGrpSpPr/>
+        <p:nvPr/>
+      </p:nvGrpSpPr>
+      <p:grpSpPr>
+        <a:xfrm>
+          <a:off x="0" y="0"/>
+          <a:ext cx="0" cy="0"/>
+          <a:chOff x="0" y="0"/>
+          <a:chExt cx="0" cy="0"/>
+        </a:xfrm>
+      </p:grpSpPr>
+      <p:pic>
+        <p:nvPicPr>
+          <p:cNvPr id="7" name="Рисунок 6" descr="Зображення, що містить текст&#10;&#10;Автоматично згенерований опис">
+            <a:extLst>
+              <a:ext uri="{FF2B5EF4-FFF2-40B4-BE49-F238E27FC236}">
+                <a16:creationId xmlns:a16="http://schemas.microsoft.com/office/drawing/2014/main" id="{B817AD9D-EEA8-44E1-8FC9-AF025EEDB215}"/>
+              </a:ext>
+            </a:extLst>
+          </p:cNvPr>
+          <p:cNvPicPr>
+            <a:picLocks noChangeAspect="1"/>
+          </p:cNvPicPr>
+          <p:nvPr/>
+        </p:nvPicPr>
+        <p:blipFill rotWithShape="1">
+          <a:blip r:embed="rId2">
+            <a:extLst>
+              <a:ext uri="{28A0092B-C50C-407E-A947-70E740481C1C}">
+                <a14:useLocalDpi xmlns:a14="http://schemas.microsoft.com/office/drawing/2010/main" val="0"/>
+              </a:ext>
+            </a:extLst>
+          </a:blip>
+          <a:srcRect l="18112" r="20796" b="5981"/>
+          <a:stretch/>
+        </p:blipFill>
+        <p:spPr>
+          <a:xfrm>
+            <a:off x="4269854" y="-1"/>
+            <a:ext cx="7922146" cy="6858001"/>
+          </a:xfrm>
+          <a:custGeom>
+            <a:avLst/>
+            <a:gdLst/>
+            <a:ahLst/>
+            <a:cxnLst/>
+            <a:rect l="l" t="t" r="r" b="b"/>
+            <a:pathLst>
+              <a:path w="7922146" h="6858001">
+                <a:moveTo>
+                  <a:pt x="379987" y="0"/>
+                </a:moveTo>
+                <a:lnTo>
+                  <a:pt x="5304971" y="0"/>
+                </a:lnTo>
+                <a:lnTo>
+                  <a:pt x="7065281" y="0"/>
+                </a:lnTo>
+                <a:lnTo>
+                  <a:pt x="7397540" y="0"/>
+                </a:lnTo>
+                <a:lnTo>
+                  <a:pt x="7397540" y="1"/>
+                </a:lnTo>
+                <a:lnTo>
+                  <a:pt x="7922146" y="1"/>
+                </a:lnTo>
+                <a:lnTo>
+                  <a:pt x="7922146" y="6858001"/>
+                </a:lnTo>
+                <a:lnTo>
+                  <a:pt x="7065281" y="6858001"/>
+                </a:lnTo>
+                <a:lnTo>
+                  <a:pt x="7065281" y="6858000"/>
+                </a:lnTo>
+                <a:lnTo>
+                  <a:pt x="5932989" y="6858000"/>
+                </a:lnTo>
+                <a:lnTo>
+                  <a:pt x="5932989" y="6858001"/>
+                </a:lnTo>
+                <a:lnTo>
+                  <a:pt x="27809" y="6858001"/>
+                </a:lnTo>
+                <a:lnTo>
+                  <a:pt x="1803228" y="4521201"/>
+                </a:lnTo>
+                <a:close/>
+                <a:moveTo>
+                  <a:pt x="0" y="0"/>
+                </a:moveTo>
+                <a:lnTo>
+                  <a:pt x="379987" y="0"/>
+                </a:lnTo>
+                <a:lnTo>
+                  <a:pt x="0" y="407"/>
+                </a:lnTo>
+                <a:close/>
+              </a:path>
+            </a:pathLst>
+          </a:custGeom>
+        </p:spPr>
+      </p:pic>
+      <p:sp>
+        <p:nvSpPr>
+          <p:cNvPr id="5" name="Заголовок 1">
+            <a:extLst>
+              <a:ext uri="{FF2B5EF4-FFF2-40B4-BE49-F238E27FC236}">
+                <a16:creationId xmlns:a16="http://schemas.microsoft.com/office/drawing/2014/main" id="{A9C47124-F7A7-48DF-BE6B-02A3CF3294B7}"/>
+              </a:ext>
+            </a:extLst>
+          </p:cNvPr>
+          <p:cNvSpPr txBox="1">
+            <a:spLocks/>
+          </p:cNvSpPr>
+          <p:nvPr/>
+        </p:nvSpPr>
+        <p:spPr>
+          <a:xfrm>
+            <a:off x="694193" y="2896710"/>
+            <a:ext cx="4256179" cy="1064577"/>
+          </a:xfrm>
+          <a:prstGeom prst="rect">
+            <a:avLst/>
+          </a:prstGeom>
+        </p:spPr>
+        <p:txBody>
+          <a:bodyPr vert="horz" lIns="91440" tIns="45720" rIns="91440" bIns="45720" rtlCol="0" anchor="t">
+            <a:noAutofit/>
+          </a:bodyPr>
+          <a:lstStyle>
+            <a:lvl1pPr algn="l" defTabSz="457200" rtl="0" eaLnBrk="1" latinLnBrk="0" hangingPunct="1">
+              <a:spcBef>
+                <a:spcPct val="0"/>
+              </a:spcBef>
+              <a:buNone/>
+              <a:defRPr sz="3600" kern="1200">
+                <a:solidFill>
+                  <a:schemeClr val="accent1"/>
+                </a:solidFill>
+                <a:latin typeface="+mj-lt"/>
+                <a:ea typeface="+mj-ea"/>
+                <a:cs typeface="+mj-cs"/>
+              </a:defRPr>
+            </a:lvl1pPr>
+            <a:lvl2pPr eaLnBrk="1" hangingPunct="1">
+              <a:defRPr>
+                <a:solidFill>
+                  <a:schemeClr val="tx2"/>
+                </a:solidFill>
+              </a:defRPr>
+            </a:lvl2pPr>
+            <a:lvl3pPr eaLnBrk="1" hangingPunct="1">
+              <a:defRPr>
+                <a:solidFill>
+                  <a:schemeClr val="tx2"/>
+                </a:solidFill>
+              </a:defRPr>
+            </a:lvl3pPr>
+            <a:lvl4pPr eaLnBrk="1" hangingPunct="1">
+              <a:defRPr>
+                <a:solidFill>
+                  <a:schemeClr val="tx2"/>
+                </a:solidFill>
+              </a:defRPr>
+            </a:lvl4pPr>
+            <a:lvl5pPr eaLnBrk="1" hangingPunct="1">
+              <a:defRPr>
+                <a:solidFill>
+                  <a:schemeClr val="tx2"/>
+                </a:solidFill>
+              </a:defRPr>
+            </a:lvl5pPr>
+            <a:lvl6pPr eaLnBrk="1" hangingPunct="1">
+              <a:defRPr>
+                <a:solidFill>
+                  <a:schemeClr val="tx2"/>
+                </a:solidFill>
+              </a:defRPr>
+            </a:lvl6pPr>
+            <a:lvl7pPr eaLnBrk="1" hangingPunct="1">
+              <a:defRPr>
+                <a:solidFill>
+                  <a:schemeClr val="tx2"/>
+                </a:solidFill>
+              </a:defRPr>
+            </a:lvl7pPr>
+            <a:lvl8pPr eaLnBrk="1" hangingPunct="1">
+              <a:defRPr>
+                <a:solidFill>
+                  <a:schemeClr val="tx2"/>
+                </a:solidFill>
+              </a:defRPr>
+            </a:lvl8pPr>
+            <a:lvl9pPr eaLnBrk="1" hangingPunct="1">
+              <a:defRPr>
+                <a:solidFill>
+                  <a:schemeClr val="tx2"/>
+                </a:solidFill>
+              </a:defRPr>
+            </a:lvl9pPr>
+          </a:lstStyle>
+          <a:p>
+            <a:r>
+              <a:rPr lang="uk-UA" sz="6000" dirty="0">
+                <a:solidFill>
+                  <a:srgbClr val="0070C0"/>
+                </a:solidFill>
+              </a:rPr>
+              <a:t>Результати</a:t>
+            </a:r>
+          </a:p>
+        </p:txBody>
+      </p:sp>
+    </p:spTree>
+    <p:extLst>
+      <p:ext uri="{BB962C8B-B14F-4D97-AF65-F5344CB8AC3E}">
+        <p14:creationId xmlns:p14="http://schemas.microsoft.com/office/powerpoint/2010/main" val="1897240866"/>
+      </p:ext>
+    </p:extLst>
+  </p:cSld>
+  <p:clrMapOvr>
+    <a:masterClrMapping/>
+  </p:clrMapOvr>
+  <p:timing>
+    <p:tnLst>
+      <p:par>
+        <p:cTn id="1" dur="indefinite" restart="never" nodeType="tmRoot">
+          <p:childTnLst>
+            <p:seq concurrent="1" nextAc="seek">
+              <p:cTn id="2" dur="indefinite" nodeType="mainSeq">
+                <p:childTnLst>
+                  <p:par>
+                    <p:cTn id="3" fill="hold">
+                      <p:stCondLst>
+                        <p:cond delay="indefinite"/>
+                        <p:cond evt="onBegin" delay="0">
+                          <p:tn val="2"/>
+                        </p:cond>
+                      </p:stCondLst>
+                      <p:childTnLst>
+                        <p:par>
+                          <p:cTn id="4" fill="hold">
+                            <p:stCondLst>
+                              <p:cond delay="0"/>
+                            </p:stCondLst>
+                            <p:childTnLst>
+                              <p:par>
+                                <p:cTn id="5" presetID="10" presetClass="entr" presetSubtype="0" fill="hold" nodeType="withEffect">
+                                  <p:stCondLst>
+                                    <p:cond delay="0"/>
+                                  </p:stCondLst>
+                                  <p:iterate>
+                                    <p:tmPct val="10000"/>
+                                  </p:iterate>
+                                  <p:childTnLst>
+                                    <p:set>
+                                      <p:cBhvr>
+                                        <p:cTn id="6" dur="1" fill="hold">
+                                          <p:stCondLst>
+                                            <p:cond delay="0"/>
+                                          </p:stCondLst>
+                                        </p:cTn>
+                                        <p:tgtEl>
+                                          <p:spTgt spid="7"/>
+                                        </p:tgtEl>
+                                        <p:attrNameLst>
+                                          <p:attrName>style.visibility</p:attrName>
+                                        </p:attrNameLst>
+                                      </p:cBhvr>
+                                      <p:to>
+                                        <p:strVal val="visible"/>
+                                      </p:to>
+                                    </p:set>
+                                    <p:animEffect transition="in" filter="fade">
+                                      <p:cBhvr>
+                                        <p:cTn id="7" dur="700"/>
+                                        <p:tgtEl>
+                                          <p:spTgt spid="7"/>
+                                        </p:tgtEl>
+                                      </p:cBhvr>
+                                    </p:animEffect>
+                                  </p:childTnLst>
+                                </p:cTn>
+                              </p:par>
+                            </p:childTnLst>
+                          </p:cTn>
+                        </p:par>
+                      </p:childTnLst>
+                    </p:cTn>
+                  </p:par>
+                </p:childTnLst>
+              </p:cTn>
+              <p:prevCondLst>
+                <p:cond evt="onPrev" delay="0">
+                  <p:tgtEl>
+                    <p:sldTgt/>
+                  </p:tgtEl>
+                </p:cond>
+              </p:prevCondLst>
+              <p:nextCondLst>
+                <p:cond evt="onNext" delay="0">
+                  <p:tgtEl>
+                    <p:sldTgt/>
+                  </p:tgtEl>
+                </p:cond>
+              </p:nextCondLst>
+            </p:seq>
+          </p:childTnLst>
+        </p:cTn>
+      </p:par>
+    </p:tnLst>
+  </p:timing>
+</p:sld>
+</file>
+
+<file path=ppt/slides/slide15.xml><?xml version="1.0" encoding="utf-8"?>
+<p:sld xmlns:a="http://schemas.openxmlformats.org/drawingml/2006/main" xmlns:r="http://schemas.openxmlformats.org/officeDocument/2006/relationships" xmlns:p="http://schemas.openxmlformats.org/presentationml/2006/main">
+  <p:cSld>
+    <p:spTree>
+      <p:nvGrpSpPr>
+        <p:cNvPr id="1" name=""/>
+        <p:cNvGrpSpPr/>
+        <p:nvPr/>
+      </p:nvGrpSpPr>
+      <p:grpSpPr>
+        <a:xfrm>
+          <a:off x="0" y="0"/>
+          <a:ext cx="0" cy="0"/>
+          <a:chOff x="0" y="0"/>
+          <a:chExt cx="0" cy="0"/>
+        </a:xfrm>
+      </p:grpSpPr>
+      <p:sp>
+        <p:nvSpPr>
+          <p:cNvPr id="4" name="Заголовок 1">
+            <a:extLst>
+              <a:ext uri="{FF2B5EF4-FFF2-40B4-BE49-F238E27FC236}">
+                <a16:creationId xmlns:a16="http://schemas.microsoft.com/office/drawing/2014/main" id="{D3AABE01-F12D-434D-8931-FCB9DEA0B8E7}"/>
+              </a:ext>
+            </a:extLst>
+          </p:cNvPr>
+          <p:cNvSpPr txBox="1">
+            <a:spLocks/>
+          </p:cNvSpPr>
+          <p:nvPr/>
+        </p:nvSpPr>
+        <p:spPr>
+          <a:xfrm>
+            <a:off x="168676" y="238379"/>
+            <a:ext cx="9081856" cy="747042"/>
+          </a:xfrm>
+          <a:prstGeom prst="rect">
+            <a:avLst/>
+          </a:prstGeom>
+        </p:spPr>
+        <p:txBody>
+          <a:bodyPr vert="horz" lIns="91440" tIns="45720" rIns="91440" bIns="45720" rtlCol="0" anchor="t">
+            <a:normAutofit/>
+          </a:bodyPr>
+          <a:lstStyle>
+            <a:lvl1pPr algn="l" defTabSz="457200" rtl="0" eaLnBrk="1" latinLnBrk="0" hangingPunct="1">
+              <a:spcBef>
+                <a:spcPct val="0"/>
+              </a:spcBef>
+              <a:buNone/>
+              <a:defRPr sz="3600" kern="1200">
+                <a:solidFill>
+                  <a:schemeClr val="accent1"/>
+                </a:solidFill>
+                <a:latin typeface="+mj-lt"/>
+                <a:ea typeface="+mj-ea"/>
+                <a:cs typeface="+mj-cs"/>
+              </a:defRPr>
+            </a:lvl1pPr>
+            <a:lvl2pPr eaLnBrk="1" hangingPunct="1">
+              <a:defRPr>
+                <a:solidFill>
+                  <a:schemeClr val="tx2"/>
+                </a:solidFill>
+              </a:defRPr>
+            </a:lvl2pPr>
+            <a:lvl3pPr eaLnBrk="1" hangingPunct="1">
+              <a:defRPr>
+                <a:solidFill>
+                  <a:schemeClr val="tx2"/>
+                </a:solidFill>
+              </a:defRPr>
+            </a:lvl3pPr>
+            <a:lvl4pPr eaLnBrk="1" hangingPunct="1">
+              <a:defRPr>
+                <a:solidFill>
+                  <a:schemeClr val="tx2"/>
+                </a:solidFill>
+              </a:defRPr>
+            </a:lvl4pPr>
+            <a:lvl5pPr eaLnBrk="1" hangingPunct="1">
+              <a:defRPr>
+                <a:solidFill>
+                  <a:schemeClr val="tx2"/>
+                </a:solidFill>
+              </a:defRPr>
+            </a:lvl5pPr>
+            <a:lvl6pPr eaLnBrk="1" hangingPunct="1">
+              <a:defRPr>
+                <a:solidFill>
+                  <a:schemeClr val="tx2"/>
+                </a:solidFill>
+              </a:defRPr>
+            </a:lvl6pPr>
+            <a:lvl7pPr eaLnBrk="1" hangingPunct="1">
+              <a:defRPr>
+                <a:solidFill>
+                  <a:schemeClr val="tx2"/>
+                </a:solidFill>
+              </a:defRPr>
+            </a:lvl7pPr>
+            <a:lvl8pPr eaLnBrk="1" hangingPunct="1">
+              <a:defRPr>
+                <a:solidFill>
+                  <a:schemeClr val="tx2"/>
+                </a:solidFill>
+              </a:defRPr>
+            </a:lvl8pPr>
+            <a:lvl9pPr eaLnBrk="1" hangingPunct="1">
+              <a:defRPr>
+                <a:solidFill>
+                  <a:schemeClr val="tx2"/>
+                </a:solidFill>
+              </a:defRPr>
+            </a:lvl9pPr>
+          </a:lstStyle>
+          <a:p>
+            <a:r>
+              <a:rPr lang="uk-UA" dirty="0">
+                <a:solidFill>
+                  <a:srgbClr val="0070C0"/>
+                </a:solidFill>
+              </a:rPr>
+              <a:t>Плани</a:t>
+            </a:r>
+          </a:p>
+        </p:txBody>
+      </p:sp>
+      <p:sp>
+        <p:nvSpPr>
+          <p:cNvPr id="7" name="TextBox 6">
+            <a:extLst>
+              <a:ext uri="{FF2B5EF4-FFF2-40B4-BE49-F238E27FC236}">
+                <a16:creationId xmlns:a16="http://schemas.microsoft.com/office/drawing/2014/main" id="{C7051AC6-B722-4C71-992B-E0326E4345D0}"/>
+              </a:ext>
+            </a:extLst>
+          </p:cNvPr>
+          <p:cNvSpPr txBox="1"/>
+          <p:nvPr/>
+        </p:nvSpPr>
+        <p:spPr>
+          <a:xfrm>
+            <a:off x="412106" y="1110076"/>
+            <a:ext cx="9081857" cy="1686487"/>
+          </a:xfrm>
+          <a:prstGeom prst="rect">
+            <a:avLst/>
+          </a:prstGeom>
+          <a:noFill/>
+        </p:spPr>
+        <p:txBody>
+          <a:bodyPr wrap="square" rtlCol="0">
+            <a:spAutoFit/>
+          </a:bodyPr>
+          <a:lstStyle/>
+          <a:p>
+            <a:pPr marL="285750" indent="-285750">
+              <a:lnSpc>
+                <a:spcPct val="150000"/>
+              </a:lnSpc>
+              <a:buClr>
+                <a:srgbClr val="0070C0"/>
+              </a:buClr>
+              <a:buFont typeface="Wingdings" panose="05000000000000000000" pitchFamily="2" charset="2"/>
+              <a:buChar char="Ø"/>
+            </a:pPr>
+            <a:r>
+              <a:rPr lang="uk-UA" sz="2400" dirty="0"/>
+              <a:t>Написати текст курсової</a:t>
+            </a:r>
+            <a:endParaRPr lang="en-US" sz="2400" dirty="0"/>
+          </a:p>
+          <a:p>
+            <a:pPr marL="285750" indent="-285750">
+              <a:lnSpc>
+                <a:spcPct val="150000"/>
+              </a:lnSpc>
+              <a:buClr>
+                <a:srgbClr val="0070C0"/>
+              </a:buClr>
+              <a:buFont typeface="Wingdings" panose="05000000000000000000" pitchFamily="2" charset="2"/>
+              <a:buChar char="Ø"/>
+            </a:pPr>
+            <a:r>
+              <a:rPr lang="uk-UA" sz="2400" dirty="0"/>
+              <a:t>Проаналізувати інші методи задання початкових </a:t>
+            </a:r>
+            <a:r>
+              <a:rPr lang="uk-UA" sz="2400" dirty="0" err="1"/>
+              <a:t>центроїдів</a:t>
+            </a:r>
+            <a:endParaRPr lang="uk-UA" sz="2400" dirty="0"/>
+          </a:p>
+          <a:p>
+            <a:pPr marL="285750" indent="-285750">
+              <a:lnSpc>
+                <a:spcPct val="150000"/>
+              </a:lnSpc>
+              <a:buClr>
+                <a:srgbClr val="0070C0"/>
+              </a:buClr>
+              <a:buFont typeface="Wingdings" panose="05000000000000000000" pitchFamily="2" charset="2"/>
+              <a:buChar char="Ø"/>
+            </a:pPr>
+            <a:r>
+              <a:rPr lang="uk-UA" sz="2400" dirty="0"/>
+              <a:t> Додати зберігання результатів</a:t>
+            </a:r>
+          </a:p>
+        </p:txBody>
+      </p:sp>
+    </p:spTree>
+    <p:extLst>
+      <p:ext uri="{BB962C8B-B14F-4D97-AF65-F5344CB8AC3E}">
+        <p14:creationId xmlns:p14="http://schemas.microsoft.com/office/powerpoint/2010/main" val="2995872798"/>
+      </p:ext>
+    </p:extLst>
+  </p:cSld>
+  <p:clrMapOvr>
+    <a:masterClrMapping/>
+  </p:clrMapOvr>
+</p:sld>
+</file>
+
+<file path=ppt/slides/slide16.xml><?xml version="1.0" encoding="utf-8"?>
 <p:sld xmlns:a="http://schemas.openxmlformats.org/drawingml/2006/main" xmlns:r="http://schemas.openxmlformats.org/officeDocument/2006/relationships" xmlns:p="http://schemas.openxmlformats.org/presentationml/2006/main">
   <p:cSld>
     <p:spTree>
@@ -9073,8 +9766,8 @@
         </p:nvSpPr>
         <p:spPr>
           <a:xfrm>
-            <a:off x="603679" y="1331650"/>
-            <a:ext cx="9002139" cy="3767634"/>
+            <a:off x="666741" y="911236"/>
+            <a:ext cx="9002139" cy="5439118"/>
           </a:xfrm>
           <a:prstGeom prst="rect">
             <a:avLst/>
@@ -9101,15 +9794,7 @@
               <a:buChar char="Ø"/>
             </a:pPr>
             <a:r>
-              <a:rPr lang="en-US" sz="2000" dirty="0">
-                <a:hlinkClick r:id="rId2">
-                  <a:extLst>
-                    <a:ext uri="{A12FA001-AC4F-418D-AE19-62706E023703}">
-                      <ahyp:hlinkClr xmlns:ahyp="http://schemas.microsoft.com/office/drawing/2018/hyperlinkcolor" val="tx"/>
-                    </a:ext>
-                  </a:extLst>
-                </a:hlinkClick>
-              </a:rPr>
+              <a:rPr lang="en-US" sz="2000" dirty="0"/>
               <a:t>https://towardsdatascience.com/clustering-algorithm-for-data-with-mixed-categorical-and-numerical-features-d4e3a48066a0</a:t>
             </a:r>
           </a:p>
@@ -9128,15 +9813,7 @@
               <a:buChar char="Ø"/>
             </a:pPr>
             <a:r>
-              <a:rPr lang="en-US" sz="2000" dirty="0">
-                <a:hlinkClick r:id="rId2">
-                  <a:extLst>
-                    <a:ext uri="{A12FA001-AC4F-418D-AE19-62706E023703}">
-                      <ahyp:hlinkClr xmlns:ahyp="http://schemas.microsoft.com/office/drawing/2018/hyperlinkcolor" val="tx"/>
-                    </a:ext>
-                  </a:extLst>
-                </a:hlinkClick>
-              </a:rPr>
+              <a:rPr lang="en-US" sz="2000" dirty="0"/>
               <a:t>https://stackoverflow.com/questions/42639824/python-k-modes-explanation</a:t>
             </a:r>
           </a:p>
@@ -9155,18 +9832,9 @@
               <a:buChar char="Ø"/>
             </a:pPr>
             <a:r>
-              <a:rPr lang="en-US" sz="2000" dirty="0">
-                <a:hlinkClick r:id="rId2">
-                  <a:extLst>
-                    <a:ext uri="{A12FA001-AC4F-418D-AE19-62706E023703}">
-                      <ahyp:hlinkClr xmlns:ahyp="http://schemas.microsoft.com/office/drawing/2018/hyperlinkcolor" val="tx"/>
-                    </a:ext>
-                  </a:extLst>
-                </a:hlinkClick>
-              </a:rPr>
+              <a:rPr lang="en-US" sz="2000" dirty="0"/>
               <a:t>https://ant.design/components/overview/</a:t>
             </a:r>
-            <a:endParaRPr lang="en-US" sz="2000" dirty="0"/>
           </a:p>
           <a:p>
             <a:pPr marL="285750" indent="-285750">
@@ -9180,18 +9848,42 @@
               <a:buChar char="Ø"/>
             </a:pPr>
             <a:r>
-              <a:rPr lang="en-US" sz="2000" dirty="0">
-                <a:hlinkClick r:id="rId3">
-                  <a:extLst>
-                    <a:ext uri="{A12FA001-AC4F-418D-AE19-62706E023703}">
-                      <ahyp:hlinkClr xmlns:ahyp="http://schemas.microsoft.com/office/drawing/2018/hyperlinkcolor" val="tx"/>
-                    </a:ext>
-                  </a:extLst>
-                </a:hlinkClick>
-              </a:rPr>
+              <a:rPr lang="en-US" sz="2000" dirty="0"/>
               <a:t>https://docs.microsoft.com/en-us/aspnet/core/mvc/models/file-uploads?view=aspnetcore-5.0</a:t>
             </a:r>
-            <a:endParaRPr lang="en-US" dirty="0"/>
+          </a:p>
+          <a:p>
+            <a:pPr marL="285750" indent="-285750">
+              <a:lnSpc>
+                <a:spcPct val="200000"/>
+              </a:lnSpc>
+              <a:buClr>
+                <a:srgbClr val="0070C0"/>
+              </a:buClr>
+              <a:buFont typeface="Wingdings" panose="05000000000000000000" pitchFamily="2" charset="2"/>
+              <a:buChar char="Ø"/>
+            </a:pPr>
+            <a:r>
+              <a:rPr lang="en-US" dirty="0"/>
+              <a:t>https://fastapi.tiangolo.com/</a:t>
+            </a:r>
+            <a:endParaRPr lang="en-US" sz="2000" dirty="0"/>
+          </a:p>
+          <a:p>
+            <a:pPr marL="285750" indent="-285750">
+              <a:lnSpc>
+                <a:spcPct val="200000"/>
+              </a:lnSpc>
+              <a:buClr>
+                <a:srgbClr val="0070C0"/>
+              </a:buClr>
+              <a:buFont typeface="Wingdings" panose="05000000000000000000" pitchFamily="2" charset="2"/>
+              <a:buChar char="Ø"/>
+            </a:pPr>
+            <a:r>
+              <a:rPr lang="en-US" dirty="0"/>
+              <a:t>https://medium.com/geekculture/the-k-modes-as-clustering-algorithm-for-categorical-data-type-bcde8f95efd7</a:t>
+            </a:r>
           </a:p>
         </p:txBody>
       </p:sp>
@@ -9208,7 +9900,7 @@
 </p:sld>
 </file>
 
-<file path=ppt/slides/slide15.xml><?xml version="1.0" encoding="utf-8"?>
+<file path=ppt/slides/slide17.xml><?xml version="1.0" encoding="utf-8"?>
 <p:sld xmlns:a="http://schemas.openxmlformats.org/drawingml/2006/main" xmlns:r="http://schemas.openxmlformats.org/officeDocument/2006/relationships" xmlns:p="http://schemas.openxmlformats.org/presentationml/2006/main">
   <p:cSld>
     <p:spTree>

--- a/Documents/Зелінський_Олександр.pptx
+++ b/Documents/Зелінський_Олександр.pptx
@@ -5,26 +5,27 @@
     <p:sldMasterId id="2147483728" r:id="rId1"/>
   </p:sldMasterIdLst>
   <p:notesMasterIdLst>
-    <p:notesMasterId r:id="rId19"/>
+    <p:notesMasterId r:id="rId20"/>
   </p:notesMasterIdLst>
   <p:sldIdLst>
     <p:sldId id="256" r:id="rId2"/>
-    <p:sldId id="257" r:id="rId3"/>
-    <p:sldId id="260" r:id="rId4"/>
-    <p:sldId id="259" r:id="rId5"/>
-    <p:sldId id="262" r:id="rId6"/>
-    <p:sldId id="263" r:id="rId7"/>
-    <p:sldId id="270" r:id="rId8"/>
-    <p:sldId id="261" r:id="rId9"/>
-    <p:sldId id="271" r:id="rId10"/>
-    <p:sldId id="267" r:id="rId11"/>
-    <p:sldId id="272" r:id="rId12"/>
-    <p:sldId id="264" r:id="rId13"/>
-    <p:sldId id="274" r:id="rId14"/>
-    <p:sldId id="273" r:id="rId15"/>
-    <p:sldId id="275" r:id="rId16"/>
-    <p:sldId id="265" r:id="rId17"/>
-    <p:sldId id="258" r:id="rId18"/>
+    <p:sldId id="276" r:id="rId3"/>
+    <p:sldId id="257" r:id="rId4"/>
+    <p:sldId id="260" r:id="rId5"/>
+    <p:sldId id="259" r:id="rId6"/>
+    <p:sldId id="262" r:id="rId7"/>
+    <p:sldId id="263" r:id="rId8"/>
+    <p:sldId id="270" r:id="rId9"/>
+    <p:sldId id="261" r:id="rId10"/>
+    <p:sldId id="271" r:id="rId11"/>
+    <p:sldId id="267" r:id="rId12"/>
+    <p:sldId id="272" r:id="rId13"/>
+    <p:sldId id="264" r:id="rId14"/>
+    <p:sldId id="274" r:id="rId15"/>
+    <p:sldId id="273" r:id="rId16"/>
+    <p:sldId id="275" r:id="rId17"/>
+    <p:sldId id="265" r:id="rId18"/>
+    <p:sldId id="258" r:id="rId19"/>
   </p:sldIdLst>
   <p:sldSz cx="12192000" cy="6858000"/>
   <p:notesSz cx="6858000" cy="9144000"/>
@@ -219,7 +220,7 @@
           <a:p>
             <a:fld id="{586FF3FF-D377-4670-B4E0-8859B8BB81C2}" type="datetimeFigureOut">
               <a:rPr lang="en-US" smtClean="0"/>
-              <a:t>4/11/2022</a:t>
+              <a:t>4/15/2022</a:t>
             </a:fld>
             <a:endParaRPr lang="en-US"/>
           </a:p>
@@ -552,7 +553,7 @@
           <a:p>
             <a:fld id="{FFFB1F85-1FC8-4A32-B703-46BE2030F80F}" type="slidenum">
               <a:rPr lang="en-US" smtClean="0"/>
-              <a:t>9</a:t>
+              <a:t>10</a:t>
             </a:fld>
             <a:endParaRPr lang="en-US"/>
           </a:p>
@@ -660,7 +661,7 @@
           <a:p>
             <a:fld id="{FFFB1F85-1FC8-4A32-B703-46BE2030F80F}" type="slidenum">
               <a:rPr lang="en-US" smtClean="0"/>
-              <a:t>10</a:t>
+              <a:t>11</a:t>
             </a:fld>
             <a:endParaRPr lang="en-US"/>
           </a:p>
@@ -748,7 +749,7 @@
           <a:p>
             <a:fld id="{FFFB1F85-1FC8-4A32-B703-46BE2030F80F}" type="slidenum">
               <a:rPr lang="en-US" smtClean="0"/>
-              <a:t>11</a:t>
+              <a:t>12</a:t>
             </a:fld>
             <a:endParaRPr lang="en-US"/>
           </a:p>
@@ -832,7 +833,7 @@
           <a:p>
             <a:fld id="{FFFB1F85-1FC8-4A32-B703-46BE2030F80F}" type="slidenum">
               <a:rPr lang="en-US" smtClean="0"/>
-              <a:t>16</a:t>
+              <a:t>17</a:t>
             </a:fld>
             <a:endParaRPr lang="en-US"/>
           </a:p>
@@ -1596,7 +1597,7 @@
           <a:p>
             <a:fld id="{716955FD-5218-4B18-8B2D-05970B9A6621}" type="datetimeFigureOut">
               <a:rPr lang="en-US" smtClean="0"/>
-              <a:t>4/11/2022</a:t>
+              <a:t>4/15/2022</a:t>
             </a:fld>
             <a:endParaRPr lang="en-US"/>
           </a:p>
@@ -1847,7 +1848,7 @@
           <a:p>
             <a:fld id="{716955FD-5218-4B18-8B2D-05970B9A6621}" type="datetimeFigureOut">
               <a:rPr lang="en-US" smtClean="0"/>
-              <a:t>4/11/2022</a:t>
+              <a:t>4/15/2022</a:t>
             </a:fld>
             <a:endParaRPr lang="en-US"/>
           </a:p>
@@ -2161,7 +2162,7 @@
           <a:p>
             <a:fld id="{716955FD-5218-4B18-8B2D-05970B9A6621}" type="datetimeFigureOut">
               <a:rPr lang="en-US" smtClean="0"/>
-              <a:t>4/11/2022</a:t>
+              <a:t>4/15/2022</a:t>
             </a:fld>
             <a:endParaRPr lang="en-US"/>
           </a:p>
@@ -2494,7 +2495,7 @@
           <a:p>
             <a:fld id="{716955FD-5218-4B18-8B2D-05970B9A6621}" type="datetimeFigureOut">
               <a:rPr lang="en-US" smtClean="0"/>
-              <a:t>4/11/2022</a:t>
+              <a:t>4/15/2022</a:t>
             </a:fld>
             <a:endParaRPr lang="en-US"/>
           </a:p>
@@ -2808,7 +2809,7 @@
           <a:p>
             <a:fld id="{716955FD-5218-4B18-8B2D-05970B9A6621}" type="datetimeFigureOut">
               <a:rPr lang="en-US" smtClean="0"/>
-              <a:t>4/11/2022</a:t>
+              <a:t>4/15/2022</a:t>
             </a:fld>
             <a:endParaRPr lang="en-US"/>
           </a:p>
@@ -3201,7 +3202,7 @@
           <a:p>
             <a:fld id="{716955FD-5218-4B18-8B2D-05970B9A6621}" type="datetimeFigureOut">
               <a:rPr lang="en-US" smtClean="0"/>
-              <a:t>4/11/2022</a:t>
+              <a:t>4/15/2022</a:t>
             </a:fld>
             <a:endParaRPr lang="en-US"/>
           </a:p>
@@ -3371,7 +3372,7 @@
           <a:p>
             <a:fld id="{716955FD-5218-4B18-8B2D-05970B9A6621}" type="datetimeFigureOut">
               <a:rPr lang="en-US" smtClean="0"/>
-              <a:t>4/11/2022</a:t>
+              <a:t>4/15/2022</a:t>
             </a:fld>
             <a:endParaRPr lang="en-US"/>
           </a:p>
@@ -3551,7 +3552,7 @@
           <a:p>
             <a:fld id="{716955FD-5218-4B18-8B2D-05970B9A6621}" type="datetimeFigureOut">
               <a:rPr lang="en-US" smtClean="0"/>
-              <a:t>4/11/2022</a:t>
+              <a:t>4/15/2022</a:t>
             </a:fld>
             <a:endParaRPr lang="en-US"/>
           </a:p>
@@ -3721,7 +3722,7 @@
           <a:p>
             <a:fld id="{716955FD-5218-4B18-8B2D-05970B9A6621}" type="datetimeFigureOut">
               <a:rPr lang="en-US" smtClean="0"/>
-              <a:t>4/11/2022</a:t>
+              <a:t>4/15/2022</a:t>
             </a:fld>
             <a:endParaRPr lang="en-US"/>
           </a:p>
@@ -3968,7 +3969,7 @@
           <a:p>
             <a:fld id="{716955FD-5218-4B18-8B2D-05970B9A6621}" type="datetimeFigureOut">
               <a:rPr lang="en-US" smtClean="0"/>
-              <a:t>4/11/2022</a:t>
+              <a:t>4/15/2022</a:t>
             </a:fld>
             <a:endParaRPr lang="en-US"/>
           </a:p>
@@ -4200,7 +4201,7 @@
           <a:p>
             <a:fld id="{716955FD-5218-4B18-8B2D-05970B9A6621}" type="datetimeFigureOut">
               <a:rPr lang="en-US" smtClean="0"/>
-              <a:t>4/11/2022</a:t>
+              <a:t>4/15/2022</a:t>
             </a:fld>
             <a:endParaRPr lang="en-US"/>
           </a:p>
@@ -4574,7 +4575,7 @@
           <a:p>
             <a:fld id="{716955FD-5218-4B18-8B2D-05970B9A6621}" type="datetimeFigureOut">
               <a:rPr lang="en-US" smtClean="0"/>
-              <a:t>4/11/2022</a:t>
+              <a:t>4/15/2022</a:t>
             </a:fld>
             <a:endParaRPr lang="en-US"/>
           </a:p>
@@ -4697,7 +4698,7 @@
           <a:p>
             <a:fld id="{716955FD-5218-4B18-8B2D-05970B9A6621}" type="datetimeFigureOut">
               <a:rPr lang="en-US" smtClean="0"/>
-              <a:t>4/11/2022</a:t>
+              <a:t>4/15/2022</a:t>
             </a:fld>
             <a:endParaRPr lang="en-US"/>
           </a:p>
@@ -4792,7 +4793,7 @@
           <a:p>
             <a:fld id="{716955FD-5218-4B18-8B2D-05970B9A6621}" type="datetimeFigureOut">
               <a:rPr lang="en-US" smtClean="0"/>
-              <a:t>4/11/2022</a:t>
+              <a:t>4/15/2022</a:t>
             </a:fld>
             <a:endParaRPr lang="en-US"/>
           </a:p>
@@ -5047,7 +5048,7 @@
           <a:p>
             <a:fld id="{716955FD-5218-4B18-8B2D-05970B9A6621}" type="datetimeFigureOut">
               <a:rPr lang="en-US" smtClean="0"/>
-              <a:t>4/11/2022</a:t>
+              <a:t>4/15/2022</a:t>
             </a:fld>
             <a:endParaRPr lang="en-US"/>
           </a:p>
@@ -5352,7 +5353,7 @@
           <a:p>
             <a:fld id="{716955FD-5218-4B18-8B2D-05970B9A6621}" type="datetimeFigureOut">
               <a:rPr lang="en-US" smtClean="0"/>
-              <a:t>4/11/2022</a:t>
+              <a:t>4/15/2022</a:t>
             </a:fld>
             <a:endParaRPr lang="en-US"/>
           </a:p>
@@ -6054,7 +6055,7 @@
           <a:p>
             <a:fld id="{716955FD-5218-4B18-8B2D-05970B9A6621}" type="datetimeFigureOut">
               <a:rPr lang="en-US" smtClean="0"/>
-              <a:t>4/11/2022</a:t>
+              <a:t>4/15/2022</a:t>
             </a:fld>
             <a:endParaRPr lang="en-US"/>
           </a:p>
@@ -6562,7 +6563,7 @@
 </file>
 
 <file path=ppt/slides/slide1.xml><?xml version="1.0" encoding="utf-8"?>
-<p:sld xmlns:a="http://schemas.openxmlformats.org/drawingml/2006/main" xmlns:r="http://schemas.openxmlformats.org/officeDocument/2006/relationships" xmlns:p="http://schemas.openxmlformats.org/presentationml/2006/main">
+<p:sld xmlns:a="http://schemas.openxmlformats.org/drawingml/2006/main" xmlns:r="http://schemas.openxmlformats.org/officeDocument/2006/relationships" xmlns:p="http://schemas.openxmlformats.org/presentationml/2006/main" show="0">
   <p:cSld>
     <p:spTree>
       <p:nvGrpSpPr>
@@ -6774,6 +6775,258 @@
 </file>
 
 <file path=ppt/slides/slide10.xml><?xml version="1.0" encoding="utf-8"?>
+<p:sld xmlns:a="http://schemas.openxmlformats.org/drawingml/2006/main" xmlns:r="http://schemas.openxmlformats.org/officeDocument/2006/relationships" xmlns:p="http://schemas.openxmlformats.org/presentationml/2006/main">
+  <p:cSld>
+    <p:spTree>
+      <p:nvGrpSpPr>
+        <p:cNvPr id="1" name=""/>
+        <p:cNvGrpSpPr/>
+        <p:nvPr/>
+      </p:nvGrpSpPr>
+      <p:grpSpPr>
+        <a:xfrm>
+          <a:off x="0" y="0"/>
+          <a:ext cx="0" cy="0"/>
+          <a:chOff x="0" y="0"/>
+          <a:chExt cx="0" cy="0"/>
+        </a:xfrm>
+      </p:grpSpPr>
+      <p:sp>
+        <p:nvSpPr>
+          <p:cNvPr id="4" name="Заголовок 1">
+            <a:extLst>
+              <a:ext uri="{FF2B5EF4-FFF2-40B4-BE49-F238E27FC236}">
+                <a16:creationId xmlns:a16="http://schemas.microsoft.com/office/drawing/2014/main" id="{F8243150-867F-42C4-B527-2FA91B461363}"/>
+              </a:ext>
+            </a:extLst>
+          </p:cNvPr>
+          <p:cNvSpPr txBox="1">
+            <a:spLocks/>
+          </p:cNvSpPr>
+          <p:nvPr/>
+        </p:nvSpPr>
+        <p:spPr>
+          <a:xfrm>
+            <a:off x="233328" y="238379"/>
+            <a:ext cx="9081856" cy="747042"/>
+          </a:xfrm>
+          <a:prstGeom prst="rect">
+            <a:avLst/>
+          </a:prstGeom>
+        </p:spPr>
+        <p:txBody>
+          <a:bodyPr vert="horz" lIns="91440" tIns="45720" rIns="91440" bIns="45720" rtlCol="0" anchor="t">
+            <a:normAutofit/>
+          </a:bodyPr>
+          <a:lstStyle>
+            <a:lvl1pPr algn="l" defTabSz="457200" rtl="0" eaLnBrk="1" latinLnBrk="0" hangingPunct="1">
+              <a:spcBef>
+                <a:spcPct val="0"/>
+              </a:spcBef>
+              <a:buNone/>
+              <a:defRPr sz="3600" kern="1200">
+                <a:solidFill>
+                  <a:schemeClr val="accent1"/>
+                </a:solidFill>
+                <a:latin typeface="+mj-lt"/>
+                <a:ea typeface="+mj-ea"/>
+                <a:cs typeface="+mj-cs"/>
+              </a:defRPr>
+            </a:lvl1pPr>
+            <a:lvl2pPr eaLnBrk="1" hangingPunct="1">
+              <a:defRPr>
+                <a:solidFill>
+                  <a:schemeClr val="tx2"/>
+                </a:solidFill>
+              </a:defRPr>
+            </a:lvl2pPr>
+            <a:lvl3pPr eaLnBrk="1" hangingPunct="1">
+              <a:defRPr>
+                <a:solidFill>
+                  <a:schemeClr val="tx2"/>
+                </a:solidFill>
+              </a:defRPr>
+            </a:lvl3pPr>
+            <a:lvl4pPr eaLnBrk="1" hangingPunct="1">
+              <a:defRPr>
+                <a:solidFill>
+                  <a:schemeClr val="tx2"/>
+                </a:solidFill>
+              </a:defRPr>
+            </a:lvl4pPr>
+            <a:lvl5pPr eaLnBrk="1" hangingPunct="1">
+              <a:defRPr>
+                <a:solidFill>
+                  <a:schemeClr val="tx2"/>
+                </a:solidFill>
+              </a:defRPr>
+            </a:lvl5pPr>
+            <a:lvl6pPr eaLnBrk="1" hangingPunct="1">
+              <a:defRPr>
+                <a:solidFill>
+                  <a:schemeClr val="tx2"/>
+                </a:solidFill>
+              </a:defRPr>
+            </a:lvl6pPr>
+            <a:lvl7pPr eaLnBrk="1" hangingPunct="1">
+              <a:defRPr>
+                <a:solidFill>
+                  <a:schemeClr val="tx2"/>
+                </a:solidFill>
+              </a:defRPr>
+            </a:lvl7pPr>
+            <a:lvl8pPr eaLnBrk="1" hangingPunct="1">
+              <a:defRPr>
+                <a:solidFill>
+                  <a:schemeClr val="tx2"/>
+                </a:solidFill>
+              </a:defRPr>
+            </a:lvl8pPr>
+            <a:lvl9pPr eaLnBrk="1" hangingPunct="1">
+              <a:defRPr>
+                <a:solidFill>
+                  <a:schemeClr val="tx2"/>
+                </a:solidFill>
+              </a:defRPr>
+            </a:lvl9pPr>
+          </a:lstStyle>
+          <a:p>
+            <a:r>
+              <a:rPr lang="uk-UA" dirty="0">
+                <a:solidFill>
+                  <a:srgbClr val="0070C0"/>
+                </a:solidFill>
+              </a:rPr>
+              <a:t>Метод кластеризації </a:t>
+            </a:r>
+            <a:r>
+              <a:rPr lang="en-US" dirty="0">
+                <a:solidFill>
+                  <a:srgbClr val="0070C0"/>
+                </a:solidFill>
+              </a:rPr>
+              <a:t>k-means</a:t>
+            </a:r>
+            <a:r>
+              <a:rPr lang="uk-UA" dirty="0">
+                <a:solidFill>
+                  <a:srgbClr val="0070C0"/>
+                </a:solidFill>
+              </a:rPr>
+              <a:t> </a:t>
+            </a:r>
+          </a:p>
+        </p:txBody>
+      </p:sp>
+      <p:sp>
+        <p:nvSpPr>
+          <p:cNvPr id="8" name="TextBox 7">
+            <a:extLst>
+              <a:ext uri="{FF2B5EF4-FFF2-40B4-BE49-F238E27FC236}">
+                <a16:creationId xmlns:a16="http://schemas.microsoft.com/office/drawing/2014/main" id="{18852229-13C1-495A-8A2F-9EFD183EDC50}"/>
+              </a:ext>
+            </a:extLst>
+          </p:cNvPr>
+          <p:cNvSpPr txBox="1"/>
+          <p:nvPr/>
+        </p:nvSpPr>
+        <p:spPr>
+          <a:xfrm>
+            <a:off x="633613" y="3397417"/>
+            <a:ext cx="8491492" cy="2805833"/>
+          </a:xfrm>
+          <a:prstGeom prst="rect">
+            <a:avLst/>
+          </a:prstGeom>
+          <a:noFill/>
+        </p:spPr>
+        <p:txBody>
+          <a:bodyPr wrap="square">
+            <a:spAutoFit/>
+          </a:bodyPr>
+          <a:lstStyle/>
+          <a:p>
+            <a:pPr algn="just">
+              <a:lnSpc>
+                <a:spcPct val="150000"/>
+              </a:lnSpc>
+            </a:pPr>
+            <a:r>
+              <a:rPr lang="uk-UA" sz="2000" dirty="0"/>
+              <a:t>	</a:t>
+            </a:r>
+            <a:r>
+              <a:rPr lang="en-US" sz="2000" dirty="0"/>
+              <a:t>k-means (</a:t>
+            </a:r>
+            <a:r>
+              <a:rPr lang="uk-UA" sz="2000" dirty="0"/>
+              <a:t>k-середніх</a:t>
+            </a:r>
+            <a:r>
+              <a:rPr lang="en-US" sz="2000" dirty="0"/>
+              <a:t>)</a:t>
+            </a:r>
+            <a:r>
+              <a:rPr lang="uk-UA" sz="2000" dirty="0"/>
+              <a:t> – це популярний алгоритм кластеризації на основі </a:t>
+            </a:r>
+            <a:r>
+              <a:rPr lang="uk-UA" sz="2000" dirty="0" err="1"/>
+              <a:t>центроїдів</a:t>
+            </a:r>
+            <a:r>
+              <a:rPr lang="uk-UA" sz="2000" dirty="0"/>
+              <a:t>, який розділяє дані представлені у вигляді точок на k кластерів, кожен із яких має майже рівну кількість цих точок. Ідея цього алгоритму кластеризації полягає в тому, щоб знайти k центроїд, де кожна точка з набору даних буде належати будь-якій з k-множин, що мають мінімальну евклідову відстань.</a:t>
+            </a:r>
+            <a:endParaRPr lang="en-US" sz="2000" dirty="0"/>
+          </a:p>
+        </p:txBody>
+      </p:sp>
+      <p:pic>
+        <p:nvPicPr>
+          <p:cNvPr id="3" name="Рисунок 2">
+            <a:extLst>
+              <a:ext uri="{FF2B5EF4-FFF2-40B4-BE49-F238E27FC236}">
+                <a16:creationId xmlns:a16="http://schemas.microsoft.com/office/drawing/2014/main" id="{BDE06C2A-039D-4BBA-91E7-B41E4E92A0BC}"/>
+              </a:ext>
+            </a:extLst>
+          </p:cNvPr>
+          <p:cNvPicPr>
+            <a:picLocks noChangeAspect="1"/>
+          </p:cNvPicPr>
+          <p:nvPr/>
+        </p:nvPicPr>
+        <p:blipFill>
+          <a:blip r:embed="rId3"/>
+          <a:stretch>
+            <a:fillRect/>
+          </a:stretch>
+        </p:blipFill>
+        <p:spPr>
+          <a:xfrm>
+            <a:off x="443535" y="1272830"/>
+            <a:ext cx="8681570" cy="1837178"/>
+          </a:xfrm>
+          <a:prstGeom prst="rect">
+            <a:avLst/>
+          </a:prstGeom>
+        </p:spPr>
+      </p:pic>
+    </p:spTree>
+    <p:extLst>
+      <p:ext uri="{BB962C8B-B14F-4D97-AF65-F5344CB8AC3E}">
+        <p14:creationId xmlns:p14="http://schemas.microsoft.com/office/powerpoint/2010/main" val="1861416559"/>
+      </p:ext>
+    </p:extLst>
+  </p:cSld>
+  <p:clrMapOvr>
+    <a:masterClrMapping/>
+  </p:clrMapOvr>
+</p:sld>
+</file>
+
+<file path=ppt/slides/slide11.xml><?xml version="1.0" encoding="utf-8"?>
 <p:sld xmlns:a="http://schemas.openxmlformats.org/drawingml/2006/main" xmlns:r="http://schemas.openxmlformats.org/officeDocument/2006/relationships" xmlns:p="http://schemas.openxmlformats.org/presentationml/2006/main">
   <p:cSld>
     <p:spTree>
@@ -7852,7 +8105,7 @@
 </p:sld>
 </file>
 
-<file path=ppt/slides/slide11.xml><?xml version="1.0" encoding="utf-8"?>
+<file path=ppt/slides/slide12.xml><?xml version="1.0" encoding="utf-8"?>
 <p:sld xmlns:a="http://schemas.openxmlformats.org/drawingml/2006/main" xmlns:r="http://schemas.openxmlformats.org/officeDocument/2006/relationships" xmlns:p="http://schemas.openxmlformats.org/presentationml/2006/main">
   <p:cSld>
     <p:spTree>
@@ -8115,7 +8368,7 @@
 </p:sld>
 </file>
 
-<file path=ppt/slides/slide12.xml><?xml version="1.0" encoding="utf-8"?>
+<file path=ppt/slides/slide13.xml><?xml version="1.0" encoding="utf-8"?>
 <p:sld xmlns:a="http://schemas.openxmlformats.org/drawingml/2006/main" xmlns:r="http://schemas.openxmlformats.org/officeDocument/2006/relationships" xmlns:p="http://schemas.openxmlformats.org/presentationml/2006/main">
   <p:cSld>
     <p:spTree>
@@ -8694,7 +8947,7 @@
 </p:sld>
 </file>
 
-<file path=ppt/slides/slide13.xml><?xml version="1.0" encoding="utf-8"?>
+<file path=ppt/slides/slide14.xml><?xml version="1.0" encoding="utf-8"?>
 <p:sld xmlns:a="http://schemas.openxmlformats.org/drawingml/2006/main" xmlns:r="http://schemas.openxmlformats.org/officeDocument/2006/relationships" xmlns:p="http://schemas.openxmlformats.org/presentationml/2006/main">
   <p:cSld>
     <p:spTree>
@@ -9077,7 +9330,7 @@
 </p:sld>
 </file>
 
-<file path=ppt/slides/slide14.xml><?xml version="1.0" encoding="utf-8"?>
+<file path=ppt/slides/slide15.xml><?xml version="1.0" encoding="utf-8"?>
 <p:sld xmlns:a="http://schemas.openxmlformats.org/drawingml/2006/main" xmlns:r="http://schemas.openxmlformats.org/officeDocument/2006/relationships" xmlns:p="http://schemas.openxmlformats.org/presentationml/2006/main">
   <p:cSld>
     <p:spTree>
@@ -9400,7 +9653,7 @@
 </p:sld>
 </file>
 
-<file path=ppt/slides/slide15.xml><?xml version="1.0" encoding="utf-8"?>
+<file path=ppt/slides/slide16.xml><?xml version="1.0" encoding="utf-8"?>
 <p:sld xmlns:a="http://schemas.openxmlformats.org/drawingml/2006/main" xmlns:r="http://schemas.openxmlformats.org/officeDocument/2006/relationships" xmlns:p="http://schemas.openxmlformats.org/presentationml/2006/main">
   <p:cSld>
     <p:spTree>
@@ -9543,7 +9796,7 @@
         <p:spPr>
           <a:xfrm>
             <a:off x="412106" y="1110076"/>
-            <a:ext cx="9081857" cy="1686487"/>
+            <a:ext cx="9081857" cy="2240485"/>
           </a:xfrm>
           <a:prstGeom prst="rect">
             <a:avLst/>
@@ -9568,9 +9821,13 @@
             </a:pPr>
             <a:r>
               <a:rPr lang="uk-UA" sz="2400" dirty="0"/>
-              <a:t>Написати текст курсової</a:t>
-            </a:r>
-            <a:endParaRPr lang="en-US" sz="2400" dirty="0"/>
+              <a:t>Проаналізувати інші методи задання початкового розподілу </a:t>
+            </a:r>
+            <a:r>
+              <a:rPr lang="uk-UA" sz="2400" dirty="0" err="1"/>
+              <a:t>центроїдів</a:t>
+            </a:r>
+            <a:endParaRPr lang="uk-UA" sz="2400" dirty="0"/>
           </a:p>
           <a:p>
             <a:pPr marL="285750" indent="-285750">
@@ -9585,13 +9842,8 @@
             </a:pPr>
             <a:r>
               <a:rPr lang="uk-UA" sz="2400" dirty="0"/>
-              <a:t>Проаналізувати інші методи задання початкових </a:t>
-            </a:r>
-            <a:r>
-              <a:rPr lang="uk-UA" sz="2400" dirty="0" err="1"/>
-              <a:t>центроїдів</a:t>
-            </a:r>
-            <a:endParaRPr lang="uk-UA" sz="2400" dirty="0"/>
+              <a:t>Написати текст курсової</a:t>
+            </a:r>
           </a:p>
           <a:p>
             <a:pPr marL="285750" indent="-285750">
@@ -9624,7 +9876,7 @@
 </p:sld>
 </file>
 
-<file path=ppt/slides/slide16.xml><?xml version="1.0" encoding="utf-8"?>
+<file path=ppt/slides/slide17.xml><?xml version="1.0" encoding="utf-8"?>
 <p:sld xmlns:a="http://schemas.openxmlformats.org/drawingml/2006/main" xmlns:r="http://schemas.openxmlformats.org/officeDocument/2006/relationships" xmlns:p="http://schemas.openxmlformats.org/presentationml/2006/main">
   <p:cSld>
     <p:spTree>
@@ -9900,7 +10152,7 @@
 </p:sld>
 </file>
 
-<file path=ppt/slides/slide17.xml><?xml version="1.0" encoding="utf-8"?>
+<file path=ppt/slides/slide18.xml><?xml version="1.0" encoding="utf-8"?>
 <p:sld xmlns:a="http://schemas.openxmlformats.org/drawingml/2006/main" xmlns:r="http://schemas.openxmlformats.org/officeDocument/2006/relationships" xmlns:p="http://schemas.openxmlformats.org/presentationml/2006/main">
   <p:cSld>
     <p:spTree>
@@ -10043,6 +10295,226 @@
 </file>
 
 <file path=ppt/slides/slide2.xml><?xml version="1.0" encoding="utf-8"?>
+<p:sld xmlns:a="http://schemas.openxmlformats.org/drawingml/2006/main" xmlns:r="http://schemas.openxmlformats.org/officeDocument/2006/relationships" xmlns:p="http://schemas.openxmlformats.org/presentationml/2006/main">
+  <p:cSld>
+    <p:spTree>
+      <p:nvGrpSpPr>
+        <p:cNvPr id="1" name=""/>
+        <p:cNvGrpSpPr/>
+        <p:nvPr/>
+      </p:nvGrpSpPr>
+      <p:grpSpPr>
+        <a:xfrm>
+          <a:off x="0" y="0"/>
+          <a:ext cx="0" cy="0"/>
+          <a:chOff x="0" y="0"/>
+          <a:chExt cx="0" cy="0"/>
+        </a:xfrm>
+      </p:grpSpPr>
+      <p:sp>
+        <p:nvSpPr>
+          <p:cNvPr id="2" name="Заголовок 1">
+            <a:extLst>
+              <a:ext uri="{FF2B5EF4-FFF2-40B4-BE49-F238E27FC236}">
+                <a16:creationId xmlns:a16="http://schemas.microsoft.com/office/drawing/2014/main" id="{FAACE456-2522-4A50-A5AF-8D45AF6D5235}"/>
+              </a:ext>
+            </a:extLst>
+          </p:cNvPr>
+          <p:cNvSpPr>
+            <a:spLocks noGrp="1"/>
+          </p:cNvSpPr>
+          <p:nvPr>
+            <p:ph type="ctrTitle"/>
+          </p:nvPr>
+        </p:nvSpPr>
+        <p:spPr>
+          <a:xfrm>
+            <a:off x="1116449" y="2267901"/>
+            <a:ext cx="8320514" cy="1646302"/>
+          </a:xfrm>
+        </p:spPr>
+        <p:txBody>
+          <a:bodyPr/>
+          <a:lstStyle/>
+          <a:p>
+            <a:pPr algn="ctr"/>
+            <a:r>
+              <a:rPr lang="uk-UA" sz="3600" dirty="0">
+                <a:solidFill>
+                  <a:srgbClr val="0070C0"/>
+                </a:solidFill>
+              </a:rPr>
+              <a:t>Розробка системи к</a:t>
+            </a:r>
+            <a:r>
+              <a:rPr lang="uk-UA" sz="3600" i="0" dirty="0">
+                <a:solidFill>
+                  <a:srgbClr val="0070C0"/>
+                </a:solidFill>
+                <a:effectLst/>
+              </a:rPr>
+              <a:t>ластеризації антитіл на основі коефіцієнту перехресного зв’язування</a:t>
+            </a:r>
+            <a:endParaRPr lang="uk-UA" sz="3600" dirty="0">
+              <a:solidFill>
+                <a:srgbClr val="0070C0"/>
+              </a:solidFill>
+            </a:endParaRPr>
+          </a:p>
+        </p:txBody>
+      </p:sp>
+      <p:sp>
+        <p:nvSpPr>
+          <p:cNvPr id="3" name="Підзаголовок 2">
+            <a:extLst>
+              <a:ext uri="{FF2B5EF4-FFF2-40B4-BE49-F238E27FC236}">
+                <a16:creationId xmlns:a16="http://schemas.microsoft.com/office/drawing/2014/main" id="{BBA7687D-235C-4363-98F9-472805C2A0B0}"/>
+              </a:ext>
+            </a:extLst>
+          </p:cNvPr>
+          <p:cNvSpPr>
+            <a:spLocks noGrp="1"/>
+          </p:cNvSpPr>
+          <p:nvPr>
+            <p:ph type="subTitle" idx="1"/>
+          </p:nvPr>
+        </p:nvSpPr>
+        <p:spPr>
+          <a:xfrm>
+            <a:off x="406235" y="4849823"/>
+            <a:ext cx="4290051" cy="1799551"/>
+          </a:xfrm>
+        </p:spPr>
+        <p:txBody>
+          <a:bodyPr>
+            <a:noAutofit/>
+          </a:bodyPr>
+          <a:lstStyle/>
+          <a:p>
+            <a:pPr algn="l">
+              <a:lnSpc>
+                <a:spcPct val="150000"/>
+              </a:lnSpc>
+              <a:spcBef>
+                <a:spcPts val="0"/>
+              </a:spcBef>
+            </a:pPr>
+            <a:r>
+              <a:rPr lang="uk-UA" dirty="0">
+                <a:solidFill>
+                  <a:schemeClr val="tx1"/>
+                </a:solidFill>
+              </a:rPr>
+              <a:t>Виконав: Зелінський Олександр</a:t>
+            </a:r>
+          </a:p>
+          <a:p>
+            <a:pPr algn="l">
+              <a:lnSpc>
+                <a:spcPct val="150000"/>
+              </a:lnSpc>
+              <a:spcBef>
+                <a:spcPts val="0"/>
+              </a:spcBef>
+            </a:pPr>
+            <a:r>
+              <a:rPr lang="uk-UA" dirty="0">
+                <a:solidFill>
+                  <a:schemeClr val="tx1"/>
+                </a:solidFill>
+              </a:rPr>
+              <a:t>Група: ПМіМ-12</a:t>
+            </a:r>
+          </a:p>
+          <a:p>
+            <a:pPr algn="l">
+              <a:lnSpc>
+                <a:spcPct val="150000"/>
+              </a:lnSpc>
+              <a:spcBef>
+                <a:spcPts val="0"/>
+              </a:spcBef>
+            </a:pPr>
+            <a:r>
+              <a:rPr lang="uk-UA" dirty="0">
+                <a:solidFill>
+                  <a:schemeClr val="tx1"/>
+                </a:solidFill>
+              </a:rPr>
+              <a:t>Науковий керівник: доц. </a:t>
+            </a:r>
+            <a:r>
+              <a:rPr lang="uk-UA" dirty="0" err="1">
+                <a:solidFill>
+                  <a:schemeClr val="tx1"/>
+                </a:solidFill>
+              </a:rPr>
+              <a:t>Горлач</a:t>
+            </a:r>
+            <a:r>
+              <a:rPr lang="uk-UA" dirty="0">
+                <a:solidFill>
+                  <a:schemeClr val="tx1"/>
+                </a:solidFill>
+              </a:rPr>
+              <a:t> В.М.</a:t>
+            </a:r>
+          </a:p>
+          <a:p>
+            <a:pPr algn="l">
+              <a:lnSpc>
+                <a:spcPct val="150000"/>
+              </a:lnSpc>
+              <a:spcBef>
+                <a:spcPts val="0"/>
+              </a:spcBef>
+            </a:pPr>
+            <a:r>
+              <a:rPr lang="uk-UA" dirty="0">
+                <a:solidFill>
+                  <a:schemeClr val="tx1"/>
+                </a:solidFill>
+              </a:rPr>
+              <a:t>Консультант: </a:t>
+            </a:r>
+            <a:r>
+              <a:rPr lang="uk-UA" dirty="0" err="1">
+                <a:solidFill>
+                  <a:schemeClr val="tx1"/>
+                </a:solidFill>
+              </a:rPr>
+              <a:t>Лебедін</a:t>
+            </a:r>
+            <a:r>
+              <a:rPr lang="uk-UA" dirty="0">
+                <a:solidFill>
+                  <a:schemeClr val="tx1"/>
+                </a:solidFill>
+              </a:rPr>
+              <a:t> Ю.С.</a:t>
+            </a:r>
+            <a:endParaRPr lang="en-US" dirty="0">
+              <a:solidFill>
+                <a:schemeClr val="tx1"/>
+              </a:solidFill>
+            </a:endParaRPr>
+          </a:p>
+        </p:txBody>
+      </p:sp>
+    </p:spTree>
+    <p:extLst>
+      <p:ext uri="{BB962C8B-B14F-4D97-AF65-F5344CB8AC3E}">
+        <p14:creationId xmlns:p14="http://schemas.microsoft.com/office/powerpoint/2010/main" val="3087773559"/>
+      </p:ext>
+    </p:extLst>
+  </p:cSld>
+  <p:clrMapOvr>
+    <a:masterClrMapping/>
+  </p:clrMapOvr>
+</p:sld>
+</file>
+
+<file path=ppt/slides/slide3.xml><?xml version="1.0" encoding="utf-8"?>
 <p:sld xmlns:a="http://schemas.openxmlformats.org/drawingml/2006/main" xmlns:r="http://schemas.openxmlformats.org/officeDocument/2006/relationships" xmlns:p="http://schemas.openxmlformats.org/presentationml/2006/main">
   <p:cSld>
     <p:spTree>
@@ -10918,6 +11390,76 @@
           </a:p>
         </p:txBody>
       </p:sp>
+      <p:sp>
+        <p:nvSpPr>
+          <p:cNvPr id="3" name="TextBox 2">
+            <a:extLst>
+              <a:ext uri="{FF2B5EF4-FFF2-40B4-BE49-F238E27FC236}">
+                <a16:creationId xmlns:a16="http://schemas.microsoft.com/office/drawing/2014/main" id="{6FCF5E81-5F3D-4132-8E64-849064A018B4}"/>
+              </a:ext>
+            </a:extLst>
+          </p:cNvPr>
+          <p:cNvSpPr txBox="1"/>
+          <p:nvPr/>
+        </p:nvSpPr>
+        <p:spPr>
+          <a:xfrm>
+            <a:off x="1782618" y="5953375"/>
+            <a:ext cx="714704" cy="369332"/>
+          </a:xfrm>
+          <a:prstGeom prst="rect">
+            <a:avLst/>
+          </a:prstGeom>
+          <a:noFill/>
+        </p:spPr>
+        <p:txBody>
+          <a:bodyPr wrap="square" rtlCol="0">
+            <a:spAutoFit/>
+          </a:bodyPr>
+          <a:lstStyle/>
+          <a:p>
+            <a:r>
+              <a:rPr lang="en-US" dirty="0"/>
+              <a:t>A</a:t>
+            </a:r>
+          </a:p>
+        </p:txBody>
+      </p:sp>
+      <p:sp>
+        <p:nvSpPr>
+          <p:cNvPr id="19" name="TextBox 18">
+            <a:extLst>
+              <a:ext uri="{FF2B5EF4-FFF2-40B4-BE49-F238E27FC236}">
+                <a16:creationId xmlns:a16="http://schemas.microsoft.com/office/drawing/2014/main" id="{F5CA8DEB-10F2-44D6-AC50-1A54B561F122}"/>
+              </a:ext>
+            </a:extLst>
+          </p:cNvPr>
+          <p:cNvSpPr txBox="1"/>
+          <p:nvPr/>
+        </p:nvSpPr>
+        <p:spPr>
+          <a:xfrm>
+            <a:off x="7096933" y="5953375"/>
+            <a:ext cx="714704" cy="369332"/>
+          </a:xfrm>
+          <a:prstGeom prst="rect">
+            <a:avLst/>
+          </a:prstGeom>
+          <a:noFill/>
+        </p:spPr>
+        <p:txBody>
+          <a:bodyPr wrap="square" rtlCol="0">
+            <a:spAutoFit/>
+          </a:bodyPr>
+          <a:lstStyle/>
+          <a:p>
+            <a:r>
+              <a:rPr lang="en-US" dirty="0"/>
+              <a:t>A*</a:t>
+            </a:r>
+          </a:p>
+        </p:txBody>
+      </p:sp>
     </p:spTree>
     <p:extLst>
       <p:ext uri="{BB962C8B-B14F-4D97-AF65-F5344CB8AC3E}">
@@ -10931,7 +11473,7 @@
 </p:sld>
 </file>
 
-<file path=ppt/slides/slide3.xml><?xml version="1.0" encoding="utf-8"?>
+<file path=ppt/slides/slide4.xml><?xml version="1.0" encoding="utf-8"?>
 <p:sld xmlns:a="http://schemas.openxmlformats.org/drawingml/2006/main" xmlns:r="http://schemas.openxmlformats.org/officeDocument/2006/relationships" xmlns:p="http://schemas.openxmlformats.org/presentationml/2006/main">
   <p:cSld>
     <p:spTree>
@@ -11102,7 +11644,7 @@
 </p:sld>
 </file>
 
-<file path=ppt/slides/slide4.xml><?xml version="1.0" encoding="utf-8"?>
+<file path=ppt/slides/slide5.xml><?xml version="1.0" encoding="utf-8"?>
 <p:sld xmlns:a="http://schemas.openxmlformats.org/drawingml/2006/main" xmlns:r="http://schemas.openxmlformats.org/officeDocument/2006/relationships" xmlns:p="http://schemas.openxmlformats.org/presentationml/2006/main">
   <p:cSld>
     <p:spTree>
@@ -11657,7 +12199,7 @@
 </p:sld>
 </file>
 
-<file path=ppt/slides/slide5.xml><?xml version="1.0" encoding="utf-8"?>
+<file path=ppt/slides/slide6.xml><?xml version="1.0" encoding="utf-8"?>
 <p:sld xmlns:a="http://schemas.openxmlformats.org/drawingml/2006/main" xmlns:r="http://schemas.openxmlformats.org/officeDocument/2006/relationships" xmlns:p="http://schemas.openxmlformats.org/presentationml/2006/main">
   <p:cSld>
     <p:spTree>
@@ -11828,7 +12370,7 @@
 </p:sld>
 </file>
 
-<file path=ppt/slides/slide6.xml><?xml version="1.0" encoding="utf-8"?>
+<file path=ppt/slides/slide7.xml><?xml version="1.0" encoding="utf-8"?>
 <p:sld xmlns:a="http://schemas.openxmlformats.org/drawingml/2006/main" xmlns:r="http://schemas.openxmlformats.org/officeDocument/2006/relationships" xmlns:p="http://schemas.openxmlformats.org/presentationml/2006/main">
   <p:cSld>
     <p:spTree>
@@ -12014,7 +12556,7 @@
 </p:sld>
 </file>
 
-<file path=ppt/slides/slide7.xml><?xml version="1.0" encoding="utf-8"?>
+<file path=ppt/slides/slide8.xml><?xml version="1.0" encoding="utf-8"?>
 <p:sld xmlns:a="http://schemas.openxmlformats.org/drawingml/2006/main" xmlns:r="http://schemas.openxmlformats.org/officeDocument/2006/relationships" xmlns:p="http://schemas.openxmlformats.org/presentationml/2006/main">
   <p:cSld>
     <p:spTree>
@@ -16420,7 +16962,7 @@
 </p:sld>
 </file>
 
-<file path=ppt/slides/slide8.xml><?xml version="1.0" encoding="utf-8"?>
+<file path=ppt/slides/slide9.xml><?xml version="1.0" encoding="utf-8"?>
 <p:sld xmlns:a="http://schemas.openxmlformats.org/drawingml/2006/main" xmlns:r="http://schemas.openxmlformats.org/officeDocument/2006/relationships" xmlns:p="http://schemas.openxmlformats.org/presentationml/2006/main">
   <p:cSld>
     <p:spTree>
@@ -16582,258 +17124,6 @@
     <p:extLst>
       <p:ext uri="{BB962C8B-B14F-4D97-AF65-F5344CB8AC3E}">
         <p14:creationId xmlns:p14="http://schemas.microsoft.com/office/powerpoint/2010/main" val="2731102270"/>
-      </p:ext>
-    </p:extLst>
-  </p:cSld>
-  <p:clrMapOvr>
-    <a:masterClrMapping/>
-  </p:clrMapOvr>
-</p:sld>
-</file>
-
-<file path=ppt/slides/slide9.xml><?xml version="1.0" encoding="utf-8"?>
-<p:sld xmlns:a="http://schemas.openxmlformats.org/drawingml/2006/main" xmlns:r="http://schemas.openxmlformats.org/officeDocument/2006/relationships" xmlns:p="http://schemas.openxmlformats.org/presentationml/2006/main">
-  <p:cSld>
-    <p:spTree>
-      <p:nvGrpSpPr>
-        <p:cNvPr id="1" name=""/>
-        <p:cNvGrpSpPr/>
-        <p:nvPr/>
-      </p:nvGrpSpPr>
-      <p:grpSpPr>
-        <a:xfrm>
-          <a:off x="0" y="0"/>
-          <a:ext cx="0" cy="0"/>
-          <a:chOff x="0" y="0"/>
-          <a:chExt cx="0" cy="0"/>
-        </a:xfrm>
-      </p:grpSpPr>
-      <p:sp>
-        <p:nvSpPr>
-          <p:cNvPr id="4" name="Заголовок 1">
-            <a:extLst>
-              <a:ext uri="{FF2B5EF4-FFF2-40B4-BE49-F238E27FC236}">
-                <a16:creationId xmlns:a16="http://schemas.microsoft.com/office/drawing/2014/main" id="{F8243150-867F-42C4-B527-2FA91B461363}"/>
-              </a:ext>
-            </a:extLst>
-          </p:cNvPr>
-          <p:cNvSpPr txBox="1">
-            <a:spLocks/>
-          </p:cNvSpPr>
-          <p:nvPr/>
-        </p:nvSpPr>
-        <p:spPr>
-          <a:xfrm>
-            <a:off x="233328" y="238379"/>
-            <a:ext cx="9081856" cy="747042"/>
-          </a:xfrm>
-          <a:prstGeom prst="rect">
-            <a:avLst/>
-          </a:prstGeom>
-        </p:spPr>
-        <p:txBody>
-          <a:bodyPr vert="horz" lIns="91440" tIns="45720" rIns="91440" bIns="45720" rtlCol="0" anchor="t">
-            <a:normAutofit/>
-          </a:bodyPr>
-          <a:lstStyle>
-            <a:lvl1pPr algn="l" defTabSz="457200" rtl="0" eaLnBrk="1" latinLnBrk="0" hangingPunct="1">
-              <a:spcBef>
-                <a:spcPct val="0"/>
-              </a:spcBef>
-              <a:buNone/>
-              <a:defRPr sz="3600" kern="1200">
-                <a:solidFill>
-                  <a:schemeClr val="accent1"/>
-                </a:solidFill>
-                <a:latin typeface="+mj-lt"/>
-                <a:ea typeface="+mj-ea"/>
-                <a:cs typeface="+mj-cs"/>
-              </a:defRPr>
-            </a:lvl1pPr>
-            <a:lvl2pPr eaLnBrk="1" hangingPunct="1">
-              <a:defRPr>
-                <a:solidFill>
-                  <a:schemeClr val="tx2"/>
-                </a:solidFill>
-              </a:defRPr>
-            </a:lvl2pPr>
-            <a:lvl3pPr eaLnBrk="1" hangingPunct="1">
-              <a:defRPr>
-                <a:solidFill>
-                  <a:schemeClr val="tx2"/>
-                </a:solidFill>
-              </a:defRPr>
-            </a:lvl3pPr>
-            <a:lvl4pPr eaLnBrk="1" hangingPunct="1">
-              <a:defRPr>
-                <a:solidFill>
-                  <a:schemeClr val="tx2"/>
-                </a:solidFill>
-              </a:defRPr>
-            </a:lvl4pPr>
-            <a:lvl5pPr eaLnBrk="1" hangingPunct="1">
-              <a:defRPr>
-                <a:solidFill>
-                  <a:schemeClr val="tx2"/>
-                </a:solidFill>
-              </a:defRPr>
-            </a:lvl5pPr>
-            <a:lvl6pPr eaLnBrk="1" hangingPunct="1">
-              <a:defRPr>
-                <a:solidFill>
-                  <a:schemeClr val="tx2"/>
-                </a:solidFill>
-              </a:defRPr>
-            </a:lvl6pPr>
-            <a:lvl7pPr eaLnBrk="1" hangingPunct="1">
-              <a:defRPr>
-                <a:solidFill>
-                  <a:schemeClr val="tx2"/>
-                </a:solidFill>
-              </a:defRPr>
-            </a:lvl7pPr>
-            <a:lvl8pPr eaLnBrk="1" hangingPunct="1">
-              <a:defRPr>
-                <a:solidFill>
-                  <a:schemeClr val="tx2"/>
-                </a:solidFill>
-              </a:defRPr>
-            </a:lvl8pPr>
-            <a:lvl9pPr eaLnBrk="1" hangingPunct="1">
-              <a:defRPr>
-                <a:solidFill>
-                  <a:schemeClr val="tx2"/>
-                </a:solidFill>
-              </a:defRPr>
-            </a:lvl9pPr>
-          </a:lstStyle>
-          <a:p>
-            <a:r>
-              <a:rPr lang="uk-UA" dirty="0">
-                <a:solidFill>
-                  <a:srgbClr val="0070C0"/>
-                </a:solidFill>
-              </a:rPr>
-              <a:t>Метод кластеризації </a:t>
-            </a:r>
-            <a:r>
-              <a:rPr lang="en-US" dirty="0">
-                <a:solidFill>
-                  <a:srgbClr val="0070C0"/>
-                </a:solidFill>
-              </a:rPr>
-              <a:t>k-means</a:t>
-            </a:r>
-            <a:r>
-              <a:rPr lang="uk-UA" dirty="0">
-                <a:solidFill>
-                  <a:srgbClr val="0070C0"/>
-                </a:solidFill>
-              </a:rPr>
-              <a:t> </a:t>
-            </a:r>
-          </a:p>
-        </p:txBody>
-      </p:sp>
-      <p:sp>
-        <p:nvSpPr>
-          <p:cNvPr id="8" name="TextBox 7">
-            <a:extLst>
-              <a:ext uri="{FF2B5EF4-FFF2-40B4-BE49-F238E27FC236}">
-                <a16:creationId xmlns:a16="http://schemas.microsoft.com/office/drawing/2014/main" id="{18852229-13C1-495A-8A2F-9EFD183EDC50}"/>
-              </a:ext>
-            </a:extLst>
-          </p:cNvPr>
-          <p:cNvSpPr txBox="1"/>
-          <p:nvPr/>
-        </p:nvSpPr>
-        <p:spPr>
-          <a:xfrm>
-            <a:off x="633613" y="3397417"/>
-            <a:ext cx="8491492" cy="2805833"/>
-          </a:xfrm>
-          <a:prstGeom prst="rect">
-            <a:avLst/>
-          </a:prstGeom>
-          <a:noFill/>
-        </p:spPr>
-        <p:txBody>
-          <a:bodyPr wrap="square">
-            <a:spAutoFit/>
-          </a:bodyPr>
-          <a:lstStyle/>
-          <a:p>
-            <a:pPr algn="just">
-              <a:lnSpc>
-                <a:spcPct val="150000"/>
-              </a:lnSpc>
-            </a:pPr>
-            <a:r>
-              <a:rPr lang="uk-UA" sz="2000" dirty="0"/>
-              <a:t>	</a:t>
-            </a:r>
-            <a:r>
-              <a:rPr lang="en-US" sz="2000" dirty="0"/>
-              <a:t>k-means (</a:t>
-            </a:r>
-            <a:r>
-              <a:rPr lang="uk-UA" sz="2000" dirty="0"/>
-              <a:t>k-середніх</a:t>
-            </a:r>
-            <a:r>
-              <a:rPr lang="en-US" sz="2000" dirty="0"/>
-              <a:t>)</a:t>
-            </a:r>
-            <a:r>
-              <a:rPr lang="uk-UA" sz="2000" dirty="0"/>
-              <a:t> – це популярний алгоритм кластеризації на основі </a:t>
-            </a:r>
-            <a:r>
-              <a:rPr lang="uk-UA" sz="2000" dirty="0" err="1"/>
-              <a:t>центроїдів</a:t>
-            </a:r>
-            <a:r>
-              <a:rPr lang="uk-UA" sz="2000" dirty="0"/>
-              <a:t>, який розділяє дані представлені у вигляді точок на k кластерів, кожен із яких має майже рівну кількість цих точок. Ідея цього алгоритму кластеризації полягає в тому, щоб знайти k центроїд, де кожна точка з набору даних буде належати будь-якій з k-множин, що мають мінімальну евклідову відстань.</a:t>
-            </a:r>
-            <a:endParaRPr lang="en-US" sz="2000" dirty="0"/>
-          </a:p>
-        </p:txBody>
-      </p:sp>
-      <p:pic>
-        <p:nvPicPr>
-          <p:cNvPr id="3" name="Рисунок 2">
-            <a:extLst>
-              <a:ext uri="{FF2B5EF4-FFF2-40B4-BE49-F238E27FC236}">
-                <a16:creationId xmlns:a16="http://schemas.microsoft.com/office/drawing/2014/main" id="{BDE06C2A-039D-4BBA-91E7-B41E4E92A0BC}"/>
-              </a:ext>
-            </a:extLst>
-          </p:cNvPr>
-          <p:cNvPicPr>
-            <a:picLocks noChangeAspect="1"/>
-          </p:cNvPicPr>
-          <p:nvPr/>
-        </p:nvPicPr>
-        <p:blipFill>
-          <a:blip r:embed="rId3"/>
-          <a:stretch>
-            <a:fillRect/>
-          </a:stretch>
-        </p:blipFill>
-        <p:spPr>
-          <a:xfrm>
-            <a:off x="443535" y="1272830"/>
-            <a:ext cx="8681570" cy="1837178"/>
-          </a:xfrm>
-          <a:prstGeom prst="rect">
-            <a:avLst/>
-          </a:prstGeom>
-        </p:spPr>
-      </p:pic>
-    </p:spTree>
-    <p:extLst>
-      <p:ext uri="{BB962C8B-B14F-4D97-AF65-F5344CB8AC3E}">
-        <p14:creationId xmlns:p14="http://schemas.microsoft.com/office/powerpoint/2010/main" val="1861416559"/>
       </p:ext>
     </p:extLst>
   </p:cSld>

--- a/Documents/Зелінський_Олександр.pptx
+++ b/Documents/Зелінський_Олександр.pptx
@@ -220,7 +220,7 @@
           <a:p>
             <a:fld id="{586FF3FF-D377-4670-B4E0-8859B8BB81C2}" type="datetimeFigureOut">
               <a:rPr lang="en-US" smtClean="0"/>
-              <a:t>4/15/2022</a:t>
+              <a:t>4/23/2022</a:t>
             </a:fld>
             <a:endParaRPr lang="en-US"/>
           </a:p>
@@ -1597,7 +1597,7 @@
           <a:p>
             <a:fld id="{716955FD-5218-4B18-8B2D-05970B9A6621}" type="datetimeFigureOut">
               <a:rPr lang="en-US" smtClean="0"/>
-              <a:t>4/15/2022</a:t>
+              <a:t>4/23/2022</a:t>
             </a:fld>
             <a:endParaRPr lang="en-US"/>
           </a:p>
@@ -1848,7 +1848,7 @@
           <a:p>
             <a:fld id="{716955FD-5218-4B18-8B2D-05970B9A6621}" type="datetimeFigureOut">
               <a:rPr lang="en-US" smtClean="0"/>
-              <a:t>4/15/2022</a:t>
+              <a:t>4/23/2022</a:t>
             </a:fld>
             <a:endParaRPr lang="en-US"/>
           </a:p>
@@ -2162,7 +2162,7 @@
           <a:p>
             <a:fld id="{716955FD-5218-4B18-8B2D-05970B9A6621}" type="datetimeFigureOut">
               <a:rPr lang="en-US" smtClean="0"/>
-              <a:t>4/15/2022</a:t>
+              <a:t>4/23/2022</a:t>
             </a:fld>
             <a:endParaRPr lang="en-US"/>
           </a:p>
@@ -2495,7 +2495,7 @@
           <a:p>
             <a:fld id="{716955FD-5218-4B18-8B2D-05970B9A6621}" type="datetimeFigureOut">
               <a:rPr lang="en-US" smtClean="0"/>
-              <a:t>4/15/2022</a:t>
+              <a:t>4/23/2022</a:t>
             </a:fld>
             <a:endParaRPr lang="en-US"/>
           </a:p>
@@ -2809,7 +2809,7 @@
           <a:p>
             <a:fld id="{716955FD-5218-4B18-8B2D-05970B9A6621}" type="datetimeFigureOut">
               <a:rPr lang="en-US" smtClean="0"/>
-              <a:t>4/15/2022</a:t>
+              <a:t>4/23/2022</a:t>
             </a:fld>
             <a:endParaRPr lang="en-US"/>
           </a:p>
@@ -3202,7 +3202,7 @@
           <a:p>
             <a:fld id="{716955FD-5218-4B18-8B2D-05970B9A6621}" type="datetimeFigureOut">
               <a:rPr lang="en-US" smtClean="0"/>
-              <a:t>4/15/2022</a:t>
+              <a:t>4/23/2022</a:t>
             </a:fld>
             <a:endParaRPr lang="en-US"/>
           </a:p>
@@ -3372,7 +3372,7 @@
           <a:p>
             <a:fld id="{716955FD-5218-4B18-8B2D-05970B9A6621}" type="datetimeFigureOut">
               <a:rPr lang="en-US" smtClean="0"/>
-              <a:t>4/15/2022</a:t>
+              <a:t>4/23/2022</a:t>
             </a:fld>
             <a:endParaRPr lang="en-US"/>
           </a:p>
@@ -3552,7 +3552,7 @@
           <a:p>
             <a:fld id="{716955FD-5218-4B18-8B2D-05970B9A6621}" type="datetimeFigureOut">
               <a:rPr lang="en-US" smtClean="0"/>
-              <a:t>4/15/2022</a:t>
+              <a:t>4/23/2022</a:t>
             </a:fld>
             <a:endParaRPr lang="en-US"/>
           </a:p>
@@ -3722,7 +3722,7 @@
           <a:p>
             <a:fld id="{716955FD-5218-4B18-8B2D-05970B9A6621}" type="datetimeFigureOut">
               <a:rPr lang="en-US" smtClean="0"/>
-              <a:t>4/15/2022</a:t>
+              <a:t>4/23/2022</a:t>
             </a:fld>
             <a:endParaRPr lang="en-US"/>
           </a:p>
@@ -3969,7 +3969,7 @@
           <a:p>
             <a:fld id="{716955FD-5218-4B18-8B2D-05970B9A6621}" type="datetimeFigureOut">
               <a:rPr lang="en-US" smtClean="0"/>
-              <a:t>4/15/2022</a:t>
+              <a:t>4/23/2022</a:t>
             </a:fld>
             <a:endParaRPr lang="en-US"/>
           </a:p>
@@ -4201,7 +4201,7 @@
           <a:p>
             <a:fld id="{716955FD-5218-4B18-8B2D-05970B9A6621}" type="datetimeFigureOut">
               <a:rPr lang="en-US" smtClean="0"/>
-              <a:t>4/15/2022</a:t>
+              <a:t>4/23/2022</a:t>
             </a:fld>
             <a:endParaRPr lang="en-US"/>
           </a:p>
@@ -4575,7 +4575,7 @@
           <a:p>
             <a:fld id="{716955FD-5218-4B18-8B2D-05970B9A6621}" type="datetimeFigureOut">
               <a:rPr lang="en-US" smtClean="0"/>
-              <a:t>4/15/2022</a:t>
+              <a:t>4/23/2022</a:t>
             </a:fld>
             <a:endParaRPr lang="en-US"/>
           </a:p>
@@ -4698,7 +4698,7 @@
           <a:p>
             <a:fld id="{716955FD-5218-4B18-8B2D-05970B9A6621}" type="datetimeFigureOut">
               <a:rPr lang="en-US" smtClean="0"/>
-              <a:t>4/15/2022</a:t>
+              <a:t>4/23/2022</a:t>
             </a:fld>
             <a:endParaRPr lang="en-US"/>
           </a:p>
@@ -4793,7 +4793,7 @@
           <a:p>
             <a:fld id="{716955FD-5218-4B18-8B2D-05970B9A6621}" type="datetimeFigureOut">
               <a:rPr lang="en-US" smtClean="0"/>
-              <a:t>4/15/2022</a:t>
+              <a:t>4/23/2022</a:t>
             </a:fld>
             <a:endParaRPr lang="en-US"/>
           </a:p>
@@ -5048,7 +5048,7 @@
           <a:p>
             <a:fld id="{716955FD-5218-4B18-8B2D-05970B9A6621}" type="datetimeFigureOut">
               <a:rPr lang="en-US" smtClean="0"/>
-              <a:t>4/15/2022</a:t>
+              <a:t>4/23/2022</a:t>
             </a:fld>
             <a:endParaRPr lang="en-US"/>
           </a:p>
@@ -5353,7 +5353,7 @@
           <a:p>
             <a:fld id="{716955FD-5218-4B18-8B2D-05970B9A6621}" type="datetimeFigureOut">
               <a:rPr lang="en-US" smtClean="0"/>
-              <a:t>4/15/2022</a:t>
+              <a:t>4/23/2022</a:t>
             </a:fld>
             <a:endParaRPr lang="en-US"/>
           </a:p>
@@ -6055,7 +6055,7 @@
           <a:p>
             <a:fld id="{716955FD-5218-4B18-8B2D-05970B9A6621}" type="datetimeFigureOut">
               <a:rPr lang="en-US" smtClean="0"/>
-              <a:t>4/15/2022</a:t>
+              <a:t>4/23/2022</a:t>
             </a:fld>
             <a:endParaRPr lang="en-US"/>
           </a:p>
@@ -8275,7 +8275,7 @@
         </p:blipFill>
         <p:spPr>
           <a:xfrm>
-            <a:off x="2112580" y="3085454"/>
+            <a:off x="1040524" y="3104399"/>
             <a:ext cx="5206566" cy="3439570"/>
           </a:xfrm>
           <a:prstGeom prst="rect">
@@ -8355,6 +8355,276 @@
           </a:p>
         </p:txBody>
       </p:sp>
+      <mc:AlternateContent xmlns:mc="http://schemas.openxmlformats.org/markup-compatibility/2006">
+        <mc:Choice xmlns:a14="http://schemas.microsoft.com/office/drawing/2010/main" Requires="a14">
+          <p:sp>
+            <p:nvSpPr>
+              <p:cNvPr id="7" name="TextBox 6">
+                <a:extLst>
+                  <a:ext uri="{FF2B5EF4-FFF2-40B4-BE49-F238E27FC236}">
+                    <a16:creationId xmlns:a16="http://schemas.microsoft.com/office/drawing/2014/main" id="{CAEE27C6-95F6-4D6E-8481-C8A2F1C0C5F9}"/>
+                  </a:ext>
+                </a:extLst>
+              </p:cNvPr>
+              <p:cNvSpPr txBox="1"/>
+              <p:nvPr/>
+            </p:nvSpPr>
+            <p:spPr>
+              <a:xfrm>
+                <a:off x="6358758" y="4136704"/>
+                <a:ext cx="3155730" cy="908197"/>
+              </a:xfrm>
+              <a:prstGeom prst="rect">
+                <a:avLst/>
+              </a:prstGeom>
+              <a:noFill/>
+            </p:spPr>
+            <p:txBody>
+              <a:bodyPr wrap="square">
+                <a:spAutoFit/>
+              </a:bodyPr>
+              <a:lstStyle/>
+              <a:p>
+                <a:pPr/>
+                <a14:m>
+                  <m:oMathPara xmlns:m="http://schemas.openxmlformats.org/officeDocument/2006/math">
+                    <m:oMathParaPr>
+                      <m:jc m:val="centerGroup"/>
+                    </m:oMathParaPr>
+                    <m:oMath xmlns:m="http://schemas.openxmlformats.org/officeDocument/2006/math">
+                      <m:r>
+                        <a:rPr lang="en-US" i="1" smtClean="0">
+                          <a:latin typeface="Cambria Math" panose="02040503050406030204" pitchFamily="18" charset="0"/>
+                        </a:rPr>
+                        <m:t>𝑊𝐶𝐷</m:t>
+                      </m:r>
+                      <m:r>
+                        <a:rPr lang="en-US" i="0">
+                          <a:latin typeface="Cambria Math" panose="02040503050406030204" pitchFamily="18" charset="0"/>
+                        </a:rPr>
+                        <m:t>=</m:t>
+                      </m:r>
+                      <m:nary>
+                        <m:naryPr>
+                          <m:chr m:val="∑"/>
+                          <m:limLoc m:val="undOvr"/>
+                          <m:ctrlPr>
+                            <a:rPr lang="en-US" i="1">
+                              <a:latin typeface="Cambria Math" panose="02040503050406030204" pitchFamily="18" charset="0"/>
+                            </a:rPr>
+                          </m:ctrlPr>
+                        </m:naryPr>
+                        <m:sub>
+                          <m:r>
+                            <a:rPr lang="en-US" i="1">
+                              <a:latin typeface="Cambria Math" panose="02040503050406030204" pitchFamily="18" charset="0"/>
+                            </a:rPr>
+                            <m:t>𝑗</m:t>
+                          </m:r>
+                          <m:r>
+                            <a:rPr lang="en-US" i="0">
+                              <a:latin typeface="Cambria Math" panose="02040503050406030204" pitchFamily="18" charset="0"/>
+                            </a:rPr>
+                            <m:t>=1</m:t>
+                          </m:r>
+                        </m:sub>
+                        <m:sup>
+                          <m:r>
+                            <a:rPr lang="en-US" i="1">
+                              <a:latin typeface="Cambria Math" panose="02040503050406030204" pitchFamily="18" charset="0"/>
+                            </a:rPr>
+                            <m:t>𝑘</m:t>
+                          </m:r>
+                        </m:sup>
+                        <m:e>
+                          <m:nary>
+                            <m:naryPr>
+                              <m:chr m:val="∑"/>
+                              <m:limLoc m:val="undOvr"/>
+                              <m:ctrlPr>
+                                <a:rPr lang="en-US" i="1">
+                                  <a:latin typeface="Cambria Math" panose="02040503050406030204" pitchFamily="18" charset="0"/>
+                                </a:rPr>
+                              </m:ctrlPr>
+                            </m:naryPr>
+                            <m:sub>
+                              <m:r>
+                                <a:rPr lang="en-US" i="1">
+                                  <a:latin typeface="Cambria Math" panose="02040503050406030204" pitchFamily="18" charset="0"/>
+                                </a:rPr>
+                                <m:t>𝑖</m:t>
+                              </m:r>
+                              <m:r>
+                                <a:rPr lang="en-US" i="0">
+                                  <a:latin typeface="Cambria Math" panose="02040503050406030204" pitchFamily="18" charset="0"/>
+                                </a:rPr>
+                                <m:t>=1</m:t>
+                              </m:r>
+                            </m:sub>
+                            <m:sup>
+                              <m:r>
+                                <a:rPr lang="en-US" i="1">
+                                  <a:latin typeface="Cambria Math" panose="02040503050406030204" pitchFamily="18" charset="0"/>
+                                </a:rPr>
+                                <m:t>𝑚</m:t>
+                              </m:r>
+                            </m:sup>
+                            <m:e>
+                              <m:sSub>
+                                <m:sSubPr>
+                                  <m:ctrlPr>
+                                    <a:rPr lang="en-US" i="1">
+                                      <a:solidFill>
+                                        <a:srgbClr val="836967"/>
+                                      </a:solidFill>
+                                      <a:latin typeface="Cambria Math" panose="02040503050406030204" pitchFamily="18" charset="0"/>
+                                    </a:rPr>
+                                  </m:ctrlPr>
+                                </m:sSubPr>
+                                <m:e>
+                                  <m:r>
+                                    <a:rPr lang="en-US" i="1">
+                                      <a:latin typeface="Cambria Math" panose="02040503050406030204" pitchFamily="18" charset="0"/>
+                                    </a:rPr>
+                                    <m:t>𝑑</m:t>
+                                  </m:r>
+                                </m:e>
+                                <m:sub>
+                                  <m:r>
+                                    <a:rPr lang="en-US" i="0">
+                                      <a:latin typeface="Cambria Math" panose="02040503050406030204" pitchFamily="18" charset="0"/>
+                                    </a:rPr>
+                                    <m:t>1</m:t>
+                                  </m:r>
+                                </m:sub>
+                              </m:sSub>
+                              <m:d>
+                                <m:dPr>
+                                  <m:sepChr m:val=","/>
+                                  <m:ctrlPr>
+                                    <a:rPr lang="en-US" i="1">
+                                      <a:latin typeface="Cambria Math" panose="02040503050406030204" pitchFamily="18" charset="0"/>
+                                    </a:rPr>
+                                  </m:ctrlPr>
+                                </m:dPr>
+                                <m:e>
+                                  <m:sSub>
+                                    <m:sSubPr>
+                                      <m:ctrlPr>
+                                        <a:rPr lang="en-US" i="1">
+                                          <a:solidFill>
+                                            <a:srgbClr val="836967"/>
+                                          </a:solidFill>
+                                          <a:latin typeface="Cambria Math" panose="02040503050406030204" pitchFamily="18" charset="0"/>
+                                        </a:rPr>
+                                      </m:ctrlPr>
+                                    </m:sSubPr>
+                                    <m:e>
+                                      <m:r>
+                                        <a:rPr lang="en-US" i="1">
+                                          <a:latin typeface="Cambria Math" panose="02040503050406030204" pitchFamily="18" charset="0"/>
+                                        </a:rPr>
+                                        <m:t>𝑥</m:t>
+                                      </m:r>
+                                    </m:e>
+                                    <m:sub>
+                                      <m:r>
+                                        <a:rPr lang="en-US" i="1">
+                                          <a:latin typeface="Cambria Math" panose="02040503050406030204" pitchFamily="18" charset="0"/>
+                                        </a:rPr>
+                                        <m:t>𝑖</m:t>
+                                      </m:r>
+                                    </m:sub>
+                                  </m:sSub>
+                                </m:e>
+                                <m:e>
+                                  <m:sSub>
+                                    <m:sSubPr>
+                                      <m:ctrlPr>
+                                        <a:rPr lang="en-US" i="1">
+                                          <a:solidFill>
+                                            <a:srgbClr val="836967"/>
+                                          </a:solidFill>
+                                          <a:latin typeface="Cambria Math" panose="02040503050406030204" pitchFamily="18" charset="0"/>
+                                        </a:rPr>
+                                      </m:ctrlPr>
+                                    </m:sSubPr>
+                                    <m:e>
+                                      <m:r>
+                                        <a:rPr lang="en-US" i="1">
+                                          <a:latin typeface="Cambria Math" panose="02040503050406030204" pitchFamily="18" charset="0"/>
+                                        </a:rPr>
+                                        <m:t>𝑦</m:t>
+                                      </m:r>
+                                    </m:e>
+                                    <m:sub>
+                                      <m:r>
+                                        <a:rPr lang="en-US" i="1">
+                                          <a:latin typeface="Cambria Math" panose="02040503050406030204" pitchFamily="18" charset="0"/>
+                                        </a:rPr>
+                                        <m:t>𝑐</m:t>
+                                      </m:r>
+                                    </m:sub>
+                                  </m:sSub>
+                                </m:e>
+                              </m:d>
+                            </m:e>
+                          </m:nary>
+                        </m:e>
+                      </m:nary>
+                    </m:oMath>
+                  </m:oMathPara>
+                </a14:m>
+                <a:endParaRPr lang="en-US" dirty="0"/>
+              </a:p>
+            </p:txBody>
+          </p:sp>
+        </mc:Choice>
+        <mc:Fallback>
+          <p:sp>
+            <p:nvSpPr>
+              <p:cNvPr id="7" name="TextBox 6">
+                <a:extLst>
+                  <a:ext uri="{FF2B5EF4-FFF2-40B4-BE49-F238E27FC236}">
+                    <a16:creationId xmlns:a16="http://schemas.microsoft.com/office/drawing/2014/main" id="{CAEE27C6-95F6-4D6E-8481-C8A2F1C0C5F9}"/>
+                  </a:ext>
+                </a:extLst>
+              </p:cNvPr>
+              <p:cNvSpPr txBox="1">
+                <a:spLocks noRot="1" noChangeAspect="1" noMove="1" noResize="1" noEditPoints="1" noAdjustHandles="1" noChangeArrowheads="1" noChangeShapeType="1" noTextEdit="1"/>
+              </p:cNvSpPr>
+              <p:nvPr/>
+            </p:nvSpPr>
+            <p:spPr>
+              <a:xfrm>
+                <a:off x="6358758" y="4136704"/>
+                <a:ext cx="3155730" cy="908197"/>
+              </a:xfrm>
+              <a:prstGeom prst="rect">
+                <a:avLst/>
+              </a:prstGeom>
+              <a:blipFill>
+                <a:blip r:embed="rId4"/>
+                <a:stretch>
+                  <a:fillRect/>
+                </a:stretch>
+              </a:blipFill>
+            </p:spPr>
+            <p:txBody>
+              <a:bodyPr/>
+              <a:lstStyle/>
+              <a:p>
+                <a:r>
+                  <a:rPr lang="en-US">
+                    <a:noFill/>
+                  </a:rPr>
+                  <a:t> </a:t>
+                </a:r>
+              </a:p>
+            </p:txBody>
+          </p:sp>
+        </mc:Fallback>
+      </mc:AlternateContent>
     </p:spTree>
     <p:extLst>
       <p:ext uri="{BB962C8B-B14F-4D97-AF65-F5344CB8AC3E}">

--- a/Documents/Зелінський_Олександр.pptx
+++ b/Documents/Зелінський_Олександр.pptx
@@ -5,27 +5,26 @@
     <p:sldMasterId id="2147483728" r:id="rId1"/>
   </p:sldMasterIdLst>
   <p:notesMasterIdLst>
-    <p:notesMasterId r:id="rId20"/>
+    <p:notesMasterId r:id="rId19"/>
   </p:notesMasterIdLst>
   <p:sldIdLst>
-    <p:sldId id="256" r:id="rId2"/>
-    <p:sldId id="276" r:id="rId3"/>
-    <p:sldId id="257" r:id="rId4"/>
-    <p:sldId id="260" r:id="rId5"/>
-    <p:sldId id="259" r:id="rId6"/>
-    <p:sldId id="262" r:id="rId7"/>
-    <p:sldId id="263" r:id="rId8"/>
-    <p:sldId id="270" r:id="rId9"/>
-    <p:sldId id="261" r:id="rId10"/>
-    <p:sldId id="271" r:id="rId11"/>
-    <p:sldId id="267" r:id="rId12"/>
-    <p:sldId id="272" r:id="rId13"/>
-    <p:sldId id="264" r:id="rId14"/>
-    <p:sldId id="274" r:id="rId15"/>
-    <p:sldId id="273" r:id="rId16"/>
-    <p:sldId id="275" r:id="rId17"/>
-    <p:sldId id="265" r:id="rId18"/>
-    <p:sldId id="258" r:id="rId19"/>
+    <p:sldId id="276" r:id="rId2"/>
+    <p:sldId id="257" r:id="rId3"/>
+    <p:sldId id="260" r:id="rId4"/>
+    <p:sldId id="259" r:id="rId5"/>
+    <p:sldId id="262" r:id="rId6"/>
+    <p:sldId id="263" r:id="rId7"/>
+    <p:sldId id="270" r:id="rId8"/>
+    <p:sldId id="261" r:id="rId9"/>
+    <p:sldId id="271" r:id="rId10"/>
+    <p:sldId id="267" r:id="rId11"/>
+    <p:sldId id="272" r:id="rId12"/>
+    <p:sldId id="264" r:id="rId13"/>
+    <p:sldId id="274" r:id="rId14"/>
+    <p:sldId id="273" r:id="rId15"/>
+    <p:sldId id="275" r:id="rId16"/>
+    <p:sldId id="265" r:id="rId17"/>
+    <p:sldId id="258" r:id="rId18"/>
   </p:sldIdLst>
   <p:sldSz cx="12192000" cy="6858000"/>
   <p:notesSz cx="6858000" cy="9144000"/>
@@ -220,7 +219,7 @@
           <a:p>
             <a:fld id="{586FF3FF-D377-4670-B4E0-8859B8BB81C2}" type="datetimeFigureOut">
               <a:rPr lang="en-US" smtClean="0"/>
-              <a:t>4/23/2022</a:t>
+              <a:t>5/7/2022</a:t>
             </a:fld>
             <a:endParaRPr lang="en-US"/>
           </a:p>
@@ -553,7 +552,7 @@
           <a:p>
             <a:fld id="{FFFB1F85-1FC8-4A32-B703-46BE2030F80F}" type="slidenum">
               <a:rPr lang="en-US" smtClean="0"/>
-              <a:t>10</a:t>
+              <a:t>9</a:t>
             </a:fld>
             <a:endParaRPr lang="en-US"/>
           </a:p>
@@ -661,7 +660,7 @@
           <a:p>
             <a:fld id="{FFFB1F85-1FC8-4A32-B703-46BE2030F80F}" type="slidenum">
               <a:rPr lang="en-US" smtClean="0"/>
-              <a:t>11</a:t>
+              <a:t>10</a:t>
             </a:fld>
             <a:endParaRPr lang="en-US"/>
           </a:p>
@@ -749,7 +748,7 @@
           <a:p>
             <a:fld id="{FFFB1F85-1FC8-4A32-B703-46BE2030F80F}" type="slidenum">
               <a:rPr lang="en-US" smtClean="0"/>
-              <a:t>12</a:t>
+              <a:t>11</a:t>
             </a:fld>
             <a:endParaRPr lang="en-US"/>
           </a:p>
@@ -833,7 +832,7 @@
           <a:p>
             <a:fld id="{FFFB1F85-1FC8-4A32-B703-46BE2030F80F}" type="slidenum">
               <a:rPr lang="en-US" smtClean="0"/>
-              <a:t>17</a:t>
+              <a:t>16</a:t>
             </a:fld>
             <a:endParaRPr lang="en-US"/>
           </a:p>
@@ -1597,7 +1596,7 @@
           <a:p>
             <a:fld id="{716955FD-5218-4B18-8B2D-05970B9A6621}" type="datetimeFigureOut">
               <a:rPr lang="en-US" smtClean="0"/>
-              <a:t>4/23/2022</a:t>
+              <a:t>5/7/2022</a:t>
             </a:fld>
             <a:endParaRPr lang="en-US"/>
           </a:p>
@@ -1848,7 +1847,7 @@
           <a:p>
             <a:fld id="{716955FD-5218-4B18-8B2D-05970B9A6621}" type="datetimeFigureOut">
               <a:rPr lang="en-US" smtClean="0"/>
-              <a:t>4/23/2022</a:t>
+              <a:t>5/7/2022</a:t>
             </a:fld>
             <a:endParaRPr lang="en-US"/>
           </a:p>
@@ -2162,7 +2161,7 @@
           <a:p>
             <a:fld id="{716955FD-5218-4B18-8B2D-05970B9A6621}" type="datetimeFigureOut">
               <a:rPr lang="en-US" smtClean="0"/>
-              <a:t>4/23/2022</a:t>
+              <a:t>5/7/2022</a:t>
             </a:fld>
             <a:endParaRPr lang="en-US"/>
           </a:p>
@@ -2495,7 +2494,7 @@
           <a:p>
             <a:fld id="{716955FD-5218-4B18-8B2D-05970B9A6621}" type="datetimeFigureOut">
               <a:rPr lang="en-US" smtClean="0"/>
-              <a:t>4/23/2022</a:t>
+              <a:t>5/7/2022</a:t>
             </a:fld>
             <a:endParaRPr lang="en-US"/>
           </a:p>
@@ -2809,7 +2808,7 @@
           <a:p>
             <a:fld id="{716955FD-5218-4B18-8B2D-05970B9A6621}" type="datetimeFigureOut">
               <a:rPr lang="en-US" smtClean="0"/>
-              <a:t>4/23/2022</a:t>
+              <a:t>5/7/2022</a:t>
             </a:fld>
             <a:endParaRPr lang="en-US"/>
           </a:p>
@@ -3202,7 +3201,7 @@
           <a:p>
             <a:fld id="{716955FD-5218-4B18-8B2D-05970B9A6621}" type="datetimeFigureOut">
               <a:rPr lang="en-US" smtClean="0"/>
-              <a:t>4/23/2022</a:t>
+              <a:t>5/7/2022</a:t>
             </a:fld>
             <a:endParaRPr lang="en-US"/>
           </a:p>
@@ -3372,7 +3371,7 @@
           <a:p>
             <a:fld id="{716955FD-5218-4B18-8B2D-05970B9A6621}" type="datetimeFigureOut">
               <a:rPr lang="en-US" smtClean="0"/>
-              <a:t>4/23/2022</a:t>
+              <a:t>5/7/2022</a:t>
             </a:fld>
             <a:endParaRPr lang="en-US"/>
           </a:p>
@@ -3552,7 +3551,7 @@
           <a:p>
             <a:fld id="{716955FD-5218-4B18-8B2D-05970B9A6621}" type="datetimeFigureOut">
               <a:rPr lang="en-US" smtClean="0"/>
-              <a:t>4/23/2022</a:t>
+              <a:t>5/7/2022</a:t>
             </a:fld>
             <a:endParaRPr lang="en-US"/>
           </a:p>
@@ -3722,7 +3721,7 @@
           <a:p>
             <a:fld id="{716955FD-5218-4B18-8B2D-05970B9A6621}" type="datetimeFigureOut">
               <a:rPr lang="en-US" smtClean="0"/>
-              <a:t>4/23/2022</a:t>
+              <a:t>5/7/2022</a:t>
             </a:fld>
             <a:endParaRPr lang="en-US"/>
           </a:p>
@@ -3969,7 +3968,7 @@
           <a:p>
             <a:fld id="{716955FD-5218-4B18-8B2D-05970B9A6621}" type="datetimeFigureOut">
               <a:rPr lang="en-US" smtClean="0"/>
-              <a:t>4/23/2022</a:t>
+              <a:t>5/7/2022</a:t>
             </a:fld>
             <a:endParaRPr lang="en-US"/>
           </a:p>
@@ -4201,7 +4200,7 @@
           <a:p>
             <a:fld id="{716955FD-5218-4B18-8B2D-05970B9A6621}" type="datetimeFigureOut">
               <a:rPr lang="en-US" smtClean="0"/>
-              <a:t>4/23/2022</a:t>
+              <a:t>5/7/2022</a:t>
             </a:fld>
             <a:endParaRPr lang="en-US"/>
           </a:p>
@@ -4575,7 +4574,7 @@
           <a:p>
             <a:fld id="{716955FD-5218-4B18-8B2D-05970B9A6621}" type="datetimeFigureOut">
               <a:rPr lang="en-US" smtClean="0"/>
-              <a:t>4/23/2022</a:t>
+              <a:t>5/7/2022</a:t>
             </a:fld>
             <a:endParaRPr lang="en-US"/>
           </a:p>
@@ -4698,7 +4697,7 @@
           <a:p>
             <a:fld id="{716955FD-5218-4B18-8B2D-05970B9A6621}" type="datetimeFigureOut">
               <a:rPr lang="en-US" smtClean="0"/>
-              <a:t>4/23/2022</a:t>
+              <a:t>5/7/2022</a:t>
             </a:fld>
             <a:endParaRPr lang="en-US"/>
           </a:p>
@@ -4793,7 +4792,7 @@
           <a:p>
             <a:fld id="{716955FD-5218-4B18-8B2D-05970B9A6621}" type="datetimeFigureOut">
               <a:rPr lang="en-US" smtClean="0"/>
-              <a:t>4/23/2022</a:t>
+              <a:t>5/7/2022</a:t>
             </a:fld>
             <a:endParaRPr lang="en-US"/>
           </a:p>
@@ -5048,7 +5047,7 @@
           <a:p>
             <a:fld id="{716955FD-5218-4B18-8B2D-05970B9A6621}" type="datetimeFigureOut">
               <a:rPr lang="en-US" smtClean="0"/>
-              <a:t>4/23/2022</a:t>
+              <a:t>5/7/2022</a:t>
             </a:fld>
             <a:endParaRPr lang="en-US"/>
           </a:p>
@@ -5353,7 +5352,7 @@
           <a:p>
             <a:fld id="{716955FD-5218-4B18-8B2D-05970B9A6621}" type="datetimeFigureOut">
               <a:rPr lang="en-US" smtClean="0"/>
-              <a:t>4/23/2022</a:t>
+              <a:t>5/7/2022</a:t>
             </a:fld>
             <a:endParaRPr lang="en-US"/>
           </a:p>
@@ -6055,7 +6054,7 @@
           <a:p>
             <a:fld id="{716955FD-5218-4B18-8B2D-05970B9A6621}" type="datetimeFigureOut">
               <a:rPr lang="en-US" smtClean="0"/>
-              <a:t>4/23/2022</a:t>
+              <a:t>5/7/2022</a:t>
             </a:fld>
             <a:endParaRPr lang="en-US"/>
           </a:p>
@@ -6563,7 +6562,7 @@
 </file>
 
 <file path=ppt/slides/slide1.xml><?xml version="1.0" encoding="utf-8"?>
-<p:sld xmlns:a="http://schemas.openxmlformats.org/drawingml/2006/main" xmlns:r="http://schemas.openxmlformats.org/officeDocument/2006/relationships" xmlns:p="http://schemas.openxmlformats.org/presentationml/2006/main" show="0">
+<p:sld xmlns:a="http://schemas.openxmlformats.org/drawingml/2006/main" xmlns:r="http://schemas.openxmlformats.org/officeDocument/2006/relationships" xmlns:p="http://schemas.openxmlformats.org/presentationml/2006/main">
   <p:cSld>
     <p:spTree>
       <p:nvGrpSpPr>
@@ -6597,7 +6596,7 @@
         </p:nvSpPr>
         <p:spPr>
           <a:xfrm>
-            <a:off x="1116449" y="2404531"/>
+            <a:off x="1116449" y="2267901"/>
             <a:ext cx="8320514" cy="1646302"/>
           </a:xfrm>
         </p:spPr>
@@ -6607,13 +6606,21 @@
           <a:p>
             <a:pPr algn="ctr"/>
             <a:r>
+              <a:rPr lang="uk-UA" sz="3600" dirty="0">
+                <a:solidFill>
+                  <a:srgbClr val="0070C0"/>
+                </a:solidFill>
+              </a:rPr>
+              <a:t>Розробка системи к</a:t>
+            </a:r>
+            <a:r>
               <a:rPr lang="uk-UA" sz="3600" i="0" dirty="0">
                 <a:solidFill>
                   <a:srgbClr val="0070C0"/>
                 </a:solidFill>
                 <a:effectLst/>
               </a:rPr>
-              <a:t>Схематичне відображення 2D образів точок зв'язування антитіл на вірусному білку</a:t>
+              <a:t>ластеризації антитіл на основі коефіцієнту перехресного зв’язування</a:t>
             </a:r>
             <a:endParaRPr lang="uk-UA" sz="3600" dirty="0">
               <a:solidFill>
@@ -6764,7 +6771,7 @@
     </p:spTree>
     <p:extLst>
       <p:ext uri="{BB962C8B-B14F-4D97-AF65-F5344CB8AC3E}">
-        <p14:creationId xmlns:p14="http://schemas.microsoft.com/office/powerpoint/2010/main" val="1870223237"/>
+        <p14:creationId xmlns:p14="http://schemas.microsoft.com/office/powerpoint/2010/main" val="3087773559"/>
       </p:ext>
     </p:extLst>
   </p:cSld>
@@ -6775,258 +6782,6 @@
 </file>
 
 <file path=ppt/slides/slide10.xml><?xml version="1.0" encoding="utf-8"?>
-<p:sld xmlns:a="http://schemas.openxmlformats.org/drawingml/2006/main" xmlns:r="http://schemas.openxmlformats.org/officeDocument/2006/relationships" xmlns:p="http://schemas.openxmlformats.org/presentationml/2006/main">
-  <p:cSld>
-    <p:spTree>
-      <p:nvGrpSpPr>
-        <p:cNvPr id="1" name=""/>
-        <p:cNvGrpSpPr/>
-        <p:nvPr/>
-      </p:nvGrpSpPr>
-      <p:grpSpPr>
-        <a:xfrm>
-          <a:off x="0" y="0"/>
-          <a:ext cx="0" cy="0"/>
-          <a:chOff x="0" y="0"/>
-          <a:chExt cx="0" cy="0"/>
-        </a:xfrm>
-      </p:grpSpPr>
-      <p:sp>
-        <p:nvSpPr>
-          <p:cNvPr id="4" name="Заголовок 1">
-            <a:extLst>
-              <a:ext uri="{FF2B5EF4-FFF2-40B4-BE49-F238E27FC236}">
-                <a16:creationId xmlns:a16="http://schemas.microsoft.com/office/drawing/2014/main" id="{F8243150-867F-42C4-B527-2FA91B461363}"/>
-              </a:ext>
-            </a:extLst>
-          </p:cNvPr>
-          <p:cNvSpPr txBox="1">
-            <a:spLocks/>
-          </p:cNvSpPr>
-          <p:nvPr/>
-        </p:nvSpPr>
-        <p:spPr>
-          <a:xfrm>
-            <a:off x="233328" y="238379"/>
-            <a:ext cx="9081856" cy="747042"/>
-          </a:xfrm>
-          <a:prstGeom prst="rect">
-            <a:avLst/>
-          </a:prstGeom>
-        </p:spPr>
-        <p:txBody>
-          <a:bodyPr vert="horz" lIns="91440" tIns="45720" rIns="91440" bIns="45720" rtlCol="0" anchor="t">
-            <a:normAutofit/>
-          </a:bodyPr>
-          <a:lstStyle>
-            <a:lvl1pPr algn="l" defTabSz="457200" rtl="0" eaLnBrk="1" latinLnBrk="0" hangingPunct="1">
-              <a:spcBef>
-                <a:spcPct val="0"/>
-              </a:spcBef>
-              <a:buNone/>
-              <a:defRPr sz="3600" kern="1200">
-                <a:solidFill>
-                  <a:schemeClr val="accent1"/>
-                </a:solidFill>
-                <a:latin typeface="+mj-lt"/>
-                <a:ea typeface="+mj-ea"/>
-                <a:cs typeface="+mj-cs"/>
-              </a:defRPr>
-            </a:lvl1pPr>
-            <a:lvl2pPr eaLnBrk="1" hangingPunct="1">
-              <a:defRPr>
-                <a:solidFill>
-                  <a:schemeClr val="tx2"/>
-                </a:solidFill>
-              </a:defRPr>
-            </a:lvl2pPr>
-            <a:lvl3pPr eaLnBrk="1" hangingPunct="1">
-              <a:defRPr>
-                <a:solidFill>
-                  <a:schemeClr val="tx2"/>
-                </a:solidFill>
-              </a:defRPr>
-            </a:lvl3pPr>
-            <a:lvl4pPr eaLnBrk="1" hangingPunct="1">
-              <a:defRPr>
-                <a:solidFill>
-                  <a:schemeClr val="tx2"/>
-                </a:solidFill>
-              </a:defRPr>
-            </a:lvl4pPr>
-            <a:lvl5pPr eaLnBrk="1" hangingPunct="1">
-              <a:defRPr>
-                <a:solidFill>
-                  <a:schemeClr val="tx2"/>
-                </a:solidFill>
-              </a:defRPr>
-            </a:lvl5pPr>
-            <a:lvl6pPr eaLnBrk="1" hangingPunct="1">
-              <a:defRPr>
-                <a:solidFill>
-                  <a:schemeClr val="tx2"/>
-                </a:solidFill>
-              </a:defRPr>
-            </a:lvl6pPr>
-            <a:lvl7pPr eaLnBrk="1" hangingPunct="1">
-              <a:defRPr>
-                <a:solidFill>
-                  <a:schemeClr val="tx2"/>
-                </a:solidFill>
-              </a:defRPr>
-            </a:lvl7pPr>
-            <a:lvl8pPr eaLnBrk="1" hangingPunct="1">
-              <a:defRPr>
-                <a:solidFill>
-                  <a:schemeClr val="tx2"/>
-                </a:solidFill>
-              </a:defRPr>
-            </a:lvl8pPr>
-            <a:lvl9pPr eaLnBrk="1" hangingPunct="1">
-              <a:defRPr>
-                <a:solidFill>
-                  <a:schemeClr val="tx2"/>
-                </a:solidFill>
-              </a:defRPr>
-            </a:lvl9pPr>
-          </a:lstStyle>
-          <a:p>
-            <a:r>
-              <a:rPr lang="uk-UA" dirty="0">
-                <a:solidFill>
-                  <a:srgbClr val="0070C0"/>
-                </a:solidFill>
-              </a:rPr>
-              <a:t>Метод кластеризації </a:t>
-            </a:r>
-            <a:r>
-              <a:rPr lang="en-US" dirty="0">
-                <a:solidFill>
-                  <a:srgbClr val="0070C0"/>
-                </a:solidFill>
-              </a:rPr>
-              <a:t>k-means</a:t>
-            </a:r>
-            <a:r>
-              <a:rPr lang="uk-UA" dirty="0">
-                <a:solidFill>
-                  <a:srgbClr val="0070C0"/>
-                </a:solidFill>
-              </a:rPr>
-              <a:t> </a:t>
-            </a:r>
-          </a:p>
-        </p:txBody>
-      </p:sp>
-      <p:sp>
-        <p:nvSpPr>
-          <p:cNvPr id="8" name="TextBox 7">
-            <a:extLst>
-              <a:ext uri="{FF2B5EF4-FFF2-40B4-BE49-F238E27FC236}">
-                <a16:creationId xmlns:a16="http://schemas.microsoft.com/office/drawing/2014/main" id="{18852229-13C1-495A-8A2F-9EFD183EDC50}"/>
-              </a:ext>
-            </a:extLst>
-          </p:cNvPr>
-          <p:cNvSpPr txBox="1"/>
-          <p:nvPr/>
-        </p:nvSpPr>
-        <p:spPr>
-          <a:xfrm>
-            <a:off x="633613" y="3397417"/>
-            <a:ext cx="8491492" cy="2805833"/>
-          </a:xfrm>
-          <a:prstGeom prst="rect">
-            <a:avLst/>
-          </a:prstGeom>
-          <a:noFill/>
-        </p:spPr>
-        <p:txBody>
-          <a:bodyPr wrap="square">
-            <a:spAutoFit/>
-          </a:bodyPr>
-          <a:lstStyle/>
-          <a:p>
-            <a:pPr algn="just">
-              <a:lnSpc>
-                <a:spcPct val="150000"/>
-              </a:lnSpc>
-            </a:pPr>
-            <a:r>
-              <a:rPr lang="uk-UA" sz="2000" dirty="0"/>
-              <a:t>	</a:t>
-            </a:r>
-            <a:r>
-              <a:rPr lang="en-US" sz="2000" dirty="0"/>
-              <a:t>k-means (</a:t>
-            </a:r>
-            <a:r>
-              <a:rPr lang="uk-UA" sz="2000" dirty="0"/>
-              <a:t>k-середніх</a:t>
-            </a:r>
-            <a:r>
-              <a:rPr lang="en-US" sz="2000" dirty="0"/>
-              <a:t>)</a:t>
-            </a:r>
-            <a:r>
-              <a:rPr lang="uk-UA" sz="2000" dirty="0"/>
-              <a:t> – це популярний алгоритм кластеризації на основі </a:t>
-            </a:r>
-            <a:r>
-              <a:rPr lang="uk-UA" sz="2000" dirty="0" err="1"/>
-              <a:t>центроїдів</a:t>
-            </a:r>
-            <a:r>
-              <a:rPr lang="uk-UA" sz="2000" dirty="0"/>
-              <a:t>, який розділяє дані представлені у вигляді точок на k кластерів, кожен із яких має майже рівну кількість цих точок. Ідея цього алгоритму кластеризації полягає в тому, щоб знайти k центроїд, де кожна точка з набору даних буде належати будь-якій з k-множин, що мають мінімальну евклідову відстань.</a:t>
-            </a:r>
-            <a:endParaRPr lang="en-US" sz="2000" dirty="0"/>
-          </a:p>
-        </p:txBody>
-      </p:sp>
-      <p:pic>
-        <p:nvPicPr>
-          <p:cNvPr id="3" name="Рисунок 2">
-            <a:extLst>
-              <a:ext uri="{FF2B5EF4-FFF2-40B4-BE49-F238E27FC236}">
-                <a16:creationId xmlns:a16="http://schemas.microsoft.com/office/drawing/2014/main" id="{BDE06C2A-039D-4BBA-91E7-B41E4E92A0BC}"/>
-              </a:ext>
-            </a:extLst>
-          </p:cNvPr>
-          <p:cNvPicPr>
-            <a:picLocks noChangeAspect="1"/>
-          </p:cNvPicPr>
-          <p:nvPr/>
-        </p:nvPicPr>
-        <p:blipFill>
-          <a:blip r:embed="rId3"/>
-          <a:stretch>
-            <a:fillRect/>
-          </a:stretch>
-        </p:blipFill>
-        <p:spPr>
-          <a:xfrm>
-            <a:off x="443535" y="1272830"/>
-            <a:ext cx="8681570" cy="1837178"/>
-          </a:xfrm>
-          <a:prstGeom prst="rect">
-            <a:avLst/>
-          </a:prstGeom>
-        </p:spPr>
-      </p:pic>
-    </p:spTree>
-    <p:extLst>
-      <p:ext uri="{BB962C8B-B14F-4D97-AF65-F5344CB8AC3E}">
-        <p14:creationId xmlns:p14="http://schemas.microsoft.com/office/powerpoint/2010/main" val="1861416559"/>
-      </p:ext>
-    </p:extLst>
-  </p:cSld>
-  <p:clrMapOvr>
-    <a:masterClrMapping/>
-  </p:clrMapOvr>
-</p:sld>
-</file>
-
-<file path=ppt/slides/slide11.xml><?xml version="1.0" encoding="utf-8"?>
 <p:sld xmlns:a="http://schemas.openxmlformats.org/drawingml/2006/main" xmlns:r="http://schemas.openxmlformats.org/officeDocument/2006/relationships" xmlns:p="http://schemas.openxmlformats.org/presentationml/2006/main">
   <p:cSld>
     <p:spTree>
@@ -8105,7 +7860,7 @@
 </p:sld>
 </file>
 
-<file path=ppt/slides/slide12.xml><?xml version="1.0" encoding="utf-8"?>
+<file path=ppt/slides/slide11.xml><?xml version="1.0" encoding="utf-8"?>
 <p:sld xmlns:a="http://schemas.openxmlformats.org/drawingml/2006/main" xmlns:r="http://schemas.openxmlformats.org/officeDocument/2006/relationships" xmlns:p="http://schemas.openxmlformats.org/presentationml/2006/main">
   <p:cSld>
     <p:spTree>
@@ -8355,8 +8110,8 @@
           </a:p>
         </p:txBody>
       </p:sp>
-      <mc:AlternateContent xmlns:mc="http://schemas.openxmlformats.org/markup-compatibility/2006">
-        <mc:Choice xmlns:a14="http://schemas.microsoft.com/office/drawing/2010/main" Requires="a14">
+      <mc:AlternateContent xmlns:mc="http://schemas.openxmlformats.org/markup-compatibility/2006" xmlns:a14="http://schemas.microsoft.com/office/drawing/2010/main">
+        <mc:Choice Requires="a14">
           <p:sp>
             <p:nvSpPr>
               <p:cNvPr id="7" name="TextBox 6">
@@ -8580,7 +8335,7 @@
             </p:txBody>
           </p:sp>
         </mc:Choice>
-        <mc:Fallback>
+        <mc:Fallback xmlns="">
           <p:sp>
             <p:nvSpPr>
               <p:cNvPr id="7" name="TextBox 6">
@@ -8638,7 +8393,7 @@
 </p:sld>
 </file>
 
-<file path=ppt/slides/slide13.xml><?xml version="1.0" encoding="utf-8"?>
+<file path=ppt/slides/slide12.xml><?xml version="1.0" encoding="utf-8"?>
 <p:sld xmlns:a="http://schemas.openxmlformats.org/drawingml/2006/main" xmlns:r="http://schemas.openxmlformats.org/officeDocument/2006/relationships" xmlns:p="http://schemas.openxmlformats.org/presentationml/2006/main">
   <p:cSld>
     <p:spTree>
@@ -9217,7 +8972,7 @@
 </p:sld>
 </file>
 
-<file path=ppt/slides/slide14.xml><?xml version="1.0" encoding="utf-8"?>
+<file path=ppt/slides/slide13.xml><?xml version="1.0" encoding="utf-8"?>
 <p:sld xmlns:a="http://schemas.openxmlformats.org/drawingml/2006/main" xmlns:r="http://schemas.openxmlformats.org/officeDocument/2006/relationships" xmlns:p="http://schemas.openxmlformats.org/presentationml/2006/main">
   <p:cSld>
     <p:spTree>
@@ -9600,7 +9355,7 @@
 </p:sld>
 </file>
 
-<file path=ppt/slides/slide15.xml><?xml version="1.0" encoding="utf-8"?>
+<file path=ppt/slides/slide14.xml><?xml version="1.0" encoding="utf-8"?>
 <p:sld xmlns:a="http://schemas.openxmlformats.org/drawingml/2006/main" xmlns:r="http://schemas.openxmlformats.org/officeDocument/2006/relationships" xmlns:p="http://schemas.openxmlformats.org/presentationml/2006/main">
   <p:cSld>
     <p:spTree>
@@ -9923,7 +9678,7 @@
 </p:sld>
 </file>
 
-<file path=ppt/slides/slide16.xml><?xml version="1.0" encoding="utf-8"?>
+<file path=ppt/slides/slide15.xml><?xml version="1.0" encoding="utf-8"?>
 <p:sld xmlns:a="http://schemas.openxmlformats.org/drawingml/2006/main" xmlns:r="http://schemas.openxmlformats.org/officeDocument/2006/relationships" xmlns:p="http://schemas.openxmlformats.org/presentationml/2006/main">
   <p:cSld>
     <p:spTree>
@@ -10146,7 +9901,7 @@
 </p:sld>
 </file>
 
-<file path=ppt/slides/slide17.xml><?xml version="1.0" encoding="utf-8"?>
+<file path=ppt/slides/slide16.xml><?xml version="1.0" encoding="utf-8"?>
 <p:sld xmlns:a="http://schemas.openxmlformats.org/drawingml/2006/main" xmlns:r="http://schemas.openxmlformats.org/officeDocument/2006/relationships" xmlns:p="http://schemas.openxmlformats.org/presentationml/2006/main">
   <p:cSld>
     <p:spTree>
@@ -10422,7 +10177,7 @@
 </p:sld>
 </file>
 
-<file path=ppt/slides/slide18.xml><?xml version="1.0" encoding="utf-8"?>
+<file path=ppt/slides/slide17.xml><?xml version="1.0" encoding="utf-8"?>
 <p:sld xmlns:a="http://schemas.openxmlformats.org/drawingml/2006/main" xmlns:r="http://schemas.openxmlformats.org/officeDocument/2006/relationships" xmlns:p="http://schemas.openxmlformats.org/presentationml/2006/main">
   <p:cSld>
     <p:spTree>
@@ -10565,226 +10320,6 @@
 </file>
 
 <file path=ppt/slides/slide2.xml><?xml version="1.0" encoding="utf-8"?>
-<p:sld xmlns:a="http://schemas.openxmlformats.org/drawingml/2006/main" xmlns:r="http://schemas.openxmlformats.org/officeDocument/2006/relationships" xmlns:p="http://schemas.openxmlformats.org/presentationml/2006/main">
-  <p:cSld>
-    <p:spTree>
-      <p:nvGrpSpPr>
-        <p:cNvPr id="1" name=""/>
-        <p:cNvGrpSpPr/>
-        <p:nvPr/>
-      </p:nvGrpSpPr>
-      <p:grpSpPr>
-        <a:xfrm>
-          <a:off x="0" y="0"/>
-          <a:ext cx="0" cy="0"/>
-          <a:chOff x="0" y="0"/>
-          <a:chExt cx="0" cy="0"/>
-        </a:xfrm>
-      </p:grpSpPr>
-      <p:sp>
-        <p:nvSpPr>
-          <p:cNvPr id="2" name="Заголовок 1">
-            <a:extLst>
-              <a:ext uri="{FF2B5EF4-FFF2-40B4-BE49-F238E27FC236}">
-                <a16:creationId xmlns:a16="http://schemas.microsoft.com/office/drawing/2014/main" id="{FAACE456-2522-4A50-A5AF-8D45AF6D5235}"/>
-              </a:ext>
-            </a:extLst>
-          </p:cNvPr>
-          <p:cNvSpPr>
-            <a:spLocks noGrp="1"/>
-          </p:cNvSpPr>
-          <p:nvPr>
-            <p:ph type="ctrTitle"/>
-          </p:nvPr>
-        </p:nvSpPr>
-        <p:spPr>
-          <a:xfrm>
-            <a:off x="1116449" y="2267901"/>
-            <a:ext cx="8320514" cy="1646302"/>
-          </a:xfrm>
-        </p:spPr>
-        <p:txBody>
-          <a:bodyPr/>
-          <a:lstStyle/>
-          <a:p>
-            <a:pPr algn="ctr"/>
-            <a:r>
-              <a:rPr lang="uk-UA" sz="3600" dirty="0">
-                <a:solidFill>
-                  <a:srgbClr val="0070C0"/>
-                </a:solidFill>
-              </a:rPr>
-              <a:t>Розробка системи к</a:t>
-            </a:r>
-            <a:r>
-              <a:rPr lang="uk-UA" sz="3600" i="0" dirty="0">
-                <a:solidFill>
-                  <a:srgbClr val="0070C0"/>
-                </a:solidFill>
-                <a:effectLst/>
-              </a:rPr>
-              <a:t>ластеризації антитіл на основі коефіцієнту перехресного зв’язування</a:t>
-            </a:r>
-            <a:endParaRPr lang="uk-UA" sz="3600" dirty="0">
-              <a:solidFill>
-                <a:srgbClr val="0070C0"/>
-              </a:solidFill>
-            </a:endParaRPr>
-          </a:p>
-        </p:txBody>
-      </p:sp>
-      <p:sp>
-        <p:nvSpPr>
-          <p:cNvPr id="3" name="Підзаголовок 2">
-            <a:extLst>
-              <a:ext uri="{FF2B5EF4-FFF2-40B4-BE49-F238E27FC236}">
-                <a16:creationId xmlns:a16="http://schemas.microsoft.com/office/drawing/2014/main" id="{BBA7687D-235C-4363-98F9-472805C2A0B0}"/>
-              </a:ext>
-            </a:extLst>
-          </p:cNvPr>
-          <p:cNvSpPr>
-            <a:spLocks noGrp="1"/>
-          </p:cNvSpPr>
-          <p:nvPr>
-            <p:ph type="subTitle" idx="1"/>
-          </p:nvPr>
-        </p:nvSpPr>
-        <p:spPr>
-          <a:xfrm>
-            <a:off x="406235" y="4849823"/>
-            <a:ext cx="4290051" cy="1799551"/>
-          </a:xfrm>
-        </p:spPr>
-        <p:txBody>
-          <a:bodyPr>
-            <a:noAutofit/>
-          </a:bodyPr>
-          <a:lstStyle/>
-          <a:p>
-            <a:pPr algn="l">
-              <a:lnSpc>
-                <a:spcPct val="150000"/>
-              </a:lnSpc>
-              <a:spcBef>
-                <a:spcPts val="0"/>
-              </a:spcBef>
-            </a:pPr>
-            <a:r>
-              <a:rPr lang="uk-UA" dirty="0">
-                <a:solidFill>
-                  <a:schemeClr val="tx1"/>
-                </a:solidFill>
-              </a:rPr>
-              <a:t>Виконав: Зелінський Олександр</a:t>
-            </a:r>
-          </a:p>
-          <a:p>
-            <a:pPr algn="l">
-              <a:lnSpc>
-                <a:spcPct val="150000"/>
-              </a:lnSpc>
-              <a:spcBef>
-                <a:spcPts val="0"/>
-              </a:spcBef>
-            </a:pPr>
-            <a:r>
-              <a:rPr lang="uk-UA" dirty="0">
-                <a:solidFill>
-                  <a:schemeClr val="tx1"/>
-                </a:solidFill>
-              </a:rPr>
-              <a:t>Група: ПМіМ-12</a:t>
-            </a:r>
-          </a:p>
-          <a:p>
-            <a:pPr algn="l">
-              <a:lnSpc>
-                <a:spcPct val="150000"/>
-              </a:lnSpc>
-              <a:spcBef>
-                <a:spcPts val="0"/>
-              </a:spcBef>
-            </a:pPr>
-            <a:r>
-              <a:rPr lang="uk-UA" dirty="0">
-                <a:solidFill>
-                  <a:schemeClr val="tx1"/>
-                </a:solidFill>
-              </a:rPr>
-              <a:t>Науковий керівник: доц. </a:t>
-            </a:r>
-            <a:r>
-              <a:rPr lang="uk-UA" dirty="0" err="1">
-                <a:solidFill>
-                  <a:schemeClr val="tx1"/>
-                </a:solidFill>
-              </a:rPr>
-              <a:t>Горлач</a:t>
-            </a:r>
-            <a:r>
-              <a:rPr lang="uk-UA" dirty="0">
-                <a:solidFill>
-                  <a:schemeClr val="tx1"/>
-                </a:solidFill>
-              </a:rPr>
-              <a:t> В.М.</a:t>
-            </a:r>
-          </a:p>
-          <a:p>
-            <a:pPr algn="l">
-              <a:lnSpc>
-                <a:spcPct val="150000"/>
-              </a:lnSpc>
-              <a:spcBef>
-                <a:spcPts val="0"/>
-              </a:spcBef>
-            </a:pPr>
-            <a:r>
-              <a:rPr lang="uk-UA" dirty="0">
-                <a:solidFill>
-                  <a:schemeClr val="tx1"/>
-                </a:solidFill>
-              </a:rPr>
-              <a:t>Консультант: </a:t>
-            </a:r>
-            <a:r>
-              <a:rPr lang="uk-UA" dirty="0" err="1">
-                <a:solidFill>
-                  <a:schemeClr val="tx1"/>
-                </a:solidFill>
-              </a:rPr>
-              <a:t>Лебедін</a:t>
-            </a:r>
-            <a:r>
-              <a:rPr lang="uk-UA" dirty="0">
-                <a:solidFill>
-                  <a:schemeClr val="tx1"/>
-                </a:solidFill>
-              </a:rPr>
-              <a:t> Ю.С.</a:t>
-            </a:r>
-            <a:endParaRPr lang="en-US" dirty="0">
-              <a:solidFill>
-                <a:schemeClr val="tx1"/>
-              </a:solidFill>
-            </a:endParaRPr>
-          </a:p>
-        </p:txBody>
-      </p:sp>
-    </p:spTree>
-    <p:extLst>
-      <p:ext uri="{BB962C8B-B14F-4D97-AF65-F5344CB8AC3E}">
-        <p14:creationId xmlns:p14="http://schemas.microsoft.com/office/powerpoint/2010/main" val="3087773559"/>
-      </p:ext>
-    </p:extLst>
-  </p:cSld>
-  <p:clrMapOvr>
-    <a:masterClrMapping/>
-  </p:clrMapOvr>
-</p:sld>
-</file>
-
-<file path=ppt/slides/slide3.xml><?xml version="1.0" encoding="utf-8"?>
 <p:sld xmlns:a="http://schemas.openxmlformats.org/drawingml/2006/main" xmlns:r="http://schemas.openxmlformats.org/officeDocument/2006/relationships" xmlns:p="http://schemas.openxmlformats.org/presentationml/2006/main">
   <p:cSld>
     <p:spTree>
@@ -11743,7 +11278,7 @@
 </p:sld>
 </file>
 
-<file path=ppt/slides/slide4.xml><?xml version="1.0" encoding="utf-8"?>
+<file path=ppt/slides/slide3.xml><?xml version="1.0" encoding="utf-8"?>
 <p:sld xmlns:a="http://schemas.openxmlformats.org/drawingml/2006/main" xmlns:r="http://schemas.openxmlformats.org/officeDocument/2006/relationships" xmlns:p="http://schemas.openxmlformats.org/presentationml/2006/main">
   <p:cSld>
     <p:spTree>
@@ -11914,7 +11449,7 @@
 </p:sld>
 </file>
 
-<file path=ppt/slides/slide5.xml><?xml version="1.0" encoding="utf-8"?>
+<file path=ppt/slides/slide4.xml><?xml version="1.0" encoding="utf-8"?>
 <p:sld xmlns:a="http://schemas.openxmlformats.org/drawingml/2006/main" xmlns:r="http://schemas.openxmlformats.org/officeDocument/2006/relationships" xmlns:p="http://schemas.openxmlformats.org/presentationml/2006/main">
   <p:cSld>
     <p:spTree>
@@ -12042,8 +11577,8 @@
           </a:p>
         </p:txBody>
       </p:sp>
-      <mc:AlternateContent xmlns:mc="http://schemas.openxmlformats.org/markup-compatibility/2006" xmlns:a14="http://schemas.microsoft.com/office/drawing/2010/main">
-        <mc:Choice Requires="a14">
+      <mc:AlternateContent xmlns:mc="http://schemas.openxmlformats.org/markup-compatibility/2006">
+        <mc:Choice xmlns:a14="http://schemas.microsoft.com/office/drawing/2010/main" Requires="a14">
           <p:sp>
             <p:nvSpPr>
               <p:cNvPr id="6" name="TextBox 5">
@@ -12102,7 +11637,7 @@
                 </a:r>
                 <a:r>
                   <a:rPr lang="uk-UA" sz="2400" dirty="0"/>
-                  <a:t>з хорошим зв’язуванням 	</a:t>
+                  <a:t>з поганим зв’язуванням 	</a:t>
                 </a:r>
                 <a14:m>
                   <m:oMath xmlns:m="http://schemas.openxmlformats.org/officeDocument/2006/math">
@@ -12401,17 +11936,17 @@
                     <a:latin typeface="+mj-lt"/>
                     <a:cs typeface="Times New Roman" panose="02020603050405020304" pitchFamily="18" charset="0"/>
                   </a:rPr>
-                  <a:t>‒ </a:t>
+                  <a:t>‒ з</a:t>
                 </a:r>
                 <a:r>
                   <a:rPr lang="uk-UA" sz="2400" dirty="0"/>
-                  <a:t>Майже без зв’язування</a:t>
+                  <a:t> хорошим зв’язування</a:t>
                 </a:r>
               </a:p>
             </p:txBody>
           </p:sp>
         </mc:Choice>
-        <mc:Fallback xmlns="">
+        <mc:Fallback>
           <p:sp>
             <p:nvSpPr>
               <p:cNvPr id="6" name="TextBox 5">
@@ -12469,7 +12004,7 @@
 </p:sld>
 </file>
 
-<file path=ppt/slides/slide6.xml><?xml version="1.0" encoding="utf-8"?>
+<file path=ppt/slides/slide5.xml><?xml version="1.0" encoding="utf-8"?>
 <p:sld xmlns:a="http://schemas.openxmlformats.org/drawingml/2006/main" xmlns:r="http://schemas.openxmlformats.org/officeDocument/2006/relationships" xmlns:p="http://schemas.openxmlformats.org/presentationml/2006/main">
   <p:cSld>
     <p:spTree>
@@ -12640,7 +12175,7 @@
 </p:sld>
 </file>
 
-<file path=ppt/slides/slide7.xml><?xml version="1.0" encoding="utf-8"?>
+<file path=ppt/slides/slide6.xml><?xml version="1.0" encoding="utf-8"?>
 <p:sld xmlns:a="http://schemas.openxmlformats.org/drawingml/2006/main" xmlns:r="http://schemas.openxmlformats.org/officeDocument/2006/relationships" xmlns:p="http://schemas.openxmlformats.org/presentationml/2006/main">
   <p:cSld>
     <p:spTree>
@@ -12826,7 +12361,7 @@
 </p:sld>
 </file>
 
-<file path=ppt/slides/slide8.xml><?xml version="1.0" encoding="utf-8"?>
+<file path=ppt/slides/slide7.xml><?xml version="1.0" encoding="utf-8"?>
 <p:sld xmlns:a="http://schemas.openxmlformats.org/drawingml/2006/main" xmlns:r="http://schemas.openxmlformats.org/officeDocument/2006/relationships" xmlns:p="http://schemas.openxmlformats.org/presentationml/2006/main">
   <p:cSld>
     <p:spTree>
@@ -17232,7 +16767,7 @@
 </p:sld>
 </file>
 
-<file path=ppt/slides/slide9.xml><?xml version="1.0" encoding="utf-8"?>
+<file path=ppt/slides/slide8.xml><?xml version="1.0" encoding="utf-8"?>
 <p:sld xmlns:a="http://schemas.openxmlformats.org/drawingml/2006/main" xmlns:r="http://schemas.openxmlformats.org/officeDocument/2006/relationships" xmlns:p="http://schemas.openxmlformats.org/presentationml/2006/main">
   <p:cSld>
     <p:spTree>
@@ -17394,6 +16929,258 @@
     <p:extLst>
       <p:ext uri="{BB962C8B-B14F-4D97-AF65-F5344CB8AC3E}">
         <p14:creationId xmlns:p14="http://schemas.microsoft.com/office/powerpoint/2010/main" val="2731102270"/>
+      </p:ext>
+    </p:extLst>
+  </p:cSld>
+  <p:clrMapOvr>
+    <a:masterClrMapping/>
+  </p:clrMapOvr>
+</p:sld>
+</file>
+
+<file path=ppt/slides/slide9.xml><?xml version="1.0" encoding="utf-8"?>
+<p:sld xmlns:a="http://schemas.openxmlformats.org/drawingml/2006/main" xmlns:r="http://schemas.openxmlformats.org/officeDocument/2006/relationships" xmlns:p="http://schemas.openxmlformats.org/presentationml/2006/main">
+  <p:cSld>
+    <p:spTree>
+      <p:nvGrpSpPr>
+        <p:cNvPr id="1" name=""/>
+        <p:cNvGrpSpPr/>
+        <p:nvPr/>
+      </p:nvGrpSpPr>
+      <p:grpSpPr>
+        <a:xfrm>
+          <a:off x="0" y="0"/>
+          <a:ext cx="0" cy="0"/>
+          <a:chOff x="0" y="0"/>
+          <a:chExt cx="0" cy="0"/>
+        </a:xfrm>
+      </p:grpSpPr>
+      <p:sp>
+        <p:nvSpPr>
+          <p:cNvPr id="4" name="Заголовок 1">
+            <a:extLst>
+              <a:ext uri="{FF2B5EF4-FFF2-40B4-BE49-F238E27FC236}">
+                <a16:creationId xmlns:a16="http://schemas.microsoft.com/office/drawing/2014/main" id="{F8243150-867F-42C4-B527-2FA91B461363}"/>
+              </a:ext>
+            </a:extLst>
+          </p:cNvPr>
+          <p:cNvSpPr txBox="1">
+            <a:spLocks/>
+          </p:cNvSpPr>
+          <p:nvPr/>
+        </p:nvSpPr>
+        <p:spPr>
+          <a:xfrm>
+            <a:off x="233328" y="238379"/>
+            <a:ext cx="9081856" cy="747042"/>
+          </a:xfrm>
+          <a:prstGeom prst="rect">
+            <a:avLst/>
+          </a:prstGeom>
+        </p:spPr>
+        <p:txBody>
+          <a:bodyPr vert="horz" lIns="91440" tIns="45720" rIns="91440" bIns="45720" rtlCol="0" anchor="t">
+            <a:normAutofit/>
+          </a:bodyPr>
+          <a:lstStyle>
+            <a:lvl1pPr algn="l" defTabSz="457200" rtl="0" eaLnBrk="1" latinLnBrk="0" hangingPunct="1">
+              <a:spcBef>
+                <a:spcPct val="0"/>
+              </a:spcBef>
+              <a:buNone/>
+              <a:defRPr sz="3600" kern="1200">
+                <a:solidFill>
+                  <a:schemeClr val="accent1"/>
+                </a:solidFill>
+                <a:latin typeface="+mj-lt"/>
+                <a:ea typeface="+mj-ea"/>
+                <a:cs typeface="+mj-cs"/>
+              </a:defRPr>
+            </a:lvl1pPr>
+            <a:lvl2pPr eaLnBrk="1" hangingPunct="1">
+              <a:defRPr>
+                <a:solidFill>
+                  <a:schemeClr val="tx2"/>
+                </a:solidFill>
+              </a:defRPr>
+            </a:lvl2pPr>
+            <a:lvl3pPr eaLnBrk="1" hangingPunct="1">
+              <a:defRPr>
+                <a:solidFill>
+                  <a:schemeClr val="tx2"/>
+                </a:solidFill>
+              </a:defRPr>
+            </a:lvl3pPr>
+            <a:lvl4pPr eaLnBrk="1" hangingPunct="1">
+              <a:defRPr>
+                <a:solidFill>
+                  <a:schemeClr val="tx2"/>
+                </a:solidFill>
+              </a:defRPr>
+            </a:lvl4pPr>
+            <a:lvl5pPr eaLnBrk="1" hangingPunct="1">
+              <a:defRPr>
+                <a:solidFill>
+                  <a:schemeClr val="tx2"/>
+                </a:solidFill>
+              </a:defRPr>
+            </a:lvl5pPr>
+            <a:lvl6pPr eaLnBrk="1" hangingPunct="1">
+              <a:defRPr>
+                <a:solidFill>
+                  <a:schemeClr val="tx2"/>
+                </a:solidFill>
+              </a:defRPr>
+            </a:lvl6pPr>
+            <a:lvl7pPr eaLnBrk="1" hangingPunct="1">
+              <a:defRPr>
+                <a:solidFill>
+                  <a:schemeClr val="tx2"/>
+                </a:solidFill>
+              </a:defRPr>
+            </a:lvl7pPr>
+            <a:lvl8pPr eaLnBrk="1" hangingPunct="1">
+              <a:defRPr>
+                <a:solidFill>
+                  <a:schemeClr val="tx2"/>
+                </a:solidFill>
+              </a:defRPr>
+            </a:lvl8pPr>
+            <a:lvl9pPr eaLnBrk="1" hangingPunct="1">
+              <a:defRPr>
+                <a:solidFill>
+                  <a:schemeClr val="tx2"/>
+                </a:solidFill>
+              </a:defRPr>
+            </a:lvl9pPr>
+          </a:lstStyle>
+          <a:p>
+            <a:r>
+              <a:rPr lang="uk-UA" dirty="0">
+                <a:solidFill>
+                  <a:srgbClr val="0070C0"/>
+                </a:solidFill>
+              </a:rPr>
+              <a:t>Метод кластеризації </a:t>
+            </a:r>
+            <a:r>
+              <a:rPr lang="en-US" dirty="0">
+                <a:solidFill>
+                  <a:srgbClr val="0070C0"/>
+                </a:solidFill>
+              </a:rPr>
+              <a:t>k-means</a:t>
+            </a:r>
+            <a:r>
+              <a:rPr lang="uk-UA" dirty="0">
+                <a:solidFill>
+                  <a:srgbClr val="0070C0"/>
+                </a:solidFill>
+              </a:rPr>
+              <a:t> </a:t>
+            </a:r>
+          </a:p>
+        </p:txBody>
+      </p:sp>
+      <p:sp>
+        <p:nvSpPr>
+          <p:cNvPr id="8" name="TextBox 7">
+            <a:extLst>
+              <a:ext uri="{FF2B5EF4-FFF2-40B4-BE49-F238E27FC236}">
+                <a16:creationId xmlns:a16="http://schemas.microsoft.com/office/drawing/2014/main" id="{18852229-13C1-495A-8A2F-9EFD183EDC50}"/>
+              </a:ext>
+            </a:extLst>
+          </p:cNvPr>
+          <p:cNvSpPr txBox="1"/>
+          <p:nvPr/>
+        </p:nvSpPr>
+        <p:spPr>
+          <a:xfrm>
+            <a:off x="633613" y="3397417"/>
+            <a:ext cx="8491492" cy="2805833"/>
+          </a:xfrm>
+          <a:prstGeom prst="rect">
+            <a:avLst/>
+          </a:prstGeom>
+          <a:noFill/>
+        </p:spPr>
+        <p:txBody>
+          <a:bodyPr wrap="square">
+            <a:spAutoFit/>
+          </a:bodyPr>
+          <a:lstStyle/>
+          <a:p>
+            <a:pPr algn="just">
+              <a:lnSpc>
+                <a:spcPct val="150000"/>
+              </a:lnSpc>
+            </a:pPr>
+            <a:r>
+              <a:rPr lang="uk-UA" sz="2000" dirty="0"/>
+              <a:t>	</a:t>
+            </a:r>
+            <a:r>
+              <a:rPr lang="en-US" sz="2000" dirty="0"/>
+              <a:t>k-means (</a:t>
+            </a:r>
+            <a:r>
+              <a:rPr lang="uk-UA" sz="2000" dirty="0"/>
+              <a:t>k-середніх</a:t>
+            </a:r>
+            <a:r>
+              <a:rPr lang="en-US" sz="2000" dirty="0"/>
+              <a:t>)</a:t>
+            </a:r>
+            <a:r>
+              <a:rPr lang="uk-UA" sz="2000" dirty="0"/>
+              <a:t> – це популярний алгоритм кластеризації на основі </a:t>
+            </a:r>
+            <a:r>
+              <a:rPr lang="uk-UA" sz="2000" dirty="0" err="1"/>
+              <a:t>центроїдів</a:t>
+            </a:r>
+            <a:r>
+              <a:rPr lang="uk-UA" sz="2000" dirty="0"/>
+              <a:t>, який розділяє дані представлені у вигляді точок на k кластерів, кожен із яких має майже рівну кількість цих точок. Ідея цього алгоритму кластеризації полягає в тому, щоб знайти k центроїд, де кожна точка з набору даних буде належати будь-якій з k-множин, що мають мінімальну евклідову відстань.</a:t>
+            </a:r>
+            <a:endParaRPr lang="en-US" sz="2000" dirty="0"/>
+          </a:p>
+        </p:txBody>
+      </p:sp>
+      <p:pic>
+        <p:nvPicPr>
+          <p:cNvPr id="3" name="Рисунок 2">
+            <a:extLst>
+              <a:ext uri="{FF2B5EF4-FFF2-40B4-BE49-F238E27FC236}">
+                <a16:creationId xmlns:a16="http://schemas.microsoft.com/office/drawing/2014/main" id="{BDE06C2A-039D-4BBA-91E7-B41E4E92A0BC}"/>
+              </a:ext>
+            </a:extLst>
+          </p:cNvPr>
+          <p:cNvPicPr>
+            <a:picLocks noChangeAspect="1"/>
+          </p:cNvPicPr>
+          <p:nvPr/>
+        </p:nvPicPr>
+        <p:blipFill>
+          <a:blip r:embed="rId3"/>
+          <a:stretch>
+            <a:fillRect/>
+          </a:stretch>
+        </p:blipFill>
+        <p:spPr>
+          <a:xfrm>
+            <a:off x="443535" y="1272830"/>
+            <a:ext cx="8681570" cy="1837178"/>
+          </a:xfrm>
+          <a:prstGeom prst="rect">
+            <a:avLst/>
+          </a:prstGeom>
+        </p:spPr>
+      </p:pic>
+    </p:spTree>
+    <p:extLst>
+      <p:ext uri="{BB962C8B-B14F-4D97-AF65-F5344CB8AC3E}">
+        <p14:creationId xmlns:p14="http://schemas.microsoft.com/office/powerpoint/2010/main" val="1861416559"/>
       </p:ext>
     </p:extLst>
   </p:cSld>

--- a/Documents/Зелінський_Олександр.pptx
+++ b/Documents/Зелінський_Олександр.pptx
@@ -219,7 +219,7 @@
           <a:p>
             <a:fld id="{586FF3FF-D377-4670-B4E0-8859B8BB81C2}" type="datetimeFigureOut">
               <a:rPr lang="en-US" smtClean="0"/>
-              <a:t>5/7/2022</a:t>
+              <a:t>5/8/2022</a:t>
             </a:fld>
             <a:endParaRPr lang="en-US"/>
           </a:p>
@@ -1596,7 +1596,7 @@
           <a:p>
             <a:fld id="{716955FD-5218-4B18-8B2D-05970B9A6621}" type="datetimeFigureOut">
               <a:rPr lang="en-US" smtClean="0"/>
-              <a:t>5/7/2022</a:t>
+              <a:t>5/8/2022</a:t>
             </a:fld>
             <a:endParaRPr lang="en-US"/>
           </a:p>
@@ -1847,7 +1847,7 @@
           <a:p>
             <a:fld id="{716955FD-5218-4B18-8B2D-05970B9A6621}" type="datetimeFigureOut">
               <a:rPr lang="en-US" smtClean="0"/>
-              <a:t>5/7/2022</a:t>
+              <a:t>5/8/2022</a:t>
             </a:fld>
             <a:endParaRPr lang="en-US"/>
           </a:p>
@@ -2161,7 +2161,7 @@
           <a:p>
             <a:fld id="{716955FD-5218-4B18-8B2D-05970B9A6621}" type="datetimeFigureOut">
               <a:rPr lang="en-US" smtClean="0"/>
-              <a:t>5/7/2022</a:t>
+              <a:t>5/8/2022</a:t>
             </a:fld>
             <a:endParaRPr lang="en-US"/>
           </a:p>
@@ -2494,7 +2494,7 @@
           <a:p>
             <a:fld id="{716955FD-5218-4B18-8B2D-05970B9A6621}" type="datetimeFigureOut">
               <a:rPr lang="en-US" smtClean="0"/>
-              <a:t>5/7/2022</a:t>
+              <a:t>5/8/2022</a:t>
             </a:fld>
             <a:endParaRPr lang="en-US"/>
           </a:p>
@@ -2808,7 +2808,7 @@
           <a:p>
             <a:fld id="{716955FD-5218-4B18-8B2D-05970B9A6621}" type="datetimeFigureOut">
               <a:rPr lang="en-US" smtClean="0"/>
-              <a:t>5/7/2022</a:t>
+              <a:t>5/8/2022</a:t>
             </a:fld>
             <a:endParaRPr lang="en-US"/>
           </a:p>
@@ -3201,7 +3201,7 @@
           <a:p>
             <a:fld id="{716955FD-5218-4B18-8B2D-05970B9A6621}" type="datetimeFigureOut">
               <a:rPr lang="en-US" smtClean="0"/>
-              <a:t>5/7/2022</a:t>
+              <a:t>5/8/2022</a:t>
             </a:fld>
             <a:endParaRPr lang="en-US"/>
           </a:p>
@@ -3371,7 +3371,7 @@
           <a:p>
             <a:fld id="{716955FD-5218-4B18-8B2D-05970B9A6621}" type="datetimeFigureOut">
               <a:rPr lang="en-US" smtClean="0"/>
-              <a:t>5/7/2022</a:t>
+              <a:t>5/8/2022</a:t>
             </a:fld>
             <a:endParaRPr lang="en-US"/>
           </a:p>
@@ -3551,7 +3551,7 @@
           <a:p>
             <a:fld id="{716955FD-5218-4B18-8B2D-05970B9A6621}" type="datetimeFigureOut">
               <a:rPr lang="en-US" smtClean="0"/>
-              <a:t>5/7/2022</a:t>
+              <a:t>5/8/2022</a:t>
             </a:fld>
             <a:endParaRPr lang="en-US"/>
           </a:p>
@@ -3721,7 +3721,7 @@
           <a:p>
             <a:fld id="{716955FD-5218-4B18-8B2D-05970B9A6621}" type="datetimeFigureOut">
               <a:rPr lang="en-US" smtClean="0"/>
-              <a:t>5/7/2022</a:t>
+              <a:t>5/8/2022</a:t>
             </a:fld>
             <a:endParaRPr lang="en-US"/>
           </a:p>
@@ -3968,7 +3968,7 @@
           <a:p>
             <a:fld id="{716955FD-5218-4B18-8B2D-05970B9A6621}" type="datetimeFigureOut">
               <a:rPr lang="en-US" smtClean="0"/>
-              <a:t>5/7/2022</a:t>
+              <a:t>5/8/2022</a:t>
             </a:fld>
             <a:endParaRPr lang="en-US"/>
           </a:p>
@@ -4200,7 +4200,7 @@
           <a:p>
             <a:fld id="{716955FD-5218-4B18-8B2D-05970B9A6621}" type="datetimeFigureOut">
               <a:rPr lang="en-US" smtClean="0"/>
-              <a:t>5/7/2022</a:t>
+              <a:t>5/8/2022</a:t>
             </a:fld>
             <a:endParaRPr lang="en-US"/>
           </a:p>
@@ -4574,7 +4574,7 @@
           <a:p>
             <a:fld id="{716955FD-5218-4B18-8B2D-05970B9A6621}" type="datetimeFigureOut">
               <a:rPr lang="en-US" smtClean="0"/>
-              <a:t>5/7/2022</a:t>
+              <a:t>5/8/2022</a:t>
             </a:fld>
             <a:endParaRPr lang="en-US"/>
           </a:p>
@@ -4697,7 +4697,7 @@
           <a:p>
             <a:fld id="{716955FD-5218-4B18-8B2D-05970B9A6621}" type="datetimeFigureOut">
               <a:rPr lang="en-US" smtClean="0"/>
-              <a:t>5/7/2022</a:t>
+              <a:t>5/8/2022</a:t>
             </a:fld>
             <a:endParaRPr lang="en-US"/>
           </a:p>
@@ -4792,7 +4792,7 @@
           <a:p>
             <a:fld id="{716955FD-5218-4B18-8B2D-05970B9A6621}" type="datetimeFigureOut">
               <a:rPr lang="en-US" smtClean="0"/>
-              <a:t>5/7/2022</a:t>
+              <a:t>5/8/2022</a:t>
             </a:fld>
             <a:endParaRPr lang="en-US"/>
           </a:p>
@@ -5047,7 +5047,7 @@
           <a:p>
             <a:fld id="{716955FD-5218-4B18-8B2D-05970B9A6621}" type="datetimeFigureOut">
               <a:rPr lang="en-US" smtClean="0"/>
-              <a:t>5/7/2022</a:t>
+              <a:t>5/8/2022</a:t>
             </a:fld>
             <a:endParaRPr lang="en-US"/>
           </a:p>
@@ -5352,7 +5352,7 @@
           <a:p>
             <a:fld id="{716955FD-5218-4B18-8B2D-05970B9A6621}" type="datetimeFigureOut">
               <a:rPr lang="en-US" smtClean="0"/>
-              <a:t>5/7/2022</a:t>
+              <a:t>5/8/2022</a:t>
             </a:fld>
             <a:endParaRPr lang="en-US"/>
           </a:p>
@@ -6054,7 +6054,7 @@
           <a:p>
             <a:fld id="{716955FD-5218-4B18-8B2D-05970B9A6621}" type="datetimeFigureOut">
               <a:rPr lang="en-US" smtClean="0"/>
-              <a:t>5/7/2022</a:t>
+              <a:t>5/8/2022</a:t>
             </a:fld>
             <a:endParaRPr lang="en-US"/>
           </a:p>
@@ -6909,7 +6909,11 @@
               <a:buAutoNum type="arabicPeriod"/>
             </a:pPr>
             <a:r>
-              <a:rPr lang="uk-UA" dirty="0"/>
+              <a:rPr lang="uk-UA" dirty="0">
+                <a:highlight>
+                  <a:srgbClr val="FFFF00"/>
+                </a:highlight>
+              </a:rPr>
               <a:t>Середнє змінюється на моду</a:t>
             </a:r>
           </a:p>
@@ -11577,8 +11581,8 @@
           </a:p>
         </p:txBody>
       </p:sp>
-      <mc:AlternateContent xmlns:mc="http://schemas.openxmlformats.org/markup-compatibility/2006">
-        <mc:Choice xmlns:a14="http://schemas.microsoft.com/office/drawing/2010/main" Requires="a14">
+      <mc:AlternateContent xmlns:mc="http://schemas.openxmlformats.org/markup-compatibility/2006" xmlns:a14="http://schemas.microsoft.com/office/drawing/2010/main">
+        <mc:Choice Requires="a14">
           <p:sp>
             <p:nvSpPr>
               <p:cNvPr id="6" name="TextBox 5">
@@ -11946,7 +11950,7 @@
             </p:txBody>
           </p:sp>
         </mc:Choice>
-        <mc:Fallback>
+        <mc:Fallback xmlns="">
           <p:sp>
             <p:nvSpPr>
               <p:cNvPr id="6" name="TextBox 5">

--- a/Documents/Зелінський_Олександр.pptx
+++ b/Documents/Зелінський_Олександр.pptx
@@ -219,7 +219,7 @@
           <a:p>
             <a:fld id="{586FF3FF-D377-4670-B4E0-8859B8BB81C2}" type="datetimeFigureOut">
               <a:rPr lang="en-US" smtClean="0"/>
-              <a:t>5/8/2022</a:t>
+              <a:t>5/23/2022</a:t>
             </a:fld>
             <a:endParaRPr lang="en-US"/>
           </a:p>
@@ -1596,7 +1596,7 @@
           <a:p>
             <a:fld id="{716955FD-5218-4B18-8B2D-05970B9A6621}" type="datetimeFigureOut">
               <a:rPr lang="en-US" smtClean="0"/>
-              <a:t>5/8/2022</a:t>
+              <a:t>5/23/2022</a:t>
             </a:fld>
             <a:endParaRPr lang="en-US"/>
           </a:p>
@@ -1847,7 +1847,7 @@
           <a:p>
             <a:fld id="{716955FD-5218-4B18-8B2D-05970B9A6621}" type="datetimeFigureOut">
               <a:rPr lang="en-US" smtClean="0"/>
-              <a:t>5/8/2022</a:t>
+              <a:t>5/23/2022</a:t>
             </a:fld>
             <a:endParaRPr lang="en-US"/>
           </a:p>
@@ -2161,7 +2161,7 @@
           <a:p>
             <a:fld id="{716955FD-5218-4B18-8B2D-05970B9A6621}" type="datetimeFigureOut">
               <a:rPr lang="en-US" smtClean="0"/>
-              <a:t>5/8/2022</a:t>
+              <a:t>5/23/2022</a:t>
             </a:fld>
             <a:endParaRPr lang="en-US"/>
           </a:p>
@@ -2494,7 +2494,7 @@
           <a:p>
             <a:fld id="{716955FD-5218-4B18-8B2D-05970B9A6621}" type="datetimeFigureOut">
               <a:rPr lang="en-US" smtClean="0"/>
-              <a:t>5/8/2022</a:t>
+              <a:t>5/23/2022</a:t>
             </a:fld>
             <a:endParaRPr lang="en-US"/>
           </a:p>
@@ -2808,7 +2808,7 @@
           <a:p>
             <a:fld id="{716955FD-5218-4B18-8B2D-05970B9A6621}" type="datetimeFigureOut">
               <a:rPr lang="en-US" smtClean="0"/>
-              <a:t>5/8/2022</a:t>
+              <a:t>5/23/2022</a:t>
             </a:fld>
             <a:endParaRPr lang="en-US"/>
           </a:p>
@@ -3201,7 +3201,7 @@
           <a:p>
             <a:fld id="{716955FD-5218-4B18-8B2D-05970B9A6621}" type="datetimeFigureOut">
               <a:rPr lang="en-US" smtClean="0"/>
-              <a:t>5/8/2022</a:t>
+              <a:t>5/23/2022</a:t>
             </a:fld>
             <a:endParaRPr lang="en-US"/>
           </a:p>
@@ -3371,7 +3371,7 @@
           <a:p>
             <a:fld id="{716955FD-5218-4B18-8B2D-05970B9A6621}" type="datetimeFigureOut">
               <a:rPr lang="en-US" smtClean="0"/>
-              <a:t>5/8/2022</a:t>
+              <a:t>5/23/2022</a:t>
             </a:fld>
             <a:endParaRPr lang="en-US"/>
           </a:p>
@@ -3551,7 +3551,7 @@
           <a:p>
             <a:fld id="{716955FD-5218-4B18-8B2D-05970B9A6621}" type="datetimeFigureOut">
               <a:rPr lang="en-US" smtClean="0"/>
-              <a:t>5/8/2022</a:t>
+              <a:t>5/23/2022</a:t>
             </a:fld>
             <a:endParaRPr lang="en-US"/>
           </a:p>
@@ -3721,7 +3721,7 @@
           <a:p>
             <a:fld id="{716955FD-5218-4B18-8B2D-05970B9A6621}" type="datetimeFigureOut">
               <a:rPr lang="en-US" smtClean="0"/>
-              <a:t>5/8/2022</a:t>
+              <a:t>5/23/2022</a:t>
             </a:fld>
             <a:endParaRPr lang="en-US"/>
           </a:p>
@@ -3968,7 +3968,7 @@
           <a:p>
             <a:fld id="{716955FD-5218-4B18-8B2D-05970B9A6621}" type="datetimeFigureOut">
               <a:rPr lang="en-US" smtClean="0"/>
-              <a:t>5/8/2022</a:t>
+              <a:t>5/23/2022</a:t>
             </a:fld>
             <a:endParaRPr lang="en-US"/>
           </a:p>
@@ -4200,7 +4200,7 @@
           <a:p>
             <a:fld id="{716955FD-5218-4B18-8B2D-05970B9A6621}" type="datetimeFigureOut">
               <a:rPr lang="en-US" smtClean="0"/>
-              <a:t>5/8/2022</a:t>
+              <a:t>5/23/2022</a:t>
             </a:fld>
             <a:endParaRPr lang="en-US"/>
           </a:p>
@@ -4574,7 +4574,7 @@
           <a:p>
             <a:fld id="{716955FD-5218-4B18-8B2D-05970B9A6621}" type="datetimeFigureOut">
               <a:rPr lang="en-US" smtClean="0"/>
-              <a:t>5/8/2022</a:t>
+              <a:t>5/23/2022</a:t>
             </a:fld>
             <a:endParaRPr lang="en-US"/>
           </a:p>
@@ -4697,7 +4697,7 @@
           <a:p>
             <a:fld id="{716955FD-5218-4B18-8B2D-05970B9A6621}" type="datetimeFigureOut">
               <a:rPr lang="en-US" smtClean="0"/>
-              <a:t>5/8/2022</a:t>
+              <a:t>5/23/2022</a:t>
             </a:fld>
             <a:endParaRPr lang="en-US"/>
           </a:p>
@@ -4792,7 +4792,7 @@
           <a:p>
             <a:fld id="{716955FD-5218-4B18-8B2D-05970B9A6621}" type="datetimeFigureOut">
               <a:rPr lang="en-US" smtClean="0"/>
-              <a:t>5/8/2022</a:t>
+              <a:t>5/23/2022</a:t>
             </a:fld>
             <a:endParaRPr lang="en-US"/>
           </a:p>
@@ -5047,7 +5047,7 @@
           <a:p>
             <a:fld id="{716955FD-5218-4B18-8B2D-05970B9A6621}" type="datetimeFigureOut">
               <a:rPr lang="en-US" smtClean="0"/>
-              <a:t>5/8/2022</a:t>
+              <a:t>5/23/2022</a:t>
             </a:fld>
             <a:endParaRPr lang="en-US"/>
           </a:p>
@@ -5352,7 +5352,7 @@
           <a:p>
             <a:fld id="{716955FD-5218-4B18-8B2D-05970B9A6621}" type="datetimeFigureOut">
               <a:rPr lang="en-US" smtClean="0"/>
-              <a:t>5/8/2022</a:t>
+              <a:t>5/23/2022</a:t>
             </a:fld>
             <a:endParaRPr lang="en-US"/>
           </a:p>
@@ -6054,7 +6054,7 @@
           <a:p>
             <a:fld id="{716955FD-5218-4B18-8B2D-05970B9A6621}" type="datetimeFigureOut">
               <a:rPr lang="en-US" smtClean="0"/>
-              <a:t>5/8/2022</a:t>
+              <a:t>5/23/2022</a:t>
             </a:fld>
             <a:endParaRPr lang="en-US"/>
           </a:p>
@@ -6909,11 +6909,7 @@
               <a:buAutoNum type="arabicPeriod"/>
             </a:pPr>
             <a:r>
-              <a:rPr lang="uk-UA" dirty="0">
-                <a:highlight>
-                  <a:srgbClr val="FFFF00"/>
-                </a:highlight>
-              </a:rPr>
+              <a:rPr lang="uk-UA" dirty="0"/>
               <a:t>Середнє змінюється на моду</a:t>
             </a:r>
           </a:p>
@@ -11581,8 +11577,8 @@
           </a:p>
         </p:txBody>
       </p:sp>
-      <mc:AlternateContent xmlns:mc="http://schemas.openxmlformats.org/markup-compatibility/2006" xmlns:a14="http://schemas.microsoft.com/office/drawing/2010/main">
-        <mc:Choice Requires="a14">
+      <mc:AlternateContent xmlns:mc="http://schemas.openxmlformats.org/markup-compatibility/2006">
+        <mc:Choice xmlns:a14="http://schemas.microsoft.com/office/drawing/2010/main" Requires="a14">
           <p:sp>
             <p:nvSpPr>
               <p:cNvPr id="6" name="TextBox 5">
@@ -11792,10 +11788,28 @@
                 </a:r>
                 <a:r>
                   <a:rPr lang="uk-UA" sz="2400" dirty="0"/>
-                  <a:t>з середнім зв’язуванням 	</a:t>
+                  <a:t>з середнім зв’язуванням 	 </a:t>
                 </a:r>
                 <a14:m>
                   <m:oMath xmlns:m="http://schemas.openxmlformats.org/officeDocument/2006/math">
+                    <m:r>
+                      <a:rPr lang="uk-UA" sz="2400">
+                        <a:latin typeface="Cambria Math" panose="02040503050406030204" pitchFamily="18" charset="0"/>
+                      </a:rPr>
+                      <m:t>0</m:t>
+                    </m:r>
+                    <m:r>
+                      <a:rPr lang="uk-UA" sz="2400" b="0" i="0" smtClean="0">
+                        <a:latin typeface="Cambria Math" panose="02040503050406030204" pitchFamily="18" charset="0"/>
+                      </a:rPr>
+                      <m:t>.75</m:t>
+                    </m:r>
+                    <m:r>
+                      <a:rPr lang="en-US" sz="2400" b="0" i="1" smtClean="0">
+                        <a:latin typeface="Cambria Math" panose="02040503050406030204" pitchFamily="18" charset="0"/>
+                      </a:rPr>
+                      <m:t>≥</m:t>
+                    </m:r>
                     <m:f>
                       <m:fPr>
                         <m:ctrlPr>
@@ -11809,18 +11823,10 @@
                           <a:rPr lang="en-US" sz="2400" i="1">
                             <a:latin typeface="Cambria Math" panose="02040503050406030204" pitchFamily="18" charset="0"/>
                           </a:rPr>
-                          <m:t>−(</m:t>
-                        </m:r>
-                        <m:r>
-                          <a:rPr lang="en-US" sz="2400" i="1">
-                            <a:latin typeface="Cambria Math" panose="02040503050406030204" pitchFamily="18" charset="0"/>
-                          </a:rPr>
-                          <m:t>𝑐𝑒𝑙𝑙</m:t>
+                          <m:t>−</m:t>
                         </m:r>
                         <m:d>
                           <m:dPr>
-                            <m:begChr m:val="["/>
-                            <m:endChr m:val="]"/>
                             <m:ctrlPr>
                               <a:rPr lang="en-US" sz="2400" i="1">
                                 <a:latin typeface="Cambria Math" panose="02040503050406030204" pitchFamily="18" charset="0"/>
@@ -11832,10 +11838,87 @@
                               <a:rPr lang="en-US" sz="2400" i="1">
                                 <a:latin typeface="Cambria Math" panose="02040503050406030204" pitchFamily="18" charset="0"/>
                               </a:rPr>
-                              <m:t>𝑖</m:t>
+                              <m:t>𝑐𝑒𝑙𝑙</m:t>
                             </m:r>
+                            <m:d>
+                              <m:dPr>
+                                <m:begChr m:val="["/>
+                                <m:endChr m:val="]"/>
+                                <m:ctrlPr>
+                                  <a:rPr lang="en-US" sz="2400" i="1">
+                                    <a:latin typeface="Cambria Math" panose="02040503050406030204" pitchFamily="18" charset="0"/>
+                                  </a:rPr>
+                                </m:ctrlPr>
+                              </m:dPr>
+                              <m:e>
+                                <m:r>
+                                  <a:rPr lang="en-US" sz="2400" i="1">
+                                    <a:latin typeface="Cambria Math" panose="02040503050406030204" pitchFamily="18" charset="0"/>
+                                  </a:rPr>
+                                  <m:t>𝑖</m:t>
+                                </m:r>
+                              </m:e>
+                            </m:d>
+                            <m:d>
+                              <m:dPr>
+                                <m:begChr m:val="["/>
+                                <m:endChr m:val="]"/>
+                                <m:ctrlPr>
+                                  <a:rPr lang="en-US" sz="2400" i="1">
+                                    <a:latin typeface="Cambria Math" panose="02040503050406030204" pitchFamily="18" charset="0"/>
+                                  </a:rPr>
+                                </m:ctrlPr>
+                              </m:dPr>
+                              <m:e>
+                                <m:r>
+                                  <a:rPr lang="en-US" sz="2400" i="1">
+                                    <a:latin typeface="Cambria Math" panose="02040503050406030204" pitchFamily="18" charset="0"/>
+                                  </a:rPr>
+                                  <m:t>𝑗</m:t>
+                                </m:r>
+                              </m:e>
+                            </m:d>
+                            <m:r>
+                              <a:rPr lang="en-US" sz="2400" i="1">
+                                <a:latin typeface="Cambria Math" panose="02040503050406030204" pitchFamily="18" charset="0"/>
+                              </a:rPr>
+                              <m:t>−</m:t>
+                            </m:r>
+                            <m:r>
+                              <a:rPr lang="en-US" sz="2400" i="1">
+                                <a:latin typeface="Cambria Math" panose="02040503050406030204" pitchFamily="18" charset="0"/>
+                              </a:rPr>
+                              <m:t>𝑏𝑙𝑎𝑛𝑘</m:t>
+                            </m:r>
+                            <m:d>
+                              <m:dPr>
+                                <m:begChr m:val="["/>
+                                <m:endChr m:val="]"/>
+                                <m:ctrlPr>
+                                  <a:rPr lang="en-US" sz="2400" i="1">
+                                    <a:latin typeface="Cambria Math" panose="02040503050406030204" pitchFamily="18" charset="0"/>
+                                  </a:rPr>
+                                </m:ctrlPr>
+                              </m:dPr>
+                              <m:e>
+                                <m:r>
+                                  <a:rPr lang="en-US" sz="2400" i="1">
+                                    <a:latin typeface="Cambria Math" panose="02040503050406030204" pitchFamily="18" charset="0"/>
+                                  </a:rPr>
+                                  <m:t>𝑗</m:t>
+                                </m:r>
+                              </m:e>
+                            </m:d>
                           </m:e>
                         </m:d>
+                      </m:num>
+                      <m:den>
+                        <m:r>
+                          <a:rPr lang="en-US" sz="2400" i="1">
+                            <a:latin typeface="Cambria Math" panose="02040503050406030204" pitchFamily="18" charset="0"/>
+                          </a:rPr>
+                          <m:t>𝑏𝑙𝑎𝑛𝑘</m:t>
+                        </m:r>
                         <m:d>
                           <m:dPr>
                             <m:begChr m:val="["/>
@@ -11855,69 +11938,19 @@
                             </m:r>
                           </m:e>
                         </m:d>
-                        <m:r>
-                          <a:rPr lang="en-US" sz="2400" i="1">
-                            <a:latin typeface="Cambria Math" panose="02040503050406030204" pitchFamily="18" charset="0"/>
-                          </a:rPr>
-                          <m:t>−</m:t>
-                        </m:r>
-                        <m:r>
-                          <a:rPr lang="en-US" sz="2400" i="1">
-                            <a:latin typeface="Cambria Math" panose="02040503050406030204" pitchFamily="18" charset="0"/>
-                          </a:rPr>
-                          <m:t>𝑏𝑙𝑎𝑛𝑘</m:t>
-                        </m:r>
-                        <m:r>
-                          <a:rPr lang="en-US" sz="2400" i="1">
-                            <a:latin typeface="Cambria Math" panose="02040503050406030204" pitchFamily="18" charset="0"/>
-                          </a:rPr>
-                          <m:t>[</m:t>
-                        </m:r>
-                        <m:r>
-                          <a:rPr lang="en-US" sz="2400" i="1">
-                            <a:latin typeface="Cambria Math" panose="02040503050406030204" pitchFamily="18" charset="0"/>
-                          </a:rPr>
-                          <m:t>𝑗</m:t>
-                        </m:r>
-                        <m:r>
-                          <a:rPr lang="en-US" sz="2400" i="1">
-                            <a:latin typeface="Cambria Math" panose="02040503050406030204" pitchFamily="18" charset="0"/>
-                          </a:rPr>
-                          <m:t>])</m:t>
-                        </m:r>
-                      </m:num>
-                      <m:den>
-                        <m:r>
-                          <a:rPr lang="en-US" sz="2400" i="1">
-                            <a:latin typeface="Cambria Math" panose="02040503050406030204" pitchFamily="18" charset="0"/>
-                          </a:rPr>
-                          <m:t>𝑏𝑙𝑎𝑛𝑘</m:t>
-                        </m:r>
-                        <m:r>
-                          <a:rPr lang="en-US" sz="2400" i="1">
-                            <a:latin typeface="Cambria Math" panose="02040503050406030204" pitchFamily="18" charset="0"/>
-                          </a:rPr>
-                          <m:t>[</m:t>
-                        </m:r>
-                        <m:r>
-                          <a:rPr lang="en-US" sz="2400" i="1">
-                            <a:latin typeface="Cambria Math" panose="02040503050406030204" pitchFamily="18" charset="0"/>
-                          </a:rPr>
-                          <m:t>𝑗</m:t>
-                        </m:r>
-                        <m:r>
-                          <a:rPr lang="en-US" sz="2400" i="1">
-                            <a:latin typeface="Cambria Math" panose="02040503050406030204" pitchFamily="18" charset="0"/>
-                          </a:rPr>
-                          <m:t>]</m:t>
-                        </m:r>
                       </m:den>
                     </m:f>
+                    <m:r>
+                      <a:rPr lang="en-US" sz="2400" b="0" i="1" smtClean="0">
+                        <a:latin typeface="Cambria Math" panose="02040503050406030204" pitchFamily="18" charset="0"/>
+                      </a:rPr>
+                      <m:t>&gt;</m:t>
+                    </m:r>
                     <m:r>
                       <a:rPr lang="en-US" sz="2400" i="1">
                         <a:latin typeface="Cambria Math" panose="02040503050406030204" pitchFamily="18" charset="0"/>
                       </a:rPr>
-                      <m:t>&gt;0.5</m:t>
+                      <m:t>0.5</m:t>
                     </m:r>
                   </m:oMath>
                 </a14:m>
@@ -11950,7 +11983,7 @@
             </p:txBody>
           </p:sp>
         </mc:Choice>
-        <mc:Fallback xmlns="">
+        <mc:Fallback>
           <p:sp>
             <p:nvSpPr>
               <p:cNvPr id="6" name="TextBox 5">
@@ -11976,7 +12009,7 @@
               <a:blipFill>
                 <a:blip r:embed="rId2"/>
                 <a:stretch>
-                  <a:fillRect l="-1121" r="-1051" b="-2258"/>
+                  <a:fillRect l="-1121" r="-1051" b="-1992"/>
                 </a:stretch>
               </a:blipFill>
             </p:spPr>

--- a/Documents/Зелінський_Олександр.pptx
+++ b/Documents/Зелінський_Олександр.pptx
@@ -219,7 +219,7 @@
           <a:p>
             <a:fld id="{586FF3FF-D377-4670-B4E0-8859B8BB81C2}" type="datetimeFigureOut">
               <a:rPr lang="en-US" smtClean="0"/>
-              <a:t>5/23/2022</a:t>
+              <a:t>10/27/2022</a:t>
             </a:fld>
             <a:endParaRPr lang="en-US"/>
           </a:p>
@@ -1596,7 +1596,7 @@
           <a:p>
             <a:fld id="{716955FD-5218-4B18-8B2D-05970B9A6621}" type="datetimeFigureOut">
               <a:rPr lang="en-US" smtClean="0"/>
-              <a:t>5/23/2022</a:t>
+              <a:t>10/27/2022</a:t>
             </a:fld>
             <a:endParaRPr lang="en-US"/>
           </a:p>
@@ -1847,7 +1847,7 @@
           <a:p>
             <a:fld id="{716955FD-5218-4B18-8B2D-05970B9A6621}" type="datetimeFigureOut">
               <a:rPr lang="en-US" smtClean="0"/>
-              <a:t>5/23/2022</a:t>
+              <a:t>10/27/2022</a:t>
             </a:fld>
             <a:endParaRPr lang="en-US"/>
           </a:p>
@@ -2161,7 +2161,7 @@
           <a:p>
             <a:fld id="{716955FD-5218-4B18-8B2D-05970B9A6621}" type="datetimeFigureOut">
               <a:rPr lang="en-US" smtClean="0"/>
-              <a:t>5/23/2022</a:t>
+              <a:t>10/27/2022</a:t>
             </a:fld>
             <a:endParaRPr lang="en-US"/>
           </a:p>
@@ -2494,7 +2494,7 @@
           <a:p>
             <a:fld id="{716955FD-5218-4B18-8B2D-05970B9A6621}" type="datetimeFigureOut">
               <a:rPr lang="en-US" smtClean="0"/>
-              <a:t>5/23/2022</a:t>
+              <a:t>10/27/2022</a:t>
             </a:fld>
             <a:endParaRPr lang="en-US"/>
           </a:p>
@@ -2808,7 +2808,7 @@
           <a:p>
             <a:fld id="{716955FD-5218-4B18-8B2D-05970B9A6621}" type="datetimeFigureOut">
               <a:rPr lang="en-US" smtClean="0"/>
-              <a:t>5/23/2022</a:t>
+              <a:t>10/27/2022</a:t>
             </a:fld>
             <a:endParaRPr lang="en-US"/>
           </a:p>
@@ -3201,7 +3201,7 @@
           <a:p>
             <a:fld id="{716955FD-5218-4B18-8B2D-05970B9A6621}" type="datetimeFigureOut">
               <a:rPr lang="en-US" smtClean="0"/>
-              <a:t>5/23/2022</a:t>
+              <a:t>10/27/2022</a:t>
             </a:fld>
             <a:endParaRPr lang="en-US"/>
           </a:p>
@@ -3371,7 +3371,7 @@
           <a:p>
             <a:fld id="{716955FD-5218-4B18-8B2D-05970B9A6621}" type="datetimeFigureOut">
               <a:rPr lang="en-US" smtClean="0"/>
-              <a:t>5/23/2022</a:t>
+              <a:t>10/27/2022</a:t>
             </a:fld>
             <a:endParaRPr lang="en-US"/>
           </a:p>
@@ -3551,7 +3551,7 @@
           <a:p>
             <a:fld id="{716955FD-5218-4B18-8B2D-05970B9A6621}" type="datetimeFigureOut">
               <a:rPr lang="en-US" smtClean="0"/>
-              <a:t>5/23/2022</a:t>
+              <a:t>10/27/2022</a:t>
             </a:fld>
             <a:endParaRPr lang="en-US"/>
           </a:p>
@@ -3721,7 +3721,7 @@
           <a:p>
             <a:fld id="{716955FD-5218-4B18-8B2D-05970B9A6621}" type="datetimeFigureOut">
               <a:rPr lang="en-US" smtClean="0"/>
-              <a:t>5/23/2022</a:t>
+              <a:t>10/27/2022</a:t>
             </a:fld>
             <a:endParaRPr lang="en-US"/>
           </a:p>
@@ -3968,7 +3968,7 @@
           <a:p>
             <a:fld id="{716955FD-5218-4B18-8B2D-05970B9A6621}" type="datetimeFigureOut">
               <a:rPr lang="en-US" smtClean="0"/>
-              <a:t>5/23/2022</a:t>
+              <a:t>10/27/2022</a:t>
             </a:fld>
             <a:endParaRPr lang="en-US"/>
           </a:p>
@@ -4200,7 +4200,7 @@
           <a:p>
             <a:fld id="{716955FD-5218-4B18-8B2D-05970B9A6621}" type="datetimeFigureOut">
               <a:rPr lang="en-US" smtClean="0"/>
-              <a:t>5/23/2022</a:t>
+              <a:t>10/27/2022</a:t>
             </a:fld>
             <a:endParaRPr lang="en-US"/>
           </a:p>
@@ -4574,7 +4574,7 @@
           <a:p>
             <a:fld id="{716955FD-5218-4B18-8B2D-05970B9A6621}" type="datetimeFigureOut">
               <a:rPr lang="en-US" smtClean="0"/>
-              <a:t>5/23/2022</a:t>
+              <a:t>10/27/2022</a:t>
             </a:fld>
             <a:endParaRPr lang="en-US"/>
           </a:p>
@@ -4697,7 +4697,7 @@
           <a:p>
             <a:fld id="{716955FD-5218-4B18-8B2D-05970B9A6621}" type="datetimeFigureOut">
               <a:rPr lang="en-US" smtClean="0"/>
-              <a:t>5/23/2022</a:t>
+              <a:t>10/27/2022</a:t>
             </a:fld>
             <a:endParaRPr lang="en-US"/>
           </a:p>
@@ -4792,7 +4792,7 @@
           <a:p>
             <a:fld id="{716955FD-5218-4B18-8B2D-05970B9A6621}" type="datetimeFigureOut">
               <a:rPr lang="en-US" smtClean="0"/>
-              <a:t>5/23/2022</a:t>
+              <a:t>10/27/2022</a:t>
             </a:fld>
             <a:endParaRPr lang="en-US"/>
           </a:p>
@@ -5047,7 +5047,7 @@
           <a:p>
             <a:fld id="{716955FD-5218-4B18-8B2D-05970B9A6621}" type="datetimeFigureOut">
               <a:rPr lang="en-US" smtClean="0"/>
-              <a:t>5/23/2022</a:t>
+              <a:t>10/27/2022</a:t>
             </a:fld>
             <a:endParaRPr lang="en-US"/>
           </a:p>
@@ -5352,7 +5352,7 @@
           <a:p>
             <a:fld id="{716955FD-5218-4B18-8B2D-05970B9A6621}" type="datetimeFigureOut">
               <a:rPr lang="en-US" smtClean="0"/>
-              <a:t>5/23/2022</a:t>
+              <a:t>10/27/2022</a:t>
             </a:fld>
             <a:endParaRPr lang="en-US"/>
           </a:p>
@@ -6054,7 +6054,7 @@
           <a:p>
             <a:fld id="{716955FD-5218-4B18-8B2D-05970B9A6621}" type="datetimeFigureOut">
               <a:rPr lang="en-US" smtClean="0"/>
-              <a:t>5/23/2022</a:t>
+              <a:t>10/27/2022</a:t>
             </a:fld>
             <a:endParaRPr lang="en-US"/>
           </a:p>
@@ -10497,9 +10497,9 @@
         <p:grpSpPr>
           <a:xfrm>
             <a:off x="5381546" y="1404271"/>
-            <a:ext cx="3541803" cy="2926080"/>
+            <a:ext cx="3509449" cy="2926080"/>
             <a:chOff x="7681042" y="1109709"/>
-            <a:chExt cx="2255307" cy="1797962"/>
+            <a:chExt cx="2234705" cy="1797962"/>
           </a:xfrm>
         </p:grpSpPr>
         <p:sp>
@@ -10576,9 +10576,9 @@
           <p:grpSpPr>
             <a:xfrm>
               <a:off x="7911485" y="1109709"/>
-              <a:ext cx="2024864" cy="1797962"/>
+              <a:ext cx="2004262" cy="1797962"/>
               <a:chOff x="6846164" y="1961965"/>
-              <a:chExt cx="2024864" cy="1797962"/>
+              <a:chExt cx="2004262" cy="1797962"/>
             </a:xfrm>
           </p:grpSpPr>
           <p:sp>
@@ -10661,8 +10661,8 @@
             </p:nvSpPr>
             <p:spPr>
               <a:xfrm>
-                <a:off x="8163125" y="1961965"/>
-                <a:ext cx="707903" cy="699201"/>
+                <a:off x="8314746" y="2145702"/>
+                <a:ext cx="535680" cy="516914"/>
               </a:xfrm>
               <a:prstGeom prst="star8">
                 <a:avLst/>
@@ -10744,12 +10744,12 @@
           </a:fontRef>
         </p:style>
         <p:txBody>
-          <a:bodyPr rtlCol="0" anchor="ctr"/>
+          <a:bodyPr wrap="none" lIns="0" rIns="0" rtlCol="0" anchor="ctr"/>
           <a:lstStyle/>
           <a:p>
             <a:pPr algn="ctr"/>
             <a:r>
-              <a:rPr lang="en-US" sz="1200" dirty="0"/>
+              <a:rPr lang="en-US" sz="1600" dirty="0"/>
               <a:t>SARS-CoV-2</a:t>
             </a:r>
           </a:p>
@@ -11577,8 +11577,8 @@
           </a:p>
         </p:txBody>
       </p:sp>
-      <mc:AlternateContent xmlns:mc="http://schemas.openxmlformats.org/markup-compatibility/2006">
-        <mc:Choice xmlns:a14="http://schemas.microsoft.com/office/drawing/2010/main" Requires="a14">
+      <mc:AlternateContent xmlns:mc="http://schemas.openxmlformats.org/markup-compatibility/2006" xmlns:a14="http://schemas.microsoft.com/office/drawing/2010/main">
+        <mc:Choice Requires="a14">
           <p:sp>
             <p:nvSpPr>
               <p:cNvPr id="6" name="TextBox 5">
@@ -11983,7 +11983,7 @@
             </p:txBody>
           </p:sp>
         </mc:Choice>
-        <mc:Fallback>
+        <mc:Fallback xmlns="">
           <p:sp>
             <p:nvSpPr>
               <p:cNvPr id="6" name="TextBox 5">
